--- a/250424_시스템베릴로그 UVM프레임워크 구조 공부.pptx
+++ b/250424_시스템베릴로그 UVM프레임워크 구조 공부.pptx
@@ -1,29 +1,547 @@
 
 <file path=ppt/presentation.xml><?xml version="1.0" encoding="utf-8"?>
-<p:presentation xmlns:a="http://schemas.openxmlformats.org/drawingml/2006/main" xmlns:p="http://schemas.openxmlformats.org/presentationml/2006/main" xmlns:r="http://schemas.openxmlformats.org/officeDocument/2006/relationships" xmlns:p14="http://schemas.microsoft.com/office/powerpoint/2010/main" xmlns:p15="http://schemas.microsoft.com/office/powerpoint/2012/main" xmlns:mc="http://schemas.openxmlformats.org/markup-compatibility/2006">
+<p:presentation xmlns:a="http://schemas.openxmlformats.org/drawingml/2006/main" xmlns:r="http://schemas.openxmlformats.org/officeDocument/2006/relationships" xmlns:p="http://schemas.openxmlformats.org/presentationml/2006/main">
   <p:sldMasterIdLst>
-    <p:sldMasterId id="2147483648" r:id="rId2"/>
+    <p:sldMasterId id="2147483648" r:id="rId1"/>
   </p:sldMasterIdLst>
   <p:notesMasterIdLst>
-    <p:notesMasterId r:id="rId3"/>
+    <p:notesMasterId r:id="rId12"/>
   </p:notesMasterIdLst>
   <p:sldIdLst>
-    <p:sldId id="256" r:id="rId4"/>
-    <p:sldId id="257" r:id="rId5"/>
-    <p:sldId id="258" r:id="rId6"/>
-    <p:sldId id="259" r:id="rId7"/>
-    <p:sldId id="260" r:id="rId8"/>
-    <p:sldId id="261" r:id="rId9"/>
-    <p:sldId id="262" r:id="rId10"/>
-    <p:sldId id="263" r:id="rId11"/>
+    <p:sldId id="256" r:id="rId2"/>
+    <p:sldId id="257" r:id="rId3"/>
+    <p:sldId id="258" r:id="rId4"/>
+    <p:sldId id="259" r:id="rId5"/>
+    <p:sldId id="260" r:id="rId6"/>
+    <p:sldId id="261" r:id="rId7"/>
+    <p:sldId id="262" r:id="rId8"/>
+    <p:sldId id="263" r:id="rId9"/>
+    <p:sldId id="264" r:id="rId10"/>
+    <p:sldId id="265" r:id="rId11"/>
   </p:sldIdLst>
   <p:sldSz cx="10080625" cy="5670550"/>
   <p:notesSz cx="7559675" cy="10691813"/>
+  <p:defaultTextStyle>
+    <a:defPPr>
+      <a:defRPr lang="ko-KR"/>
+    </a:defPPr>
+    <a:lvl1pPr marL="0" algn="l" defTabSz="914400" rtl="0" eaLnBrk="1" latinLnBrk="1" hangingPunct="1">
+      <a:defRPr sz="1800" kern="1200">
+        <a:solidFill>
+          <a:schemeClr val="tx1"/>
+        </a:solidFill>
+        <a:latin typeface="+mn-lt"/>
+        <a:ea typeface="+mn-ea"/>
+        <a:cs typeface="+mn-cs"/>
+      </a:defRPr>
+    </a:lvl1pPr>
+    <a:lvl2pPr marL="457200" algn="l" defTabSz="914400" rtl="0" eaLnBrk="1" latinLnBrk="1" hangingPunct="1">
+      <a:defRPr sz="1800" kern="1200">
+        <a:solidFill>
+          <a:schemeClr val="tx1"/>
+        </a:solidFill>
+        <a:latin typeface="+mn-lt"/>
+        <a:ea typeface="+mn-ea"/>
+        <a:cs typeface="+mn-cs"/>
+      </a:defRPr>
+    </a:lvl2pPr>
+    <a:lvl3pPr marL="914400" algn="l" defTabSz="914400" rtl="0" eaLnBrk="1" latinLnBrk="1" hangingPunct="1">
+      <a:defRPr sz="1800" kern="1200">
+        <a:solidFill>
+          <a:schemeClr val="tx1"/>
+        </a:solidFill>
+        <a:latin typeface="+mn-lt"/>
+        <a:ea typeface="+mn-ea"/>
+        <a:cs typeface="+mn-cs"/>
+      </a:defRPr>
+    </a:lvl3pPr>
+    <a:lvl4pPr marL="1371600" algn="l" defTabSz="914400" rtl="0" eaLnBrk="1" latinLnBrk="1" hangingPunct="1">
+      <a:defRPr sz="1800" kern="1200">
+        <a:solidFill>
+          <a:schemeClr val="tx1"/>
+        </a:solidFill>
+        <a:latin typeface="+mn-lt"/>
+        <a:ea typeface="+mn-ea"/>
+        <a:cs typeface="+mn-cs"/>
+      </a:defRPr>
+    </a:lvl4pPr>
+    <a:lvl5pPr marL="1828800" algn="l" defTabSz="914400" rtl="0" eaLnBrk="1" latinLnBrk="1" hangingPunct="1">
+      <a:defRPr sz="1800" kern="1200">
+        <a:solidFill>
+          <a:schemeClr val="tx1"/>
+        </a:solidFill>
+        <a:latin typeface="+mn-lt"/>
+        <a:ea typeface="+mn-ea"/>
+        <a:cs typeface="+mn-cs"/>
+      </a:defRPr>
+    </a:lvl5pPr>
+    <a:lvl6pPr marL="2286000" algn="l" defTabSz="914400" rtl="0" eaLnBrk="1" latinLnBrk="1" hangingPunct="1">
+      <a:defRPr sz="1800" kern="1200">
+        <a:solidFill>
+          <a:schemeClr val="tx1"/>
+        </a:solidFill>
+        <a:latin typeface="+mn-lt"/>
+        <a:ea typeface="+mn-ea"/>
+        <a:cs typeface="+mn-cs"/>
+      </a:defRPr>
+    </a:lvl6pPr>
+    <a:lvl7pPr marL="2743200" algn="l" defTabSz="914400" rtl="0" eaLnBrk="1" latinLnBrk="1" hangingPunct="1">
+      <a:defRPr sz="1800" kern="1200">
+        <a:solidFill>
+          <a:schemeClr val="tx1"/>
+        </a:solidFill>
+        <a:latin typeface="+mn-lt"/>
+        <a:ea typeface="+mn-ea"/>
+        <a:cs typeface="+mn-cs"/>
+      </a:defRPr>
+    </a:lvl7pPr>
+    <a:lvl8pPr marL="3200400" algn="l" defTabSz="914400" rtl="0" eaLnBrk="1" latinLnBrk="1" hangingPunct="1">
+      <a:defRPr sz="1800" kern="1200">
+        <a:solidFill>
+          <a:schemeClr val="tx1"/>
+        </a:solidFill>
+        <a:latin typeface="+mn-lt"/>
+        <a:ea typeface="+mn-ea"/>
+        <a:cs typeface="+mn-cs"/>
+      </a:defRPr>
+    </a:lvl8pPr>
+    <a:lvl9pPr marL="3657600" algn="l" defTabSz="914400" rtl="0" eaLnBrk="1" latinLnBrk="1" hangingPunct="1">
+      <a:defRPr sz="1800" kern="1200">
+        <a:solidFill>
+          <a:schemeClr val="tx1"/>
+        </a:solidFill>
+        <a:latin typeface="+mn-lt"/>
+        <a:ea typeface="+mn-ea"/>
+        <a:cs typeface="+mn-cs"/>
+      </a:defRPr>
+    </a:lvl9pPr>
+  </p:defaultTextStyle>
 </p:presentation>
 </file>
 
 <file path=ppt/notesMasters/notesMaster1.xml><?xml version="1.0" encoding="utf-8"?>
-<p:notesMaster xmlns:a="http://schemas.openxmlformats.org/drawingml/2006/main" xmlns:p="http://schemas.openxmlformats.org/presentationml/2006/main" xmlns:r="http://schemas.openxmlformats.org/officeDocument/2006/relationships" xmlns:p14="http://schemas.microsoft.com/office/powerpoint/2010/main" xmlns:p15="http://schemas.microsoft.com/office/powerpoint/2012/main" xmlns:mc="http://schemas.openxmlformats.org/markup-compatibility/2006">
+<p:notesMaster xmlns:a="http://schemas.openxmlformats.org/drawingml/2006/main" xmlns:r="http://schemas.openxmlformats.org/officeDocument/2006/relationships" xmlns:p="http://schemas.openxmlformats.org/presentationml/2006/main">
+  <p:cSld>
+    <p:bg>
+      <p:bgRef idx="1001">
+        <a:schemeClr val="bg1"/>
+      </p:bgRef>
+    </p:bg>
+    <p:spTree>
+      <p:nvGrpSpPr>
+        <p:cNvPr id="1" name=""/>
+        <p:cNvGrpSpPr/>
+        <p:nvPr/>
+      </p:nvGrpSpPr>
+      <p:grpSpPr>
+        <a:xfrm>
+          <a:off x="0" y="0"/>
+          <a:ext cx="0" cy="0"/>
+          <a:chOff x="0" y="0"/>
+          <a:chExt cx="0" cy="0"/>
+        </a:xfrm>
+      </p:grpSpPr>
+      <p:sp>
+        <p:nvSpPr>
+          <p:cNvPr id="42" name="PlaceHolder 1"/>
+          <p:cNvSpPr>
+            <a:spLocks noGrp="1" noRot="1" noChangeAspect="1"/>
+          </p:cNvSpPr>
+          <p:nvPr>
+            <p:ph type="sldImg"/>
+          </p:nvPr>
+        </p:nvSpPr>
+        <p:spPr>
+          <a:xfrm>
+            <a:off x="216000" y="812520"/>
+            <a:ext cx="7127280" cy="4008960"/>
+          </a:xfrm>
+          <a:prstGeom prst="rect">
+            <a:avLst/>
+          </a:prstGeom>
+          <a:noFill/>
+          <a:ln w="12600">
+            <a:noFill/>
+          </a:ln>
+        </p:spPr>
+        <p:txBody>
+          <a:bodyPr lIns="0" tIns="0" rIns="0" bIns="0" anchor="ctr">
+            <a:noAutofit/>
+          </a:bodyPr>
+          <a:lstStyle/>
+          <a:p>
+            <a:pPr algn="ctr"/>
+            <a:r>
+              <a:rPr lang="ko-KR" sz="4400" b="0" u="none" strike="noStrike">
+                <a:solidFill>
+                  <a:srgbClr val="FFFFFF"/>
+                </a:solidFill>
+                <a:effectLst/>
+                <a:uFillTx/>
+                <a:latin typeface="맑은 고딕"/>
+              </a:rPr>
+              <a:t>슬라이드를 이동하려면 클릭하십시오</a:t>
+            </a:r>
+            <a:r>
+              <a:rPr lang="en-US" sz="4400" b="0" u="none" strike="noStrike">
+                <a:solidFill>
+                  <a:srgbClr val="FFFFFF"/>
+                </a:solidFill>
+                <a:effectLst/>
+                <a:uFillTx/>
+                <a:latin typeface="맑은 고딕"/>
+              </a:rPr>
+              <a:t>.</a:t>
+            </a:r>
+          </a:p>
+        </p:txBody>
+      </p:sp>
+      <p:sp>
+        <p:nvSpPr>
+          <p:cNvPr id="43" name="PlaceHolder 2"/>
+          <p:cNvSpPr>
+            <a:spLocks noGrp="1"/>
+          </p:cNvSpPr>
+          <p:nvPr>
+            <p:ph type="body"/>
+          </p:nvPr>
+        </p:nvSpPr>
+        <p:spPr>
+          <a:xfrm>
+            <a:off x="756000" y="5078520"/>
+            <a:ext cx="6047640" cy="4811040"/>
+          </a:xfrm>
+          <a:prstGeom prst="rect">
+            <a:avLst/>
+          </a:prstGeom>
+          <a:noFill/>
+          <a:ln w="12600">
+            <a:noFill/>
+          </a:ln>
+        </p:spPr>
+        <p:txBody>
+          <a:bodyPr lIns="0" tIns="0" rIns="0" bIns="0" anchor="t">
+            <a:noAutofit/>
+          </a:bodyPr>
+          <a:lstStyle/>
+          <a:p>
+            <a:pPr indent="0">
+              <a:buNone/>
+            </a:pPr>
+            <a:endParaRPr lang="en-US" sz="2000" b="0" u="none" strike="noStrike">
+              <a:solidFill>
+                <a:srgbClr val="FFFFFF"/>
+              </a:solidFill>
+              <a:effectLst/>
+              <a:uFillTx/>
+              <a:latin typeface="맑은 고딕"/>
+            </a:endParaRPr>
+          </a:p>
+        </p:txBody>
+      </p:sp>
+      <p:sp>
+        <p:nvSpPr>
+          <p:cNvPr id="44" name="PlaceHolder 3"/>
+          <p:cNvSpPr>
+            <a:spLocks noGrp="1"/>
+          </p:cNvSpPr>
+          <p:nvPr>
+            <p:ph type="hdr"/>
+          </p:nvPr>
+        </p:nvSpPr>
+        <p:spPr>
+          <a:xfrm>
+            <a:off x="0" y="0"/>
+            <a:ext cx="3280680" cy="534240"/>
+          </a:xfrm>
+          <a:prstGeom prst="rect">
+            <a:avLst/>
+          </a:prstGeom>
+          <a:noFill/>
+          <a:ln w="12600">
+            <a:noFill/>
+          </a:ln>
+        </p:spPr>
+        <p:txBody>
+          <a:bodyPr lIns="0" tIns="0" rIns="0" bIns="0" anchor="t">
+            <a:noAutofit/>
+          </a:bodyPr>
+          <a:lstStyle/>
+          <a:p>
+            <a:pPr indent="0">
+              <a:buNone/>
+            </a:pPr>
+            <a:endParaRPr lang="en-US" sz="2400" b="0" u="none" strike="noStrike">
+              <a:solidFill>
+                <a:srgbClr val="FFFFFF"/>
+              </a:solidFill>
+              <a:effectLst/>
+              <a:uFillTx/>
+              <a:latin typeface="맑은 고딕"/>
+            </a:endParaRPr>
+          </a:p>
+        </p:txBody>
+      </p:sp>
+      <p:sp>
+        <p:nvSpPr>
+          <p:cNvPr id="45" name="PlaceHolder 4"/>
+          <p:cNvSpPr>
+            <a:spLocks noGrp="1"/>
+          </p:cNvSpPr>
+          <p:nvPr>
+            <p:ph type="dt" idx="25"/>
+          </p:nvPr>
+        </p:nvSpPr>
+        <p:spPr>
+          <a:xfrm>
+            <a:off x="4278960" y="0"/>
+            <a:ext cx="3280680" cy="534240"/>
+          </a:xfrm>
+          <a:prstGeom prst="rect">
+            <a:avLst/>
+          </a:prstGeom>
+          <a:noFill/>
+          <a:ln w="12600">
+            <a:noFill/>
+          </a:ln>
+        </p:spPr>
+        <p:txBody>
+          <a:bodyPr lIns="0" tIns="0" rIns="0" bIns="0" anchor="t">
+            <a:noAutofit/>
+          </a:bodyPr>
+          <a:lstStyle/>
+          <a:p>
+            <a:pPr indent="0">
+              <a:buNone/>
+            </a:pPr>
+            <a:endParaRPr lang="en-US" sz="2400" b="0" u="none" strike="noStrike">
+              <a:solidFill>
+                <a:srgbClr val="FFFFFF"/>
+              </a:solidFill>
+              <a:effectLst/>
+              <a:uFillTx/>
+              <a:latin typeface="맑은 고딕"/>
+            </a:endParaRPr>
+          </a:p>
+        </p:txBody>
+      </p:sp>
+      <p:sp>
+        <p:nvSpPr>
+          <p:cNvPr id="46" name="PlaceHolder 5"/>
+          <p:cNvSpPr>
+            <a:spLocks noGrp="1"/>
+          </p:cNvSpPr>
+          <p:nvPr>
+            <p:ph type="ftr" idx="26"/>
+          </p:nvPr>
+        </p:nvSpPr>
+        <p:spPr>
+          <a:xfrm>
+            <a:off x="0" y="10157400"/>
+            <a:ext cx="3280680" cy="534240"/>
+          </a:xfrm>
+          <a:prstGeom prst="rect">
+            <a:avLst/>
+          </a:prstGeom>
+          <a:noFill/>
+          <a:ln w="12600">
+            <a:noFill/>
+          </a:ln>
+        </p:spPr>
+        <p:txBody>
+          <a:bodyPr lIns="0" tIns="0" rIns="0" bIns="0" anchor="b">
+            <a:noAutofit/>
+          </a:bodyPr>
+          <a:lstStyle/>
+          <a:p>
+            <a:pPr indent="0">
+              <a:buNone/>
+            </a:pPr>
+            <a:endParaRPr lang="en-US" sz="2400" b="0" u="none" strike="noStrike">
+              <a:solidFill>
+                <a:srgbClr val="FFFFFF"/>
+              </a:solidFill>
+              <a:effectLst/>
+              <a:uFillTx/>
+              <a:latin typeface="맑은 고딕"/>
+            </a:endParaRPr>
+          </a:p>
+        </p:txBody>
+      </p:sp>
+      <p:sp>
+        <p:nvSpPr>
+          <p:cNvPr id="47" name="PlaceHolder 6"/>
+          <p:cNvSpPr>
+            <a:spLocks noGrp="1"/>
+          </p:cNvSpPr>
+          <p:nvPr>
+            <p:ph type="sldNum" idx="27"/>
+          </p:nvPr>
+        </p:nvSpPr>
+        <p:spPr>
+          <a:xfrm>
+            <a:off x="4278960" y="10157400"/>
+            <a:ext cx="3280680" cy="534240"/>
+          </a:xfrm>
+          <a:prstGeom prst="rect">
+            <a:avLst/>
+          </a:prstGeom>
+          <a:noFill/>
+          <a:ln w="12600">
+            <a:noFill/>
+          </a:ln>
+        </p:spPr>
+        <p:txBody>
+          <a:bodyPr lIns="0" tIns="0" rIns="0" bIns="0" anchor="b">
+            <a:noAutofit/>
+          </a:bodyPr>
+          <a:lstStyle>
+            <a:lvl1pPr indent="0" algn="r">
+              <a:lnSpc>
+                <a:spcPct val="100000"/>
+              </a:lnSpc>
+              <a:buNone/>
+              <a:defRPr lang="en-US" sz="1400" b="0" u="none" strike="noStrike">
+                <a:solidFill>
+                  <a:srgbClr val="000000"/>
+                </a:solidFill>
+                <a:effectLst/>
+                <a:uFillTx/>
+                <a:latin typeface="맑은 고딕"/>
+                <a:ea typeface="맑은 고딕"/>
+              </a:defRPr>
+            </a:lvl1pPr>
+          </a:lstStyle>
+          <a:p>
+            <a:pPr indent="0" algn="r">
+              <a:lnSpc>
+                <a:spcPct val="100000"/>
+              </a:lnSpc>
+              <a:buNone/>
+            </a:pPr>
+            <a:fld id="{984C4F96-3C3C-4C33-B886-5C4C182BB04B}" type="slidenum">
+              <a:rPr lang="en-US" sz="1400" b="0" u="none" strike="noStrike">
+                <a:solidFill>
+                  <a:srgbClr val="000000"/>
+                </a:solidFill>
+                <a:effectLst/>
+                <a:uFillTx/>
+                <a:latin typeface="맑은 고딕"/>
+                <a:ea typeface="맑은 고딕"/>
+              </a:rPr>
+              <a:t>‹#›</a:t>
+            </a:fld>
+            <a:endParaRPr lang="en-US" sz="1400" b="0" u="none" strike="noStrike">
+              <a:solidFill>
+                <a:srgbClr val="FFFFFF"/>
+              </a:solidFill>
+              <a:effectLst/>
+              <a:uFillTx/>
+              <a:latin typeface="맑은 고딕"/>
+            </a:endParaRPr>
+          </a:p>
+        </p:txBody>
+      </p:sp>
+    </p:spTree>
+  </p:cSld>
+  <p:clrMap bg1="lt1" tx1="dk1" bg2="lt2" tx2="dk2" accent1="accent1" accent2="accent2" accent3="accent3" accent4="accent4" accent5="accent5" accent6="accent6" hlink="hlink" folHlink="folHlink"/>
+  <p:notesStyle>
+    <a:lvl1pPr marL="0" algn="l" defTabSz="914400" rtl="0" eaLnBrk="1" latinLnBrk="1" hangingPunct="1">
+      <a:defRPr sz="1200" kern="1200">
+        <a:solidFill>
+          <a:schemeClr val="tx1"/>
+        </a:solidFill>
+        <a:latin typeface="+mn-lt"/>
+        <a:ea typeface="+mn-ea"/>
+        <a:cs typeface="+mn-cs"/>
+      </a:defRPr>
+    </a:lvl1pPr>
+    <a:lvl2pPr marL="457200" algn="l" defTabSz="914400" rtl="0" eaLnBrk="1" latinLnBrk="1" hangingPunct="1">
+      <a:defRPr sz="1200" kern="1200">
+        <a:solidFill>
+          <a:schemeClr val="tx1"/>
+        </a:solidFill>
+        <a:latin typeface="+mn-lt"/>
+        <a:ea typeface="+mn-ea"/>
+        <a:cs typeface="+mn-cs"/>
+      </a:defRPr>
+    </a:lvl2pPr>
+    <a:lvl3pPr marL="914400" algn="l" defTabSz="914400" rtl="0" eaLnBrk="1" latinLnBrk="1" hangingPunct="1">
+      <a:defRPr sz="1200" kern="1200">
+        <a:solidFill>
+          <a:schemeClr val="tx1"/>
+        </a:solidFill>
+        <a:latin typeface="+mn-lt"/>
+        <a:ea typeface="+mn-ea"/>
+        <a:cs typeface="+mn-cs"/>
+      </a:defRPr>
+    </a:lvl3pPr>
+    <a:lvl4pPr marL="1371600" algn="l" defTabSz="914400" rtl="0" eaLnBrk="1" latinLnBrk="1" hangingPunct="1">
+      <a:defRPr sz="1200" kern="1200">
+        <a:solidFill>
+          <a:schemeClr val="tx1"/>
+        </a:solidFill>
+        <a:latin typeface="+mn-lt"/>
+        <a:ea typeface="+mn-ea"/>
+        <a:cs typeface="+mn-cs"/>
+      </a:defRPr>
+    </a:lvl4pPr>
+    <a:lvl5pPr marL="1828800" algn="l" defTabSz="914400" rtl="0" eaLnBrk="1" latinLnBrk="1" hangingPunct="1">
+      <a:defRPr sz="1200" kern="1200">
+        <a:solidFill>
+          <a:schemeClr val="tx1"/>
+        </a:solidFill>
+        <a:latin typeface="+mn-lt"/>
+        <a:ea typeface="+mn-ea"/>
+        <a:cs typeface="+mn-cs"/>
+      </a:defRPr>
+    </a:lvl5pPr>
+    <a:lvl6pPr marL="2286000" algn="l" defTabSz="914400" rtl="0" eaLnBrk="1" latinLnBrk="1" hangingPunct="1">
+      <a:defRPr sz="1200" kern="1200">
+        <a:solidFill>
+          <a:schemeClr val="tx1"/>
+        </a:solidFill>
+        <a:latin typeface="+mn-lt"/>
+        <a:ea typeface="+mn-ea"/>
+        <a:cs typeface="+mn-cs"/>
+      </a:defRPr>
+    </a:lvl6pPr>
+    <a:lvl7pPr marL="2743200" algn="l" defTabSz="914400" rtl="0" eaLnBrk="1" latinLnBrk="1" hangingPunct="1">
+      <a:defRPr sz="1200" kern="1200">
+        <a:solidFill>
+          <a:schemeClr val="tx1"/>
+        </a:solidFill>
+        <a:latin typeface="+mn-lt"/>
+        <a:ea typeface="+mn-ea"/>
+        <a:cs typeface="+mn-cs"/>
+      </a:defRPr>
+    </a:lvl7pPr>
+    <a:lvl8pPr marL="3200400" algn="l" defTabSz="914400" rtl="0" eaLnBrk="1" latinLnBrk="1" hangingPunct="1">
+      <a:defRPr sz="1200" kern="1200">
+        <a:solidFill>
+          <a:schemeClr val="tx1"/>
+        </a:solidFill>
+        <a:latin typeface="+mn-lt"/>
+        <a:ea typeface="+mn-ea"/>
+        <a:cs typeface="+mn-cs"/>
+      </a:defRPr>
+    </a:lvl8pPr>
+    <a:lvl9pPr marL="3657600" algn="l" defTabSz="914400" rtl="0" eaLnBrk="1" latinLnBrk="1" hangingPunct="1">
+      <a:defRPr sz="1200" kern="1200">
+        <a:solidFill>
+          <a:schemeClr val="tx1"/>
+        </a:solidFill>
+        <a:latin typeface="+mn-lt"/>
+        <a:ea typeface="+mn-ea"/>
+        <a:cs typeface="+mn-cs"/>
+      </a:defRPr>
+    </a:lvl9pPr>
+  </p:notesStyle>
+</p:notesMaster>
+</file>
+
+<file path=ppt/notesSlides/notesSlide1.xml><?xml version="1.0" encoding="utf-8"?>
+<p:notes xmlns:a="http://schemas.openxmlformats.org/drawingml/2006/main" xmlns:r="http://schemas.openxmlformats.org/officeDocument/2006/relationships" xmlns:p="http://schemas.openxmlformats.org/presentationml/2006/main">
   <p:cSld>
     <p:spTree>
       <p:nvGrpSpPr>
@@ -41,9 +559,62 @@
       </p:grpSpPr>
       <p:sp>
         <p:nvSpPr>
-          <p:cNvPr id="42" name="PlaceHolder 1"/>
+          <p:cNvPr id="80" name="슬라이드 번호 개체 틀 6"/>
+          <p:cNvSpPr txBox="1"/>
+          <p:nvPr/>
+        </p:nvSpPr>
+        <p:spPr>
+          <a:xfrm>
+            <a:off x="4278960" y="10157400"/>
+            <a:ext cx="3280680" cy="534240"/>
+          </a:xfrm>
+          <a:prstGeom prst="rect">
+            <a:avLst/>
+          </a:prstGeom>
+          <a:noFill/>
+          <a:ln w="0">
+            <a:noFill/>
+          </a:ln>
+        </p:spPr>
+        <p:txBody>
+          <a:bodyPr lIns="0" tIns="0" rIns="0" bIns="0" anchor="b">
+            <a:noAutofit/>
+          </a:bodyPr>
+          <a:lstStyle/>
+          <a:p>
+            <a:pPr algn="r">
+              <a:lnSpc>
+                <a:spcPct val="100000"/>
+              </a:lnSpc>
+            </a:pPr>
+            <a:fld id="{0CCA76EC-6125-48A1-B41F-114D5D93C5D5}" type="slidenum">
+              <a:rPr lang="en-US" sz="1400" b="0" u="none" strike="noStrike">
+                <a:solidFill>
+                  <a:srgbClr val="000000"/>
+                </a:solidFill>
+                <a:effectLst/>
+                <a:uFillTx/>
+                <a:latin typeface="맑은 고딕"/>
+                <a:ea typeface="맑은 고딕"/>
+              </a:rPr>
+              <a:t>1</a:t>
+            </a:fld>
+            <a:endParaRPr lang="en-US" sz="1400" b="0" u="none" strike="noStrike">
+              <a:solidFill>
+                <a:srgbClr val="FFFFFF"/>
+              </a:solidFill>
+              <a:effectLst/>
+              <a:uFillTx/>
+              <a:latin typeface="맑은 고딕"/>
+            </a:endParaRPr>
+          </a:p>
+        </p:txBody>
+      </p:sp>
+      <p:sp>
+        <p:nvSpPr>
+          <p:cNvPr id="81" name="PlaceHolder 1"/>
           <p:cNvSpPr>
-            <a:spLocks noGrp="1"/>
+            <a:spLocks noGrp="1" noRot="1" noChangeAspect="1"/>
           </p:cNvSpPr>
           <p:nvPr>
             <p:ph type="sldImg"/>
@@ -51,59 +622,20 @@
         </p:nvSpPr>
         <p:spPr>
           <a:xfrm>
-            <a:off x="216000" y="812520"/>
-            <a:ext cx="7127280" cy="4008960"/>
-          </a:xfrm>
-          <a:prstGeom prst="rect">
-            <a:avLst/>
-          </a:prstGeom>
-          <a:noFill/>
-          <a:ln w="12600">
-            <a:noFill/>
-          </a:ln>
-        </p:spPr>
-        <p:txBody>
-          <a:bodyPr lIns="0" rIns="0" tIns="0" bIns="0" anchor="ctr">
-            <a:noAutofit/>
-          </a:bodyPr>
-          <a:p>
-            <a:pPr algn="ctr"/>
-            <a:r>
-              <a:rPr b="0" lang="ko-KR" sz="4400" strike="noStrike" u="none">
-                <a:solidFill>
-                  <a:srgbClr val="ffffff"/>
-                </a:solidFill>
-                <a:effectLst/>
-                <a:uFillTx/>
-                <a:latin typeface="맑은 고딕"/>
-              </a:rPr>
-              <a:t>슬라이드를 이동하려면 클릭하십시오</a:t>
-            </a:r>
-            <a:r>
-              <a:rPr b="0" lang="en-US" sz="4400" strike="noStrike" u="none">
-                <a:solidFill>
-                  <a:srgbClr val="ffffff"/>
-                </a:solidFill>
-                <a:effectLst/>
-                <a:uFillTx/>
-                <a:latin typeface="맑은 고딕"/>
-              </a:rPr>
-              <a:t>.</a:t>
-            </a:r>
-            <a:endParaRPr b="0" lang="en-US" sz="4400" strike="noStrike" u="none">
-              <a:solidFill>
-                <a:srgbClr val="ffffff"/>
-              </a:solidFill>
-              <a:effectLst/>
-              <a:uFillTx/>
-              <a:latin typeface="맑은 고딕"/>
-            </a:endParaRPr>
-          </a:p>
-        </p:txBody>
-      </p:sp>
-      <p:sp>
-        <p:nvSpPr>
-          <p:cNvPr id="43" name="PlaceHolder 2"/>
+            <a:off x="217488" y="812800"/>
+            <a:ext cx="7124700" cy="4008438"/>
+          </a:xfrm>
+          <a:prstGeom prst="rect">
+            <a:avLst/>
+          </a:prstGeom>
+          <a:ln w="0">
+            <a:noFill/>
+          </a:ln>
+        </p:spPr>
+      </p:sp>
+      <p:sp>
+        <p:nvSpPr>
+          <p:cNvPr id="82" name="PlaceHolder 2"/>
           <p:cNvSpPr>
             <a:spLocks noGrp="1"/>
           </p:cNvSpPr>
@@ -125,216 +657,17 @@
           </a:ln>
         </p:spPr>
         <p:txBody>
-          <a:bodyPr lIns="0" rIns="0" tIns="0" bIns="0" anchor="t">
+          <a:bodyPr lIns="0" tIns="0" rIns="0" bIns="0" anchor="t">
             <a:noAutofit/>
           </a:bodyPr>
+          <a:lstStyle/>
           <a:p>
             <a:pPr indent="0">
               <a:buNone/>
             </a:pPr>
-            <a:endParaRPr b="0" lang="en-US" sz="2000" strike="noStrike" u="none">
-              <a:solidFill>
-                <a:srgbClr val="ffffff"/>
-              </a:solidFill>
-              <a:effectLst/>
-              <a:uFillTx/>
-              <a:latin typeface="맑은 고딕"/>
-            </a:endParaRPr>
-          </a:p>
-        </p:txBody>
-      </p:sp>
-      <p:sp>
-        <p:nvSpPr>
-          <p:cNvPr id="44" name="PlaceHolder 3"/>
-          <p:cNvSpPr>
-            <a:spLocks noGrp="1"/>
-          </p:cNvSpPr>
-          <p:nvPr>
-            <p:ph type="hdr"/>
-          </p:nvPr>
-        </p:nvSpPr>
-        <p:spPr>
-          <a:xfrm>
-            <a:off x="0" y="0"/>
-            <a:ext cx="3280680" cy="534240"/>
-          </a:xfrm>
-          <a:prstGeom prst="rect">
-            <a:avLst/>
-          </a:prstGeom>
-          <a:noFill/>
-          <a:ln w="12600">
-            <a:noFill/>
-          </a:ln>
-        </p:spPr>
-        <p:txBody>
-          <a:bodyPr lIns="0" rIns="0" tIns="0" bIns="0" anchor="t">
-            <a:noAutofit/>
-          </a:bodyPr>
-          <a:p>
-            <a:pPr indent="0">
-              <a:buNone/>
-            </a:pPr>
-            <a:endParaRPr b="0" lang="en-US" sz="2400" strike="noStrike" u="none">
-              <a:solidFill>
-                <a:srgbClr val="ffffff"/>
-              </a:solidFill>
-              <a:effectLst/>
-              <a:uFillTx/>
-              <a:latin typeface="맑은 고딕"/>
-            </a:endParaRPr>
-          </a:p>
-        </p:txBody>
-      </p:sp>
-      <p:sp>
-        <p:nvSpPr>
-          <p:cNvPr id="45" name="PlaceHolder 4"/>
-          <p:cNvSpPr>
-            <a:spLocks noGrp="1"/>
-          </p:cNvSpPr>
-          <p:nvPr>
-            <p:ph type="dt" idx="25"/>
-          </p:nvPr>
-        </p:nvSpPr>
-        <p:spPr>
-          <a:xfrm>
-            <a:off x="4278960" y="0"/>
-            <a:ext cx="3280680" cy="534240"/>
-          </a:xfrm>
-          <a:prstGeom prst="rect">
-            <a:avLst/>
-          </a:prstGeom>
-          <a:noFill/>
-          <a:ln w="12600">
-            <a:noFill/>
-          </a:ln>
-        </p:spPr>
-        <p:txBody>
-          <a:bodyPr lIns="0" rIns="0" tIns="0" bIns="0" anchor="t">
-            <a:noAutofit/>
-          </a:bodyPr>
-          <a:p>
-            <a:pPr indent="0">
-              <a:buNone/>
-            </a:pPr>
-            <a:endParaRPr b="0" lang="en-US" sz="2400" strike="noStrike" u="none">
-              <a:solidFill>
-                <a:srgbClr val="ffffff"/>
-              </a:solidFill>
-              <a:effectLst/>
-              <a:uFillTx/>
-              <a:latin typeface="맑은 고딕"/>
-            </a:endParaRPr>
-          </a:p>
-        </p:txBody>
-      </p:sp>
-      <p:sp>
-        <p:nvSpPr>
-          <p:cNvPr id="46" name="PlaceHolder 5"/>
-          <p:cNvSpPr>
-            <a:spLocks noGrp="1"/>
-          </p:cNvSpPr>
-          <p:nvPr>
-            <p:ph type="ftr" idx="26"/>
-          </p:nvPr>
-        </p:nvSpPr>
-        <p:spPr>
-          <a:xfrm>
-            <a:off x="0" y="10157400"/>
-            <a:ext cx="3280680" cy="534240"/>
-          </a:xfrm>
-          <a:prstGeom prst="rect">
-            <a:avLst/>
-          </a:prstGeom>
-          <a:noFill/>
-          <a:ln w="12600">
-            <a:noFill/>
-          </a:ln>
-        </p:spPr>
-        <p:txBody>
-          <a:bodyPr lIns="0" rIns="0" tIns="0" bIns="0" anchor="b">
-            <a:noAutofit/>
-          </a:bodyPr>
-          <a:p>
-            <a:pPr indent="0">
-              <a:buNone/>
-            </a:pPr>
-            <a:endParaRPr b="0" lang="en-US" sz="2400" strike="noStrike" u="none">
-              <a:solidFill>
-                <a:srgbClr val="ffffff"/>
-              </a:solidFill>
-              <a:effectLst/>
-              <a:uFillTx/>
-              <a:latin typeface="맑은 고딕"/>
-            </a:endParaRPr>
-          </a:p>
-        </p:txBody>
-      </p:sp>
-      <p:sp>
-        <p:nvSpPr>
-          <p:cNvPr id="47" name="PlaceHolder 6"/>
-          <p:cNvSpPr>
-            <a:spLocks noGrp="1"/>
-          </p:cNvSpPr>
-          <p:nvPr>
-            <p:ph type="sldNum" idx="27"/>
-          </p:nvPr>
-        </p:nvSpPr>
-        <p:spPr>
-          <a:xfrm>
-            <a:off x="4278960" y="10157400"/>
-            <a:ext cx="3280680" cy="534240"/>
-          </a:xfrm>
-          <a:prstGeom prst="rect">
-            <a:avLst/>
-          </a:prstGeom>
-          <a:noFill/>
-          <a:ln w="12600">
-            <a:noFill/>
-          </a:ln>
-        </p:spPr>
-        <p:txBody>
-          <a:bodyPr lIns="0" rIns="0" tIns="0" bIns="0" anchor="b">
-            <a:noAutofit/>
-          </a:bodyPr>
-          <a:lstStyle>
-            <a:lvl1pPr indent="0" algn="r">
-              <a:lnSpc>
-                <a:spcPct val="100000"/>
-              </a:lnSpc>
-              <a:buNone/>
-              <a:defRPr b="0" lang="en-US" sz="1400" strike="noStrike" u="none">
-                <a:solidFill>
-                  <a:srgbClr val="000000"/>
-                </a:solidFill>
-                <a:effectLst/>
-                <a:uFillTx/>
-                <a:latin typeface="맑은 고딕"/>
-                <a:ea typeface="맑은 고딕"/>
-              </a:defRPr>
-            </a:lvl1pPr>
-          </a:lstStyle>
-          <a:p>
-            <a:pPr indent="0" algn="r">
-              <a:lnSpc>
-                <a:spcPct val="100000"/>
-              </a:lnSpc>
-              <a:buNone/>
-            </a:pPr>
-            <a:fld id="{984C4F96-3C3C-4C33-B886-5C4C182BB04B}" type="slidenum">
-              <a:rPr b="0" lang="en-US" sz="1400" strike="noStrike" u="none">
-                <a:solidFill>
-                  <a:srgbClr val="000000"/>
-                </a:solidFill>
-                <a:effectLst/>
-                <a:uFillTx/>
-                <a:latin typeface="맑은 고딕"/>
-                <a:ea typeface="맑은 고딕"/>
-              </a:rPr>
-              <a:t>&lt;숫자&gt;</a:t>
-            </a:fld>
-            <a:endParaRPr b="0" lang="en-US" sz="1400" strike="noStrike" u="none">
-              <a:solidFill>
-                <a:srgbClr val="ffffff"/>
+            <a:endParaRPr lang="en-US" sz="2000" b="0" u="none" strike="noStrike">
+              <a:solidFill>
+                <a:srgbClr val="FFFFFF"/>
               </a:solidFill>
               <a:effectLst/>
               <a:uFillTx/>
@@ -345,12 +678,14 @@
       </p:sp>
     </p:spTree>
   </p:cSld>
-  <p:clrMap bg1="lt1" bg2="lt2" tx1="dk1" tx2="dk2" accent1="accent1" accent2="accent2" accent3="accent3" accent4="accent4" accent5="accent5" accent6="accent6" hlink="hlink" folHlink="folHlink"/>
-</p:notesMaster>
+  <p:clrMapOvr>
+    <a:masterClrMapping/>
+  </p:clrMapOvr>
+</p:notes>
 </file>
 
-<file path=ppt/notesSlides/notesSlide1.xml><?xml version="1.0" encoding="utf-8"?>
-<p:notes xmlns:a="http://schemas.openxmlformats.org/drawingml/2006/main" xmlns:p="http://schemas.openxmlformats.org/presentationml/2006/main" xmlns:r="http://schemas.openxmlformats.org/officeDocument/2006/relationships" xmlns:p14="http://schemas.microsoft.com/office/powerpoint/2010/main" xmlns:p15="http://schemas.microsoft.com/office/powerpoint/2012/main" xmlns:mc="http://schemas.openxmlformats.org/markup-compatibility/2006">
+<file path=ppt/notesSlides/notesSlide10.xml><?xml version="1.0" encoding="utf-8"?>
+<p:notes xmlns:a="http://schemas.openxmlformats.org/drawingml/2006/main" xmlns:r="http://schemas.openxmlformats.org/officeDocument/2006/relationships" xmlns:p="http://schemas.openxmlformats.org/presentationml/2006/main">
   <p:cSld>
     <p:spTree>
       <p:nvGrpSpPr>
@@ -368,7 +703,7 @@
       </p:grpSpPr>
       <p:sp>
         <p:nvSpPr>
-          <p:cNvPr id="80" name="슬라이드 번호 개체 틀 6"/>
+          <p:cNvPr id="101" name="슬라이드 번호 개체 틀 6"/>
           <p:cNvSpPr txBox="1"/>
           <p:nvPr/>
         </p:nvSpPr>
@@ -386,17 +721,18 @@
           </a:ln>
         </p:spPr>
         <p:txBody>
-          <a:bodyPr lIns="0" rIns="0" tIns="0" bIns="0" anchor="b">
+          <a:bodyPr lIns="0" tIns="0" rIns="0" bIns="0" anchor="b">
             <a:noAutofit/>
           </a:bodyPr>
+          <a:lstStyle/>
           <a:p>
             <a:pPr algn="r">
               <a:lnSpc>
                 <a:spcPct val="100000"/>
               </a:lnSpc>
             </a:pPr>
-            <a:fld id="{0CCA76EC-6125-48A1-B41F-114D5D93C5D5}" type="slidenum">
-              <a:rPr b="0" lang="en-US" sz="1400" strike="noStrike" u="none">
+            <a:fld id="{64726D16-9B2D-49F5-AD1A-53F9B84DD124}" type="slidenum">
+              <a:rPr lang="en-US" sz="1400" b="0" u="none" strike="noStrike">
                 <a:solidFill>
                   <a:srgbClr val="000000"/>
                 </a:solidFill>
@@ -405,11 +741,11 @@
                 <a:latin typeface="맑은 고딕"/>
                 <a:ea typeface="맑은 고딕"/>
               </a:rPr>
-              <a:t>&lt;숫자&gt;</a:t>
+              <a:t>10</a:t>
             </a:fld>
-            <a:endParaRPr b="0" lang="en-US" sz="1400" strike="noStrike" u="none">
-              <a:solidFill>
-                <a:srgbClr val="ffffff"/>
+            <a:endParaRPr lang="en-US" sz="1400" b="0" u="none" strike="noStrike">
+              <a:solidFill>
+                <a:srgbClr val="FFFFFF"/>
               </a:solidFill>
               <a:effectLst/>
               <a:uFillTx/>
@@ -420,9 +756,9 @@
       </p:sp>
       <p:sp>
         <p:nvSpPr>
-          <p:cNvPr id="81" name="PlaceHolder 1"/>
+          <p:cNvPr id="102" name="PlaceHolder 1"/>
           <p:cNvSpPr>
-            <a:spLocks noGrp="1"/>
+            <a:spLocks noGrp="1" noRot="1" noChangeAspect="1"/>
           </p:cNvSpPr>
           <p:nvPr>
             <p:ph type="sldImg"/>
@@ -430,8 +766,8 @@
         </p:nvSpPr>
         <p:spPr>
           <a:xfrm>
-            <a:off x="217440" y="812880"/>
-            <a:ext cx="7124760" cy="4008600"/>
+            <a:off x="217488" y="812800"/>
+            <a:ext cx="7124700" cy="4008438"/>
           </a:xfrm>
           <a:prstGeom prst="rect">
             <a:avLst/>
@@ -443,7 +779,7 @@
       </p:sp>
       <p:sp>
         <p:nvSpPr>
-          <p:cNvPr id="82" name="PlaceHolder 2"/>
+          <p:cNvPr id="103" name="PlaceHolder 2"/>
           <p:cNvSpPr>
             <a:spLocks noGrp="1"/>
           </p:cNvSpPr>
@@ -465,16 +801,17 @@
           </a:ln>
         </p:spPr>
         <p:txBody>
-          <a:bodyPr lIns="0" rIns="0" tIns="0" bIns="0" anchor="t">
+          <a:bodyPr lIns="0" tIns="0" rIns="0" bIns="0" anchor="t">
             <a:noAutofit/>
           </a:bodyPr>
+          <a:lstStyle/>
           <a:p>
             <a:pPr indent="0">
               <a:buNone/>
             </a:pPr>
-            <a:endParaRPr b="0" lang="en-US" sz="2000" strike="noStrike" u="none">
-              <a:solidFill>
-                <a:srgbClr val="ffffff"/>
+            <a:endParaRPr lang="en-US" sz="2000" b="0" u="none" strike="noStrike" dirty="0">
+              <a:solidFill>
+                <a:srgbClr val="FFFFFF"/>
               </a:solidFill>
               <a:effectLst/>
               <a:uFillTx/>
@@ -484,12 +821,20 @@
         </p:txBody>
       </p:sp>
     </p:spTree>
+    <p:extLst>
+      <p:ext uri="{BB962C8B-B14F-4D97-AF65-F5344CB8AC3E}">
+        <p14:creationId xmlns:p14="http://schemas.microsoft.com/office/powerpoint/2010/main" val="460338302"/>
+      </p:ext>
+    </p:extLst>
   </p:cSld>
+  <p:clrMapOvr>
+    <a:masterClrMapping/>
+  </p:clrMapOvr>
 </p:notes>
 </file>
 
 <file path=ppt/notesSlides/notesSlide2.xml><?xml version="1.0" encoding="utf-8"?>
-<p:notes xmlns:a="http://schemas.openxmlformats.org/drawingml/2006/main" xmlns:p="http://schemas.openxmlformats.org/presentationml/2006/main" xmlns:r="http://schemas.openxmlformats.org/officeDocument/2006/relationships" xmlns:p14="http://schemas.microsoft.com/office/powerpoint/2010/main" xmlns:p15="http://schemas.microsoft.com/office/powerpoint/2012/main" xmlns:mc="http://schemas.openxmlformats.org/markup-compatibility/2006">
+<p:notes xmlns:a="http://schemas.openxmlformats.org/drawingml/2006/main" xmlns:r="http://schemas.openxmlformats.org/officeDocument/2006/relationships" xmlns:p="http://schemas.openxmlformats.org/presentationml/2006/main">
   <p:cSld>
     <p:spTree>
       <p:nvGrpSpPr>
@@ -525,9 +870,10 @@
           </a:ln>
         </p:spPr>
         <p:txBody>
-          <a:bodyPr lIns="0" rIns="0" tIns="0" bIns="0" anchor="b">
+          <a:bodyPr lIns="0" tIns="0" rIns="0" bIns="0" anchor="b">
             <a:noAutofit/>
           </a:bodyPr>
+          <a:lstStyle/>
           <a:p>
             <a:pPr algn="r">
               <a:lnSpc>
@@ -535,7 +881,7 @@
               </a:lnSpc>
             </a:pPr>
             <a:fld id="{0D630D35-DFEE-471E-8197-6BEA5A72D59A}" type="slidenum">
-              <a:rPr b="0" lang="en-US" sz="1400" strike="noStrike" u="none">
+              <a:rPr lang="en-US" sz="1400" b="0" u="none" strike="noStrike">
                 <a:solidFill>
                   <a:srgbClr val="000000"/>
                 </a:solidFill>
@@ -544,11 +890,11 @@
                 <a:latin typeface="맑은 고딕"/>
                 <a:ea typeface="맑은 고딕"/>
               </a:rPr>
-              <a:t>&lt;숫자&gt;</a:t>
+              <a:t>2</a:t>
             </a:fld>
-            <a:endParaRPr b="0" lang="en-US" sz="1400" strike="noStrike" u="none">
-              <a:solidFill>
-                <a:srgbClr val="ffffff"/>
+            <a:endParaRPr lang="en-US" sz="1400" b="0" u="none" strike="noStrike">
+              <a:solidFill>
+                <a:srgbClr val="FFFFFF"/>
               </a:solidFill>
               <a:effectLst/>
               <a:uFillTx/>
@@ -561,7 +907,7 @@
         <p:nvSpPr>
           <p:cNvPr id="84" name="PlaceHolder 1"/>
           <p:cNvSpPr>
-            <a:spLocks noGrp="1"/>
+            <a:spLocks noGrp="1" noRot="1" noChangeAspect="1"/>
           </p:cNvSpPr>
           <p:nvPr>
             <p:ph type="sldImg"/>
@@ -604,16 +950,17 @@
           </a:ln>
         </p:spPr>
         <p:txBody>
-          <a:bodyPr lIns="0" rIns="0" tIns="0" bIns="0" anchor="t">
+          <a:bodyPr lIns="0" tIns="0" rIns="0" bIns="0" anchor="t">
             <a:noAutofit/>
           </a:bodyPr>
+          <a:lstStyle/>
           <a:p>
             <a:pPr indent="0">
               <a:buNone/>
             </a:pPr>
-            <a:endParaRPr b="0" lang="en-US" sz="2000" strike="noStrike" u="none">
-              <a:solidFill>
-                <a:srgbClr val="ffffff"/>
+            <a:endParaRPr lang="en-US" sz="2000" b="0" u="none" strike="noStrike">
+              <a:solidFill>
+                <a:srgbClr val="FFFFFF"/>
               </a:solidFill>
               <a:effectLst/>
               <a:uFillTx/>
@@ -624,11 +971,14 @@
       </p:sp>
     </p:spTree>
   </p:cSld>
+  <p:clrMapOvr>
+    <a:masterClrMapping/>
+  </p:clrMapOvr>
 </p:notes>
 </file>
 
 <file path=ppt/notesSlides/notesSlide3.xml><?xml version="1.0" encoding="utf-8"?>
-<p:notes xmlns:a="http://schemas.openxmlformats.org/drawingml/2006/main" xmlns:p="http://schemas.openxmlformats.org/presentationml/2006/main" xmlns:r="http://schemas.openxmlformats.org/officeDocument/2006/relationships" xmlns:p14="http://schemas.microsoft.com/office/powerpoint/2010/main" xmlns:p15="http://schemas.microsoft.com/office/powerpoint/2012/main" xmlns:mc="http://schemas.openxmlformats.org/markup-compatibility/2006">
+<p:notes xmlns:a="http://schemas.openxmlformats.org/drawingml/2006/main" xmlns:r="http://schemas.openxmlformats.org/officeDocument/2006/relationships" xmlns:p="http://schemas.openxmlformats.org/presentationml/2006/main">
   <p:cSld>
     <p:spTree>
       <p:nvGrpSpPr>
@@ -664,9 +1014,10 @@
           </a:ln>
         </p:spPr>
         <p:txBody>
-          <a:bodyPr lIns="0" rIns="0" tIns="0" bIns="0" anchor="b">
+          <a:bodyPr lIns="0" tIns="0" rIns="0" bIns="0" anchor="b">
             <a:noAutofit/>
           </a:bodyPr>
+          <a:lstStyle/>
           <a:p>
             <a:pPr algn="r">
               <a:lnSpc>
@@ -674,7 +1025,7 @@
               </a:lnSpc>
             </a:pPr>
             <a:fld id="{C00EB8D3-C2D6-4891-AFC5-43ECB21EDB04}" type="slidenum">
-              <a:rPr b="0" lang="en-US" sz="1400" strike="noStrike" u="none">
+              <a:rPr lang="en-US" sz="1400" b="0" u="none" strike="noStrike">
                 <a:solidFill>
                   <a:srgbClr val="000000"/>
                 </a:solidFill>
@@ -683,11 +1034,11 @@
                 <a:latin typeface="맑은 고딕"/>
                 <a:ea typeface="맑은 고딕"/>
               </a:rPr>
-              <a:t>&lt;숫자&gt;</a:t>
+              <a:t>3</a:t>
             </a:fld>
-            <a:endParaRPr b="0" lang="en-US" sz="1400" strike="noStrike" u="none">
-              <a:solidFill>
-                <a:srgbClr val="ffffff"/>
+            <a:endParaRPr lang="en-US" sz="1400" b="0" u="none" strike="noStrike">
+              <a:solidFill>
+                <a:srgbClr val="FFFFFF"/>
               </a:solidFill>
               <a:effectLst/>
               <a:uFillTx/>
@@ -700,7 +1051,7 @@
         <p:nvSpPr>
           <p:cNvPr id="87" name="PlaceHolder 1"/>
           <p:cNvSpPr>
-            <a:spLocks noGrp="1"/>
+            <a:spLocks noGrp="1" noRot="1" noChangeAspect="1"/>
           </p:cNvSpPr>
           <p:nvPr>
             <p:ph type="sldImg"/>
@@ -743,16 +1094,17 @@
           </a:ln>
         </p:spPr>
         <p:txBody>
-          <a:bodyPr lIns="0" rIns="0" tIns="0" bIns="0" anchor="t">
+          <a:bodyPr lIns="0" tIns="0" rIns="0" bIns="0" anchor="t">
             <a:noAutofit/>
           </a:bodyPr>
+          <a:lstStyle/>
           <a:p>
             <a:pPr indent="0">
               <a:buNone/>
             </a:pPr>
-            <a:endParaRPr b="0" lang="en-US" sz="2000" strike="noStrike" u="none">
-              <a:solidFill>
-                <a:srgbClr val="ffffff"/>
+            <a:endParaRPr lang="en-US" sz="2000" b="0" u="none" strike="noStrike">
+              <a:solidFill>
+                <a:srgbClr val="FFFFFF"/>
               </a:solidFill>
               <a:effectLst/>
               <a:uFillTx/>
@@ -763,11 +1115,14 @@
       </p:sp>
     </p:spTree>
   </p:cSld>
+  <p:clrMapOvr>
+    <a:masterClrMapping/>
+  </p:clrMapOvr>
 </p:notes>
 </file>
 
 <file path=ppt/notesSlides/notesSlide4.xml><?xml version="1.0" encoding="utf-8"?>
-<p:notes xmlns:a="http://schemas.openxmlformats.org/drawingml/2006/main" xmlns:p="http://schemas.openxmlformats.org/presentationml/2006/main" xmlns:r="http://schemas.openxmlformats.org/officeDocument/2006/relationships" xmlns:p14="http://schemas.microsoft.com/office/powerpoint/2010/main" xmlns:p15="http://schemas.microsoft.com/office/powerpoint/2012/main" xmlns:mc="http://schemas.openxmlformats.org/markup-compatibility/2006">
+<p:notes xmlns:a="http://schemas.openxmlformats.org/drawingml/2006/main" xmlns:r="http://schemas.openxmlformats.org/officeDocument/2006/relationships" xmlns:p="http://schemas.openxmlformats.org/presentationml/2006/main">
   <p:cSld>
     <p:spTree>
       <p:nvGrpSpPr>
@@ -803,9 +1158,10 @@
           </a:ln>
         </p:spPr>
         <p:txBody>
-          <a:bodyPr lIns="0" rIns="0" tIns="0" bIns="0" anchor="b">
+          <a:bodyPr lIns="0" tIns="0" rIns="0" bIns="0" anchor="b">
             <a:noAutofit/>
           </a:bodyPr>
+          <a:lstStyle/>
           <a:p>
             <a:pPr algn="r">
               <a:lnSpc>
@@ -813,7 +1169,7 @@
               </a:lnSpc>
             </a:pPr>
             <a:fld id="{C801676E-ECF8-43D2-82D0-5A8BFC72AF10}" type="slidenum">
-              <a:rPr b="0" lang="en-US" sz="1400" strike="noStrike" u="none">
+              <a:rPr lang="en-US" sz="1400" b="0" u="none" strike="noStrike">
                 <a:solidFill>
                   <a:srgbClr val="000000"/>
                 </a:solidFill>
@@ -822,11 +1178,11 @@
                 <a:latin typeface="맑은 고딕"/>
                 <a:ea typeface="맑은 고딕"/>
               </a:rPr>
-              <a:t>&lt;숫자&gt;</a:t>
+              <a:t>4</a:t>
             </a:fld>
-            <a:endParaRPr b="0" lang="en-US" sz="1400" strike="noStrike" u="none">
-              <a:solidFill>
-                <a:srgbClr val="ffffff"/>
+            <a:endParaRPr lang="en-US" sz="1400" b="0" u="none" strike="noStrike">
+              <a:solidFill>
+                <a:srgbClr val="FFFFFF"/>
               </a:solidFill>
               <a:effectLst/>
               <a:uFillTx/>
@@ -839,7 +1195,7 @@
         <p:nvSpPr>
           <p:cNvPr id="90" name="PlaceHolder 1"/>
           <p:cNvSpPr>
-            <a:spLocks noGrp="1"/>
+            <a:spLocks noGrp="1" noRot="1" noChangeAspect="1"/>
           </p:cNvSpPr>
           <p:nvPr>
             <p:ph type="sldImg"/>
@@ -882,16 +1238,17 @@
           </a:ln>
         </p:spPr>
         <p:txBody>
-          <a:bodyPr lIns="0" rIns="0" tIns="0" bIns="0" anchor="t">
+          <a:bodyPr lIns="0" tIns="0" rIns="0" bIns="0" anchor="t">
             <a:noAutofit/>
           </a:bodyPr>
+          <a:lstStyle/>
           <a:p>
             <a:pPr indent="0">
               <a:buNone/>
             </a:pPr>
-            <a:endParaRPr b="0" lang="en-US" sz="2000" strike="noStrike" u="none">
-              <a:solidFill>
-                <a:srgbClr val="ffffff"/>
+            <a:endParaRPr lang="en-US" sz="2000" b="0" u="none" strike="noStrike">
+              <a:solidFill>
+                <a:srgbClr val="FFFFFF"/>
               </a:solidFill>
               <a:effectLst/>
               <a:uFillTx/>
@@ -902,11 +1259,14 @@
       </p:sp>
     </p:spTree>
   </p:cSld>
+  <p:clrMapOvr>
+    <a:masterClrMapping/>
+  </p:clrMapOvr>
 </p:notes>
 </file>
 
 <file path=ppt/notesSlides/notesSlide5.xml><?xml version="1.0" encoding="utf-8"?>
-<p:notes xmlns:a="http://schemas.openxmlformats.org/drawingml/2006/main" xmlns:p="http://schemas.openxmlformats.org/presentationml/2006/main" xmlns:r="http://schemas.openxmlformats.org/officeDocument/2006/relationships" xmlns:p14="http://schemas.microsoft.com/office/powerpoint/2010/main" xmlns:p15="http://schemas.microsoft.com/office/powerpoint/2012/main" xmlns:mc="http://schemas.openxmlformats.org/markup-compatibility/2006">
+<p:notes xmlns:a="http://schemas.openxmlformats.org/drawingml/2006/main" xmlns:r="http://schemas.openxmlformats.org/officeDocument/2006/relationships" xmlns:p="http://schemas.openxmlformats.org/presentationml/2006/main">
   <p:cSld>
     <p:spTree>
       <p:nvGrpSpPr>
@@ -942,9 +1302,10 @@
           </a:ln>
         </p:spPr>
         <p:txBody>
-          <a:bodyPr lIns="0" rIns="0" tIns="0" bIns="0" anchor="b">
+          <a:bodyPr lIns="0" tIns="0" rIns="0" bIns="0" anchor="b">
             <a:noAutofit/>
           </a:bodyPr>
+          <a:lstStyle/>
           <a:p>
             <a:pPr algn="r">
               <a:lnSpc>
@@ -952,7 +1313,7 @@
               </a:lnSpc>
             </a:pPr>
             <a:fld id="{ACAD657D-0276-42F1-848A-C561D05199C1}" type="slidenum">
-              <a:rPr b="0" lang="en-US" sz="1400" strike="noStrike" u="none">
+              <a:rPr lang="en-US" sz="1400" b="0" u="none" strike="noStrike">
                 <a:solidFill>
                   <a:srgbClr val="000000"/>
                 </a:solidFill>
@@ -961,11 +1322,11 @@
                 <a:latin typeface="맑은 고딕"/>
                 <a:ea typeface="맑은 고딕"/>
               </a:rPr>
-              <a:t>&lt;숫자&gt;</a:t>
+              <a:t>5</a:t>
             </a:fld>
-            <a:endParaRPr b="0" lang="en-US" sz="1400" strike="noStrike" u="none">
-              <a:solidFill>
-                <a:srgbClr val="ffffff"/>
+            <a:endParaRPr lang="en-US" sz="1400" b="0" u="none" strike="noStrike">
+              <a:solidFill>
+                <a:srgbClr val="FFFFFF"/>
               </a:solidFill>
               <a:effectLst/>
               <a:uFillTx/>
@@ -978,7 +1339,7 @@
         <p:nvSpPr>
           <p:cNvPr id="93" name="PlaceHolder 1"/>
           <p:cNvSpPr>
-            <a:spLocks noGrp="1"/>
+            <a:spLocks noGrp="1" noRot="1" noChangeAspect="1"/>
           </p:cNvSpPr>
           <p:nvPr>
             <p:ph type="sldImg"/>
@@ -1021,16 +1382,17 @@
           </a:ln>
         </p:spPr>
         <p:txBody>
-          <a:bodyPr lIns="0" rIns="0" tIns="0" bIns="0" anchor="t">
+          <a:bodyPr lIns="0" tIns="0" rIns="0" bIns="0" anchor="t">
             <a:noAutofit/>
           </a:bodyPr>
+          <a:lstStyle/>
           <a:p>
             <a:pPr indent="0">
               <a:buNone/>
             </a:pPr>
-            <a:endParaRPr b="0" lang="en-US" sz="2000" strike="noStrike" u="none">
-              <a:solidFill>
-                <a:srgbClr val="ffffff"/>
+            <a:endParaRPr lang="en-US" sz="2000" b="0" u="none" strike="noStrike">
+              <a:solidFill>
+                <a:srgbClr val="FFFFFF"/>
               </a:solidFill>
               <a:effectLst/>
               <a:uFillTx/>
@@ -1041,11 +1403,14 @@
       </p:sp>
     </p:spTree>
   </p:cSld>
+  <p:clrMapOvr>
+    <a:masterClrMapping/>
+  </p:clrMapOvr>
 </p:notes>
 </file>
 
 <file path=ppt/notesSlides/notesSlide6.xml><?xml version="1.0" encoding="utf-8"?>
-<p:notes xmlns:a="http://schemas.openxmlformats.org/drawingml/2006/main" xmlns:p="http://schemas.openxmlformats.org/presentationml/2006/main" xmlns:r="http://schemas.openxmlformats.org/officeDocument/2006/relationships" xmlns:p14="http://schemas.microsoft.com/office/powerpoint/2010/main" xmlns:p15="http://schemas.microsoft.com/office/powerpoint/2012/main" xmlns:mc="http://schemas.openxmlformats.org/markup-compatibility/2006">
+<p:notes xmlns:a="http://schemas.openxmlformats.org/drawingml/2006/main" xmlns:r="http://schemas.openxmlformats.org/officeDocument/2006/relationships" xmlns:p="http://schemas.openxmlformats.org/presentationml/2006/main">
   <p:cSld>
     <p:spTree>
       <p:nvGrpSpPr>
@@ -1081,9 +1446,10 @@
           </a:ln>
         </p:spPr>
         <p:txBody>
-          <a:bodyPr lIns="0" rIns="0" tIns="0" bIns="0" anchor="b">
+          <a:bodyPr lIns="0" tIns="0" rIns="0" bIns="0" anchor="b">
             <a:noAutofit/>
           </a:bodyPr>
+          <a:lstStyle/>
           <a:p>
             <a:pPr algn="r">
               <a:lnSpc>
@@ -1091,7 +1457,7 @@
               </a:lnSpc>
             </a:pPr>
             <a:fld id="{D3DC958E-0308-4015-951F-1DAE700D8FFF}" type="slidenum">
-              <a:rPr b="0" lang="en-US" sz="1400" strike="noStrike" u="none">
+              <a:rPr lang="en-US" sz="1400" b="0" u="none" strike="noStrike">
                 <a:solidFill>
                   <a:srgbClr val="000000"/>
                 </a:solidFill>
@@ -1100,11 +1466,11 @@
                 <a:latin typeface="맑은 고딕"/>
                 <a:ea typeface="맑은 고딕"/>
               </a:rPr>
-              <a:t>&lt;숫자&gt;</a:t>
+              <a:t>6</a:t>
             </a:fld>
-            <a:endParaRPr b="0" lang="en-US" sz="1400" strike="noStrike" u="none">
-              <a:solidFill>
-                <a:srgbClr val="ffffff"/>
+            <a:endParaRPr lang="en-US" sz="1400" b="0" u="none" strike="noStrike">
+              <a:solidFill>
+                <a:srgbClr val="FFFFFF"/>
               </a:solidFill>
               <a:effectLst/>
               <a:uFillTx/>
@@ -1117,7 +1483,7 @@
         <p:nvSpPr>
           <p:cNvPr id="96" name="PlaceHolder 1"/>
           <p:cNvSpPr>
-            <a:spLocks noGrp="1"/>
+            <a:spLocks noGrp="1" noRot="1" noChangeAspect="1"/>
           </p:cNvSpPr>
           <p:nvPr>
             <p:ph type="sldImg"/>
@@ -1160,16 +1526,17 @@
           </a:ln>
         </p:spPr>
         <p:txBody>
-          <a:bodyPr lIns="0" rIns="0" tIns="0" bIns="0" anchor="t">
+          <a:bodyPr lIns="0" tIns="0" rIns="0" bIns="0" anchor="t">
             <a:noAutofit/>
           </a:bodyPr>
+          <a:lstStyle/>
           <a:p>
             <a:pPr indent="0">
               <a:buNone/>
             </a:pPr>
-            <a:endParaRPr b="0" lang="en-US" sz="2000" strike="noStrike" u="none">
-              <a:solidFill>
-                <a:srgbClr val="ffffff"/>
+            <a:endParaRPr lang="en-US" sz="2000" b="0" u="none" strike="noStrike">
+              <a:solidFill>
+                <a:srgbClr val="FFFFFF"/>
               </a:solidFill>
               <a:effectLst/>
               <a:uFillTx/>
@@ -1180,11 +1547,14 @@
       </p:sp>
     </p:spTree>
   </p:cSld>
+  <p:clrMapOvr>
+    <a:masterClrMapping/>
+  </p:clrMapOvr>
 </p:notes>
 </file>
 
 <file path=ppt/notesSlides/notesSlide7.xml><?xml version="1.0" encoding="utf-8"?>
-<p:notes xmlns:a="http://schemas.openxmlformats.org/drawingml/2006/main" xmlns:p="http://schemas.openxmlformats.org/presentationml/2006/main" xmlns:r="http://schemas.openxmlformats.org/officeDocument/2006/relationships" xmlns:p14="http://schemas.microsoft.com/office/powerpoint/2010/main" xmlns:p15="http://schemas.microsoft.com/office/powerpoint/2012/main" xmlns:mc="http://schemas.openxmlformats.org/markup-compatibility/2006">
+<p:notes xmlns:a="http://schemas.openxmlformats.org/drawingml/2006/main" xmlns:r="http://schemas.openxmlformats.org/officeDocument/2006/relationships" xmlns:p="http://schemas.openxmlformats.org/presentationml/2006/main">
   <p:cSld>
     <p:spTree>
       <p:nvGrpSpPr>
@@ -1220,9 +1590,10 @@
           </a:ln>
         </p:spPr>
         <p:txBody>
-          <a:bodyPr lIns="0" rIns="0" tIns="0" bIns="0" anchor="b">
+          <a:bodyPr lIns="0" tIns="0" rIns="0" bIns="0" anchor="b">
             <a:noAutofit/>
           </a:bodyPr>
+          <a:lstStyle/>
           <a:p>
             <a:pPr algn="r">
               <a:lnSpc>
@@ -1230,7 +1601,7 @@
               </a:lnSpc>
             </a:pPr>
             <a:fld id="{99857929-28D4-47F3-957C-B5755978B748}" type="slidenum">
-              <a:rPr b="0" lang="en-US" sz="1400" strike="noStrike" u="none">
+              <a:rPr lang="en-US" sz="1400" b="0" u="none" strike="noStrike">
                 <a:solidFill>
                   <a:srgbClr val="000000"/>
                 </a:solidFill>
@@ -1239,11 +1610,11 @@
                 <a:latin typeface="맑은 고딕"/>
                 <a:ea typeface="맑은 고딕"/>
               </a:rPr>
-              <a:t>&lt;숫자&gt;</a:t>
+              <a:t>7</a:t>
             </a:fld>
-            <a:endParaRPr b="0" lang="en-US" sz="1400" strike="noStrike" u="none">
-              <a:solidFill>
-                <a:srgbClr val="ffffff"/>
+            <a:endParaRPr lang="en-US" sz="1400" b="0" u="none" strike="noStrike">
+              <a:solidFill>
+                <a:srgbClr val="FFFFFF"/>
               </a:solidFill>
               <a:effectLst/>
               <a:uFillTx/>
@@ -1256,7 +1627,7 @@
         <p:nvSpPr>
           <p:cNvPr id="99" name="PlaceHolder 1"/>
           <p:cNvSpPr>
-            <a:spLocks noGrp="1"/>
+            <a:spLocks noGrp="1" noRot="1" noChangeAspect="1"/>
           </p:cNvSpPr>
           <p:nvPr>
             <p:ph type="sldImg"/>
@@ -1299,16 +1670,17 @@
           </a:ln>
         </p:spPr>
         <p:txBody>
-          <a:bodyPr lIns="0" rIns="0" tIns="0" bIns="0" anchor="t">
+          <a:bodyPr lIns="0" tIns="0" rIns="0" bIns="0" anchor="t">
             <a:noAutofit/>
           </a:bodyPr>
+          <a:lstStyle/>
           <a:p>
             <a:pPr indent="0">
               <a:buNone/>
             </a:pPr>
-            <a:endParaRPr b="0" lang="en-US" sz="2000" strike="noStrike" u="none">
-              <a:solidFill>
-                <a:srgbClr val="ffffff"/>
+            <a:endParaRPr lang="en-US" sz="2000" b="0" u="none" strike="noStrike">
+              <a:solidFill>
+                <a:srgbClr val="FFFFFF"/>
               </a:solidFill>
               <a:effectLst/>
               <a:uFillTx/>
@@ -1319,11 +1691,14 @@
       </p:sp>
     </p:spTree>
   </p:cSld>
+  <p:clrMapOvr>
+    <a:masterClrMapping/>
+  </p:clrMapOvr>
 </p:notes>
 </file>
 
 <file path=ppt/notesSlides/notesSlide8.xml><?xml version="1.0" encoding="utf-8"?>
-<p:notes xmlns:a="http://schemas.openxmlformats.org/drawingml/2006/main" xmlns:p="http://schemas.openxmlformats.org/presentationml/2006/main" xmlns:r="http://schemas.openxmlformats.org/officeDocument/2006/relationships" xmlns:p14="http://schemas.microsoft.com/office/powerpoint/2010/main" xmlns:p15="http://schemas.microsoft.com/office/powerpoint/2012/main" xmlns:mc="http://schemas.openxmlformats.org/markup-compatibility/2006">
+<p:notes xmlns:a="http://schemas.openxmlformats.org/drawingml/2006/main" xmlns:r="http://schemas.openxmlformats.org/officeDocument/2006/relationships" xmlns:p="http://schemas.openxmlformats.org/presentationml/2006/main">
   <p:cSld>
     <p:spTree>
       <p:nvGrpSpPr>
@@ -1359,9 +1734,10 @@
           </a:ln>
         </p:spPr>
         <p:txBody>
-          <a:bodyPr lIns="0" rIns="0" tIns="0" bIns="0" anchor="b">
+          <a:bodyPr lIns="0" tIns="0" rIns="0" bIns="0" anchor="b">
             <a:noAutofit/>
           </a:bodyPr>
+          <a:lstStyle/>
           <a:p>
             <a:pPr algn="r">
               <a:lnSpc>
@@ -1369,7 +1745,7 @@
               </a:lnSpc>
             </a:pPr>
             <a:fld id="{64726D16-9B2D-49F5-AD1A-53F9B84DD124}" type="slidenum">
-              <a:rPr b="0" lang="en-US" sz="1400" strike="noStrike" u="none">
+              <a:rPr lang="en-US" sz="1400" b="0" u="none" strike="noStrike">
                 <a:solidFill>
                   <a:srgbClr val="000000"/>
                 </a:solidFill>
@@ -1378,11 +1754,11 @@
                 <a:latin typeface="맑은 고딕"/>
                 <a:ea typeface="맑은 고딕"/>
               </a:rPr>
-              <a:t>&lt;숫자&gt;</a:t>
+              <a:t>8</a:t>
             </a:fld>
-            <a:endParaRPr b="0" lang="en-US" sz="1400" strike="noStrike" u="none">
-              <a:solidFill>
-                <a:srgbClr val="ffffff"/>
+            <a:endParaRPr lang="en-US" sz="1400" b="0" u="none" strike="noStrike">
+              <a:solidFill>
+                <a:srgbClr val="FFFFFF"/>
               </a:solidFill>
               <a:effectLst/>
               <a:uFillTx/>
@@ -1395,7 +1771,7 @@
         <p:nvSpPr>
           <p:cNvPr id="102" name="PlaceHolder 1"/>
           <p:cNvSpPr>
-            <a:spLocks noGrp="1"/>
+            <a:spLocks noGrp="1" noRot="1" noChangeAspect="1"/>
           </p:cNvSpPr>
           <p:nvPr>
             <p:ph type="sldImg"/>
@@ -1403,8 +1779,8 @@
         </p:nvSpPr>
         <p:spPr>
           <a:xfrm>
-            <a:off x="217440" y="812880"/>
-            <a:ext cx="7124760" cy="4008600"/>
+            <a:off x="217488" y="812800"/>
+            <a:ext cx="7124700" cy="4008438"/>
           </a:xfrm>
           <a:prstGeom prst="rect">
             <a:avLst/>
@@ -1438,16 +1814,17 @@
           </a:ln>
         </p:spPr>
         <p:txBody>
-          <a:bodyPr lIns="0" rIns="0" tIns="0" bIns="0" anchor="t">
+          <a:bodyPr lIns="0" tIns="0" rIns="0" bIns="0" anchor="t">
             <a:noAutofit/>
           </a:bodyPr>
+          <a:lstStyle/>
           <a:p>
             <a:pPr indent="0">
               <a:buNone/>
             </a:pPr>
-            <a:endParaRPr b="0" lang="en-US" sz="2000" strike="noStrike" u="none">
-              <a:solidFill>
-                <a:srgbClr val="ffffff"/>
+            <a:endParaRPr lang="en-US" sz="2000" b="0" u="none" strike="noStrike">
+              <a:solidFill>
+                <a:srgbClr val="FFFFFF"/>
               </a:solidFill>
               <a:effectLst/>
               <a:uFillTx/>
@@ -1458,17 +1835,170 @@
       </p:sp>
     </p:spTree>
   </p:cSld>
+  <p:clrMapOvr>
+    <a:masterClrMapping/>
+  </p:clrMapOvr>
+</p:notes>
+</file>
+
+<file path=ppt/notesSlides/notesSlide9.xml><?xml version="1.0" encoding="utf-8"?>
+<p:notes xmlns:a="http://schemas.openxmlformats.org/drawingml/2006/main" xmlns:r="http://schemas.openxmlformats.org/officeDocument/2006/relationships" xmlns:p="http://schemas.openxmlformats.org/presentationml/2006/main">
+  <p:cSld>
+    <p:spTree>
+      <p:nvGrpSpPr>
+        <p:cNvPr id="1" name=""/>
+        <p:cNvGrpSpPr/>
+        <p:nvPr/>
+      </p:nvGrpSpPr>
+      <p:grpSpPr>
+        <a:xfrm>
+          <a:off x="0" y="0"/>
+          <a:ext cx="0" cy="0"/>
+          <a:chOff x="0" y="0"/>
+          <a:chExt cx="0" cy="0"/>
+        </a:xfrm>
+      </p:grpSpPr>
+      <p:sp>
+        <p:nvSpPr>
+          <p:cNvPr id="101" name="슬라이드 번호 개체 틀 6"/>
+          <p:cNvSpPr txBox="1"/>
+          <p:nvPr/>
+        </p:nvSpPr>
+        <p:spPr>
+          <a:xfrm>
+            <a:off x="4278960" y="10157400"/>
+            <a:ext cx="3280680" cy="534240"/>
+          </a:xfrm>
+          <a:prstGeom prst="rect">
+            <a:avLst/>
+          </a:prstGeom>
+          <a:noFill/>
+          <a:ln w="0">
+            <a:noFill/>
+          </a:ln>
+        </p:spPr>
+        <p:txBody>
+          <a:bodyPr lIns="0" tIns="0" rIns="0" bIns="0" anchor="b">
+            <a:noAutofit/>
+          </a:bodyPr>
+          <a:lstStyle/>
+          <a:p>
+            <a:pPr algn="r">
+              <a:lnSpc>
+                <a:spcPct val="100000"/>
+              </a:lnSpc>
+            </a:pPr>
+            <a:fld id="{64726D16-9B2D-49F5-AD1A-53F9B84DD124}" type="slidenum">
+              <a:rPr lang="en-US" sz="1400" b="0" u="none" strike="noStrike">
+                <a:solidFill>
+                  <a:srgbClr val="000000"/>
+                </a:solidFill>
+                <a:effectLst/>
+                <a:uFillTx/>
+                <a:latin typeface="맑은 고딕"/>
+                <a:ea typeface="맑은 고딕"/>
+              </a:rPr>
+              <a:t>9</a:t>
+            </a:fld>
+            <a:endParaRPr lang="en-US" sz="1400" b="0" u="none" strike="noStrike">
+              <a:solidFill>
+                <a:srgbClr val="FFFFFF"/>
+              </a:solidFill>
+              <a:effectLst/>
+              <a:uFillTx/>
+              <a:latin typeface="맑은 고딕"/>
+            </a:endParaRPr>
+          </a:p>
+        </p:txBody>
+      </p:sp>
+      <p:sp>
+        <p:nvSpPr>
+          <p:cNvPr id="102" name="PlaceHolder 1"/>
+          <p:cNvSpPr>
+            <a:spLocks noGrp="1" noRot="1" noChangeAspect="1"/>
+          </p:cNvSpPr>
+          <p:nvPr>
+            <p:ph type="sldImg"/>
+          </p:nvPr>
+        </p:nvSpPr>
+        <p:spPr>
+          <a:xfrm>
+            <a:off x="217488" y="812800"/>
+            <a:ext cx="7124700" cy="4008438"/>
+          </a:xfrm>
+          <a:prstGeom prst="rect">
+            <a:avLst/>
+          </a:prstGeom>
+          <a:ln w="0">
+            <a:noFill/>
+          </a:ln>
+        </p:spPr>
+      </p:sp>
+      <p:sp>
+        <p:nvSpPr>
+          <p:cNvPr id="103" name="PlaceHolder 2"/>
+          <p:cNvSpPr>
+            <a:spLocks noGrp="1"/>
+          </p:cNvSpPr>
+          <p:nvPr>
+            <p:ph type="body"/>
+          </p:nvPr>
+        </p:nvSpPr>
+        <p:spPr>
+          <a:xfrm>
+            <a:off x="756000" y="5078520"/>
+            <a:ext cx="6047640" cy="4811040"/>
+          </a:xfrm>
+          <a:prstGeom prst="rect">
+            <a:avLst/>
+          </a:prstGeom>
+          <a:noFill/>
+          <a:ln w="12600">
+            <a:noFill/>
+          </a:ln>
+        </p:spPr>
+        <p:txBody>
+          <a:bodyPr lIns="0" tIns="0" rIns="0" bIns="0" anchor="t">
+            <a:noAutofit/>
+          </a:bodyPr>
+          <a:lstStyle/>
+          <a:p>
+            <a:pPr indent="0">
+              <a:buNone/>
+            </a:pPr>
+            <a:endParaRPr lang="en-US" sz="2000" b="0" u="none" strike="noStrike" dirty="0">
+              <a:solidFill>
+                <a:srgbClr val="FFFFFF"/>
+              </a:solidFill>
+              <a:effectLst/>
+              <a:uFillTx/>
+              <a:latin typeface="맑은 고딕"/>
+            </a:endParaRPr>
+          </a:p>
+        </p:txBody>
+      </p:sp>
+    </p:spTree>
+    <p:extLst>
+      <p:ext uri="{BB962C8B-B14F-4D97-AF65-F5344CB8AC3E}">
+        <p14:creationId xmlns:p14="http://schemas.microsoft.com/office/powerpoint/2010/main" val="2575308236"/>
+      </p:ext>
+    </p:extLst>
+  </p:cSld>
+  <p:clrMapOvr>
+    <a:masterClrMapping/>
+  </p:clrMapOvr>
 </p:notes>
 </file>
 
 <file path=ppt/slideLayouts/slideLayout1.xml><?xml version="1.0" encoding="utf-8"?>
-<p:sldLayout xmlns:a="http://schemas.openxmlformats.org/drawingml/2006/main" xmlns:p="http://schemas.openxmlformats.org/presentationml/2006/main" xmlns:r="http://schemas.openxmlformats.org/officeDocument/2006/relationships" xmlns:p14="http://schemas.microsoft.com/office/powerpoint/2010/main" xmlns:p15="http://schemas.microsoft.com/office/powerpoint/2012/main" xmlns:mc="http://schemas.openxmlformats.org/markup-compatibility/2006" type="objAndTx" preserve="1">
+<p:sldLayout xmlns:a="http://schemas.openxmlformats.org/drawingml/2006/main" xmlns:r="http://schemas.openxmlformats.org/officeDocument/2006/relationships" xmlns:p="http://schemas.openxmlformats.org/presentationml/2006/main" type="objAndTx" preserve="1">
   <p:cSld name="Master1-기본값">
     <p:bg>
       <p:bgPr>
         <a:solidFill>
-          <a:srgbClr val="ffffff"/>
+          <a:srgbClr val="FFFFFF"/>
         </a:solidFill>
+        <a:effectLst/>
       </p:bgPr>
     </p:bg>
     <p:spTree>
@@ -1487,7 +2017,7 @@
       </p:grpSpPr>
       <p:sp>
         <p:nvSpPr>
-          <p:cNvPr id="0" name="PlaceHolder 1"/>
+          <p:cNvPr id="5" name="PlaceHolder 1"/>
           <p:cNvSpPr>
             <a:spLocks noGrp="1"/>
           </p:cNvSpPr>
@@ -1509,14 +2039,15 @@
           </a:ln>
         </p:spPr>
         <p:txBody>
-          <a:bodyPr lIns="0" rIns="0" tIns="0" bIns="0" anchor="ctr" anchorCtr="1">
+          <a:bodyPr lIns="0" tIns="0" rIns="0" bIns="0" anchor="ctr" anchorCtr="1">
             <a:noAutofit/>
           </a:bodyPr>
+          <a:lstStyle/>
           <a:p>
             <a:pPr indent="0" algn="ctr">
               <a:buNone/>
             </a:pPr>
-            <a:endParaRPr b="0" lang="en-US" sz="4400" strike="noStrike" u="none">
+            <a:endParaRPr lang="en-US" sz="4400" b="0" u="none" strike="noStrike">
               <a:solidFill>
                 <a:srgbClr val="000000"/>
               </a:solidFill>
@@ -1529,7 +2060,7 @@
       </p:sp>
       <p:sp>
         <p:nvSpPr>
-          <p:cNvPr id="1" name="PlaceHolder 2"/>
+          <p:cNvPr id="6" name="PlaceHolder 2"/>
           <p:cNvSpPr>
             <a:spLocks noGrp="1"/>
           </p:cNvSpPr>
@@ -1551,9 +2082,10 @@
           </a:ln>
         </p:spPr>
         <p:txBody>
-          <a:bodyPr lIns="0" rIns="0" tIns="0" bIns="0" anchor="t">
+          <a:bodyPr lIns="0" tIns="0" rIns="0" bIns="0" anchor="t">
             <a:normAutofit/>
           </a:bodyPr>
+          <a:lstStyle/>
           <a:p>
             <a:pPr marL="432000" indent="-324000">
               <a:lnSpc>
@@ -1570,7 +2102,7 @@
               <a:buChar char=""/>
             </a:pPr>
             <a:r>
-              <a:rPr b="0" lang="ko-KR" sz="3200" strike="noStrike" u="none">
+              <a:rPr lang="ko-KR" sz="3200" b="0" u="none" strike="noStrike">
                 <a:solidFill>
                   <a:srgbClr val="000000"/>
                 </a:solidFill>
@@ -1581,17 +2113,17 @@
               </a:rPr>
               <a:t>마스터 텍스트 스타일 편집</a:t>
             </a:r>
-            <a:endParaRPr b="0" lang="en-US" sz="3200" strike="noStrike" u="none">
-              <a:solidFill>
-                <a:srgbClr val="000000"/>
-              </a:solidFill>
-              <a:effectLst/>
-              <a:uFillTx/>
-              <a:latin typeface="맑은 고딕"/>
-            </a:endParaRPr>
-          </a:p>
-          <a:p>
-            <a:pPr lvl="1" marL="685800" indent="-228600">
+            <a:endParaRPr lang="en-US" sz="3200" b="0" u="none" strike="noStrike">
+              <a:solidFill>
+                <a:srgbClr val="000000"/>
+              </a:solidFill>
+              <a:effectLst/>
+              <a:uFillTx/>
+              <a:latin typeface="맑은 고딕"/>
+            </a:endParaRPr>
+          </a:p>
+          <a:p>
+            <a:pPr marL="685800" lvl="1" indent="-228600">
               <a:lnSpc>
                 <a:spcPct val="90000"/>
               </a:lnSpc>
@@ -1606,7 +2138,7 @@
               <a:buChar char=""/>
             </a:pPr>
             <a:r>
-              <a:rPr b="0" lang="ko-KR" sz="2400" strike="noStrike" u="none">
+              <a:rPr lang="ko-KR" sz="2400" b="0" u="none" strike="noStrike">
                 <a:solidFill>
                   <a:srgbClr val="000000"/>
                 </a:solidFill>
@@ -1617,17 +2149,17 @@
               </a:rPr>
               <a:t>둘째 수준</a:t>
             </a:r>
-            <a:endParaRPr b="0" lang="en-US" sz="2400" strike="noStrike" u="none">
-              <a:solidFill>
-                <a:srgbClr val="000000"/>
-              </a:solidFill>
-              <a:effectLst/>
-              <a:uFillTx/>
-              <a:latin typeface="맑은 고딕"/>
-            </a:endParaRPr>
-          </a:p>
-          <a:p>
-            <a:pPr lvl="2" marL="1143000" indent="-228600">
+            <a:endParaRPr lang="en-US" sz="2400" b="0" u="none" strike="noStrike">
+              <a:solidFill>
+                <a:srgbClr val="000000"/>
+              </a:solidFill>
+              <a:effectLst/>
+              <a:uFillTx/>
+              <a:latin typeface="맑은 고딕"/>
+            </a:endParaRPr>
+          </a:p>
+          <a:p>
+            <a:pPr marL="1143000" lvl="2" indent="-228600">
               <a:lnSpc>
                 <a:spcPct val="90000"/>
               </a:lnSpc>
@@ -1642,7 +2174,7 @@
               <a:buChar char=""/>
             </a:pPr>
             <a:r>
-              <a:rPr b="0" lang="ko-KR" sz="2000" strike="noStrike" u="none">
+              <a:rPr lang="ko-KR" sz="2000" b="0" u="none" strike="noStrike">
                 <a:solidFill>
                   <a:srgbClr val="000000"/>
                 </a:solidFill>
@@ -1653,17 +2185,17 @@
               </a:rPr>
               <a:t>셋째 수준</a:t>
             </a:r>
-            <a:endParaRPr b="0" lang="en-US" sz="2000" strike="noStrike" u="none">
-              <a:solidFill>
-                <a:srgbClr val="000000"/>
-              </a:solidFill>
-              <a:effectLst/>
-              <a:uFillTx/>
-              <a:latin typeface="맑은 고딕"/>
-            </a:endParaRPr>
-          </a:p>
-          <a:p>
-            <a:pPr lvl="3" marL="1600200" indent="-228600">
+            <a:endParaRPr lang="en-US" sz="2000" b="0" u="none" strike="noStrike">
+              <a:solidFill>
+                <a:srgbClr val="000000"/>
+              </a:solidFill>
+              <a:effectLst/>
+              <a:uFillTx/>
+              <a:latin typeface="맑은 고딕"/>
+            </a:endParaRPr>
+          </a:p>
+          <a:p>
+            <a:pPr marL="1600200" lvl="3" indent="-228600">
               <a:lnSpc>
                 <a:spcPct val="90000"/>
               </a:lnSpc>
@@ -1678,7 +2210,7 @@
               <a:buChar char=""/>
             </a:pPr>
             <a:r>
-              <a:rPr b="0" lang="ko-KR" sz="1800" strike="noStrike" u="none">
+              <a:rPr lang="ko-KR" sz="1800" b="0" u="none" strike="noStrike">
                 <a:solidFill>
                   <a:srgbClr val="000000"/>
                 </a:solidFill>
@@ -1689,17 +2221,17 @@
               </a:rPr>
               <a:t>넷째 수준</a:t>
             </a:r>
-            <a:endParaRPr b="0" lang="en-US" sz="1800" strike="noStrike" u="none">
-              <a:solidFill>
-                <a:srgbClr val="000000"/>
-              </a:solidFill>
-              <a:effectLst/>
-              <a:uFillTx/>
-              <a:latin typeface="맑은 고딕"/>
-            </a:endParaRPr>
-          </a:p>
-          <a:p>
-            <a:pPr lvl="4" marL="2057400" indent="-228600">
+            <a:endParaRPr lang="en-US" sz="1800" b="0" u="none" strike="noStrike">
+              <a:solidFill>
+                <a:srgbClr val="000000"/>
+              </a:solidFill>
+              <a:effectLst/>
+              <a:uFillTx/>
+              <a:latin typeface="맑은 고딕"/>
+            </a:endParaRPr>
+          </a:p>
+          <a:p>
+            <a:pPr marL="2057400" lvl="4" indent="-228600">
               <a:lnSpc>
                 <a:spcPct val="90000"/>
               </a:lnSpc>
@@ -1714,7 +2246,7 @@
               <a:buChar char=""/>
             </a:pPr>
             <a:r>
-              <a:rPr b="0" lang="ko-KR" sz="1800" strike="noStrike" u="none">
+              <a:rPr lang="ko-KR" sz="1800" b="0" u="none" strike="noStrike">
                 <a:solidFill>
                   <a:srgbClr val="000000"/>
                 </a:solidFill>
@@ -1725,7 +2257,7 @@
               </a:rPr>
               <a:t>다섯째 수준</a:t>
             </a:r>
-            <a:endParaRPr b="0" lang="en-US" sz="1800" strike="noStrike" u="none">
+            <a:endParaRPr lang="en-US" sz="1800" b="0" u="none" strike="noStrike">
               <a:solidFill>
                 <a:srgbClr val="000000"/>
               </a:solidFill>
@@ -1760,14 +2292,15 @@
           </a:ln>
         </p:spPr>
         <p:txBody>
-          <a:bodyPr lIns="0" rIns="0" tIns="0" bIns="0" anchor="t">
+          <a:bodyPr lIns="0" tIns="0" rIns="0" bIns="0" anchor="t">
             <a:noAutofit/>
           </a:bodyPr>
+          <a:lstStyle/>
           <a:p>
             <a:pPr indent="0">
               <a:buNone/>
             </a:pPr>
-            <a:endParaRPr b="0" lang="en-US" sz="2400" strike="noStrike" u="none">
+            <a:endParaRPr lang="en-US" sz="2400" b="0" u="none" strike="noStrike">
               <a:solidFill>
                 <a:srgbClr val="000000"/>
               </a:solidFill>
@@ -1802,14 +2335,15 @@
           </a:ln>
         </p:spPr>
         <p:txBody>
-          <a:bodyPr lIns="0" rIns="0" tIns="0" bIns="0" anchor="t" anchorCtr="1">
+          <a:bodyPr lIns="0" tIns="0" rIns="0" bIns="0" anchor="t" anchorCtr="1">
             <a:noAutofit/>
           </a:bodyPr>
+          <a:lstStyle/>
           <a:p>
             <a:pPr indent="0">
               <a:buNone/>
             </a:pPr>
-            <a:endParaRPr b="0" lang="en-US" sz="2400" strike="noStrike" u="none">
+            <a:endParaRPr lang="en-US" sz="2400" b="0" u="none" strike="noStrike">
               <a:solidFill>
                 <a:srgbClr val="000000"/>
               </a:solidFill>
@@ -1844,7 +2378,7 @@
           </a:ln>
         </p:spPr>
         <p:txBody>
-          <a:bodyPr lIns="0" rIns="0" tIns="0" bIns="0" anchor="t">
+          <a:bodyPr lIns="0" tIns="0" rIns="0" bIns="0" anchor="t">
             <a:noAutofit/>
           </a:bodyPr>
           <a:lstStyle>
@@ -1853,7 +2387,7 @@
                 <a:spcPct val="100000"/>
               </a:lnSpc>
               <a:buNone/>
-              <a:defRPr b="0" lang="en-US" sz="1400" strike="noStrike" u="none">
+              <a:defRPr lang="en-US" sz="1400" b="0" u="none" strike="noStrike">
                 <a:solidFill>
                   <a:srgbClr val="000000"/>
                 </a:solidFill>
@@ -1872,7 +2406,7 @@
               <a:buNone/>
             </a:pPr>
             <a:fld id="{7C39737E-AF2A-4347-8B7D-0F260B09338F}" type="slidenum">
-              <a:rPr b="0" lang="en-US" sz="1400" strike="noStrike" u="none">
+              <a:rPr lang="en-US" sz="1400" b="0" u="none" strike="noStrike">
                 <a:solidFill>
                   <a:srgbClr val="000000"/>
                 </a:solidFill>
@@ -1881,9 +2415,9 @@
                 <a:latin typeface="맑은 고딕"/>
                 <a:ea typeface="맑은 고딕"/>
               </a:rPr>
-              <a:t>&lt;숫자&gt;</a:t>
+              <a:t>‹#›</a:t>
             </a:fld>
-            <a:endParaRPr b="0" lang="en-US" sz="1400" strike="noStrike" u="none">
+            <a:endParaRPr lang="en-US" sz="1400" b="0" u="none" strike="noStrike">
               <a:solidFill>
                 <a:srgbClr val="000000"/>
               </a:solidFill>
@@ -1896,17 +2430,21 @@
       </p:sp>
     </p:spTree>
   </p:cSld>
+  <p:clrMapOvr>
+    <a:masterClrMapping/>
+  </p:clrMapOvr>
 </p:sldLayout>
 </file>
 
 <file path=ppt/slideLayouts/slideLayout2.xml><?xml version="1.0" encoding="utf-8"?>
-<p:sldLayout xmlns:a="http://schemas.openxmlformats.org/drawingml/2006/main" xmlns:p="http://schemas.openxmlformats.org/presentationml/2006/main" xmlns:r="http://schemas.openxmlformats.org/officeDocument/2006/relationships" xmlns:p14="http://schemas.microsoft.com/office/powerpoint/2010/main" xmlns:p15="http://schemas.microsoft.com/office/powerpoint/2012/main" xmlns:mc="http://schemas.openxmlformats.org/markup-compatibility/2006" type="objAndTx" preserve="1">
+<p:sldLayout xmlns:a="http://schemas.openxmlformats.org/drawingml/2006/main" xmlns:r="http://schemas.openxmlformats.org/officeDocument/2006/relationships" xmlns:p="http://schemas.openxmlformats.org/presentationml/2006/main" type="objAndTx" preserve="1">
   <p:cSld name="Master1-Layout1-title-제목-슬라이드">
     <p:bg>
       <p:bgPr>
         <a:solidFill>
-          <a:srgbClr val="ffffff"/>
+          <a:srgbClr val="FFFFFF"/>
         </a:solidFill>
+        <a:effectLst/>
       </p:bgPr>
     </p:bg>
     <p:spTree>
@@ -1947,9 +2485,10 @@
           </a:ln>
         </p:spPr>
         <p:txBody>
-          <a:bodyPr lIns="0" rIns="0" tIns="0" bIns="0" anchor="b" anchorCtr="1">
+          <a:bodyPr lIns="0" tIns="0" rIns="0" bIns="0" anchor="b" anchorCtr="1">
             <a:noAutofit/>
           </a:bodyPr>
+          <a:lstStyle/>
           <a:p>
             <a:pPr indent="0" algn="ctr">
               <a:lnSpc>
@@ -1958,7 +2497,7 @@
               <a:buNone/>
             </a:pPr>
             <a:r>
-              <a:rPr b="0" lang="ko-KR" sz="6000" strike="noStrike" u="none">
+              <a:rPr lang="ko-KR" sz="6000" b="0" u="none" strike="noStrike">
                 <a:solidFill>
                   <a:srgbClr val="000000"/>
                 </a:solidFill>
@@ -1969,7 +2508,7 @@
               </a:rPr>
               <a:t>마스터 제목 스타일 편집</a:t>
             </a:r>
-            <a:endParaRPr b="0" lang="en-US" sz="6000" strike="noStrike" u="none">
+            <a:endParaRPr lang="en-US" sz="6000" b="0" u="none" strike="noStrike">
               <a:solidFill>
                 <a:srgbClr val="000000"/>
               </a:solidFill>
@@ -2004,14 +2543,15 @@
           </a:ln>
         </p:spPr>
         <p:txBody>
-          <a:bodyPr lIns="0" rIns="0" tIns="0" bIns="0" anchor="t">
+          <a:bodyPr lIns="0" tIns="0" rIns="0" bIns="0" anchor="t">
             <a:noAutofit/>
           </a:bodyPr>
+          <a:lstStyle/>
           <a:p>
             <a:pPr indent="0">
               <a:buNone/>
             </a:pPr>
-            <a:endParaRPr b="0" lang="en-US" sz="2400" strike="noStrike" u="none">
+            <a:endParaRPr lang="en-US" sz="2400" b="0" u="none" strike="noStrike">
               <a:solidFill>
                 <a:srgbClr val="000000"/>
               </a:solidFill>
@@ -2046,14 +2586,15 @@
           </a:ln>
         </p:spPr>
         <p:txBody>
-          <a:bodyPr lIns="0" rIns="0" tIns="0" bIns="0" anchor="t" anchorCtr="1">
+          <a:bodyPr lIns="0" tIns="0" rIns="0" bIns="0" anchor="t" anchorCtr="1">
             <a:noAutofit/>
           </a:bodyPr>
+          <a:lstStyle/>
           <a:p>
             <a:pPr indent="0">
               <a:buNone/>
             </a:pPr>
-            <a:endParaRPr b="0" lang="en-US" sz="2400" strike="noStrike" u="none">
+            <a:endParaRPr lang="en-US" sz="2400" b="0" u="none" strike="noStrike">
               <a:solidFill>
                 <a:srgbClr val="000000"/>
               </a:solidFill>
@@ -2088,7 +2629,7 @@
           </a:ln>
         </p:spPr>
         <p:txBody>
-          <a:bodyPr lIns="0" rIns="0" tIns="0" bIns="0" anchor="t">
+          <a:bodyPr lIns="0" tIns="0" rIns="0" bIns="0" anchor="t">
             <a:noAutofit/>
           </a:bodyPr>
           <a:lstStyle>
@@ -2097,7 +2638,7 @@
                 <a:spcPct val="100000"/>
               </a:lnSpc>
               <a:buNone/>
-              <a:defRPr b="0" lang="en-US" sz="1400" strike="noStrike" u="none">
+              <a:defRPr lang="en-US" sz="1400" b="0" u="none" strike="noStrike">
                 <a:solidFill>
                   <a:srgbClr val="000000"/>
                 </a:solidFill>
@@ -2116,7 +2657,7 @@
               <a:buNone/>
             </a:pPr>
             <a:fld id="{5638214E-55D9-47C0-B0A6-223BDD2C5EB3}" type="slidenum">
-              <a:rPr b="0" lang="en-US" sz="1400" strike="noStrike" u="none">
+              <a:rPr lang="en-US" sz="1400" b="0" u="none" strike="noStrike">
                 <a:solidFill>
                   <a:srgbClr val="000000"/>
                 </a:solidFill>
@@ -2125,9 +2666,9 @@
                 <a:latin typeface="맑은 고딕"/>
                 <a:ea typeface="맑은 고딕"/>
               </a:rPr>
-              <a:t>&lt;숫자&gt;</a:t>
+              <a:t>‹#›</a:t>
             </a:fld>
-            <a:endParaRPr b="0" lang="en-US" sz="1400" strike="noStrike" u="none">
+            <a:endParaRPr lang="en-US" sz="1400" b="0" u="none" strike="noStrike">
               <a:solidFill>
                 <a:srgbClr val="000000"/>
               </a:solidFill>
@@ -2140,17 +2681,21 @@
       </p:sp>
     </p:spTree>
   </p:cSld>
+  <p:clrMapOvr>
+    <a:masterClrMapping/>
+  </p:clrMapOvr>
 </p:sldLayout>
 </file>
 
 <file path=ppt/slideLayouts/slideLayout3.xml><?xml version="1.0" encoding="utf-8"?>
-<p:sldLayout xmlns:a="http://schemas.openxmlformats.org/drawingml/2006/main" xmlns:p="http://schemas.openxmlformats.org/presentationml/2006/main" xmlns:r="http://schemas.openxmlformats.org/officeDocument/2006/relationships" xmlns:p14="http://schemas.microsoft.com/office/powerpoint/2010/main" xmlns:p15="http://schemas.microsoft.com/office/powerpoint/2012/main" xmlns:mc="http://schemas.openxmlformats.org/markup-compatibility/2006" type="objAndTx" preserve="1">
+<p:sldLayout xmlns:a="http://schemas.openxmlformats.org/drawingml/2006/main" xmlns:r="http://schemas.openxmlformats.org/officeDocument/2006/relationships" xmlns:p="http://schemas.openxmlformats.org/presentationml/2006/main" type="objAndTx" preserve="1">
   <p:cSld name="Master1-Layout2-obj-제목-및-내용">
     <p:bg>
       <p:bgPr>
         <a:solidFill>
-          <a:srgbClr val="ffffff"/>
+          <a:srgbClr val="FFFFFF"/>
         </a:solidFill>
+        <a:effectLst/>
       </p:bgPr>
     </p:bg>
     <p:spTree>
@@ -2191,9 +2736,10 @@
           </a:ln>
         </p:spPr>
         <p:txBody>
-          <a:bodyPr lIns="0" rIns="0" tIns="0" bIns="0" anchor="ctr" anchorCtr="1">
+          <a:bodyPr lIns="0" tIns="0" rIns="0" bIns="0" anchor="ctr" anchorCtr="1">
             <a:noAutofit/>
           </a:bodyPr>
+          <a:lstStyle/>
           <a:p>
             <a:pPr indent="0" algn="ctr">
               <a:lnSpc>
@@ -2202,7 +2748,7 @@
               <a:buNone/>
             </a:pPr>
             <a:r>
-              <a:rPr b="0" lang="ko-KR" sz="4400" strike="noStrike" u="none">
+              <a:rPr lang="ko-KR" sz="4400" b="0" u="none" strike="noStrike">
                 <a:solidFill>
                   <a:srgbClr val="000000"/>
                 </a:solidFill>
@@ -2213,7 +2759,7 @@
               </a:rPr>
               <a:t>마스터 제목 스타일 편집</a:t>
             </a:r>
-            <a:endParaRPr b="0" lang="en-US" sz="4400" strike="noStrike" u="none">
+            <a:endParaRPr lang="en-US" sz="4400" b="0" u="none" strike="noStrike">
               <a:solidFill>
                 <a:srgbClr val="000000"/>
               </a:solidFill>
@@ -2248,9 +2794,10 @@
           </a:ln>
         </p:spPr>
         <p:txBody>
-          <a:bodyPr lIns="0" rIns="0" tIns="0" bIns="0" anchor="t">
+          <a:bodyPr lIns="0" tIns="0" rIns="0" bIns="0" anchor="t">
             <a:normAutofit/>
           </a:bodyPr>
+          <a:lstStyle/>
           <a:p>
             <a:pPr indent="0" algn="ctr">
               <a:lnSpc>
@@ -2262,7 +2809,7 @@
               <a:buNone/>
             </a:pPr>
             <a:r>
-              <a:rPr b="0" lang="ko-KR" sz="3200" strike="noStrike" u="none">
+              <a:rPr lang="ko-KR" sz="3200" b="0" u="none" strike="noStrike">
                 <a:solidFill>
                   <a:srgbClr val="000000"/>
                 </a:solidFill>
@@ -2273,17 +2820,17 @@
               </a:rPr>
               <a:t>마스터 텍스트 스타일 편집</a:t>
             </a:r>
-            <a:endParaRPr b="0" lang="en-US" sz="3200" strike="noStrike" u="none">
-              <a:solidFill>
-                <a:srgbClr val="000000"/>
-              </a:solidFill>
-              <a:effectLst/>
-              <a:uFillTx/>
-              <a:latin typeface="맑은 고딕"/>
-            </a:endParaRPr>
-          </a:p>
-          <a:p>
-            <a:pPr lvl="1" marL="685800" indent="-228600">
+            <a:endParaRPr lang="en-US" sz="3200" b="0" u="none" strike="noStrike">
+              <a:solidFill>
+                <a:srgbClr val="000000"/>
+              </a:solidFill>
+              <a:effectLst/>
+              <a:uFillTx/>
+              <a:latin typeface="맑은 고딕"/>
+            </a:endParaRPr>
+          </a:p>
+          <a:p>
+            <a:pPr marL="685800" lvl="1" indent="-228600">
               <a:lnSpc>
                 <a:spcPct val="90000"/>
               </a:lnSpc>
@@ -2297,7 +2844,7 @@
               <a:buChar char="•"/>
             </a:pPr>
             <a:r>
-              <a:rPr b="0" lang="ko-KR" sz="2400" strike="noStrike" u="none">
+              <a:rPr lang="ko-KR" sz="2400" b="0" u="none" strike="noStrike">
                 <a:solidFill>
                   <a:srgbClr val="000000"/>
                 </a:solidFill>
@@ -2308,17 +2855,17 @@
               </a:rPr>
               <a:t>둘째 수준</a:t>
             </a:r>
-            <a:endParaRPr b="0" lang="en-US" sz="2400" strike="noStrike" u="none">
-              <a:solidFill>
-                <a:srgbClr val="000000"/>
-              </a:solidFill>
-              <a:effectLst/>
-              <a:uFillTx/>
-              <a:latin typeface="맑은 고딕"/>
-            </a:endParaRPr>
-          </a:p>
-          <a:p>
-            <a:pPr lvl="2" marL="1143000" indent="-228600">
+            <a:endParaRPr lang="en-US" sz="2400" b="0" u="none" strike="noStrike">
+              <a:solidFill>
+                <a:srgbClr val="000000"/>
+              </a:solidFill>
+              <a:effectLst/>
+              <a:uFillTx/>
+              <a:latin typeface="맑은 고딕"/>
+            </a:endParaRPr>
+          </a:p>
+          <a:p>
+            <a:pPr marL="1143000" lvl="2" indent="-228600">
               <a:lnSpc>
                 <a:spcPct val="90000"/>
               </a:lnSpc>
@@ -2332,7 +2879,7 @@
               <a:buChar char="•"/>
             </a:pPr>
             <a:r>
-              <a:rPr b="0" lang="ko-KR" sz="2000" strike="noStrike" u="none">
+              <a:rPr lang="ko-KR" sz="2000" b="0" u="none" strike="noStrike">
                 <a:solidFill>
                   <a:srgbClr val="000000"/>
                 </a:solidFill>
@@ -2343,17 +2890,17 @@
               </a:rPr>
               <a:t>셋째 수준</a:t>
             </a:r>
-            <a:endParaRPr b="0" lang="en-US" sz="2000" strike="noStrike" u="none">
-              <a:solidFill>
-                <a:srgbClr val="000000"/>
-              </a:solidFill>
-              <a:effectLst/>
-              <a:uFillTx/>
-              <a:latin typeface="맑은 고딕"/>
-            </a:endParaRPr>
-          </a:p>
-          <a:p>
-            <a:pPr lvl="3" marL="1600200" indent="-228600">
+            <a:endParaRPr lang="en-US" sz="2000" b="0" u="none" strike="noStrike">
+              <a:solidFill>
+                <a:srgbClr val="000000"/>
+              </a:solidFill>
+              <a:effectLst/>
+              <a:uFillTx/>
+              <a:latin typeface="맑은 고딕"/>
+            </a:endParaRPr>
+          </a:p>
+          <a:p>
+            <a:pPr marL="1600200" lvl="3" indent="-228600">
               <a:lnSpc>
                 <a:spcPct val="90000"/>
               </a:lnSpc>
@@ -2367,7 +2914,7 @@
               <a:buChar char="•"/>
             </a:pPr>
             <a:r>
-              <a:rPr b="0" lang="ko-KR" sz="1800" strike="noStrike" u="none">
+              <a:rPr lang="ko-KR" sz="1800" b="0" u="none" strike="noStrike">
                 <a:solidFill>
                   <a:srgbClr val="000000"/>
                 </a:solidFill>
@@ -2378,17 +2925,17 @@
               </a:rPr>
               <a:t>넷째 수준</a:t>
             </a:r>
-            <a:endParaRPr b="0" lang="en-US" sz="1800" strike="noStrike" u="none">
-              <a:solidFill>
-                <a:srgbClr val="000000"/>
-              </a:solidFill>
-              <a:effectLst/>
-              <a:uFillTx/>
-              <a:latin typeface="맑은 고딕"/>
-            </a:endParaRPr>
-          </a:p>
-          <a:p>
-            <a:pPr lvl="4" marL="2057400" indent="-228600">
+            <a:endParaRPr lang="en-US" sz="1800" b="0" u="none" strike="noStrike">
+              <a:solidFill>
+                <a:srgbClr val="000000"/>
+              </a:solidFill>
+              <a:effectLst/>
+              <a:uFillTx/>
+              <a:latin typeface="맑은 고딕"/>
+            </a:endParaRPr>
+          </a:p>
+          <a:p>
+            <a:pPr marL="2057400" lvl="4" indent="-228600">
               <a:lnSpc>
                 <a:spcPct val="90000"/>
               </a:lnSpc>
@@ -2402,7 +2949,7 @@
               <a:buChar char="•"/>
             </a:pPr>
             <a:r>
-              <a:rPr b="0" lang="ko-KR" sz="1800" strike="noStrike" u="none">
+              <a:rPr lang="ko-KR" sz="1800" b="0" u="none" strike="noStrike">
                 <a:solidFill>
                   <a:srgbClr val="000000"/>
                 </a:solidFill>
@@ -2413,7 +2960,7 @@
               </a:rPr>
               <a:t>다섯째 수준</a:t>
             </a:r>
-            <a:endParaRPr b="0" lang="en-US" sz="1800" strike="noStrike" u="none">
+            <a:endParaRPr lang="en-US" sz="1800" b="0" u="none" strike="noStrike">
               <a:solidFill>
                 <a:srgbClr val="000000"/>
               </a:solidFill>
@@ -2448,14 +2995,15 @@
           </a:ln>
         </p:spPr>
         <p:txBody>
-          <a:bodyPr lIns="0" rIns="0" tIns="0" bIns="0" anchor="t">
+          <a:bodyPr lIns="0" tIns="0" rIns="0" bIns="0" anchor="t">
             <a:noAutofit/>
           </a:bodyPr>
+          <a:lstStyle/>
           <a:p>
             <a:pPr indent="0">
               <a:buNone/>
             </a:pPr>
-            <a:endParaRPr b="0" lang="en-US" sz="2400" strike="noStrike" u="none">
+            <a:endParaRPr lang="en-US" sz="2400" b="0" u="none" strike="noStrike">
               <a:solidFill>
                 <a:srgbClr val="000000"/>
               </a:solidFill>
@@ -2490,14 +3038,15 @@
           </a:ln>
         </p:spPr>
         <p:txBody>
-          <a:bodyPr lIns="0" rIns="0" tIns="0" bIns="0" anchor="t" anchorCtr="1">
+          <a:bodyPr lIns="0" tIns="0" rIns="0" bIns="0" anchor="t" anchorCtr="1">
             <a:noAutofit/>
           </a:bodyPr>
+          <a:lstStyle/>
           <a:p>
             <a:pPr indent="0">
               <a:buNone/>
             </a:pPr>
-            <a:endParaRPr b="0" lang="en-US" sz="2400" strike="noStrike" u="none">
+            <a:endParaRPr lang="en-US" sz="2400" b="0" u="none" strike="noStrike">
               <a:solidFill>
                 <a:srgbClr val="000000"/>
               </a:solidFill>
@@ -2532,7 +3081,7 @@
           </a:ln>
         </p:spPr>
         <p:txBody>
-          <a:bodyPr lIns="0" rIns="0" tIns="0" bIns="0" anchor="t">
+          <a:bodyPr lIns="0" tIns="0" rIns="0" bIns="0" anchor="t">
             <a:noAutofit/>
           </a:bodyPr>
           <a:lstStyle>
@@ -2541,7 +3090,7 @@
                 <a:spcPct val="100000"/>
               </a:lnSpc>
               <a:buNone/>
-              <a:defRPr b="0" lang="en-US" sz="1400" strike="noStrike" u="none">
+              <a:defRPr lang="en-US" sz="1400" b="0" u="none" strike="noStrike">
                 <a:solidFill>
                   <a:srgbClr val="000000"/>
                 </a:solidFill>
@@ -2560,7 +3109,7 @@
               <a:buNone/>
             </a:pPr>
             <a:fld id="{CF7E5E26-BA66-4F91-93DB-A7ABD12BB513}" type="slidenum">
-              <a:rPr b="0" lang="en-US" sz="1400" strike="noStrike" u="none">
+              <a:rPr lang="en-US" sz="1400" b="0" u="none" strike="noStrike">
                 <a:solidFill>
                   <a:srgbClr val="000000"/>
                 </a:solidFill>
@@ -2569,9 +3118,9 @@
                 <a:latin typeface="맑은 고딕"/>
                 <a:ea typeface="맑은 고딕"/>
               </a:rPr>
-              <a:t>&lt;숫자&gt;</a:t>
+              <a:t>‹#›</a:t>
             </a:fld>
-            <a:endParaRPr b="0" lang="en-US" sz="1400" strike="noStrike" u="none">
+            <a:endParaRPr lang="en-US" sz="1400" b="0" u="none" strike="noStrike">
               <a:solidFill>
                 <a:srgbClr val="000000"/>
               </a:solidFill>
@@ -2584,17 +3133,21 @@
       </p:sp>
     </p:spTree>
   </p:cSld>
+  <p:clrMapOvr>
+    <a:masterClrMapping/>
+  </p:clrMapOvr>
 </p:sldLayout>
 </file>
 
 <file path=ppt/slideLayouts/slideLayout4.xml><?xml version="1.0" encoding="utf-8"?>
-<p:sldLayout xmlns:a="http://schemas.openxmlformats.org/drawingml/2006/main" xmlns:p="http://schemas.openxmlformats.org/presentationml/2006/main" xmlns:r="http://schemas.openxmlformats.org/officeDocument/2006/relationships" xmlns:p14="http://schemas.microsoft.com/office/powerpoint/2010/main" xmlns:p15="http://schemas.microsoft.com/office/powerpoint/2012/main" xmlns:mc="http://schemas.openxmlformats.org/markup-compatibility/2006" type="objAndTx" preserve="1">
+<p:sldLayout xmlns:a="http://schemas.openxmlformats.org/drawingml/2006/main" xmlns:r="http://schemas.openxmlformats.org/officeDocument/2006/relationships" xmlns:p="http://schemas.openxmlformats.org/presentationml/2006/main" type="objAndTx" preserve="1">
   <p:cSld name="Master1-Layout3-secHead-구역-머리글">
     <p:bg>
       <p:bgPr>
         <a:solidFill>
-          <a:srgbClr val="ffffff"/>
+          <a:srgbClr val="FFFFFF"/>
         </a:solidFill>
+        <a:effectLst/>
       </p:bgPr>
     </p:bg>
     <p:spTree>
@@ -2635,9 +3188,10 @@
           </a:ln>
         </p:spPr>
         <p:txBody>
-          <a:bodyPr lIns="0" rIns="0" tIns="0" bIns="0" anchor="b" anchorCtr="1">
+          <a:bodyPr lIns="0" tIns="0" rIns="0" bIns="0" anchor="b" anchorCtr="1">
             <a:noAutofit/>
           </a:bodyPr>
+          <a:lstStyle/>
           <a:p>
             <a:pPr indent="0" algn="ctr">
               <a:lnSpc>
@@ -2646,7 +3200,7 @@
               <a:buNone/>
             </a:pPr>
             <a:r>
-              <a:rPr b="0" lang="ko-KR" sz="6000" strike="noStrike" u="none">
+              <a:rPr lang="ko-KR" sz="6000" b="0" u="none" strike="noStrike">
                 <a:solidFill>
                   <a:srgbClr val="000000"/>
                 </a:solidFill>
@@ -2657,7 +3211,7 @@
               </a:rPr>
               <a:t>마스터 제목 스타일 편집</a:t>
             </a:r>
-            <a:endParaRPr b="0" lang="en-US" sz="6000" strike="noStrike" u="none">
+            <a:endParaRPr lang="en-US" sz="6000" b="0" u="none" strike="noStrike">
               <a:solidFill>
                 <a:srgbClr val="000000"/>
               </a:solidFill>
@@ -2692,9 +3246,10 @@
           </a:ln>
         </p:spPr>
         <p:txBody>
-          <a:bodyPr lIns="0" rIns="0" tIns="0" bIns="0" anchor="t">
+          <a:bodyPr lIns="0" tIns="0" rIns="0" bIns="0" anchor="t">
             <a:normAutofit/>
           </a:bodyPr>
+          <a:lstStyle/>
           <a:p>
             <a:pPr marL="432000" indent="-324000">
               <a:lnSpc>
@@ -2711,7 +3266,7 @@
               <a:buChar char=""/>
             </a:pPr>
             <a:r>
-              <a:rPr b="0" lang="ko-KR" sz="2400" strike="noStrike" u="none">
+              <a:rPr lang="ko-KR" sz="2400" b="0" u="none" strike="noStrike">
                 <a:solidFill>
                   <a:srgbClr val="898989"/>
                 </a:solidFill>
@@ -2722,7 +3277,7 @@
               </a:rPr>
               <a:t>마스터 텍스트 스타일 편집</a:t>
             </a:r>
-            <a:endParaRPr b="0" lang="en-US" sz="2400" strike="noStrike" u="none">
+            <a:endParaRPr lang="en-US" sz="2400" b="0" u="none" strike="noStrike">
               <a:solidFill>
                 <a:srgbClr val="000000"/>
               </a:solidFill>
@@ -2757,14 +3312,15 @@
           </a:ln>
         </p:spPr>
         <p:txBody>
-          <a:bodyPr lIns="0" rIns="0" tIns="0" bIns="0" anchor="t">
+          <a:bodyPr lIns="0" tIns="0" rIns="0" bIns="0" anchor="t">
             <a:noAutofit/>
           </a:bodyPr>
+          <a:lstStyle/>
           <a:p>
             <a:pPr indent="0">
               <a:buNone/>
             </a:pPr>
-            <a:endParaRPr b="0" lang="en-US" sz="2400" strike="noStrike" u="none">
+            <a:endParaRPr lang="en-US" sz="2400" b="0" u="none" strike="noStrike">
               <a:solidFill>
                 <a:srgbClr val="000000"/>
               </a:solidFill>
@@ -2799,14 +3355,15 @@
           </a:ln>
         </p:spPr>
         <p:txBody>
-          <a:bodyPr lIns="0" rIns="0" tIns="0" bIns="0" anchor="t" anchorCtr="1">
+          <a:bodyPr lIns="0" tIns="0" rIns="0" bIns="0" anchor="t" anchorCtr="1">
             <a:noAutofit/>
           </a:bodyPr>
+          <a:lstStyle/>
           <a:p>
             <a:pPr indent="0">
               <a:buNone/>
             </a:pPr>
-            <a:endParaRPr b="0" lang="en-US" sz="2400" strike="noStrike" u="none">
+            <a:endParaRPr lang="en-US" sz="2400" b="0" u="none" strike="noStrike">
               <a:solidFill>
                 <a:srgbClr val="000000"/>
               </a:solidFill>
@@ -2841,7 +3398,7 @@
           </a:ln>
         </p:spPr>
         <p:txBody>
-          <a:bodyPr lIns="0" rIns="0" tIns="0" bIns="0" anchor="t">
+          <a:bodyPr lIns="0" tIns="0" rIns="0" bIns="0" anchor="t">
             <a:noAutofit/>
           </a:bodyPr>
           <a:lstStyle>
@@ -2850,7 +3407,7 @@
                 <a:spcPct val="100000"/>
               </a:lnSpc>
               <a:buNone/>
-              <a:defRPr b="0" lang="en-US" sz="1400" strike="noStrike" u="none">
+              <a:defRPr lang="en-US" sz="1400" b="0" u="none" strike="noStrike">
                 <a:solidFill>
                   <a:srgbClr val="000000"/>
                 </a:solidFill>
@@ -2869,7 +3426,7 @@
               <a:buNone/>
             </a:pPr>
             <a:fld id="{8E58F8AA-3001-4913-884E-F62DC57970A8}" type="slidenum">
-              <a:rPr b="0" lang="en-US" sz="1400" strike="noStrike" u="none">
+              <a:rPr lang="en-US" sz="1400" b="0" u="none" strike="noStrike">
                 <a:solidFill>
                   <a:srgbClr val="000000"/>
                 </a:solidFill>
@@ -2878,9 +3435,9 @@
                 <a:latin typeface="맑은 고딕"/>
                 <a:ea typeface="맑은 고딕"/>
               </a:rPr>
-              <a:t>&lt;숫자&gt;</a:t>
+              <a:t>‹#›</a:t>
             </a:fld>
-            <a:endParaRPr b="0" lang="en-US" sz="1400" strike="noStrike" u="none">
+            <a:endParaRPr lang="en-US" sz="1400" b="0" u="none" strike="noStrike">
               <a:solidFill>
                 <a:srgbClr val="000000"/>
               </a:solidFill>
@@ -2893,17 +3450,21 @@
       </p:sp>
     </p:spTree>
   </p:cSld>
+  <p:clrMapOvr>
+    <a:masterClrMapping/>
+  </p:clrMapOvr>
 </p:sldLayout>
 </file>
 
 <file path=ppt/slideLayouts/slideLayout5.xml><?xml version="1.0" encoding="utf-8"?>
-<p:sldLayout xmlns:a="http://schemas.openxmlformats.org/drawingml/2006/main" xmlns:p="http://schemas.openxmlformats.org/presentationml/2006/main" xmlns:r="http://schemas.openxmlformats.org/officeDocument/2006/relationships" xmlns:p14="http://schemas.microsoft.com/office/powerpoint/2010/main" xmlns:p15="http://schemas.microsoft.com/office/powerpoint/2012/main" xmlns:mc="http://schemas.openxmlformats.org/markup-compatibility/2006" type="objAndTx" preserve="1">
+<p:sldLayout xmlns:a="http://schemas.openxmlformats.org/drawingml/2006/main" xmlns:r="http://schemas.openxmlformats.org/officeDocument/2006/relationships" xmlns:p="http://schemas.openxmlformats.org/presentationml/2006/main" type="objAndTx" preserve="1">
   <p:cSld name="Master1-Layout4-twoObj-콘텐츠-2개">
     <p:bg>
       <p:bgPr>
         <a:solidFill>
-          <a:srgbClr val="ffffff"/>
+          <a:srgbClr val="FFFFFF"/>
         </a:solidFill>
+        <a:effectLst/>
       </p:bgPr>
     </p:bg>
     <p:spTree>
@@ -2944,9 +3505,10 @@
           </a:ln>
         </p:spPr>
         <p:txBody>
-          <a:bodyPr lIns="0" rIns="0" tIns="0" bIns="0" anchor="ctr" anchorCtr="1">
+          <a:bodyPr lIns="0" tIns="0" rIns="0" bIns="0" anchor="ctr" anchorCtr="1">
             <a:noAutofit/>
           </a:bodyPr>
+          <a:lstStyle/>
           <a:p>
             <a:pPr indent="0" algn="ctr">
               <a:lnSpc>
@@ -2955,7 +3517,7 @@
               <a:buNone/>
             </a:pPr>
             <a:r>
-              <a:rPr b="0" lang="ko-KR" sz="4400" strike="noStrike" u="none">
+              <a:rPr lang="ko-KR" sz="4400" b="0" u="none" strike="noStrike">
                 <a:solidFill>
                   <a:srgbClr val="000000"/>
                 </a:solidFill>
@@ -2966,7 +3528,7 @@
               </a:rPr>
               <a:t>마스터 제목 스타일 편집</a:t>
             </a:r>
-            <a:endParaRPr b="0" lang="en-US" sz="4400" strike="noStrike" u="none">
+            <a:endParaRPr lang="en-US" sz="4400" b="0" u="none" strike="noStrike">
               <a:solidFill>
                 <a:srgbClr val="000000"/>
               </a:solidFill>
@@ -3001,9 +3563,10 @@
           </a:ln>
         </p:spPr>
         <p:txBody>
-          <a:bodyPr lIns="0" rIns="0" tIns="0" bIns="0" anchor="t">
+          <a:bodyPr lIns="0" tIns="0" rIns="0" bIns="0" anchor="t">
             <a:normAutofit/>
           </a:bodyPr>
+          <a:lstStyle/>
           <a:p>
             <a:pPr indent="0" algn="ctr">
               <a:lnSpc>
@@ -3015,7 +3578,7 @@
               <a:buNone/>
             </a:pPr>
             <a:r>
-              <a:rPr b="0" lang="ko-KR" sz="3200" strike="noStrike" u="none">
+              <a:rPr lang="ko-KR" sz="3200" b="0" u="none" strike="noStrike">
                 <a:solidFill>
                   <a:srgbClr val="000000"/>
                 </a:solidFill>
@@ -3026,17 +3589,17 @@
               </a:rPr>
               <a:t>마스터 텍스트 스타일 편집</a:t>
             </a:r>
-            <a:endParaRPr b="0" lang="en-US" sz="3200" strike="noStrike" u="none">
-              <a:solidFill>
-                <a:srgbClr val="000000"/>
-              </a:solidFill>
-              <a:effectLst/>
-              <a:uFillTx/>
-              <a:latin typeface="맑은 고딕"/>
-            </a:endParaRPr>
-          </a:p>
-          <a:p>
-            <a:pPr lvl="1" marL="685800" indent="-228600">
+            <a:endParaRPr lang="en-US" sz="3200" b="0" u="none" strike="noStrike">
+              <a:solidFill>
+                <a:srgbClr val="000000"/>
+              </a:solidFill>
+              <a:effectLst/>
+              <a:uFillTx/>
+              <a:latin typeface="맑은 고딕"/>
+            </a:endParaRPr>
+          </a:p>
+          <a:p>
+            <a:pPr marL="685800" lvl="1" indent="-228600">
               <a:lnSpc>
                 <a:spcPct val="90000"/>
               </a:lnSpc>
@@ -3050,7 +3613,7 @@
               <a:buChar char="•"/>
             </a:pPr>
             <a:r>
-              <a:rPr b="0" lang="ko-KR" sz="2400" strike="noStrike" u="none">
+              <a:rPr lang="ko-KR" sz="2400" b="0" u="none" strike="noStrike">
                 <a:solidFill>
                   <a:srgbClr val="000000"/>
                 </a:solidFill>
@@ -3061,17 +3624,17 @@
               </a:rPr>
               <a:t>둘째 수준</a:t>
             </a:r>
-            <a:endParaRPr b="0" lang="en-US" sz="2400" strike="noStrike" u="none">
-              <a:solidFill>
-                <a:srgbClr val="000000"/>
-              </a:solidFill>
-              <a:effectLst/>
-              <a:uFillTx/>
-              <a:latin typeface="맑은 고딕"/>
-            </a:endParaRPr>
-          </a:p>
-          <a:p>
-            <a:pPr lvl="2" marL="1143000" indent="-228600">
+            <a:endParaRPr lang="en-US" sz="2400" b="0" u="none" strike="noStrike">
+              <a:solidFill>
+                <a:srgbClr val="000000"/>
+              </a:solidFill>
+              <a:effectLst/>
+              <a:uFillTx/>
+              <a:latin typeface="맑은 고딕"/>
+            </a:endParaRPr>
+          </a:p>
+          <a:p>
+            <a:pPr marL="1143000" lvl="2" indent="-228600">
               <a:lnSpc>
                 <a:spcPct val="90000"/>
               </a:lnSpc>
@@ -3085,7 +3648,7 @@
               <a:buChar char="•"/>
             </a:pPr>
             <a:r>
-              <a:rPr b="0" lang="ko-KR" sz="2000" strike="noStrike" u="none">
+              <a:rPr lang="ko-KR" sz="2000" b="0" u="none" strike="noStrike">
                 <a:solidFill>
                   <a:srgbClr val="000000"/>
                 </a:solidFill>
@@ -3096,17 +3659,17 @@
               </a:rPr>
               <a:t>셋째 수준</a:t>
             </a:r>
-            <a:endParaRPr b="0" lang="en-US" sz="2000" strike="noStrike" u="none">
-              <a:solidFill>
-                <a:srgbClr val="000000"/>
-              </a:solidFill>
-              <a:effectLst/>
-              <a:uFillTx/>
-              <a:latin typeface="맑은 고딕"/>
-            </a:endParaRPr>
-          </a:p>
-          <a:p>
-            <a:pPr lvl="3" marL="1600200" indent="-228600">
+            <a:endParaRPr lang="en-US" sz="2000" b="0" u="none" strike="noStrike">
+              <a:solidFill>
+                <a:srgbClr val="000000"/>
+              </a:solidFill>
+              <a:effectLst/>
+              <a:uFillTx/>
+              <a:latin typeface="맑은 고딕"/>
+            </a:endParaRPr>
+          </a:p>
+          <a:p>
+            <a:pPr marL="1600200" lvl="3" indent="-228600">
               <a:lnSpc>
                 <a:spcPct val="90000"/>
               </a:lnSpc>
@@ -3120,7 +3683,7 @@
               <a:buChar char="•"/>
             </a:pPr>
             <a:r>
-              <a:rPr b="0" lang="ko-KR" sz="1800" strike="noStrike" u="none">
+              <a:rPr lang="ko-KR" sz="1800" b="0" u="none" strike="noStrike">
                 <a:solidFill>
                   <a:srgbClr val="000000"/>
                 </a:solidFill>
@@ -3131,17 +3694,17 @@
               </a:rPr>
               <a:t>넷째 수준</a:t>
             </a:r>
-            <a:endParaRPr b="0" lang="en-US" sz="1800" strike="noStrike" u="none">
-              <a:solidFill>
-                <a:srgbClr val="000000"/>
-              </a:solidFill>
-              <a:effectLst/>
-              <a:uFillTx/>
-              <a:latin typeface="맑은 고딕"/>
-            </a:endParaRPr>
-          </a:p>
-          <a:p>
-            <a:pPr lvl="4" marL="2057400" indent="-228600">
+            <a:endParaRPr lang="en-US" sz="1800" b="0" u="none" strike="noStrike">
+              <a:solidFill>
+                <a:srgbClr val="000000"/>
+              </a:solidFill>
+              <a:effectLst/>
+              <a:uFillTx/>
+              <a:latin typeface="맑은 고딕"/>
+            </a:endParaRPr>
+          </a:p>
+          <a:p>
+            <a:pPr marL="2057400" lvl="4" indent="-228600">
               <a:lnSpc>
                 <a:spcPct val="90000"/>
               </a:lnSpc>
@@ -3155,7 +3718,7 @@
               <a:buChar char="•"/>
             </a:pPr>
             <a:r>
-              <a:rPr b="0" lang="ko-KR" sz="1800" strike="noStrike" u="none">
+              <a:rPr lang="ko-KR" sz="1800" b="0" u="none" strike="noStrike">
                 <a:solidFill>
                   <a:srgbClr val="000000"/>
                 </a:solidFill>
@@ -3166,7 +3729,7 @@
               </a:rPr>
               <a:t>다섯째 수준</a:t>
             </a:r>
-            <a:endParaRPr b="0" lang="en-US" sz="1800" strike="noStrike" u="none">
+            <a:endParaRPr lang="en-US" sz="1800" b="0" u="none" strike="noStrike">
               <a:solidFill>
                 <a:srgbClr val="000000"/>
               </a:solidFill>
@@ -3201,9 +3764,10 @@
           </a:ln>
         </p:spPr>
         <p:txBody>
-          <a:bodyPr lIns="0" rIns="0" tIns="0" bIns="0" anchor="t">
+          <a:bodyPr lIns="0" tIns="0" rIns="0" bIns="0" anchor="t">
             <a:normAutofit/>
           </a:bodyPr>
+          <a:lstStyle/>
           <a:p>
             <a:pPr indent="0" algn="ctr">
               <a:lnSpc>
@@ -3215,7 +3779,7 @@
               <a:buNone/>
             </a:pPr>
             <a:r>
-              <a:rPr b="0" lang="ko-KR" sz="3200" strike="noStrike" u="none">
+              <a:rPr lang="ko-KR" sz="3200" b="0" u="none" strike="noStrike">
                 <a:solidFill>
                   <a:srgbClr val="000000"/>
                 </a:solidFill>
@@ -3226,17 +3790,17 @@
               </a:rPr>
               <a:t>마스터 텍스트 스타일 편집</a:t>
             </a:r>
-            <a:endParaRPr b="0" lang="en-US" sz="3200" strike="noStrike" u="none">
-              <a:solidFill>
-                <a:srgbClr val="000000"/>
-              </a:solidFill>
-              <a:effectLst/>
-              <a:uFillTx/>
-              <a:latin typeface="맑은 고딕"/>
-            </a:endParaRPr>
-          </a:p>
-          <a:p>
-            <a:pPr lvl="1" marL="685800" indent="-228600">
+            <a:endParaRPr lang="en-US" sz="3200" b="0" u="none" strike="noStrike">
+              <a:solidFill>
+                <a:srgbClr val="000000"/>
+              </a:solidFill>
+              <a:effectLst/>
+              <a:uFillTx/>
+              <a:latin typeface="맑은 고딕"/>
+            </a:endParaRPr>
+          </a:p>
+          <a:p>
+            <a:pPr marL="685800" lvl="1" indent="-228600">
               <a:lnSpc>
                 <a:spcPct val="90000"/>
               </a:lnSpc>
@@ -3250,7 +3814,7 @@
               <a:buChar char="•"/>
             </a:pPr>
             <a:r>
-              <a:rPr b="0" lang="ko-KR" sz="2400" strike="noStrike" u="none">
+              <a:rPr lang="ko-KR" sz="2400" b="0" u="none" strike="noStrike">
                 <a:solidFill>
                   <a:srgbClr val="000000"/>
                 </a:solidFill>
@@ -3261,17 +3825,17 @@
               </a:rPr>
               <a:t>둘째 수준</a:t>
             </a:r>
-            <a:endParaRPr b="0" lang="en-US" sz="2400" strike="noStrike" u="none">
-              <a:solidFill>
-                <a:srgbClr val="000000"/>
-              </a:solidFill>
-              <a:effectLst/>
-              <a:uFillTx/>
-              <a:latin typeface="맑은 고딕"/>
-            </a:endParaRPr>
-          </a:p>
-          <a:p>
-            <a:pPr lvl="2" marL="1143000" indent="-228600">
+            <a:endParaRPr lang="en-US" sz="2400" b="0" u="none" strike="noStrike">
+              <a:solidFill>
+                <a:srgbClr val="000000"/>
+              </a:solidFill>
+              <a:effectLst/>
+              <a:uFillTx/>
+              <a:latin typeface="맑은 고딕"/>
+            </a:endParaRPr>
+          </a:p>
+          <a:p>
+            <a:pPr marL="1143000" lvl="2" indent="-228600">
               <a:lnSpc>
                 <a:spcPct val="90000"/>
               </a:lnSpc>
@@ -3285,7 +3849,7 @@
               <a:buChar char="•"/>
             </a:pPr>
             <a:r>
-              <a:rPr b="0" lang="ko-KR" sz="2000" strike="noStrike" u="none">
+              <a:rPr lang="ko-KR" sz="2000" b="0" u="none" strike="noStrike">
                 <a:solidFill>
                   <a:srgbClr val="000000"/>
                 </a:solidFill>
@@ -3296,17 +3860,17 @@
               </a:rPr>
               <a:t>셋째 수준</a:t>
             </a:r>
-            <a:endParaRPr b="0" lang="en-US" sz="2000" strike="noStrike" u="none">
-              <a:solidFill>
-                <a:srgbClr val="000000"/>
-              </a:solidFill>
-              <a:effectLst/>
-              <a:uFillTx/>
-              <a:latin typeface="맑은 고딕"/>
-            </a:endParaRPr>
-          </a:p>
-          <a:p>
-            <a:pPr lvl="3" marL="1600200" indent="-228600">
+            <a:endParaRPr lang="en-US" sz="2000" b="0" u="none" strike="noStrike">
+              <a:solidFill>
+                <a:srgbClr val="000000"/>
+              </a:solidFill>
+              <a:effectLst/>
+              <a:uFillTx/>
+              <a:latin typeface="맑은 고딕"/>
+            </a:endParaRPr>
+          </a:p>
+          <a:p>
+            <a:pPr marL="1600200" lvl="3" indent="-228600">
               <a:lnSpc>
                 <a:spcPct val="90000"/>
               </a:lnSpc>
@@ -3320,7 +3884,7 @@
               <a:buChar char="•"/>
             </a:pPr>
             <a:r>
-              <a:rPr b="0" lang="ko-KR" sz="1800" strike="noStrike" u="none">
+              <a:rPr lang="ko-KR" sz="1800" b="0" u="none" strike="noStrike">
                 <a:solidFill>
                   <a:srgbClr val="000000"/>
                 </a:solidFill>
@@ -3331,17 +3895,17 @@
               </a:rPr>
               <a:t>넷째 수준</a:t>
             </a:r>
-            <a:endParaRPr b="0" lang="en-US" sz="1800" strike="noStrike" u="none">
-              <a:solidFill>
-                <a:srgbClr val="000000"/>
-              </a:solidFill>
-              <a:effectLst/>
-              <a:uFillTx/>
-              <a:latin typeface="맑은 고딕"/>
-            </a:endParaRPr>
-          </a:p>
-          <a:p>
-            <a:pPr lvl="4" marL="2057400" indent="-228600">
+            <a:endParaRPr lang="en-US" sz="1800" b="0" u="none" strike="noStrike">
+              <a:solidFill>
+                <a:srgbClr val="000000"/>
+              </a:solidFill>
+              <a:effectLst/>
+              <a:uFillTx/>
+              <a:latin typeface="맑은 고딕"/>
+            </a:endParaRPr>
+          </a:p>
+          <a:p>
+            <a:pPr marL="2057400" lvl="4" indent="-228600">
               <a:lnSpc>
                 <a:spcPct val="90000"/>
               </a:lnSpc>
@@ -3355,7 +3919,7 @@
               <a:buChar char="•"/>
             </a:pPr>
             <a:r>
-              <a:rPr b="0" lang="ko-KR" sz="1800" strike="noStrike" u="none">
+              <a:rPr lang="ko-KR" sz="1800" b="0" u="none" strike="noStrike">
                 <a:solidFill>
                   <a:srgbClr val="000000"/>
                 </a:solidFill>
@@ -3366,7 +3930,7 @@
               </a:rPr>
               <a:t>다섯째 수준</a:t>
             </a:r>
-            <a:endParaRPr b="0" lang="en-US" sz="1800" strike="noStrike" u="none">
+            <a:endParaRPr lang="en-US" sz="1800" b="0" u="none" strike="noStrike">
               <a:solidFill>
                 <a:srgbClr val="000000"/>
               </a:solidFill>
@@ -3401,14 +3965,15 @@
           </a:ln>
         </p:spPr>
         <p:txBody>
-          <a:bodyPr lIns="0" rIns="0" tIns="0" bIns="0" anchor="t">
+          <a:bodyPr lIns="0" tIns="0" rIns="0" bIns="0" anchor="t">
             <a:noAutofit/>
           </a:bodyPr>
+          <a:lstStyle/>
           <a:p>
             <a:pPr indent="0">
               <a:buNone/>
             </a:pPr>
-            <a:endParaRPr b="0" lang="en-US" sz="2400" strike="noStrike" u="none">
+            <a:endParaRPr lang="en-US" sz="2400" b="0" u="none" strike="noStrike">
               <a:solidFill>
                 <a:srgbClr val="000000"/>
               </a:solidFill>
@@ -3443,14 +4008,15 @@
           </a:ln>
         </p:spPr>
         <p:txBody>
-          <a:bodyPr lIns="0" rIns="0" tIns="0" bIns="0" anchor="t" anchorCtr="1">
+          <a:bodyPr lIns="0" tIns="0" rIns="0" bIns="0" anchor="t" anchorCtr="1">
             <a:noAutofit/>
           </a:bodyPr>
+          <a:lstStyle/>
           <a:p>
             <a:pPr indent="0">
               <a:buNone/>
             </a:pPr>
-            <a:endParaRPr b="0" lang="en-US" sz="2400" strike="noStrike" u="none">
+            <a:endParaRPr lang="en-US" sz="2400" b="0" u="none" strike="noStrike">
               <a:solidFill>
                 <a:srgbClr val="000000"/>
               </a:solidFill>
@@ -3485,7 +4051,7 @@
           </a:ln>
         </p:spPr>
         <p:txBody>
-          <a:bodyPr lIns="0" rIns="0" tIns="0" bIns="0" anchor="t">
+          <a:bodyPr lIns="0" tIns="0" rIns="0" bIns="0" anchor="t">
             <a:noAutofit/>
           </a:bodyPr>
           <a:lstStyle>
@@ -3494,7 +4060,7 @@
                 <a:spcPct val="100000"/>
               </a:lnSpc>
               <a:buNone/>
-              <a:defRPr b="0" lang="en-US" sz="1400" strike="noStrike" u="none">
+              <a:defRPr lang="en-US" sz="1400" b="0" u="none" strike="noStrike">
                 <a:solidFill>
                   <a:srgbClr val="000000"/>
                 </a:solidFill>
@@ -3513,7 +4079,7 @@
               <a:buNone/>
             </a:pPr>
             <a:fld id="{80693AA4-0BB0-48C3-ADFE-B2894499720F}" type="slidenum">
-              <a:rPr b="0" lang="en-US" sz="1400" strike="noStrike" u="none">
+              <a:rPr lang="en-US" sz="1400" b="0" u="none" strike="noStrike">
                 <a:solidFill>
                   <a:srgbClr val="000000"/>
                 </a:solidFill>
@@ -3522,9 +4088,9 @@
                 <a:latin typeface="맑은 고딕"/>
                 <a:ea typeface="맑은 고딕"/>
               </a:rPr>
-              <a:t>&lt;숫자&gt;</a:t>
+              <a:t>‹#›</a:t>
             </a:fld>
-            <a:endParaRPr b="0" lang="en-US" sz="1400" strike="noStrike" u="none">
+            <a:endParaRPr lang="en-US" sz="1400" b="0" u="none" strike="noStrike">
               <a:solidFill>
                 <a:srgbClr val="000000"/>
               </a:solidFill>
@@ -3537,17 +4103,21 @@
       </p:sp>
     </p:spTree>
   </p:cSld>
+  <p:clrMapOvr>
+    <a:masterClrMapping/>
+  </p:clrMapOvr>
 </p:sldLayout>
 </file>
 
 <file path=ppt/slideLayouts/slideLayout6.xml><?xml version="1.0" encoding="utf-8"?>
-<p:sldLayout xmlns:a="http://schemas.openxmlformats.org/drawingml/2006/main" xmlns:p="http://schemas.openxmlformats.org/presentationml/2006/main" xmlns:r="http://schemas.openxmlformats.org/officeDocument/2006/relationships" xmlns:p14="http://schemas.microsoft.com/office/powerpoint/2010/main" xmlns:p15="http://schemas.microsoft.com/office/powerpoint/2012/main" xmlns:mc="http://schemas.openxmlformats.org/markup-compatibility/2006" type="objAndTx" preserve="1">
+<p:sldLayout xmlns:a="http://schemas.openxmlformats.org/drawingml/2006/main" xmlns:r="http://schemas.openxmlformats.org/officeDocument/2006/relationships" xmlns:p="http://schemas.openxmlformats.org/presentationml/2006/main" type="objAndTx" preserve="1">
   <p:cSld name="Master1-Layout5-twoTxTwoObj-비교">
     <p:bg>
       <p:bgPr>
         <a:solidFill>
-          <a:srgbClr val="ffffff"/>
+          <a:srgbClr val="FFFFFF"/>
         </a:solidFill>
+        <a:effectLst/>
       </p:bgPr>
     </p:bg>
     <p:spTree>
@@ -3588,9 +4158,10 @@
           </a:ln>
         </p:spPr>
         <p:txBody>
-          <a:bodyPr lIns="0" rIns="0" tIns="0" bIns="0" anchor="ctr" anchorCtr="1">
+          <a:bodyPr lIns="0" tIns="0" rIns="0" bIns="0" anchor="ctr" anchorCtr="1">
             <a:noAutofit/>
           </a:bodyPr>
+          <a:lstStyle/>
           <a:p>
             <a:pPr indent="0" algn="ctr">
               <a:lnSpc>
@@ -3599,7 +4170,7 @@
               <a:buNone/>
             </a:pPr>
             <a:r>
-              <a:rPr b="0" lang="ko-KR" sz="4400" strike="noStrike" u="none">
+              <a:rPr lang="ko-KR" sz="4400" b="0" u="none" strike="noStrike">
                 <a:solidFill>
                   <a:srgbClr val="000000"/>
                 </a:solidFill>
@@ -3610,7 +4181,7 @@
               </a:rPr>
               <a:t>마스터 제목 스타일 편집</a:t>
             </a:r>
-            <a:endParaRPr b="0" lang="en-US" sz="4400" strike="noStrike" u="none">
+            <a:endParaRPr lang="en-US" sz="4400" b="0" u="none" strike="noStrike">
               <a:solidFill>
                 <a:srgbClr val="000000"/>
               </a:solidFill>
@@ -3645,9 +4216,10 @@
           </a:ln>
         </p:spPr>
         <p:txBody>
-          <a:bodyPr lIns="0" rIns="0" tIns="0" bIns="0" anchor="b">
+          <a:bodyPr lIns="0" tIns="0" rIns="0" bIns="0" anchor="b">
             <a:normAutofit/>
           </a:bodyPr>
+          <a:lstStyle/>
           <a:p>
             <a:pPr marL="432000" indent="-324000">
               <a:lnSpc>
@@ -3664,7 +4236,7 @@
               <a:buChar char=""/>
             </a:pPr>
             <a:r>
-              <a:rPr b="1" lang="ko-KR" sz="2400" strike="noStrike" u="none">
+              <a:rPr lang="ko-KR" sz="2400" b="1" u="none" strike="noStrike">
                 <a:solidFill>
                   <a:srgbClr val="000000"/>
                 </a:solidFill>
@@ -3675,7 +4247,7 @@
               </a:rPr>
               <a:t>마스터 텍스트 스타일 편집</a:t>
             </a:r>
-            <a:endParaRPr b="0" lang="en-US" sz="2400" strike="noStrike" u="none">
+            <a:endParaRPr lang="en-US" sz="2400" b="0" u="none" strike="noStrike">
               <a:solidFill>
                 <a:srgbClr val="000000"/>
               </a:solidFill>
@@ -3710,9 +4282,10 @@
           </a:ln>
         </p:spPr>
         <p:txBody>
-          <a:bodyPr lIns="0" rIns="0" tIns="0" bIns="0" anchor="t">
+          <a:bodyPr lIns="0" tIns="0" rIns="0" bIns="0" anchor="t">
             <a:normAutofit fontScale="92500" lnSpcReduction="9999"/>
           </a:bodyPr>
+          <a:lstStyle/>
           <a:p>
             <a:pPr indent="0" algn="ctr">
               <a:lnSpc>
@@ -3724,7 +4297,7 @@
               <a:buNone/>
             </a:pPr>
             <a:r>
-              <a:rPr b="0" lang="ko-KR" sz="3200" strike="noStrike" u="none">
+              <a:rPr lang="ko-KR" sz="3200" b="0" u="none" strike="noStrike">
                 <a:solidFill>
                   <a:srgbClr val="000000"/>
                 </a:solidFill>
@@ -3735,17 +4308,17 @@
               </a:rPr>
               <a:t>마스터 텍스트 스타일 편집</a:t>
             </a:r>
-            <a:endParaRPr b="0" lang="en-US" sz="3200" strike="noStrike" u="none">
-              <a:solidFill>
-                <a:srgbClr val="000000"/>
-              </a:solidFill>
-              <a:effectLst/>
-              <a:uFillTx/>
-              <a:latin typeface="맑은 고딕"/>
-            </a:endParaRPr>
-          </a:p>
-          <a:p>
-            <a:pPr lvl="1" marL="685800" indent="-228600">
+            <a:endParaRPr lang="en-US" sz="3200" b="0" u="none" strike="noStrike">
+              <a:solidFill>
+                <a:srgbClr val="000000"/>
+              </a:solidFill>
+              <a:effectLst/>
+              <a:uFillTx/>
+              <a:latin typeface="맑은 고딕"/>
+            </a:endParaRPr>
+          </a:p>
+          <a:p>
+            <a:pPr marL="685800" lvl="1" indent="-228600">
               <a:lnSpc>
                 <a:spcPct val="90000"/>
               </a:lnSpc>
@@ -3759,7 +4332,7 @@
               <a:buChar char="•"/>
             </a:pPr>
             <a:r>
-              <a:rPr b="0" lang="ko-KR" sz="2400" strike="noStrike" u="none">
+              <a:rPr lang="ko-KR" sz="2400" b="0" u="none" strike="noStrike">
                 <a:solidFill>
                   <a:srgbClr val="000000"/>
                 </a:solidFill>
@@ -3770,17 +4343,17 @@
               </a:rPr>
               <a:t>둘째 수준</a:t>
             </a:r>
-            <a:endParaRPr b="0" lang="en-US" sz="2400" strike="noStrike" u="none">
-              <a:solidFill>
-                <a:srgbClr val="000000"/>
-              </a:solidFill>
-              <a:effectLst/>
-              <a:uFillTx/>
-              <a:latin typeface="맑은 고딕"/>
-            </a:endParaRPr>
-          </a:p>
-          <a:p>
-            <a:pPr lvl="2" marL="1143000" indent="-228600">
+            <a:endParaRPr lang="en-US" sz="2400" b="0" u="none" strike="noStrike">
+              <a:solidFill>
+                <a:srgbClr val="000000"/>
+              </a:solidFill>
+              <a:effectLst/>
+              <a:uFillTx/>
+              <a:latin typeface="맑은 고딕"/>
+            </a:endParaRPr>
+          </a:p>
+          <a:p>
+            <a:pPr marL="1143000" lvl="2" indent="-228600">
               <a:lnSpc>
                 <a:spcPct val="90000"/>
               </a:lnSpc>
@@ -3794,7 +4367,7 @@
               <a:buChar char="•"/>
             </a:pPr>
             <a:r>
-              <a:rPr b="0" lang="ko-KR" sz="2000" strike="noStrike" u="none">
+              <a:rPr lang="ko-KR" sz="2000" b="0" u="none" strike="noStrike">
                 <a:solidFill>
                   <a:srgbClr val="000000"/>
                 </a:solidFill>
@@ -3805,17 +4378,17 @@
               </a:rPr>
               <a:t>셋째 수준</a:t>
             </a:r>
-            <a:endParaRPr b="0" lang="en-US" sz="2000" strike="noStrike" u="none">
-              <a:solidFill>
-                <a:srgbClr val="000000"/>
-              </a:solidFill>
-              <a:effectLst/>
-              <a:uFillTx/>
-              <a:latin typeface="맑은 고딕"/>
-            </a:endParaRPr>
-          </a:p>
-          <a:p>
-            <a:pPr lvl="3" marL="1600200" indent="-228600">
+            <a:endParaRPr lang="en-US" sz="2000" b="0" u="none" strike="noStrike">
+              <a:solidFill>
+                <a:srgbClr val="000000"/>
+              </a:solidFill>
+              <a:effectLst/>
+              <a:uFillTx/>
+              <a:latin typeface="맑은 고딕"/>
+            </a:endParaRPr>
+          </a:p>
+          <a:p>
+            <a:pPr marL="1600200" lvl="3" indent="-228600">
               <a:lnSpc>
                 <a:spcPct val="90000"/>
               </a:lnSpc>
@@ -3829,7 +4402,7 @@
               <a:buChar char="•"/>
             </a:pPr>
             <a:r>
-              <a:rPr b="0" lang="ko-KR" sz="1800" strike="noStrike" u="none">
+              <a:rPr lang="ko-KR" sz="1800" b="0" u="none" strike="noStrike">
                 <a:solidFill>
                   <a:srgbClr val="000000"/>
                 </a:solidFill>
@@ -3840,17 +4413,17 @@
               </a:rPr>
               <a:t>넷째 수준</a:t>
             </a:r>
-            <a:endParaRPr b="0" lang="en-US" sz="1800" strike="noStrike" u="none">
-              <a:solidFill>
-                <a:srgbClr val="000000"/>
-              </a:solidFill>
-              <a:effectLst/>
-              <a:uFillTx/>
-              <a:latin typeface="맑은 고딕"/>
-            </a:endParaRPr>
-          </a:p>
-          <a:p>
-            <a:pPr lvl="4" marL="2057400" indent="-228600">
+            <a:endParaRPr lang="en-US" sz="1800" b="0" u="none" strike="noStrike">
+              <a:solidFill>
+                <a:srgbClr val="000000"/>
+              </a:solidFill>
+              <a:effectLst/>
+              <a:uFillTx/>
+              <a:latin typeface="맑은 고딕"/>
+            </a:endParaRPr>
+          </a:p>
+          <a:p>
+            <a:pPr marL="2057400" lvl="4" indent="-228600">
               <a:lnSpc>
                 <a:spcPct val="90000"/>
               </a:lnSpc>
@@ -3864,7 +4437,7 @@
               <a:buChar char="•"/>
             </a:pPr>
             <a:r>
-              <a:rPr b="0" lang="ko-KR" sz="1800" strike="noStrike" u="none">
+              <a:rPr lang="ko-KR" sz="1800" b="0" u="none" strike="noStrike">
                 <a:solidFill>
                   <a:srgbClr val="000000"/>
                 </a:solidFill>
@@ -3875,7 +4448,7 @@
               </a:rPr>
               <a:t>다섯째 수준</a:t>
             </a:r>
-            <a:endParaRPr b="0" lang="en-US" sz="1800" strike="noStrike" u="none">
+            <a:endParaRPr lang="en-US" sz="1800" b="0" u="none" strike="noStrike">
               <a:solidFill>
                 <a:srgbClr val="000000"/>
               </a:solidFill>
@@ -3910,9 +4483,10 @@
           </a:ln>
         </p:spPr>
         <p:txBody>
-          <a:bodyPr lIns="0" rIns="0" tIns="0" bIns="0" anchor="b">
+          <a:bodyPr lIns="0" tIns="0" rIns="0" bIns="0" anchor="b">
             <a:normAutofit/>
           </a:bodyPr>
+          <a:lstStyle/>
           <a:p>
             <a:pPr indent="0">
               <a:lnSpc>
@@ -3923,7 +4497,7 @@
               </a:spcBef>
             </a:pPr>
             <a:r>
-              <a:rPr b="1" lang="ko-KR" sz="2400" strike="noStrike" u="none">
+              <a:rPr lang="ko-KR" sz="2400" b="1" u="none" strike="noStrike">
                 <a:solidFill>
                   <a:srgbClr val="000000"/>
                 </a:solidFill>
@@ -3934,7 +4508,7 @@
               </a:rPr>
               <a:t>마스터 텍스트 스타일 편집</a:t>
             </a:r>
-            <a:endParaRPr b="0" lang="en-US" sz="2400" strike="noStrike" u="none">
+            <a:endParaRPr lang="en-US" sz="2400" b="0" u="none" strike="noStrike">
               <a:solidFill>
                 <a:srgbClr val="000000"/>
               </a:solidFill>
@@ -3969,9 +4543,10 @@
           </a:ln>
         </p:spPr>
         <p:txBody>
-          <a:bodyPr lIns="0" rIns="0" tIns="0" bIns="0" anchor="t">
+          <a:bodyPr lIns="0" tIns="0" rIns="0" bIns="0" anchor="t">
             <a:normAutofit fontScale="92500" lnSpcReduction="9999"/>
           </a:bodyPr>
+          <a:lstStyle/>
           <a:p>
             <a:pPr indent="0" algn="ctr">
               <a:lnSpc>
@@ -3983,7 +4558,7 @@
               <a:buNone/>
             </a:pPr>
             <a:r>
-              <a:rPr b="0" lang="ko-KR" sz="3200" strike="noStrike" u="none">
+              <a:rPr lang="ko-KR" sz="3200" b="0" u="none" strike="noStrike">
                 <a:solidFill>
                   <a:srgbClr val="000000"/>
                 </a:solidFill>
@@ -3994,17 +4569,17 @@
               </a:rPr>
               <a:t>마스터 텍스트 스타일 편집</a:t>
             </a:r>
-            <a:endParaRPr b="0" lang="en-US" sz="3200" strike="noStrike" u="none">
-              <a:solidFill>
-                <a:srgbClr val="000000"/>
-              </a:solidFill>
-              <a:effectLst/>
-              <a:uFillTx/>
-              <a:latin typeface="맑은 고딕"/>
-            </a:endParaRPr>
-          </a:p>
-          <a:p>
-            <a:pPr lvl="1" marL="685800" indent="-228600">
+            <a:endParaRPr lang="en-US" sz="3200" b="0" u="none" strike="noStrike">
+              <a:solidFill>
+                <a:srgbClr val="000000"/>
+              </a:solidFill>
+              <a:effectLst/>
+              <a:uFillTx/>
+              <a:latin typeface="맑은 고딕"/>
+            </a:endParaRPr>
+          </a:p>
+          <a:p>
+            <a:pPr marL="685800" lvl="1" indent="-228600">
               <a:lnSpc>
                 <a:spcPct val="90000"/>
               </a:lnSpc>
@@ -4018,7 +4593,7 @@
               <a:buChar char="•"/>
             </a:pPr>
             <a:r>
-              <a:rPr b="0" lang="ko-KR" sz="2400" strike="noStrike" u="none">
+              <a:rPr lang="ko-KR" sz="2400" b="0" u="none" strike="noStrike">
                 <a:solidFill>
                   <a:srgbClr val="000000"/>
                 </a:solidFill>
@@ -4029,17 +4604,17 @@
               </a:rPr>
               <a:t>둘째 수준</a:t>
             </a:r>
-            <a:endParaRPr b="0" lang="en-US" sz="2400" strike="noStrike" u="none">
-              <a:solidFill>
-                <a:srgbClr val="000000"/>
-              </a:solidFill>
-              <a:effectLst/>
-              <a:uFillTx/>
-              <a:latin typeface="맑은 고딕"/>
-            </a:endParaRPr>
-          </a:p>
-          <a:p>
-            <a:pPr lvl="2" marL="1143000" indent="-228600">
+            <a:endParaRPr lang="en-US" sz="2400" b="0" u="none" strike="noStrike">
+              <a:solidFill>
+                <a:srgbClr val="000000"/>
+              </a:solidFill>
+              <a:effectLst/>
+              <a:uFillTx/>
+              <a:latin typeface="맑은 고딕"/>
+            </a:endParaRPr>
+          </a:p>
+          <a:p>
+            <a:pPr marL="1143000" lvl="2" indent="-228600">
               <a:lnSpc>
                 <a:spcPct val="90000"/>
               </a:lnSpc>
@@ -4053,7 +4628,7 @@
               <a:buChar char="•"/>
             </a:pPr>
             <a:r>
-              <a:rPr b="0" lang="ko-KR" sz="2000" strike="noStrike" u="none">
+              <a:rPr lang="ko-KR" sz="2000" b="0" u="none" strike="noStrike">
                 <a:solidFill>
                   <a:srgbClr val="000000"/>
                 </a:solidFill>
@@ -4064,17 +4639,17 @@
               </a:rPr>
               <a:t>셋째 수준</a:t>
             </a:r>
-            <a:endParaRPr b="0" lang="en-US" sz="2000" strike="noStrike" u="none">
-              <a:solidFill>
-                <a:srgbClr val="000000"/>
-              </a:solidFill>
-              <a:effectLst/>
-              <a:uFillTx/>
-              <a:latin typeface="맑은 고딕"/>
-            </a:endParaRPr>
-          </a:p>
-          <a:p>
-            <a:pPr lvl="3" marL="1600200" indent="-228600">
+            <a:endParaRPr lang="en-US" sz="2000" b="0" u="none" strike="noStrike">
+              <a:solidFill>
+                <a:srgbClr val="000000"/>
+              </a:solidFill>
+              <a:effectLst/>
+              <a:uFillTx/>
+              <a:latin typeface="맑은 고딕"/>
+            </a:endParaRPr>
+          </a:p>
+          <a:p>
+            <a:pPr marL="1600200" lvl="3" indent="-228600">
               <a:lnSpc>
                 <a:spcPct val="90000"/>
               </a:lnSpc>
@@ -4088,7 +4663,7 @@
               <a:buChar char="•"/>
             </a:pPr>
             <a:r>
-              <a:rPr b="0" lang="ko-KR" sz="1800" strike="noStrike" u="none">
+              <a:rPr lang="ko-KR" sz="1800" b="0" u="none" strike="noStrike">
                 <a:solidFill>
                   <a:srgbClr val="000000"/>
                 </a:solidFill>
@@ -4099,17 +4674,17 @@
               </a:rPr>
               <a:t>넷째 수준</a:t>
             </a:r>
-            <a:endParaRPr b="0" lang="en-US" sz="1800" strike="noStrike" u="none">
-              <a:solidFill>
-                <a:srgbClr val="000000"/>
-              </a:solidFill>
-              <a:effectLst/>
-              <a:uFillTx/>
-              <a:latin typeface="맑은 고딕"/>
-            </a:endParaRPr>
-          </a:p>
-          <a:p>
-            <a:pPr lvl="4" marL="2057400" indent="-228600">
+            <a:endParaRPr lang="en-US" sz="1800" b="0" u="none" strike="noStrike">
+              <a:solidFill>
+                <a:srgbClr val="000000"/>
+              </a:solidFill>
+              <a:effectLst/>
+              <a:uFillTx/>
+              <a:latin typeface="맑은 고딕"/>
+            </a:endParaRPr>
+          </a:p>
+          <a:p>
+            <a:pPr marL="2057400" lvl="4" indent="-228600">
               <a:lnSpc>
                 <a:spcPct val="90000"/>
               </a:lnSpc>
@@ -4123,7 +4698,7 @@
               <a:buChar char="•"/>
             </a:pPr>
             <a:r>
-              <a:rPr b="0" lang="ko-KR" sz="1800" strike="noStrike" u="none">
+              <a:rPr lang="ko-KR" sz="1800" b="0" u="none" strike="noStrike">
                 <a:solidFill>
                   <a:srgbClr val="000000"/>
                 </a:solidFill>
@@ -4134,7 +4709,7 @@
               </a:rPr>
               <a:t>다섯째 수준</a:t>
             </a:r>
-            <a:endParaRPr b="0" lang="en-US" sz="1800" strike="noStrike" u="none">
+            <a:endParaRPr lang="en-US" sz="1800" b="0" u="none" strike="noStrike">
               <a:solidFill>
                 <a:srgbClr val="000000"/>
               </a:solidFill>
@@ -4169,14 +4744,15 @@
           </a:ln>
         </p:spPr>
         <p:txBody>
-          <a:bodyPr lIns="0" rIns="0" tIns="0" bIns="0" anchor="t">
+          <a:bodyPr lIns="0" tIns="0" rIns="0" bIns="0" anchor="t">
             <a:noAutofit/>
           </a:bodyPr>
+          <a:lstStyle/>
           <a:p>
             <a:pPr indent="0">
               <a:buNone/>
             </a:pPr>
-            <a:endParaRPr b="0" lang="en-US" sz="2400" strike="noStrike" u="none">
+            <a:endParaRPr lang="en-US" sz="2400" b="0" u="none" strike="noStrike">
               <a:solidFill>
                 <a:srgbClr val="000000"/>
               </a:solidFill>
@@ -4211,14 +4787,15 @@
           </a:ln>
         </p:spPr>
         <p:txBody>
-          <a:bodyPr lIns="0" rIns="0" tIns="0" bIns="0" anchor="t" anchorCtr="1">
+          <a:bodyPr lIns="0" tIns="0" rIns="0" bIns="0" anchor="t" anchorCtr="1">
             <a:noAutofit/>
           </a:bodyPr>
+          <a:lstStyle/>
           <a:p>
             <a:pPr indent="0">
               <a:buNone/>
             </a:pPr>
-            <a:endParaRPr b="0" lang="en-US" sz="2400" strike="noStrike" u="none">
+            <a:endParaRPr lang="en-US" sz="2400" b="0" u="none" strike="noStrike">
               <a:solidFill>
                 <a:srgbClr val="000000"/>
               </a:solidFill>
@@ -4253,7 +4830,7 @@
           </a:ln>
         </p:spPr>
         <p:txBody>
-          <a:bodyPr lIns="0" rIns="0" tIns="0" bIns="0" anchor="t">
+          <a:bodyPr lIns="0" tIns="0" rIns="0" bIns="0" anchor="t">
             <a:noAutofit/>
           </a:bodyPr>
           <a:lstStyle>
@@ -4262,7 +4839,7 @@
                 <a:spcPct val="100000"/>
               </a:lnSpc>
               <a:buNone/>
-              <a:defRPr b="0" lang="en-US" sz="1400" strike="noStrike" u="none">
+              <a:defRPr lang="en-US" sz="1400" b="0" u="none" strike="noStrike">
                 <a:solidFill>
                   <a:srgbClr val="000000"/>
                 </a:solidFill>
@@ -4281,7 +4858,7 @@
               <a:buNone/>
             </a:pPr>
             <a:fld id="{D7C458E8-AF41-4C34-9E03-5661C2F42FE2}" type="slidenum">
-              <a:rPr b="0" lang="en-US" sz="1400" strike="noStrike" u="none">
+              <a:rPr lang="en-US" sz="1400" b="0" u="none" strike="noStrike">
                 <a:solidFill>
                   <a:srgbClr val="000000"/>
                 </a:solidFill>
@@ -4290,9 +4867,9 @@
                 <a:latin typeface="맑은 고딕"/>
                 <a:ea typeface="맑은 고딕"/>
               </a:rPr>
-              <a:t>&lt;숫자&gt;</a:t>
+              <a:t>‹#›</a:t>
             </a:fld>
-            <a:endParaRPr b="0" lang="en-US" sz="1400" strike="noStrike" u="none">
+            <a:endParaRPr lang="en-US" sz="1400" b="0" u="none" strike="noStrike">
               <a:solidFill>
                 <a:srgbClr val="000000"/>
               </a:solidFill>
@@ -4305,17 +4882,21 @@
       </p:sp>
     </p:spTree>
   </p:cSld>
+  <p:clrMapOvr>
+    <a:masterClrMapping/>
+  </p:clrMapOvr>
 </p:sldLayout>
 </file>
 
 <file path=ppt/slideLayouts/slideLayout7.xml><?xml version="1.0" encoding="utf-8"?>
-<p:sldLayout xmlns:a="http://schemas.openxmlformats.org/drawingml/2006/main" xmlns:p="http://schemas.openxmlformats.org/presentationml/2006/main" xmlns:r="http://schemas.openxmlformats.org/officeDocument/2006/relationships" xmlns:p14="http://schemas.microsoft.com/office/powerpoint/2010/main" xmlns:p15="http://schemas.microsoft.com/office/powerpoint/2012/main" xmlns:mc="http://schemas.openxmlformats.org/markup-compatibility/2006" type="objAndTx" preserve="1">
+<p:sldLayout xmlns:a="http://schemas.openxmlformats.org/drawingml/2006/main" xmlns:r="http://schemas.openxmlformats.org/officeDocument/2006/relationships" xmlns:p="http://schemas.openxmlformats.org/presentationml/2006/main" type="objAndTx" preserve="1">
   <p:cSld name="Master1-Layout6-titleOnly-제목만">
     <p:bg>
       <p:bgPr>
         <a:solidFill>
-          <a:srgbClr val="ffffff"/>
+          <a:srgbClr val="FFFFFF"/>
         </a:solidFill>
+        <a:effectLst/>
       </p:bgPr>
     </p:bg>
     <p:spTree>
@@ -4356,9 +4937,10 @@
           </a:ln>
         </p:spPr>
         <p:txBody>
-          <a:bodyPr lIns="0" rIns="0" tIns="0" bIns="0" anchor="ctr" anchorCtr="1">
+          <a:bodyPr lIns="0" tIns="0" rIns="0" bIns="0" anchor="ctr" anchorCtr="1">
             <a:noAutofit/>
           </a:bodyPr>
+          <a:lstStyle/>
           <a:p>
             <a:pPr indent="0" algn="ctr">
               <a:lnSpc>
@@ -4367,7 +4949,7 @@
               <a:buNone/>
             </a:pPr>
             <a:r>
-              <a:rPr b="0" lang="ko-KR" sz="4400" strike="noStrike" u="none">
+              <a:rPr lang="ko-KR" sz="4400" b="0" u="none" strike="noStrike">
                 <a:solidFill>
                   <a:srgbClr val="000000"/>
                 </a:solidFill>
@@ -4378,7 +4960,7 @@
               </a:rPr>
               <a:t>마스터 제목 스타일 편집</a:t>
             </a:r>
-            <a:endParaRPr b="0" lang="en-US" sz="4400" strike="noStrike" u="none">
+            <a:endParaRPr lang="en-US" sz="4400" b="0" u="none" strike="noStrike">
               <a:solidFill>
                 <a:srgbClr val="000000"/>
               </a:solidFill>
@@ -4413,14 +4995,15 @@
           </a:ln>
         </p:spPr>
         <p:txBody>
-          <a:bodyPr lIns="0" rIns="0" tIns="0" bIns="0" anchor="t">
+          <a:bodyPr lIns="0" tIns="0" rIns="0" bIns="0" anchor="t">
             <a:noAutofit/>
           </a:bodyPr>
+          <a:lstStyle/>
           <a:p>
             <a:pPr indent="0">
               <a:buNone/>
             </a:pPr>
-            <a:endParaRPr b="0" lang="en-US" sz="2400" strike="noStrike" u="none">
+            <a:endParaRPr lang="en-US" sz="2400" b="0" u="none" strike="noStrike">
               <a:solidFill>
                 <a:srgbClr val="000000"/>
               </a:solidFill>
@@ -4455,14 +5038,15 @@
           </a:ln>
         </p:spPr>
         <p:txBody>
-          <a:bodyPr lIns="0" rIns="0" tIns="0" bIns="0" anchor="t" anchorCtr="1">
+          <a:bodyPr lIns="0" tIns="0" rIns="0" bIns="0" anchor="t" anchorCtr="1">
             <a:noAutofit/>
           </a:bodyPr>
+          <a:lstStyle/>
           <a:p>
             <a:pPr indent="0">
               <a:buNone/>
             </a:pPr>
-            <a:endParaRPr b="0" lang="en-US" sz="2400" strike="noStrike" u="none">
+            <a:endParaRPr lang="en-US" sz="2400" b="0" u="none" strike="noStrike">
               <a:solidFill>
                 <a:srgbClr val="000000"/>
               </a:solidFill>
@@ -4497,7 +5081,7 @@
           </a:ln>
         </p:spPr>
         <p:txBody>
-          <a:bodyPr lIns="0" rIns="0" tIns="0" bIns="0" anchor="t">
+          <a:bodyPr lIns="0" tIns="0" rIns="0" bIns="0" anchor="t">
             <a:noAutofit/>
           </a:bodyPr>
           <a:lstStyle>
@@ -4506,7 +5090,7 @@
                 <a:spcPct val="100000"/>
               </a:lnSpc>
               <a:buNone/>
-              <a:defRPr b="0" lang="en-US" sz="1400" strike="noStrike" u="none">
+              <a:defRPr lang="en-US" sz="1400" b="0" u="none" strike="noStrike">
                 <a:solidFill>
                   <a:srgbClr val="000000"/>
                 </a:solidFill>
@@ -4525,7 +5109,7 @@
               <a:buNone/>
             </a:pPr>
             <a:fld id="{F84B71EA-35AB-4B60-B1CC-D8C70ACD7384}" type="slidenum">
-              <a:rPr b="0" lang="en-US" sz="1400" strike="noStrike" u="none">
+              <a:rPr lang="en-US" sz="1400" b="0" u="none" strike="noStrike">
                 <a:solidFill>
                   <a:srgbClr val="000000"/>
                 </a:solidFill>
@@ -4534,9 +5118,9 @@
                 <a:latin typeface="맑은 고딕"/>
                 <a:ea typeface="맑은 고딕"/>
               </a:rPr>
-              <a:t>&lt;숫자&gt;</a:t>
+              <a:t>‹#›</a:t>
             </a:fld>
-            <a:endParaRPr b="0" lang="en-US" sz="1400" strike="noStrike" u="none">
+            <a:endParaRPr lang="en-US" sz="1400" b="0" u="none" strike="noStrike">
               <a:solidFill>
                 <a:srgbClr val="000000"/>
               </a:solidFill>
@@ -4549,17 +5133,21 @@
       </p:sp>
     </p:spTree>
   </p:cSld>
+  <p:clrMapOvr>
+    <a:masterClrMapping/>
+  </p:clrMapOvr>
 </p:sldLayout>
 </file>
 
 <file path=ppt/slideLayouts/slideLayout8.xml><?xml version="1.0" encoding="utf-8"?>
-<p:sldLayout xmlns:a="http://schemas.openxmlformats.org/drawingml/2006/main" xmlns:p="http://schemas.openxmlformats.org/presentationml/2006/main" xmlns:r="http://schemas.openxmlformats.org/officeDocument/2006/relationships" xmlns:p14="http://schemas.microsoft.com/office/powerpoint/2010/main" xmlns:p15="http://schemas.microsoft.com/office/powerpoint/2012/main" xmlns:mc="http://schemas.openxmlformats.org/markup-compatibility/2006" type="objAndTx" preserve="1">
+<p:sldLayout xmlns:a="http://schemas.openxmlformats.org/drawingml/2006/main" xmlns:r="http://schemas.openxmlformats.org/officeDocument/2006/relationships" xmlns:p="http://schemas.openxmlformats.org/presentationml/2006/main" type="objAndTx" preserve="1">
   <p:cSld name="Master1-Layout7-blank-빈-화면">
     <p:bg>
       <p:bgPr>
         <a:solidFill>
-          <a:srgbClr val="ffffff"/>
+          <a:srgbClr val="FFFFFF"/>
         </a:solidFill>
+        <a:effectLst/>
       </p:bgPr>
     </p:bg>
     <p:spTree>
@@ -4600,14 +5188,15 @@
           </a:ln>
         </p:spPr>
         <p:txBody>
-          <a:bodyPr lIns="0" rIns="0" tIns="0" bIns="0" anchor="t">
+          <a:bodyPr lIns="0" tIns="0" rIns="0" bIns="0" anchor="t">
             <a:noAutofit/>
           </a:bodyPr>
+          <a:lstStyle/>
           <a:p>
             <a:pPr indent="0">
               <a:buNone/>
             </a:pPr>
-            <a:endParaRPr b="0" lang="en-US" sz="2400" strike="noStrike" u="none">
+            <a:endParaRPr lang="en-US" sz="2400" b="0" u="none" strike="noStrike">
               <a:solidFill>
                 <a:srgbClr val="000000"/>
               </a:solidFill>
@@ -4642,14 +5231,15 @@
           </a:ln>
         </p:spPr>
         <p:txBody>
-          <a:bodyPr lIns="0" rIns="0" tIns="0" bIns="0" anchor="t" anchorCtr="1">
+          <a:bodyPr lIns="0" tIns="0" rIns="0" bIns="0" anchor="t" anchorCtr="1">
             <a:noAutofit/>
           </a:bodyPr>
+          <a:lstStyle/>
           <a:p>
             <a:pPr indent="0">
               <a:buNone/>
             </a:pPr>
-            <a:endParaRPr b="0" lang="en-US" sz="2400" strike="noStrike" u="none">
+            <a:endParaRPr lang="en-US" sz="2400" b="0" u="none" strike="noStrike">
               <a:solidFill>
                 <a:srgbClr val="000000"/>
               </a:solidFill>
@@ -4684,7 +5274,7 @@
           </a:ln>
         </p:spPr>
         <p:txBody>
-          <a:bodyPr lIns="0" rIns="0" tIns="0" bIns="0" anchor="t">
+          <a:bodyPr lIns="0" tIns="0" rIns="0" bIns="0" anchor="t">
             <a:noAutofit/>
           </a:bodyPr>
           <a:lstStyle>
@@ -4693,7 +5283,7 @@
                 <a:spcPct val="100000"/>
               </a:lnSpc>
               <a:buNone/>
-              <a:defRPr b="0" lang="en-US" sz="1400" strike="noStrike" u="none">
+              <a:defRPr lang="en-US" sz="1400" b="0" u="none" strike="noStrike">
                 <a:solidFill>
                   <a:srgbClr val="000000"/>
                 </a:solidFill>
@@ -4712,7 +5302,7 @@
               <a:buNone/>
             </a:pPr>
             <a:fld id="{348F3AF2-7A8B-4DCB-B332-FE7238F1566E}" type="slidenum">
-              <a:rPr b="0" lang="en-US" sz="1400" strike="noStrike" u="none">
+              <a:rPr lang="en-US" sz="1400" b="0" u="none" strike="noStrike">
                 <a:solidFill>
                   <a:srgbClr val="000000"/>
                 </a:solidFill>
@@ -4721,9 +5311,9 @@
                 <a:latin typeface="맑은 고딕"/>
                 <a:ea typeface="맑은 고딕"/>
               </a:rPr>
-              <a:t>&lt;숫자&gt;</a:t>
+              <a:t>‹#›</a:t>
             </a:fld>
-            <a:endParaRPr b="0" lang="en-US" sz="1400" strike="noStrike" u="none">
+            <a:endParaRPr lang="en-US" sz="1400" b="0" u="none" strike="noStrike">
               <a:solidFill>
                 <a:srgbClr val="000000"/>
               </a:solidFill>
@@ -4758,15 +5348,16 @@
           </a:ln>
         </p:spPr>
         <p:txBody>
-          <a:bodyPr lIns="0" rIns="0" tIns="0" bIns="0" anchor="ctr">
+          <a:bodyPr lIns="0" tIns="0" rIns="0" bIns="0" anchor="ctr">
             <a:noAutofit/>
           </a:bodyPr>
+          <a:lstStyle/>
           <a:p>
             <a:pPr indent="0" algn="ctr">
               <a:buNone/>
             </a:pPr>
             <a:r>
-              <a:rPr b="0" lang="ko-KR" sz="4400" strike="noStrike" u="none">
+              <a:rPr lang="ko-KR" sz="4400" b="0" u="none" strike="noStrike">
                 <a:solidFill>
                   <a:srgbClr val="000000"/>
                 </a:solidFill>
@@ -4777,7 +5368,7 @@
               <a:t>제목 텍스트의 서식을 편집하려면 클릭하십시오</a:t>
             </a:r>
             <a:r>
-              <a:rPr b="0" lang="en-US" sz="4400" strike="noStrike" u="none">
+              <a:rPr lang="en-US" sz="4400" b="0" u="none" strike="noStrike">
                 <a:solidFill>
                   <a:srgbClr val="000000"/>
                 </a:solidFill>
@@ -4787,14 +5378,6 @@
               </a:rPr>
               <a:t>.</a:t>
             </a:r>
-            <a:endParaRPr b="0" lang="en-US" sz="4400" strike="noStrike" u="none">
-              <a:solidFill>
-                <a:srgbClr val="000000"/>
-              </a:solidFill>
-              <a:effectLst/>
-              <a:uFillTx/>
-              <a:latin typeface="맑은 고딕"/>
-            </a:endParaRPr>
           </a:p>
         </p:txBody>
       </p:sp>
@@ -4822,9 +5405,10 @@
           </a:ln>
         </p:spPr>
         <p:txBody>
-          <a:bodyPr lIns="0" rIns="0" tIns="0" bIns="0" anchor="t">
+          <a:bodyPr lIns="0" tIns="0" rIns="0" bIns="0" anchor="t">
             <a:normAutofit fontScale="92500" lnSpcReduction="9999"/>
           </a:bodyPr>
+          <a:lstStyle/>
           <a:p>
             <a:pPr marL="432000" indent="-324000">
               <a:spcBef>
@@ -4838,7 +5422,7 @@
               <a:buChar char=""/>
             </a:pPr>
             <a:r>
-              <a:rPr b="0" lang="ko-KR" sz="3200" strike="noStrike" u="none">
+              <a:rPr lang="ko-KR" sz="3200" b="0" u="none" strike="noStrike">
                 <a:solidFill>
                   <a:srgbClr val="000000"/>
                 </a:solidFill>
@@ -4848,17 +5432,17 @@
               </a:rPr>
               <a:t>개요 텍스트의 서식을 편집하려면 클릭하십시오</a:t>
             </a:r>
-            <a:endParaRPr b="0" lang="en-US" sz="3200" strike="noStrike" u="none">
-              <a:solidFill>
-                <a:srgbClr val="000000"/>
-              </a:solidFill>
-              <a:effectLst/>
-              <a:uFillTx/>
-              <a:latin typeface="맑은 고딕"/>
-            </a:endParaRPr>
-          </a:p>
-          <a:p>
-            <a:pPr lvl="1" marL="864000" indent="-324000">
+            <a:endParaRPr lang="en-US" sz="3200" b="0" u="none" strike="noStrike">
+              <a:solidFill>
+                <a:srgbClr val="000000"/>
+              </a:solidFill>
+              <a:effectLst/>
+              <a:uFillTx/>
+              <a:latin typeface="맑은 고딕"/>
+            </a:endParaRPr>
+          </a:p>
+          <a:p>
+            <a:pPr marL="864000" lvl="1" indent="-324000">
               <a:spcBef>
                 <a:spcPts val="1134"/>
               </a:spcBef>
@@ -4870,7 +5454,7 @@
               <a:buChar char=""/>
             </a:pPr>
             <a:r>
-              <a:rPr b="0" lang="en-US" sz="2800" strike="noStrike" u="none">
+              <a:rPr lang="en-US" sz="2800" b="0" u="none" strike="noStrike">
                 <a:solidFill>
                   <a:srgbClr val="000000"/>
                 </a:solidFill>
@@ -4881,7 +5465,7 @@
               <a:t>2</a:t>
             </a:r>
             <a:r>
-              <a:rPr b="0" lang="ko-KR" sz="2800" strike="noStrike" u="none">
+              <a:rPr lang="ko-KR" sz="2800" b="0" u="none" strike="noStrike">
                 <a:solidFill>
                   <a:srgbClr val="000000"/>
                 </a:solidFill>
@@ -4891,17 +5475,17 @@
               </a:rPr>
               <a:t>번째 개요 수준</a:t>
             </a:r>
-            <a:endParaRPr b="0" lang="en-US" sz="2800" strike="noStrike" u="none">
-              <a:solidFill>
-                <a:srgbClr val="000000"/>
-              </a:solidFill>
-              <a:effectLst/>
-              <a:uFillTx/>
-              <a:latin typeface="맑은 고딕"/>
-            </a:endParaRPr>
-          </a:p>
-          <a:p>
-            <a:pPr lvl="2" marL="1296000" indent="-288000">
+            <a:endParaRPr lang="en-US" sz="2800" b="0" u="none" strike="noStrike">
+              <a:solidFill>
+                <a:srgbClr val="000000"/>
+              </a:solidFill>
+              <a:effectLst/>
+              <a:uFillTx/>
+              <a:latin typeface="맑은 고딕"/>
+            </a:endParaRPr>
+          </a:p>
+          <a:p>
+            <a:pPr marL="1296000" lvl="2" indent="-288000">
               <a:spcBef>
                 <a:spcPts val="850"/>
               </a:spcBef>
@@ -4913,7 +5497,7 @@
               <a:buChar char=""/>
             </a:pPr>
             <a:r>
-              <a:rPr b="0" lang="en-US" sz="2400" strike="noStrike" u="none">
+              <a:rPr lang="en-US" sz="2400" b="0" u="none" strike="noStrike">
                 <a:solidFill>
                   <a:srgbClr val="000000"/>
                 </a:solidFill>
@@ -4924,7 +5508,7 @@
               <a:t>3</a:t>
             </a:r>
             <a:r>
-              <a:rPr b="0" lang="ko-KR" sz="2400" strike="noStrike" u="none">
+              <a:rPr lang="ko-KR" sz="2400" b="0" u="none" strike="noStrike">
                 <a:solidFill>
                   <a:srgbClr val="000000"/>
                 </a:solidFill>
@@ -4934,17 +5518,17 @@
               </a:rPr>
               <a:t>번째 개요 수준</a:t>
             </a:r>
-            <a:endParaRPr b="0" lang="en-US" sz="2400" strike="noStrike" u="none">
-              <a:solidFill>
-                <a:srgbClr val="000000"/>
-              </a:solidFill>
-              <a:effectLst/>
-              <a:uFillTx/>
-              <a:latin typeface="맑은 고딕"/>
-            </a:endParaRPr>
-          </a:p>
-          <a:p>
-            <a:pPr lvl="3" marL="1728000" indent="-216000">
+            <a:endParaRPr lang="en-US" sz="2400" b="0" u="none" strike="noStrike">
+              <a:solidFill>
+                <a:srgbClr val="000000"/>
+              </a:solidFill>
+              <a:effectLst/>
+              <a:uFillTx/>
+              <a:latin typeface="맑은 고딕"/>
+            </a:endParaRPr>
+          </a:p>
+          <a:p>
+            <a:pPr marL="1728000" lvl="3" indent="-216000">
               <a:spcBef>
                 <a:spcPts val="567"/>
               </a:spcBef>
@@ -4956,7 +5540,7 @@
               <a:buChar char=""/>
             </a:pPr>
             <a:r>
-              <a:rPr b="0" lang="en-US" sz="2000" strike="noStrike" u="none">
+              <a:rPr lang="en-US" sz="2000" b="0" u="none" strike="noStrike">
                 <a:solidFill>
                   <a:srgbClr val="000000"/>
                 </a:solidFill>
@@ -4967,7 +5551,7 @@
               <a:t>4</a:t>
             </a:r>
             <a:r>
-              <a:rPr b="0" lang="ko-KR" sz="2000" strike="noStrike" u="none">
+              <a:rPr lang="ko-KR" sz="2000" b="0" u="none" strike="noStrike">
                 <a:solidFill>
                   <a:srgbClr val="000000"/>
                 </a:solidFill>
@@ -4977,17 +5561,17 @@
               </a:rPr>
               <a:t>번째 개요 수준</a:t>
             </a:r>
-            <a:endParaRPr b="0" lang="en-US" sz="2000" strike="noStrike" u="none">
-              <a:solidFill>
-                <a:srgbClr val="000000"/>
-              </a:solidFill>
-              <a:effectLst/>
-              <a:uFillTx/>
-              <a:latin typeface="맑은 고딕"/>
-            </a:endParaRPr>
-          </a:p>
-          <a:p>
-            <a:pPr lvl="4" marL="2160000" indent="-216000">
+            <a:endParaRPr lang="en-US" sz="2000" b="0" u="none" strike="noStrike">
+              <a:solidFill>
+                <a:srgbClr val="000000"/>
+              </a:solidFill>
+              <a:effectLst/>
+              <a:uFillTx/>
+              <a:latin typeface="맑은 고딕"/>
+            </a:endParaRPr>
+          </a:p>
+          <a:p>
+            <a:pPr marL="2160000" lvl="4" indent="-216000">
               <a:spcBef>
                 <a:spcPts val="283"/>
               </a:spcBef>
@@ -4999,7 +5583,7 @@
               <a:buChar char=""/>
             </a:pPr>
             <a:r>
-              <a:rPr b="0" lang="en-US" sz="2000" strike="noStrike" u="none">
+              <a:rPr lang="en-US" sz="2000" b="0" u="none" strike="noStrike">
                 <a:solidFill>
                   <a:srgbClr val="000000"/>
                 </a:solidFill>
@@ -5010,7 +5594,7 @@
               <a:t>5</a:t>
             </a:r>
             <a:r>
-              <a:rPr b="0" lang="ko-KR" sz="2000" strike="noStrike" u="none">
+              <a:rPr lang="ko-KR" sz="2000" b="0" u="none" strike="noStrike">
                 <a:solidFill>
                   <a:srgbClr val="000000"/>
                 </a:solidFill>
@@ -5020,17 +5604,17 @@
               </a:rPr>
               <a:t>번째 개요 수준</a:t>
             </a:r>
-            <a:endParaRPr b="0" lang="en-US" sz="2000" strike="noStrike" u="none">
-              <a:solidFill>
-                <a:srgbClr val="000000"/>
-              </a:solidFill>
-              <a:effectLst/>
-              <a:uFillTx/>
-              <a:latin typeface="맑은 고딕"/>
-            </a:endParaRPr>
-          </a:p>
-          <a:p>
-            <a:pPr lvl="5" marL="2592000" indent="-216000">
+            <a:endParaRPr lang="en-US" sz="2000" b="0" u="none" strike="noStrike">
+              <a:solidFill>
+                <a:srgbClr val="000000"/>
+              </a:solidFill>
+              <a:effectLst/>
+              <a:uFillTx/>
+              <a:latin typeface="맑은 고딕"/>
+            </a:endParaRPr>
+          </a:p>
+          <a:p>
+            <a:pPr marL="2592000" lvl="5" indent="-216000">
               <a:spcBef>
                 <a:spcPts val="283"/>
               </a:spcBef>
@@ -5042,7 +5626,7 @@
               <a:buChar char=""/>
             </a:pPr>
             <a:r>
-              <a:rPr b="0" lang="en-US" sz="2000" strike="noStrike" u="none">
+              <a:rPr lang="en-US" sz="2000" b="0" u="none" strike="noStrike">
                 <a:solidFill>
                   <a:srgbClr val="000000"/>
                 </a:solidFill>
@@ -5053,7 +5637,7 @@
               <a:t>6</a:t>
             </a:r>
             <a:r>
-              <a:rPr b="0" lang="ko-KR" sz="2000" strike="noStrike" u="none">
+              <a:rPr lang="ko-KR" sz="2000" b="0" u="none" strike="noStrike">
                 <a:solidFill>
                   <a:srgbClr val="000000"/>
                 </a:solidFill>
@@ -5063,17 +5647,17 @@
               </a:rPr>
               <a:t>번째 개요 수준</a:t>
             </a:r>
-            <a:endParaRPr b="0" lang="en-US" sz="2000" strike="noStrike" u="none">
-              <a:solidFill>
-                <a:srgbClr val="000000"/>
-              </a:solidFill>
-              <a:effectLst/>
-              <a:uFillTx/>
-              <a:latin typeface="맑은 고딕"/>
-            </a:endParaRPr>
-          </a:p>
-          <a:p>
-            <a:pPr lvl="6" marL="3024000" indent="-216000">
+            <a:endParaRPr lang="en-US" sz="2000" b="0" u="none" strike="noStrike">
+              <a:solidFill>
+                <a:srgbClr val="000000"/>
+              </a:solidFill>
+              <a:effectLst/>
+              <a:uFillTx/>
+              <a:latin typeface="맑은 고딕"/>
+            </a:endParaRPr>
+          </a:p>
+          <a:p>
+            <a:pPr marL="3024000" lvl="6" indent="-216000">
               <a:spcBef>
                 <a:spcPts val="283"/>
               </a:spcBef>
@@ -5085,7 +5669,7 @@
               <a:buChar char=""/>
             </a:pPr>
             <a:r>
-              <a:rPr b="0" lang="en-US" sz="2000" strike="noStrike" u="none">
+              <a:rPr lang="en-US" sz="2000" b="0" u="none" strike="noStrike">
                 <a:solidFill>
                   <a:srgbClr val="000000"/>
                 </a:solidFill>
@@ -5096,7 +5680,7 @@
               <a:t>7</a:t>
             </a:r>
             <a:r>
-              <a:rPr b="0" lang="ko-KR" sz="2000" strike="noStrike" u="none">
+              <a:rPr lang="ko-KR" sz="2000" b="0" u="none" strike="noStrike">
                 <a:solidFill>
                   <a:srgbClr val="000000"/>
                 </a:solidFill>
@@ -5106,7 +5690,7 @@
               </a:rPr>
               <a:t>번째 개요 수준</a:t>
             </a:r>
-            <a:endParaRPr b="0" lang="en-US" sz="2000" strike="noStrike" u="none">
+            <a:endParaRPr lang="en-US" sz="2000" b="0" u="none" strike="noStrike">
               <a:solidFill>
                 <a:srgbClr val="000000"/>
               </a:solidFill>
@@ -5119,12 +5703,20 @@
       </p:sp>
     </p:spTree>
   </p:cSld>
+  <p:clrMapOvr>
+    <a:masterClrMapping/>
+  </p:clrMapOvr>
 </p:sldLayout>
 </file>
 
 <file path=ppt/slideMasters/slideMaster1.xml><?xml version="1.0" encoding="utf-8"?>
-<p:sldMaster xmlns:a="http://schemas.openxmlformats.org/drawingml/2006/main" xmlns:p="http://schemas.openxmlformats.org/presentationml/2006/main" xmlns:r="http://schemas.openxmlformats.org/officeDocument/2006/relationships" xmlns:p14="http://schemas.microsoft.com/office/powerpoint/2010/main" xmlns:p15="http://schemas.microsoft.com/office/powerpoint/2012/main" xmlns:mc="http://schemas.openxmlformats.org/markup-compatibility/2006">
+<p:sldMaster xmlns:a="http://schemas.openxmlformats.org/drawingml/2006/main" xmlns:r="http://schemas.openxmlformats.org/officeDocument/2006/relationships" xmlns:p="http://schemas.openxmlformats.org/presentationml/2006/main">
   <p:cSld>
+    <p:bg>
+      <p:bgRef idx="1001">
+        <a:schemeClr val="bg1"/>
+      </p:bgRef>
+    </p:bg>
     <p:spTree>
       <p:nvGrpSpPr>
         <p:cNvPr id="1" name=""/>
@@ -5143,20 +5735,300 @@
   </p:cSld>
   <p:clrMap bg1="lt1" tx1="dk1" bg2="lt2" tx2="dk2" accent1="accent1" accent2="accent2" accent3="accent3" accent4="accent4" accent5="accent5" accent6="accent6" hlink="hlink" folHlink="folHlink"/>
   <p:sldLayoutIdLst>
-    <p:sldLayoutId id="2147483649" r:id="rId2"/>
-    <p:sldLayoutId id="2147483650" r:id="rId3"/>
-    <p:sldLayoutId id="2147483651" r:id="rId4"/>
-    <p:sldLayoutId id="2147483652" r:id="rId5"/>
-    <p:sldLayoutId id="2147483653" r:id="rId6"/>
-    <p:sldLayoutId id="2147483654" r:id="rId7"/>
-    <p:sldLayoutId id="2147483655" r:id="rId8"/>
-    <p:sldLayoutId id="2147483656" r:id="rId9"/>
+    <p:sldLayoutId id="2147483649" r:id="rId1"/>
+    <p:sldLayoutId id="2147483650" r:id="rId2"/>
+    <p:sldLayoutId id="2147483651" r:id="rId3"/>
+    <p:sldLayoutId id="2147483652" r:id="rId4"/>
+    <p:sldLayoutId id="2147483653" r:id="rId5"/>
+    <p:sldLayoutId id="2147483654" r:id="rId6"/>
+    <p:sldLayoutId id="2147483655" r:id="rId7"/>
+    <p:sldLayoutId id="2147483656" r:id="rId8"/>
   </p:sldLayoutIdLst>
+  <p:txStyles>
+    <p:titleStyle>
+      <a:lvl1pPr algn="l" defTabSz="914400" rtl="0" eaLnBrk="1" latinLnBrk="1" hangingPunct="1">
+        <a:lnSpc>
+          <a:spcPct val="90000"/>
+        </a:lnSpc>
+        <a:spcBef>
+          <a:spcPct val="0"/>
+        </a:spcBef>
+        <a:buNone/>
+        <a:defRPr sz="4400" kern="1200">
+          <a:solidFill>
+            <a:schemeClr val="tx1"/>
+          </a:solidFill>
+          <a:latin typeface="+mj-lt"/>
+          <a:ea typeface="+mj-ea"/>
+          <a:cs typeface="+mj-cs"/>
+        </a:defRPr>
+      </a:lvl1pPr>
+    </p:titleStyle>
+    <p:bodyStyle>
+      <a:lvl1pPr marL="228600" indent="-228600" algn="l" defTabSz="914400" rtl="0" eaLnBrk="1" latinLnBrk="1" hangingPunct="1">
+        <a:lnSpc>
+          <a:spcPct val="90000"/>
+        </a:lnSpc>
+        <a:spcBef>
+          <a:spcPts val="1000"/>
+        </a:spcBef>
+        <a:buFont typeface="Arial" panose="020B0604020202020204" pitchFamily="34" charset="0"/>
+        <a:buChar char="•"/>
+        <a:defRPr sz="2800" kern="1200">
+          <a:solidFill>
+            <a:schemeClr val="tx1"/>
+          </a:solidFill>
+          <a:latin typeface="+mn-lt"/>
+          <a:ea typeface="+mn-ea"/>
+          <a:cs typeface="+mn-cs"/>
+        </a:defRPr>
+      </a:lvl1pPr>
+      <a:lvl2pPr marL="685800" indent="-228600" algn="l" defTabSz="914400" rtl="0" eaLnBrk="1" latinLnBrk="1" hangingPunct="1">
+        <a:lnSpc>
+          <a:spcPct val="90000"/>
+        </a:lnSpc>
+        <a:spcBef>
+          <a:spcPts val="500"/>
+        </a:spcBef>
+        <a:buFont typeface="Arial" panose="020B0604020202020204" pitchFamily="34" charset="0"/>
+        <a:buChar char="•"/>
+        <a:defRPr sz="2400" kern="1200">
+          <a:solidFill>
+            <a:schemeClr val="tx1"/>
+          </a:solidFill>
+          <a:latin typeface="+mn-lt"/>
+          <a:ea typeface="+mn-ea"/>
+          <a:cs typeface="+mn-cs"/>
+        </a:defRPr>
+      </a:lvl2pPr>
+      <a:lvl3pPr marL="1143000" indent="-228600" algn="l" defTabSz="914400" rtl="0" eaLnBrk="1" latinLnBrk="1" hangingPunct="1">
+        <a:lnSpc>
+          <a:spcPct val="90000"/>
+        </a:lnSpc>
+        <a:spcBef>
+          <a:spcPts val="500"/>
+        </a:spcBef>
+        <a:buFont typeface="Arial" panose="020B0604020202020204" pitchFamily="34" charset="0"/>
+        <a:buChar char="•"/>
+        <a:defRPr sz="2000" kern="1200">
+          <a:solidFill>
+            <a:schemeClr val="tx1"/>
+          </a:solidFill>
+          <a:latin typeface="+mn-lt"/>
+          <a:ea typeface="+mn-ea"/>
+          <a:cs typeface="+mn-cs"/>
+        </a:defRPr>
+      </a:lvl3pPr>
+      <a:lvl4pPr marL="1600200" indent="-228600" algn="l" defTabSz="914400" rtl="0" eaLnBrk="1" latinLnBrk="1" hangingPunct="1">
+        <a:lnSpc>
+          <a:spcPct val="90000"/>
+        </a:lnSpc>
+        <a:spcBef>
+          <a:spcPts val="500"/>
+        </a:spcBef>
+        <a:buFont typeface="Arial" panose="020B0604020202020204" pitchFamily="34" charset="0"/>
+        <a:buChar char="•"/>
+        <a:defRPr sz="1800" kern="1200">
+          <a:solidFill>
+            <a:schemeClr val="tx1"/>
+          </a:solidFill>
+          <a:latin typeface="+mn-lt"/>
+          <a:ea typeface="+mn-ea"/>
+          <a:cs typeface="+mn-cs"/>
+        </a:defRPr>
+      </a:lvl4pPr>
+      <a:lvl5pPr marL="2057400" indent="-228600" algn="l" defTabSz="914400" rtl="0" eaLnBrk="1" latinLnBrk="1" hangingPunct="1">
+        <a:lnSpc>
+          <a:spcPct val="90000"/>
+        </a:lnSpc>
+        <a:spcBef>
+          <a:spcPts val="500"/>
+        </a:spcBef>
+        <a:buFont typeface="Arial" panose="020B0604020202020204" pitchFamily="34" charset="0"/>
+        <a:buChar char="•"/>
+        <a:defRPr sz="1800" kern="1200">
+          <a:solidFill>
+            <a:schemeClr val="tx1"/>
+          </a:solidFill>
+          <a:latin typeface="+mn-lt"/>
+          <a:ea typeface="+mn-ea"/>
+          <a:cs typeface="+mn-cs"/>
+        </a:defRPr>
+      </a:lvl5pPr>
+      <a:lvl6pPr marL="2514600" indent="-228600" algn="l" defTabSz="914400" rtl="0" eaLnBrk="1" latinLnBrk="1" hangingPunct="1">
+        <a:lnSpc>
+          <a:spcPct val="90000"/>
+        </a:lnSpc>
+        <a:spcBef>
+          <a:spcPts val="500"/>
+        </a:spcBef>
+        <a:buFont typeface="Arial" panose="020B0604020202020204" pitchFamily="34" charset="0"/>
+        <a:buChar char="•"/>
+        <a:defRPr sz="1800" kern="1200">
+          <a:solidFill>
+            <a:schemeClr val="tx1"/>
+          </a:solidFill>
+          <a:latin typeface="+mn-lt"/>
+          <a:ea typeface="+mn-ea"/>
+          <a:cs typeface="+mn-cs"/>
+        </a:defRPr>
+      </a:lvl6pPr>
+      <a:lvl7pPr marL="2971800" indent="-228600" algn="l" defTabSz="914400" rtl="0" eaLnBrk="1" latinLnBrk="1" hangingPunct="1">
+        <a:lnSpc>
+          <a:spcPct val="90000"/>
+        </a:lnSpc>
+        <a:spcBef>
+          <a:spcPts val="500"/>
+        </a:spcBef>
+        <a:buFont typeface="Arial" panose="020B0604020202020204" pitchFamily="34" charset="0"/>
+        <a:buChar char="•"/>
+        <a:defRPr sz="1800" kern="1200">
+          <a:solidFill>
+            <a:schemeClr val="tx1"/>
+          </a:solidFill>
+          <a:latin typeface="+mn-lt"/>
+          <a:ea typeface="+mn-ea"/>
+          <a:cs typeface="+mn-cs"/>
+        </a:defRPr>
+      </a:lvl7pPr>
+      <a:lvl8pPr marL="3429000" indent="-228600" algn="l" defTabSz="914400" rtl="0" eaLnBrk="1" latinLnBrk="1" hangingPunct="1">
+        <a:lnSpc>
+          <a:spcPct val="90000"/>
+        </a:lnSpc>
+        <a:spcBef>
+          <a:spcPts val="500"/>
+        </a:spcBef>
+        <a:buFont typeface="Arial" panose="020B0604020202020204" pitchFamily="34" charset="0"/>
+        <a:buChar char="•"/>
+        <a:defRPr sz="1800" kern="1200">
+          <a:solidFill>
+            <a:schemeClr val="tx1"/>
+          </a:solidFill>
+          <a:latin typeface="+mn-lt"/>
+          <a:ea typeface="+mn-ea"/>
+          <a:cs typeface="+mn-cs"/>
+        </a:defRPr>
+      </a:lvl8pPr>
+      <a:lvl9pPr marL="3886200" indent="-228600" algn="l" defTabSz="914400" rtl="0" eaLnBrk="1" latinLnBrk="1" hangingPunct="1">
+        <a:lnSpc>
+          <a:spcPct val="90000"/>
+        </a:lnSpc>
+        <a:spcBef>
+          <a:spcPts val="500"/>
+        </a:spcBef>
+        <a:buFont typeface="Arial" panose="020B0604020202020204" pitchFamily="34" charset="0"/>
+        <a:buChar char="•"/>
+        <a:defRPr sz="1800" kern="1200">
+          <a:solidFill>
+            <a:schemeClr val="tx1"/>
+          </a:solidFill>
+          <a:latin typeface="+mn-lt"/>
+          <a:ea typeface="+mn-ea"/>
+          <a:cs typeface="+mn-cs"/>
+        </a:defRPr>
+      </a:lvl9pPr>
+    </p:bodyStyle>
+    <p:otherStyle>
+      <a:defPPr>
+        <a:defRPr lang="ko-KR"/>
+      </a:defPPr>
+      <a:lvl1pPr marL="0" algn="l" defTabSz="914400" rtl="0" eaLnBrk="1" latinLnBrk="1" hangingPunct="1">
+        <a:defRPr sz="1800" kern="1200">
+          <a:solidFill>
+            <a:schemeClr val="tx1"/>
+          </a:solidFill>
+          <a:latin typeface="+mn-lt"/>
+          <a:ea typeface="+mn-ea"/>
+          <a:cs typeface="+mn-cs"/>
+        </a:defRPr>
+      </a:lvl1pPr>
+      <a:lvl2pPr marL="457200" algn="l" defTabSz="914400" rtl="0" eaLnBrk="1" latinLnBrk="1" hangingPunct="1">
+        <a:defRPr sz="1800" kern="1200">
+          <a:solidFill>
+            <a:schemeClr val="tx1"/>
+          </a:solidFill>
+          <a:latin typeface="+mn-lt"/>
+          <a:ea typeface="+mn-ea"/>
+          <a:cs typeface="+mn-cs"/>
+        </a:defRPr>
+      </a:lvl2pPr>
+      <a:lvl3pPr marL="914400" algn="l" defTabSz="914400" rtl="0" eaLnBrk="1" latinLnBrk="1" hangingPunct="1">
+        <a:defRPr sz="1800" kern="1200">
+          <a:solidFill>
+            <a:schemeClr val="tx1"/>
+          </a:solidFill>
+          <a:latin typeface="+mn-lt"/>
+          <a:ea typeface="+mn-ea"/>
+          <a:cs typeface="+mn-cs"/>
+        </a:defRPr>
+      </a:lvl3pPr>
+      <a:lvl4pPr marL="1371600" algn="l" defTabSz="914400" rtl="0" eaLnBrk="1" latinLnBrk="1" hangingPunct="1">
+        <a:defRPr sz="1800" kern="1200">
+          <a:solidFill>
+            <a:schemeClr val="tx1"/>
+          </a:solidFill>
+          <a:latin typeface="+mn-lt"/>
+          <a:ea typeface="+mn-ea"/>
+          <a:cs typeface="+mn-cs"/>
+        </a:defRPr>
+      </a:lvl4pPr>
+      <a:lvl5pPr marL="1828800" algn="l" defTabSz="914400" rtl="0" eaLnBrk="1" latinLnBrk="1" hangingPunct="1">
+        <a:defRPr sz="1800" kern="1200">
+          <a:solidFill>
+            <a:schemeClr val="tx1"/>
+          </a:solidFill>
+          <a:latin typeface="+mn-lt"/>
+          <a:ea typeface="+mn-ea"/>
+          <a:cs typeface="+mn-cs"/>
+        </a:defRPr>
+      </a:lvl5pPr>
+      <a:lvl6pPr marL="2286000" algn="l" defTabSz="914400" rtl="0" eaLnBrk="1" latinLnBrk="1" hangingPunct="1">
+        <a:defRPr sz="1800" kern="1200">
+          <a:solidFill>
+            <a:schemeClr val="tx1"/>
+          </a:solidFill>
+          <a:latin typeface="+mn-lt"/>
+          <a:ea typeface="+mn-ea"/>
+          <a:cs typeface="+mn-cs"/>
+        </a:defRPr>
+      </a:lvl6pPr>
+      <a:lvl7pPr marL="2743200" algn="l" defTabSz="914400" rtl="0" eaLnBrk="1" latinLnBrk="1" hangingPunct="1">
+        <a:defRPr sz="1800" kern="1200">
+          <a:solidFill>
+            <a:schemeClr val="tx1"/>
+          </a:solidFill>
+          <a:latin typeface="+mn-lt"/>
+          <a:ea typeface="+mn-ea"/>
+          <a:cs typeface="+mn-cs"/>
+        </a:defRPr>
+      </a:lvl7pPr>
+      <a:lvl8pPr marL="3200400" algn="l" defTabSz="914400" rtl="0" eaLnBrk="1" latinLnBrk="1" hangingPunct="1">
+        <a:defRPr sz="1800" kern="1200">
+          <a:solidFill>
+            <a:schemeClr val="tx1"/>
+          </a:solidFill>
+          <a:latin typeface="+mn-lt"/>
+          <a:ea typeface="+mn-ea"/>
+          <a:cs typeface="+mn-cs"/>
+        </a:defRPr>
+      </a:lvl8pPr>
+      <a:lvl9pPr marL="3657600" algn="l" defTabSz="914400" rtl="0" eaLnBrk="1" latinLnBrk="1" hangingPunct="1">
+        <a:defRPr sz="1800" kern="1200">
+          <a:solidFill>
+            <a:schemeClr val="tx1"/>
+          </a:solidFill>
+          <a:latin typeface="+mn-lt"/>
+          <a:ea typeface="+mn-ea"/>
+          <a:cs typeface="+mn-cs"/>
+        </a:defRPr>
+      </a:lvl9pPr>
+    </p:otherStyle>
+  </p:txStyles>
 </p:sldMaster>
 </file>
 
 <file path=ppt/slides/slide1.xml><?xml version="1.0" encoding="utf-8"?>
-<p:sld xmlns:a="http://schemas.openxmlformats.org/drawingml/2006/main" xmlns:p="http://schemas.openxmlformats.org/presentationml/2006/main" xmlns:r="http://schemas.openxmlformats.org/officeDocument/2006/relationships" xmlns:p14="http://schemas.microsoft.com/office/powerpoint/2010/main" xmlns:p15="http://schemas.microsoft.com/office/powerpoint/2012/main" xmlns:mc="http://schemas.openxmlformats.org/markup-compatibility/2006">
+<p:sld xmlns:a="http://schemas.openxmlformats.org/drawingml/2006/main" xmlns:r="http://schemas.openxmlformats.org/officeDocument/2006/relationships" xmlns:p="http://schemas.openxmlformats.org/presentationml/2006/main">
   <p:cSld>
     <p:spTree>
       <p:nvGrpSpPr>
@@ -5174,18 +6046,18 @@
       </p:grpSpPr>
       <p:pic>
         <p:nvPicPr>
-          <p:cNvPr id="48" name="" descr=""/>
+          <p:cNvPr id="48" name="그림 47"/>
           <p:cNvPicPr/>
           <p:nvPr/>
         </p:nvPicPr>
         <p:blipFill>
-          <a:blip r:embed="rId1"/>
+          <a:blip r:embed="rId3"/>
           <a:stretch/>
         </p:blipFill>
         <p:spPr>
           <a:xfrm>
-            <a:off x="180000" y="360"/>
-            <a:ext cx="4382280" cy="5669640"/>
+            <a:off x="169429" y="95140"/>
+            <a:ext cx="4154150" cy="5518113"/>
           </a:xfrm>
           <a:prstGeom prst="rect">
             <a:avLst/>
@@ -5220,9 +6092,10 @@
           </a:ln>
         </p:spPr>
         <p:txBody>
-          <a:bodyPr lIns="0" rIns="0" tIns="0" bIns="0" anchor="t">
+          <a:bodyPr lIns="0" tIns="0" rIns="0" bIns="0" anchor="t">
             <a:normAutofit/>
           </a:bodyPr>
+          <a:lstStyle/>
           <a:p>
             <a:pPr indent="0">
               <a:lnSpc>
@@ -5233,7 +6106,7 @@
               </a:spcBef>
             </a:pPr>
             <a:r>
-              <a:rPr b="0" lang="en-US" sz="1600" strike="noStrike" u="none">
+              <a:rPr lang="en-US" sz="1600" b="0" u="none" strike="noStrike">
                 <a:solidFill>
                   <a:srgbClr val="000000"/>
                 </a:solidFill>
@@ -5245,7 +6118,7 @@
               <a:t>UVM</a:t>
             </a:r>
             <a:r>
-              <a:rPr b="0" lang="ko-KR" sz="1600" strike="noStrike" u="none">
+              <a:rPr lang="ko-KR" sz="1600" b="0" u="none" strike="noStrike">
                 <a:solidFill>
                   <a:srgbClr val="000000"/>
                 </a:solidFill>
@@ -5257,7 +6130,7 @@
               <a:t>시스템베릴로그검증 구조</a:t>
             </a:r>
             <a:r>
-              <a:rPr b="0" lang="en-US" sz="1600" strike="noStrike" u="none">
+              <a:rPr lang="en-US" sz="1600" b="0" u="none" strike="noStrike">
                 <a:solidFill>
                   <a:srgbClr val="000000"/>
                 </a:solidFill>
@@ -5269,7 +6142,7 @@
               <a:t>(</a:t>
             </a:r>
             <a:r>
-              <a:rPr b="0" lang="ko-KR" sz="1600" strike="noStrike" u="none">
+              <a:rPr lang="ko-KR" sz="1600" b="0" u="none" strike="noStrike">
                 <a:solidFill>
                   <a:srgbClr val="000000"/>
                 </a:solidFill>
@@ -5281,7 +6154,7 @@
               <a:t>템플릿</a:t>
             </a:r>
             <a:r>
-              <a:rPr b="0" lang="en-US" sz="1600" strike="noStrike" u="none">
+              <a:rPr lang="en-US" sz="1600" b="0" u="none" strike="noStrike">
                 <a:solidFill>
                   <a:srgbClr val="000000"/>
                 </a:solidFill>
@@ -5292,7 +6165,7 @@
               </a:rPr>
               <a:t>)</a:t>
             </a:r>
-            <a:endParaRPr b="0" lang="en-US" sz="1600" strike="noStrike" u="none">
+            <a:endParaRPr lang="en-US" sz="1600" b="0" u="none" strike="noStrike">
               <a:solidFill>
                 <a:srgbClr val="000000"/>
               </a:solidFill>
@@ -5305,19 +6178,22 @@
       </p:sp>
     </p:spTree>
   </p:cSld>
-  <mc:AlternateContent>
+  <p:clrMapOvr>
+    <a:masterClrMapping/>
+  </p:clrMapOvr>
+  <mc:AlternateContent xmlns:mc="http://schemas.openxmlformats.org/markup-compatibility/2006" xmlns:p14="http://schemas.microsoft.com/office/powerpoint/2010/main">
     <mc:Choice Requires="p14">
       <p:transition spd="slow" p14:dur="3000"/>
     </mc:Choice>
-    <mc:Fallback>
+    <mc:Fallback xmlns:p15="http://schemas.microsoft.com/office/powerpoint/2012/main" xmlns="">
       <p:transition spd="slow"/>
     </mc:Fallback>
   </mc:AlternateContent>
 </p:sld>
 </file>
 
-<file path=ppt/slides/slide2.xml><?xml version="1.0" encoding="utf-8"?>
-<p:sld xmlns:a="http://schemas.openxmlformats.org/drawingml/2006/main" xmlns:p="http://schemas.openxmlformats.org/presentationml/2006/main" xmlns:r="http://schemas.openxmlformats.org/officeDocument/2006/relationships" xmlns:p14="http://schemas.microsoft.com/office/powerpoint/2010/main" xmlns:p15="http://schemas.microsoft.com/office/powerpoint/2012/main" xmlns:mc="http://schemas.openxmlformats.org/markup-compatibility/2006">
+<file path=ppt/slides/slide10.xml><?xml version="1.0" encoding="utf-8"?>
+<p:sld xmlns:a="http://schemas.openxmlformats.org/drawingml/2006/main" xmlns:r="http://schemas.openxmlformats.org/officeDocument/2006/relationships" xmlns:p="http://schemas.openxmlformats.org/presentationml/2006/main">
   <p:cSld>
     <p:spTree>
       <p:nvGrpSpPr>
@@ -5335,7 +6211,7 @@
       </p:grpSpPr>
       <p:sp>
         <p:nvSpPr>
-          <p:cNvPr id="50" name="자유형 1"/>
+          <p:cNvPr id="77" name="자유형 1"/>
           <p:cNvSpPr/>
           <p:nvPr/>
         </p:nvSpPr>
@@ -5381,41 +6257,31 @@
           </a:solidFill>
           <a:ln w="0">
             <a:solidFill>
-              <a:srgbClr val="3465a4"/>
+              <a:srgbClr val="3465A4"/>
             </a:solidFill>
           </a:ln>
         </p:spPr>
         <p:style>
-          <a:lnRef idx="0"/>
-          <a:fillRef idx="0"/>
-          <a:effectRef idx="0"/>
+          <a:lnRef idx="0">
+            <a:scrgbClr r="0" g="0" b="0"/>
+          </a:lnRef>
+          <a:fillRef idx="0">
+            <a:scrgbClr r="0" g="0" b="0"/>
+          </a:fillRef>
+          <a:effectRef idx="0">
+            <a:scrgbClr r="0" g="0" b="0"/>
+          </a:effectRef>
           <a:fontRef idx="minor"/>
         </p:style>
         <p:txBody>
-          <a:bodyPr lIns="90000" rIns="90000" tIns="45000" bIns="45000" anchor="ctr" anchorCtr="1">
+          <a:bodyPr lIns="90000" tIns="45000" rIns="90000" bIns="45000" anchor="ctr">
             <a:noAutofit/>
           </a:bodyPr>
-          <a:p>
-            <a:pPr algn="ctr">
-              <a:lnSpc>
-                <a:spcPct val="100000"/>
-              </a:lnSpc>
-            </a:pPr>
-            <a:r>
-              <a:rPr b="0" lang="en-US" sz="1800" strike="noStrike" u="none">
-                <a:solidFill>
-                  <a:srgbClr val="000000"/>
-                </a:solidFill>
-                <a:effectLst/>
-                <a:uFillTx/>
-                <a:latin typeface="맑은 고딕"/>
-                <a:ea typeface="맑은 고딕"/>
-              </a:rPr>
-              <a:t>\</a:t>
-            </a:r>
-            <a:endParaRPr b="0" lang="en-US" sz="1800" strike="noStrike" u="none">
-              <a:solidFill>
-                <a:srgbClr val="ffffff"/>
+          <a:lstStyle/>
+          <a:p>
+            <a:endParaRPr lang="en-US" sz="1800" b="0" u="none" strike="noStrike">
+              <a:solidFill>
+                <a:srgbClr val="FFFFFF"/>
               </a:solidFill>
               <a:effectLst/>
               <a:uFillTx/>
@@ -5424,33 +6290,9 @@
           </a:p>
         </p:txBody>
       </p:sp>
-      <p:pic>
-        <p:nvPicPr>
-          <p:cNvPr id="51" name="" descr=""/>
-          <p:cNvPicPr/>
-          <p:nvPr/>
-        </p:nvPicPr>
-        <p:blipFill>
-          <a:blip r:embed="rId1"/>
-          <a:stretch/>
-        </p:blipFill>
-        <p:spPr>
-          <a:xfrm>
-            <a:off x="0" y="360"/>
-            <a:ext cx="7544520" cy="5669640"/>
-          </a:xfrm>
-          <a:prstGeom prst="rect">
-            <a:avLst/>
-          </a:prstGeom>
-          <a:noFill/>
-          <a:ln w="12600">
-            <a:noFill/>
-          </a:ln>
-        </p:spPr>
-      </p:pic>
-      <p:sp>
-        <p:nvSpPr>
-          <p:cNvPr id="52" name="PlaceHolder 1"/>
+      <p:sp>
+        <p:nvSpPr>
+          <p:cNvPr id="79" name="PlaceHolder 1"/>
           <p:cNvSpPr>
             <a:spLocks noGrp="1"/>
           </p:cNvSpPr>
@@ -5460,8 +6302,8 @@
         </p:nvSpPr>
         <p:spPr>
           <a:xfrm>
-            <a:off x="2700000" y="360000"/>
-            <a:ext cx="4500000" cy="720000"/>
+            <a:off x="2732629" y="0"/>
+            <a:ext cx="5302080" cy="720000"/>
           </a:xfrm>
           <a:prstGeom prst="rect">
             <a:avLst/>
@@ -5472,9 +6314,10 @@
           </a:ln>
         </p:spPr>
         <p:txBody>
-          <a:bodyPr lIns="0" rIns="0" tIns="0" bIns="0" anchor="t">
+          <a:bodyPr lIns="0" tIns="0" rIns="0" bIns="0" anchor="t">
             <a:normAutofit/>
           </a:bodyPr>
+          <a:lstStyle/>
           <a:p>
             <a:pPr indent="0">
               <a:lnSpc>
@@ -5485,56 +6328,44 @@
               </a:spcBef>
             </a:pPr>
             <a:r>
-              <a:rPr b="0" lang="en-US" sz="1600" strike="noStrike" u="none">
-                <a:solidFill>
-                  <a:srgbClr val="ffff00"/>
-                </a:solidFill>
-                <a:effectLst/>
-                <a:uFillTx/>
-                <a:latin typeface="맑은 고딕"/>
-                <a:ea typeface="맑은 고딕"/>
-              </a:rPr>
-              <a:t>TRANSACTION: </a:t>
-            </a:r>
-            <a:r>
-              <a:rPr b="0" lang="ko-KR" sz="1600" strike="noStrike" u="none">
-                <a:solidFill>
-                  <a:srgbClr val="ffff00"/>
-                </a:solidFill>
-                <a:effectLst/>
-                <a:uFillTx/>
-                <a:latin typeface="맑은 고딕"/>
-                <a:ea typeface="맑은 고딕"/>
-              </a:rPr>
-              <a:t>각 클래스에서 사용할 데이터 타입</a:t>
-            </a:r>
-            <a:r>
-              <a:rPr b="0" lang="en-US" sz="1600" strike="noStrike" u="none">
-                <a:solidFill>
-                  <a:srgbClr val="ffff00"/>
-                </a:solidFill>
-                <a:effectLst/>
-                <a:uFillTx/>
-                <a:latin typeface="맑은 고딕"/>
-                <a:ea typeface="맑은 고딕"/>
-              </a:rPr>
-              <a:t>, </a:t>
-            </a:r>
-            <a:r>
-              <a:rPr b="0" lang="ko-KR" sz="1600" strike="noStrike" u="none">
-                <a:solidFill>
-                  <a:srgbClr val="ffff00"/>
-                </a:solidFill>
-                <a:effectLst/>
-                <a:uFillTx/>
-                <a:latin typeface="맑은 고딕"/>
-                <a:ea typeface="맑은 고딕"/>
-              </a:rPr>
-              <a:t>형식을 가지고있는 클래스</a:t>
-            </a:r>
-            <a:endParaRPr b="0" lang="en-US" sz="1600" strike="noStrike" u="none">
-              <a:solidFill>
-                <a:srgbClr val="000000"/>
+              <a:rPr lang="ko-KR" altLang="en-US" sz="1600" dirty="0" err="1" smtClean="0">
+                <a:solidFill>
+                  <a:srgbClr val="FFFF00"/>
+                </a:solidFill>
+                <a:latin typeface="맑은 고딕"/>
+              </a:rPr>
+              <a:t>테스트벤치</a:t>
+            </a:r>
+            <a:r>
+              <a:rPr lang="ko-KR" altLang="en-US" sz="1600" dirty="0">
+                <a:solidFill>
+                  <a:srgbClr val="FFFF00"/>
+                </a:solidFill>
+                <a:latin typeface="맑은 고딕"/>
+              </a:rPr>
+              <a:t> </a:t>
+            </a:r>
+            <a:r>
+              <a:rPr lang="ko-KR" altLang="en-US" sz="1600" dirty="0" smtClean="0">
+                <a:solidFill>
+                  <a:srgbClr val="FFFF00"/>
+                </a:solidFill>
+                <a:latin typeface="맑은 고딕"/>
+              </a:rPr>
+              <a:t>실제 모듈이 동작하는 공간</a:t>
+            </a:r>
+            <a:r>
+              <a:rPr lang="en-US" altLang="ko-KR" sz="1600" dirty="0" smtClean="0">
+                <a:solidFill>
+                  <a:srgbClr val="FFFF00"/>
+                </a:solidFill>
+                <a:latin typeface="맑은 고딕"/>
+              </a:rPr>
+              <a:t>.</a:t>
+            </a:r>
+            <a:endParaRPr lang="en-US" sz="1600" b="0" u="none" strike="noStrike" dirty="0">
+              <a:solidFill>
+                <a:srgbClr val="FFFF00"/>
               </a:solidFill>
               <a:effectLst/>
               <a:uFillTx/>
@@ -5543,20 +6374,42 @@
           </a:p>
         </p:txBody>
       </p:sp>
-      <p:sp>
-        <p:nvSpPr>
-          <p:cNvPr id="53" name="PlaceHolder 2"/>
-          <p:cNvSpPr>
-            <a:spLocks noGrp="1"/>
+      <p:pic>
+        <p:nvPicPr>
+          <p:cNvPr id="2" name="그림 1"/>
+          <p:cNvPicPr>
+            <a:picLocks noChangeAspect="1"/>
+          </p:cNvPicPr>
+          <p:nvPr/>
+        </p:nvPicPr>
+        <p:blipFill>
+          <a:blip r:embed="rId3"/>
+          <a:stretch>
+            <a:fillRect/>
+          </a:stretch>
+        </p:blipFill>
+        <p:spPr>
+          <a:xfrm>
+            <a:off x="0" y="0"/>
+            <a:ext cx="2732629" cy="5764725"/>
+          </a:xfrm>
+          <a:prstGeom prst="rect">
+            <a:avLst/>
+          </a:prstGeom>
+        </p:spPr>
+      </p:pic>
+      <p:sp>
+        <p:nvSpPr>
+          <p:cNvPr id="9" name="PlaceHolder 1"/>
+          <p:cNvSpPr txBox="1">
+            <a:spLocks/>
           </p:cNvSpPr>
-          <p:nvPr>
-            <p:ph/>
-          </p:nvPr>
-        </p:nvSpPr>
-        <p:spPr>
-          <a:xfrm>
-            <a:off x="2700000" y="2160000"/>
-            <a:ext cx="4500000" cy="720000"/>
+          <p:nvPr/>
+        </p:nvSpPr>
+        <p:spPr>
+          <a:xfrm>
+            <a:off x="2789889" y="5042363"/>
+            <a:ext cx="7290735" cy="720000"/>
           </a:xfrm>
           <a:prstGeom prst="rect">
             <a:avLst/>
@@ -5567,11 +6420,30 @@
           </a:ln>
         </p:spPr>
         <p:txBody>
-          <a:bodyPr lIns="0" rIns="0" tIns="0" bIns="0" anchor="t">
+          <a:bodyPr lIns="0" tIns="0" rIns="0" bIns="0" anchor="t">
             <a:normAutofit/>
           </a:bodyPr>
-          <a:p>
-            <a:pPr indent="0">
+          <a:lstStyle>
+            <a:lvl1pPr algn="l" defTabSz="914400" rtl="0" eaLnBrk="1" latinLnBrk="1" hangingPunct="1">
+              <a:lnSpc>
+                <a:spcPct val="90000"/>
+              </a:lnSpc>
+              <a:spcBef>
+                <a:spcPct val="0"/>
+              </a:spcBef>
+              <a:buNone/>
+              <a:defRPr sz="4400" kern="1200">
+                <a:solidFill>
+                  <a:schemeClr val="tx1"/>
+                </a:solidFill>
+                <a:latin typeface="+mj-lt"/>
+                <a:ea typeface="+mj-ea"/>
+                <a:cs typeface="+mj-cs"/>
+              </a:defRPr>
+            </a:lvl1pPr>
+          </a:lstStyle>
+          <a:p>
+            <a:pPr>
               <a:lnSpc>
                 <a:spcPct val="100000"/>
               </a:lnSpc>
@@ -5580,59 +6452,153 @@
               </a:spcBef>
             </a:pPr>
             <a:r>
-              <a:rPr b="0" lang="en-US" sz="1600" strike="noStrike" u="none">
-                <a:solidFill>
-                  <a:srgbClr val="ffff00"/>
-                </a:solidFill>
-                <a:effectLst/>
-                <a:uFillTx/>
-                <a:latin typeface="맑은 고딕"/>
-                <a:ea typeface="맑은 고딕"/>
-              </a:rPr>
-              <a:t>CONSTRAINT: </a:t>
-            </a:r>
-            <a:r>
-              <a:rPr b="0" lang="ko-KR" sz="1600" strike="noStrike" u="none">
-                <a:solidFill>
-                  <a:srgbClr val="ffff00"/>
-                </a:solidFill>
-                <a:effectLst/>
-                <a:uFillTx/>
-                <a:latin typeface="맑은 고딕"/>
-                <a:ea typeface="맑은 고딕"/>
-              </a:rPr>
-              <a:t>랜더마이즈 동작시 값 범위</a:t>
-            </a:r>
-            <a:r>
-              <a:rPr b="0" lang="en-US" sz="1600" strike="noStrike" u="none">
-                <a:solidFill>
-                  <a:srgbClr val="ffff00"/>
-                </a:solidFill>
-                <a:effectLst/>
-                <a:uFillTx/>
-                <a:latin typeface="맑은 고딕"/>
-                <a:ea typeface="맑은 고딕"/>
-              </a:rPr>
-              <a:t>, </a:t>
-            </a:r>
-            <a:r>
-              <a:rPr b="0" lang="ko-KR" sz="1600" strike="noStrike" u="none">
-                <a:solidFill>
-                  <a:srgbClr val="ffff00"/>
-                </a:solidFill>
-                <a:effectLst/>
-                <a:uFillTx/>
-                <a:latin typeface="맑은 고딕"/>
-                <a:ea typeface="맑은 고딕"/>
-              </a:rPr>
-              <a:t>특징 등을 제어하기 위한 도구</a:t>
-            </a:r>
-            <a:endParaRPr b="0" lang="en-US" sz="1600" strike="noStrike" u="none">
-              <a:solidFill>
-                <a:srgbClr val="000000"/>
-              </a:solidFill>
-              <a:effectLst/>
-              <a:uFillTx/>
+              <a:rPr lang="en-US" altLang="ko-KR" sz="1600" dirty="0" smtClean="0">
+                <a:solidFill>
+                  <a:srgbClr val="FFFF00"/>
+                </a:solidFill>
+                <a:latin typeface="맑은 고딕"/>
+              </a:rPr>
+              <a:t>*</a:t>
+            </a:r>
+            <a:r>
+              <a:rPr lang="ko-KR" altLang="en-US" sz="1600" dirty="0" smtClean="0">
+                <a:solidFill>
+                  <a:srgbClr val="FFFF00"/>
+                </a:solidFill>
+                <a:latin typeface="맑은 고딕"/>
+              </a:rPr>
+              <a:t>최종 결과 출력</a:t>
+            </a:r>
+            <a:r>
+              <a:rPr lang="en-US" altLang="ko-KR" sz="1600" dirty="0" smtClean="0">
+                <a:solidFill>
+                  <a:srgbClr val="FFFF00"/>
+                </a:solidFill>
+                <a:latin typeface="맑은 고딕"/>
+              </a:rPr>
+              <a:t>(</a:t>
+            </a:r>
+            <a:r>
+              <a:rPr lang="en-US" altLang="ko-KR" sz="1600" dirty="0" err="1" smtClean="0">
+                <a:solidFill>
+                  <a:srgbClr val="FFFF00"/>
+                </a:solidFill>
+                <a:latin typeface="맑은 고딕"/>
+              </a:rPr>
+              <a:t>show_report</a:t>
+            </a:r>
+            <a:r>
+              <a:rPr lang="en-US" altLang="ko-KR" sz="1600" dirty="0" smtClean="0">
+                <a:solidFill>
+                  <a:srgbClr val="FFFF00"/>
+                </a:solidFill>
+                <a:latin typeface="맑은 고딕"/>
+              </a:rPr>
+              <a:t>())</a:t>
+            </a:r>
+            <a:r>
+              <a:rPr lang="ko-KR" altLang="en-US" sz="1600" dirty="0" smtClean="0">
+                <a:solidFill>
+                  <a:srgbClr val="FFFF00"/>
+                </a:solidFill>
+                <a:latin typeface="맑은 고딕"/>
+              </a:rPr>
+              <a:t>은 </a:t>
+            </a:r>
+            <a:r>
+              <a:rPr lang="ko-KR" altLang="en-US" sz="1600" dirty="0" err="1" smtClean="0">
+                <a:solidFill>
+                  <a:srgbClr val="FFFF00"/>
+                </a:solidFill>
+                <a:latin typeface="맑은 고딕"/>
+              </a:rPr>
+              <a:t>스레드안</a:t>
+            </a:r>
+            <a:r>
+              <a:rPr lang="en-US" altLang="ko-KR" sz="1600" dirty="0" smtClean="0">
+                <a:solidFill>
+                  <a:srgbClr val="FFFF00"/>
+                </a:solidFill>
+                <a:latin typeface="맑은 고딕"/>
+              </a:rPr>
+              <a:t>(</a:t>
+            </a:r>
+            <a:r>
+              <a:rPr lang="ko-KR" altLang="en-US" sz="1600" dirty="0" smtClean="0">
+                <a:solidFill>
+                  <a:srgbClr val="FFFF00"/>
+                </a:solidFill>
+                <a:latin typeface="맑은 고딕"/>
+              </a:rPr>
+              <a:t>클래스의 </a:t>
+            </a:r>
+            <a:r>
+              <a:rPr lang="en-US" altLang="ko-KR" sz="1600" dirty="0" smtClean="0">
+                <a:solidFill>
+                  <a:srgbClr val="FFFF00"/>
+                </a:solidFill>
+                <a:latin typeface="맑은 고딕"/>
+              </a:rPr>
+              <a:t>run</a:t>
+            </a:r>
+            <a:r>
+              <a:rPr lang="ko-KR" altLang="en-US" sz="1600" dirty="0" smtClean="0">
+                <a:solidFill>
+                  <a:srgbClr val="FFFF00"/>
+                </a:solidFill>
+                <a:latin typeface="맑은 고딕"/>
+              </a:rPr>
+              <a:t>부분</a:t>
+            </a:r>
+            <a:r>
+              <a:rPr lang="en-US" altLang="ko-KR" sz="1600" dirty="0" smtClean="0">
+                <a:solidFill>
+                  <a:srgbClr val="FFFF00"/>
+                </a:solidFill>
+                <a:latin typeface="맑은 고딕"/>
+              </a:rPr>
+              <a:t>)</a:t>
+            </a:r>
+            <a:r>
+              <a:rPr lang="ko-KR" altLang="en-US" sz="1600" dirty="0" smtClean="0">
+                <a:solidFill>
+                  <a:srgbClr val="FFFF00"/>
+                </a:solidFill>
+                <a:latin typeface="맑은 고딕"/>
+              </a:rPr>
+              <a:t>이 아니라</a:t>
+            </a:r>
+            <a:r>
+              <a:rPr lang="en-US" altLang="ko-KR" sz="1600" dirty="0" smtClean="0">
+                <a:solidFill>
+                  <a:srgbClr val="FFFF00"/>
+                </a:solidFill>
+                <a:latin typeface="맑은 고딕"/>
+              </a:rPr>
+              <a:t>. </a:t>
+            </a:r>
+            <a:r>
+              <a:rPr lang="ko-KR" altLang="en-US" sz="1600" dirty="0" smtClean="0">
+                <a:solidFill>
+                  <a:srgbClr val="FFFF00"/>
+                </a:solidFill>
+                <a:latin typeface="맑은 고딕"/>
+              </a:rPr>
+              <a:t>이곳에다 해야한다</a:t>
+            </a:r>
+            <a:r>
+              <a:rPr lang="en-US" altLang="ko-KR" sz="1600" dirty="0" smtClean="0">
+                <a:solidFill>
+                  <a:srgbClr val="FFFF00"/>
+                </a:solidFill>
+                <a:latin typeface="맑은 고딕"/>
+              </a:rPr>
+              <a:t>.</a:t>
+            </a:r>
+            <a:endParaRPr lang="en-US" sz="1600" dirty="0">
+              <a:solidFill>
+                <a:srgbClr val="FFFF00"/>
+              </a:solidFill>
               <a:latin typeface="맑은 고딕"/>
             </a:endParaRPr>
           </a:p>
@@ -5640,18 +6606,16 @@
       </p:sp>
       <p:sp>
         <p:nvSpPr>
-          <p:cNvPr id="54" name="PlaceHolder 3"/>
-          <p:cNvSpPr>
-            <a:spLocks noGrp="1"/>
+          <p:cNvPr id="11" name="PlaceHolder 1"/>
+          <p:cNvSpPr txBox="1">
+            <a:spLocks/>
           </p:cNvSpPr>
-          <p:nvPr>
-            <p:ph/>
-          </p:nvPr>
-        </p:nvSpPr>
-        <p:spPr>
-          <a:xfrm>
-            <a:off x="1620000" y="4356000"/>
-            <a:ext cx="5580000" cy="720000"/>
+          <p:nvPr/>
+        </p:nvSpPr>
+        <p:spPr>
+          <a:xfrm>
+            <a:off x="2732629" y="972541"/>
+            <a:ext cx="5302080" cy="720000"/>
           </a:xfrm>
           <a:prstGeom prst="rect">
             <a:avLst/>
@@ -5662,11 +6626,30 @@
           </a:ln>
         </p:spPr>
         <p:txBody>
-          <a:bodyPr lIns="0" rIns="0" tIns="0" bIns="0" anchor="t">
+          <a:bodyPr lIns="0" tIns="0" rIns="0" bIns="0" anchor="t">
             <a:normAutofit/>
           </a:bodyPr>
-          <a:p>
-            <a:pPr indent="0">
+          <a:lstStyle>
+            <a:lvl1pPr algn="l" defTabSz="914400" rtl="0" eaLnBrk="1" latinLnBrk="1" hangingPunct="1">
+              <a:lnSpc>
+                <a:spcPct val="90000"/>
+              </a:lnSpc>
+              <a:spcBef>
+                <a:spcPct val="0"/>
+              </a:spcBef>
+              <a:buNone/>
+              <a:defRPr sz="4400" kern="1200">
+                <a:solidFill>
+                  <a:schemeClr val="tx1"/>
+                </a:solidFill>
+                <a:latin typeface="+mj-lt"/>
+                <a:ea typeface="+mj-ea"/>
+                <a:cs typeface="+mj-cs"/>
+              </a:defRPr>
+            </a:lvl1pPr>
+          </a:lstStyle>
+          <a:p>
+            <a:pPr>
               <a:lnSpc>
                 <a:spcPct val="100000"/>
               </a:lnSpc>
@@ -5675,79 +6658,64 @@
               </a:spcBef>
             </a:pPr>
             <a:r>
-              <a:rPr b="0" lang="en-US" sz="1600" strike="noStrike" u="none">
-                <a:solidFill>
-                  <a:srgbClr val="ffff00"/>
-                </a:solidFill>
-                <a:effectLst/>
-                <a:uFillTx/>
-                <a:latin typeface="맑은 고딕"/>
-                <a:ea typeface="맑은 고딕"/>
-              </a:rPr>
-              <a:t>TRANSACTION </a:t>
-            </a:r>
-            <a:r>
-              <a:rPr b="0" lang="ko-KR" sz="1600" strike="noStrike" u="none">
-                <a:solidFill>
-                  <a:srgbClr val="ffff00"/>
-                </a:solidFill>
-                <a:effectLst/>
-                <a:uFillTx/>
-                <a:latin typeface="맑은 고딕"/>
-                <a:ea typeface="맑은 고딕"/>
-              </a:rPr>
-              <a:t>요소를 들여다 보기 위한 </a:t>
-            </a:r>
-            <a:r>
-              <a:rPr b="0" lang="en-US" sz="1600" strike="noStrike" u="none">
-                <a:solidFill>
-                  <a:srgbClr val="ffff00"/>
-                </a:solidFill>
-                <a:effectLst/>
-                <a:uFillTx/>
-                <a:latin typeface="맑은 고딕"/>
-                <a:ea typeface="맑은 고딕"/>
-              </a:rPr>
-              <a:t>SHOW </a:t>
-            </a:r>
-            <a:r>
-              <a:rPr b="0" lang="ko-KR" sz="1600" strike="noStrike" u="none">
-                <a:solidFill>
-                  <a:srgbClr val="ffff00"/>
-                </a:solidFill>
-                <a:effectLst/>
-                <a:uFillTx/>
-                <a:latin typeface="맑은 고딕"/>
-                <a:ea typeface="맑은 고딕"/>
-              </a:rPr>
-              <a:t>태스크</a:t>
-            </a:r>
-            <a:endParaRPr b="0" lang="en-US" sz="1600" strike="noStrike" u="none">
-              <a:solidFill>
-                <a:srgbClr val="000000"/>
-              </a:solidFill>
-              <a:effectLst/>
-              <a:uFillTx/>
+              <a:rPr lang="en-US" sz="1600" dirty="0" smtClean="0">
+                <a:solidFill>
+                  <a:srgbClr val="FFFF00"/>
+                </a:solidFill>
+                <a:latin typeface="맑은 고딕"/>
+              </a:rPr>
+              <a:t>DUT</a:t>
+            </a:r>
+            <a:r>
+              <a:rPr lang="ko-KR" altLang="en-US" sz="1600" dirty="0" smtClean="0">
+                <a:solidFill>
+                  <a:srgbClr val="FFFF00"/>
+                </a:solidFill>
+                <a:latin typeface="맑은 고딕"/>
+              </a:rPr>
+              <a:t>에 인터페이스 연결</a:t>
+            </a:r>
+            <a:r>
+              <a:rPr lang="en-US" altLang="ko-KR" sz="1600" dirty="0" smtClean="0">
+                <a:solidFill>
+                  <a:srgbClr val="FFFF00"/>
+                </a:solidFill>
+                <a:latin typeface="맑은 고딕"/>
+              </a:rPr>
+              <a:t>.</a:t>
+            </a:r>
+            <a:endParaRPr lang="en-US" sz="1600" dirty="0">
+              <a:solidFill>
+                <a:srgbClr val="FFFF00"/>
+              </a:solidFill>
               <a:latin typeface="맑은 고딕"/>
             </a:endParaRPr>
           </a:p>
         </p:txBody>
       </p:sp>
     </p:spTree>
+    <p:extLst>
+      <p:ext uri="{BB962C8B-B14F-4D97-AF65-F5344CB8AC3E}">
+        <p14:creationId xmlns:p14="http://schemas.microsoft.com/office/powerpoint/2010/main" val="3619659611"/>
+      </p:ext>
+    </p:extLst>
   </p:cSld>
-  <mc:AlternateContent>
+  <p:clrMapOvr>
+    <a:masterClrMapping/>
+  </p:clrMapOvr>
+  <mc:AlternateContent xmlns:mc="http://schemas.openxmlformats.org/markup-compatibility/2006" xmlns:p14="http://schemas.microsoft.com/office/powerpoint/2010/main">
     <mc:Choice Requires="p14">
       <p:transition spd="slow" p14:dur="3000"/>
     </mc:Choice>
-    <mc:Fallback>
+    <mc:Fallback xmlns:p15="http://schemas.microsoft.com/office/powerpoint/2012/main" xmlns="">
       <p:transition spd="slow"/>
     </mc:Fallback>
   </mc:AlternateContent>
 </p:sld>
 </file>
 
-<file path=ppt/slides/slide3.xml><?xml version="1.0" encoding="utf-8"?>
-<p:sld xmlns:a="http://schemas.openxmlformats.org/drawingml/2006/main" xmlns:p="http://schemas.openxmlformats.org/presentationml/2006/main" xmlns:r="http://schemas.openxmlformats.org/officeDocument/2006/relationships" xmlns:p14="http://schemas.microsoft.com/office/powerpoint/2010/main" xmlns:p15="http://schemas.microsoft.com/office/powerpoint/2012/main" xmlns:mc="http://schemas.openxmlformats.org/markup-compatibility/2006">
+<file path=ppt/slides/slide2.xml><?xml version="1.0" encoding="utf-8"?>
+<p:sld xmlns:a="http://schemas.openxmlformats.org/drawingml/2006/main" xmlns:r="http://schemas.openxmlformats.org/officeDocument/2006/relationships" xmlns:p="http://schemas.openxmlformats.org/presentationml/2006/main">
   <p:cSld>
     <p:spTree>
       <p:nvGrpSpPr>
@@ -5765,7 +6733,7 @@
       </p:grpSpPr>
       <p:sp>
         <p:nvSpPr>
-          <p:cNvPr id="55" name="자유형 1"/>
+          <p:cNvPr id="50" name="자유형 1"/>
           <p:cNvSpPr/>
           <p:nvPr/>
         </p:nvSpPr>
@@ -5811,24 +6779,48 @@
           </a:solidFill>
           <a:ln w="0">
             <a:solidFill>
-              <a:srgbClr val="3465a4"/>
+              <a:srgbClr val="3465A4"/>
             </a:solidFill>
           </a:ln>
         </p:spPr>
         <p:style>
-          <a:lnRef idx="0"/>
-          <a:fillRef idx="0"/>
-          <a:effectRef idx="0"/>
+          <a:lnRef idx="0">
+            <a:scrgbClr r="0" g="0" b="0"/>
+          </a:lnRef>
+          <a:fillRef idx="0">
+            <a:scrgbClr r="0" g="0" b="0"/>
+          </a:fillRef>
+          <a:effectRef idx="0">
+            <a:scrgbClr r="0" g="0" b="0"/>
+          </a:effectRef>
           <a:fontRef idx="minor"/>
         </p:style>
         <p:txBody>
-          <a:bodyPr lIns="90000" rIns="90000" tIns="45000" bIns="45000" anchor="ctr">
+          <a:bodyPr lIns="90000" tIns="45000" rIns="90000" bIns="45000" anchor="ctr" anchorCtr="1">
             <a:noAutofit/>
           </a:bodyPr>
-          <a:p>
-            <a:endParaRPr b="0" lang="en-US" sz="1800" strike="noStrike" u="none">
-              <a:solidFill>
-                <a:srgbClr val="ffffff"/>
+          <a:lstStyle/>
+          <a:p>
+            <a:pPr algn="ctr">
+              <a:lnSpc>
+                <a:spcPct val="100000"/>
+              </a:lnSpc>
+            </a:pPr>
+            <a:r>
+              <a:rPr lang="en-US" sz="1800" b="0" u="none" strike="noStrike">
+                <a:solidFill>
+                  <a:srgbClr val="000000"/>
+                </a:solidFill>
+                <a:effectLst/>
+                <a:uFillTx/>
+                <a:latin typeface="맑은 고딕"/>
+                <a:ea typeface="맑은 고딕"/>
+              </a:rPr>
+              <a:t>\</a:t>
+            </a:r>
+            <a:endParaRPr lang="en-US" sz="1800" b="0" u="none" strike="noStrike">
+              <a:solidFill>
+                <a:srgbClr val="FFFFFF"/>
               </a:solidFill>
               <a:effectLst/>
               <a:uFillTx/>
@@ -5839,18 +6831,18 @@
       </p:sp>
       <p:pic>
         <p:nvPicPr>
-          <p:cNvPr id="56" name="" descr=""/>
+          <p:cNvPr id="51" name="그림 50"/>
           <p:cNvPicPr/>
           <p:nvPr/>
         </p:nvPicPr>
         <p:blipFill>
-          <a:blip r:embed="rId1"/>
+          <a:blip r:embed="rId3"/>
           <a:stretch/>
         </p:blipFill>
         <p:spPr>
           <a:xfrm>
-            <a:off x="0" y="-360"/>
-            <a:ext cx="5511240" cy="5669640"/>
+            <a:off x="0" y="360"/>
+            <a:ext cx="7544520" cy="5669640"/>
           </a:xfrm>
           <a:prstGeom prst="rect">
             <a:avLst/>
@@ -5863,7 +6855,7 @@
       </p:pic>
       <p:sp>
         <p:nvSpPr>
-          <p:cNvPr id="57" name="PlaceHolder 1"/>
+          <p:cNvPr id="52" name="PlaceHolder 1"/>
           <p:cNvSpPr>
             <a:spLocks noGrp="1"/>
           </p:cNvSpPr>
@@ -5873,8 +6865,8 @@
         </p:nvSpPr>
         <p:spPr>
           <a:xfrm>
-            <a:off x="5580000" y="360000"/>
-            <a:ext cx="4500000" cy="2700000"/>
+            <a:off x="2700000" y="360000"/>
+            <a:ext cx="4500000" cy="720000"/>
           </a:xfrm>
           <a:prstGeom prst="rect">
             <a:avLst/>
@@ -5885,9 +6877,10 @@
           </a:ln>
         </p:spPr>
         <p:txBody>
-          <a:bodyPr lIns="0" rIns="0" tIns="0" bIns="0" anchor="t">
+          <a:bodyPr lIns="0" tIns="0" rIns="0" bIns="0" anchor="t">
             <a:normAutofit/>
           </a:bodyPr>
+          <a:lstStyle/>
           <a:p>
             <a:pPr indent="0">
               <a:lnSpc>
@@ -5898,162 +6891,246 @@
               </a:spcBef>
             </a:pPr>
             <a:r>
-              <a:rPr b="0" lang="en-US" sz="1600" strike="noStrike" u="none">
-                <a:solidFill>
-                  <a:srgbClr val="ffff00"/>
-                </a:solidFill>
-                <a:effectLst/>
-                <a:uFillTx/>
-                <a:latin typeface="맑은 고딕"/>
-                <a:ea typeface="맑은 고딕"/>
-              </a:rPr>
-              <a:t>INTERFACE:  </a:t>
-            </a:r>
-            <a:r>
-              <a:rPr b="0" lang="ko-KR" sz="1600" strike="noStrike" u="none">
-                <a:solidFill>
-                  <a:srgbClr val="ffff00"/>
-                </a:solidFill>
-                <a:effectLst/>
-                <a:uFillTx/>
-                <a:latin typeface="맑은 고딕"/>
-                <a:ea typeface="맑은 고딕"/>
-              </a:rPr>
-              <a:t>시뮬레이션 영역과 물리 모듈 영역을 이어주는 클래스</a:t>
-            </a:r>
-            <a:endParaRPr b="0" lang="en-US" sz="1600" strike="noStrike" u="none">
-              <a:solidFill>
-                <a:srgbClr val="000000"/>
-              </a:solidFill>
-              <a:effectLst/>
-              <a:uFillTx/>
-              <a:latin typeface="맑은 고딕"/>
-            </a:endParaRPr>
-          </a:p>
-          <a:p>
-            <a:pPr>
+              <a:rPr lang="en-US" sz="1600" b="0" u="none" strike="noStrike">
+                <a:solidFill>
+                  <a:srgbClr val="FFFF00"/>
+                </a:solidFill>
+                <a:effectLst/>
+                <a:uFillTx/>
+                <a:latin typeface="맑은 고딕"/>
+                <a:ea typeface="맑은 고딕"/>
+              </a:rPr>
+              <a:t>TRANSACTION: </a:t>
+            </a:r>
+            <a:r>
+              <a:rPr lang="ko-KR" sz="1600" b="0" u="none" strike="noStrike">
+                <a:solidFill>
+                  <a:srgbClr val="FFFF00"/>
+                </a:solidFill>
+                <a:effectLst/>
+                <a:uFillTx/>
+                <a:latin typeface="맑은 고딕"/>
+                <a:ea typeface="맑은 고딕"/>
+              </a:rPr>
+              <a:t>각 클래스에서 사용할 데이터 타입</a:t>
+            </a:r>
+            <a:r>
+              <a:rPr lang="en-US" sz="1600" b="0" u="none" strike="noStrike">
+                <a:solidFill>
+                  <a:srgbClr val="FFFF00"/>
+                </a:solidFill>
+                <a:effectLst/>
+                <a:uFillTx/>
+                <a:latin typeface="맑은 고딕"/>
+                <a:ea typeface="맑은 고딕"/>
+              </a:rPr>
+              <a:t>, </a:t>
+            </a:r>
+            <a:r>
+              <a:rPr lang="ko-KR" sz="1600" b="0" u="none" strike="noStrike">
+                <a:solidFill>
+                  <a:srgbClr val="FFFF00"/>
+                </a:solidFill>
+                <a:effectLst/>
+                <a:uFillTx/>
+                <a:latin typeface="맑은 고딕"/>
+                <a:ea typeface="맑은 고딕"/>
+              </a:rPr>
+              <a:t>형식을 가지고있는 클래스</a:t>
+            </a:r>
+            <a:endParaRPr lang="en-US" sz="1600" b="0" u="none" strike="noStrike">
+              <a:solidFill>
+                <a:srgbClr val="000000"/>
+              </a:solidFill>
+              <a:effectLst/>
+              <a:uFillTx/>
+              <a:latin typeface="맑은 고딕"/>
+            </a:endParaRPr>
+          </a:p>
+        </p:txBody>
+      </p:sp>
+      <p:sp>
+        <p:nvSpPr>
+          <p:cNvPr id="53" name="PlaceHolder 2"/>
+          <p:cNvSpPr>
+            <a:spLocks noGrp="1"/>
+          </p:cNvSpPr>
+          <p:nvPr>
+            <p:ph/>
+          </p:nvPr>
+        </p:nvSpPr>
+        <p:spPr>
+          <a:xfrm>
+            <a:off x="2700000" y="2160000"/>
+            <a:ext cx="4500000" cy="720000"/>
+          </a:xfrm>
+          <a:prstGeom prst="rect">
+            <a:avLst/>
+          </a:prstGeom>
+          <a:noFill/>
+          <a:ln w="12600">
+            <a:noFill/>
+          </a:ln>
+        </p:spPr>
+        <p:txBody>
+          <a:bodyPr lIns="0" tIns="0" rIns="0" bIns="0" anchor="t">
+            <a:normAutofit/>
+          </a:bodyPr>
+          <a:lstStyle/>
+          <a:p>
+            <a:pPr indent="0">
               <a:lnSpc>
                 <a:spcPct val="100000"/>
               </a:lnSpc>
               <a:spcBef>
                 <a:spcPts val="1414"/>
               </a:spcBef>
-              <a:buClr>
-                <a:srgbClr val="000000"/>
-              </a:buClr>
-              <a:buSzPct val="45000"/>
-              <a:buFont typeface="Wingdings" charset="2"/>
-              <a:buChar char=""/>
-            </a:pPr>
-            <a:r>
-              <a:rPr b="0" lang="ko-KR" sz="1600" strike="noStrike" u="none">
-                <a:solidFill>
-                  <a:srgbClr val="ffff00"/>
-                </a:solidFill>
-                <a:effectLst/>
-                <a:uFillTx/>
-                <a:latin typeface="맑은 고딕"/>
-                <a:ea typeface="맑은 고딕"/>
-              </a:rPr>
-              <a:t>각 클래스들을 실체로 이어주기 위해 </a:t>
-            </a:r>
-            <a:r>
-              <a:rPr b="0" lang="en-US" sz="1600" strike="noStrike" u="none">
-                <a:solidFill>
-                  <a:srgbClr val="ffff00"/>
-                </a:solidFill>
-                <a:effectLst/>
-                <a:uFillTx/>
-                <a:latin typeface="맑은 고딕"/>
-                <a:ea typeface="맑은 고딕"/>
-              </a:rPr>
-              <a:t>VIRTUAL CLASS</a:t>
-            </a:r>
-            <a:r>
-              <a:rPr b="0" lang="ko-KR" sz="1600" strike="noStrike" u="none">
-                <a:solidFill>
-                  <a:srgbClr val="ffff00"/>
-                </a:solidFill>
-                <a:effectLst/>
-                <a:uFillTx/>
-                <a:latin typeface="맑은 고딕"/>
-                <a:ea typeface="맑은 고딕"/>
-              </a:rPr>
-              <a:t>로 선언하여 사용한다</a:t>
-            </a:r>
-            <a:r>
-              <a:rPr b="0" lang="en-US" sz="1600" strike="noStrike" u="none">
-                <a:solidFill>
-                  <a:srgbClr val="ffff00"/>
-                </a:solidFill>
-                <a:effectLst/>
-                <a:uFillTx/>
-                <a:latin typeface="맑은 고딕"/>
-                <a:ea typeface="맑은 고딕"/>
-              </a:rPr>
-              <a:t>.</a:t>
-            </a:r>
-            <a:endParaRPr b="0" lang="en-US" sz="1600" strike="noStrike" u="none">
-              <a:solidFill>
-                <a:srgbClr val="000000"/>
-              </a:solidFill>
-              <a:effectLst/>
-              <a:uFillTx/>
-              <a:latin typeface="맑은 고딕"/>
-            </a:endParaRPr>
-          </a:p>
-          <a:p>
-            <a:pPr>
+            </a:pPr>
+            <a:r>
+              <a:rPr lang="en-US" sz="1600" b="0" u="none" strike="noStrike">
+                <a:solidFill>
+                  <a:srgbClr val="FFFF00"/>
+                </a:solidFill>
+                <a:effectLst/>
+                <a:uFillTx/>
+                <a:latin typeface="맑은 고딕"/>
+                <a:ea typeface="맑은 고딕"/>
+              </a:rPr>
+              <a:t>CONSTRAINT: </a:t>
+            </a:r>
+            <a:r>
+              <a:rPr lang="ko-KR" sz="1600" b="0" u="none" strike="noStrike">
+                <a:solidFill>
+                  <a:srgbClr val="FFFF00"/>
+                </a:solidFill>
+                <a:effectLst/>
+                <a:uFillTx/>
+                <a:latin typeface="맑은 고딕"/>
+                <a:ea typeface="맑은 고딕"/>
+              </a:rPr>
+              <a:t>랜더마이즈 동작시 값 범위</a:t>
+            </a:r>
+            <a:r>
+              <a:rPr lang="en-US" sz="1600" b="0" u="none" strike="noStrike">
+                <a:solidFill>
+                  <a:srgbClr val="FFFF00"/>
+                </a:solidFill>
+                <a:effectLst/>
+                <a:uFillTx/>
+                <a:latin typeface="맑은 고딕"/>
+                <a:ea typeface="맑은 고딕"/>
+              </a:rPr>
+              <a:t>, </a:t>
+            </a:r>
+            <a:r>
+              <a:rPr lang="ko-KR" sz="1600" b="0" u="none" strike="noStrike">
+                <a:solidFill>
+                  <a:srgbClr val="FFFF00"/>
+                </a:solidFill>
+                <a:effectLst/>
+                <a:uFillTx/>
+                <a:latin typeface="맑은 고딕"/>
+                <a:ea typeface="맑은 고딕"/>
+              </a:rPr>
+              <a:t>특징 등을 제어하기 위한 도구</a:t>
+            </a:r>
+            <a:endParaRPr lang="en-US" sz="1600" b="0" u="none" strike="noStrike">
+              <a:solidFill>
+                <a:srgbClr val="000000"/>
+              </a:solidFill>
+              <a:effectLst/>
+              <a:uFillTx/>
+              <a:latin typeface="맑은 고딕"/>
+            </a:endParaRPr>
+          </a:p>
+        </p:txBody>
+      </p:sp>
+      <p:sp>
+        <p:nvSpPr>
+          <p:cNvPr id="54" name="PlaceHolder 3"/>
+          <p:cNvSpPr>
+            <a:spLocks noGrp="1"/>
+          </p:cNvSpPr>
+          <p:nvPr>
+            <p:ph/>
+          </p:nvPr>
+        </p:nvSpPr>
+        <p:spPr>
+          <a:xfrm>
+            <a:off x="1620000" y="4356000"/>
+            <a:ext cx="5580000" cy="720000"/>
+          </a:xfrm>
+          <a:prstGeom prst="rect">
+            <a:avLst/>
+          </a:prstGeom>
+          <a:noFill/>
+          <a:ln w="12600">
+            <a:noFill/>
+          </a:ln>
+        </p:spPr>
+        <p:txBody>
+          <a:bodyPr lIns="0" tIns="0" rIns="0" bIns="0" anchor="t">
+            <a:normAutofit/>
+          </a:bodyPr>
+          <a:lstStyle/>
+          <a:p>
+            <a:pPr indent="0">
               <a:lnSpc>
                 <a:spcPct val="100000"/>
               </a:lnSpc>
               <a:spcBef>
                 <a:spcPts val="1414"/>
               </a:spcBef>
-              <a:buClr>
-                <a:srgbClr val="000000"/>
-              </a:buClr>
-              <a:buSzPct val="45000"/>
-              <a:buFont typeface="Wingdings" charset="2"/>
-              <a:buChar char=""/>
-            </a:pPr>
-            <a:r>
-              <a:rPr b="0" lang="ko-KR" sz="1600" strike="noStrike" u="none">
-                <a:solidFill>
-                  <a:srgbClr val="ffff00"/>
-                </a:solidFill>
-                <a:effectLst/>
-                <a:uFillTx/>
-                <a:latin typeface="맑은 고딕"/>
-                <a:ea typeface="맑은 고딕"/>
-              </a:rPr>
-              <a:t>인스턴스를 선언하며 인자를 넘겨줄 때 </a:t>
-            </a:r>
-            <a:r>
-              <a:rPr b="0" lang="en-US" sz="1600" strike="noStrike" u="none">
-                <a:solidFill>
-                  <a:srgbClr val="ffff00"/>
-                </a:solidFill>
-                <a:effectLst/>
-                <a:uFillTx/>
-                <a:latin typeface="맑은 고딕"/>
-                <a:ea typeface="맑은 고딕"/>
-              </a:rPr>
-              <a:t>VIRTUAL</a:t>
-            </a:r>
-            <a:r>
-              <a:rPr b="0" lang="ko-KR" sz="1600" strike="noStrike" u="none">
-                <a:solidFill>
-                  <a:srgbClr val="ffff00"/>
-                </a:solidFill>
-                <a:effectLst/>
-                <a:uFillTx/>
-                <a:latin typeface="맑은 고딕"/>
-                <a:ea typeface="맑은 고딕"/>
-              </a:rPr>
-              <a:t>을 사용 할 경우 클래스간 같은 객체를 사용하게 된다</a:t>
-            </a:r>
-            <a:endParaRPr b="0" lang="en-US" sz="1600" strike="noStrike" u="none">
+            </a:pPr>
+            <a:r>
+              <a:rPr lang="en-US" sz="1600" b="0" u="none" strike="noStrike">
+                <a:solidFill>
+                  <a:srgbClr val="FFFF00"/>
+                </a:solidFill>
+                <a:effectLst/>
+                <a:uFillTx/>
+                <a:latin typeface="맑은 고딕"/>
+                <a:ea typeface="맑은 고딕"/>
+              </a:rPr>
+              <a:t>TRANSACTION </a:t>
+            </a:r>
+            <a:r>
+              <a:rPr lang="ko-KR" sz="1600" b="0" u="none" strike="noStrike">
+                <a:solidFill>
+                  <a:srgbClr val="FFFF00"/>
+                </a:solidFill>
+                <a:effectLst/>
+                <a:uFillTx/>
+                <a:latin typeface="맑은 고딕"/>
+                <a:ea typeface="맑은 고딕"/>
+              </a:rPr>
+              <a:t>요소를 들여다 보기 위한 </a:t>
+            </a:r>
+            <a:r>
+              <a:rPr lang="en-US" sz="1600" b="0" u="none" strike="noStrike">
+                <a:solidFill>
+                  <a:srgbClr val="FFFF00"/>
+                </a:solidFill>
+                <a:effectLst/>
+                <a:uFillTx/>
+                <a:latin typeface="맑은 고딕"/>
+                <a:ea typeface="맑은 고딕"/>
+              </a:rPr>
+              <a:t>SHOW </a:t>
+            </a:r>
+            <a:r>
+              <a:rPr lang="ko-KR" sz="1600" b="0" u="none" strike="noStrike">
+                <a:solidFill>
+                  <a:srgbClr val="FFFF00"/>
+                </a:solidFill>
+                <a:effectLst/>
+                <a:uFillTx/>
+                <a:latin typeface="맑은 고딕"/>
+                <a:ea typeface="맑은 고딕"/>
+              </a:rPr>
+              <a:t>태스크</a:t>
+            </a:r>
+            <a:endParaRPr lang="en-US" sz="1600" b="0" u="none" strike="noStrike">
               <a:solidFill>
                 <a:srgbClr val="000000"/>
               </a:solidFill>
@@ -6066,19 +7143,22 @@
       </p:sp>
     </p:spTree>
   </p:cSld>
-  <mc:AlternateContent>
+  <p:clrMapOvr>
+    <a:masterClrMapping/>
+  </p:clrMapOvr>
+  <mc:AlternateContent xmlns:mc="http://schemas.openxmlformats.org/markup-compatibility/2006" xmlns:p14="http://schemas.microsoft.com/office/powerpoint/2010/main">
     <mc:Choice Requires="p14">
       <p:transition spd="slow" p14:dur="3000"/>
     </mc:Choice>
-    <mc:Fallback>
+    <mc:Fallback xmlns:p15="http://schemas.microsoft.com/office/powerpoint/2012/main" xmlns="">
       <p:transition spd="slow"/>
     </mc:Fallback>
   </mc:AlternateContent>
 </p:sld>
 </file>
 
-<file path=ppt/slides/slide4.xml><?xml version="1.0" encoding="utf-8"?>
-<p:sld xmlns:a="http://schemas.openxmlformats.org/drawingml/2006/main" xmlns:p="http://schemas.openxmlformats.org/presentationml/2006/main" xmlns:r="http://schemas.openxmlformats.org/officeDocument/2006/relationships" xmlns:p14="http://schemas.microsoft.com/office/powerpoint/2010/main" xmlns:p15="http://schemas.microsoft.com/office/powerpoint/2012/main" xmlns:mc="http://schemas.openxmlformats.org/markup-compatibility/2006">
+<file path=ppt/slides/slide3.xml><?xml version="1.0" encoding="utf-8"?>
+<p:sld xmlns:a="http://schemas.openxmlformats.org/drawingml/2006/main" xmlns:r="http://schemas.openxmlformats.org/officeDocument/2006/relationships" xmlns:p="http://schemas.openxmlformats.org/presentationml/2006/main">
   <p:cSld>
     <p:spTree>
       <p:nvGrpSpPr>
@@ -6096,7 +7176,7 @@
       </p:grpSpPr>
       <p:sp>
         <p:nvSpPr>
-          <p:cNvPr id="58" name="자유형 1"/>
+          <p:cNvPr id="55" name="자유형 1"/>
           <p:cNvSpPr/>
           <p:nvPr/>
         </p:nvSpPr>
@@ -6142,24 +7222,31 @@
           </a:solidFill>
           <a:ln w="0">
             <a:solidFill>
-              <a:srgbClr val="3465a4"/>
+              <a:srgbClr val="3465A4"/>
             </a:solidFill>
           </a:ln>
         </p:spPr>
         <p:style>
-          <a:lnRef idx="0"/>
-          <a:fillRef idx="0"/>
-          <a:effectRef idx="0"/>
+          <a:lnRef idx="0">
+            <a:scrgbClr r="0" g="0" b="0"/>
+          </a:lnRef>
+          <a:fillRef idx="0">
+            <a:scrgbClr r="0" g="0" b="0"/>
+          </a:fillRef>
+          <a:effectRef idx="0">
+            <a:scrgbClr r="0" g="0" b="0"/>
+          </a:effectRef>
           <a:fontRef idx="minor"/>
         </p:style>
         <p:txBody>
-          <a:bodyPr lIns="90000" rIns="90000" tIns="45000" bIns="45000" anchor="ctr">
+          <a:bodyPr lIns="90000" tIns="45000" rIns="90000" bIns="45000" anchor="ctr">
             <a:noAutofit/>
           </a:bodyPr>
-          <a:p>
-            <a:endParaRPr b="0" lang="en-US" sz="1800" strike="noStrike" u="none">
-              <a:solidFill>
-                <a:srgbClr val="ffffff"/>
+          <a:lstStyle/>
+          <a:p>
+            <a:endParaRPr lang="en-US" sz="1800" b="0" u="none" strike="noStrike">
+              <a:solidFill>
+                <a:srgbClr val="FFFFFF"/>
               </a:solidFill>
               <a:effectLst/>
               <a:uFillTx/>
@@ -6170,18 +7257,18 @@
       </p:sp>
       <p:pic>
         <p:nvPicPr>
-          <p:cNvPr id="59" name="" descr=""/>
+          <p:cNvPr id="56" name="그림 55"/>
           <p:cNvPicPr/>
           <p:nvPr/>
         </p:nvPicPr>
         <p:blipFill>
-          <a:blip r:embed="rId1"/>
+          <a:blip r:embed="rId3"/>
           <a:stretch/>
         </p:blipFill>
         <p:spPr>
           <a:xfrm>
             <a:off x="0" y="-360"/>
-            <a:ext cx="8481600" cy="5669640"/>
+            <a:ext cx="5511240" cy="5669640"/>
           </a:xfrm>
           <a:prstGeom prst="rect">
             <a:avLst/>
@@ -6194,7 +7281,7 @@
       </p:pic>
       <p:sp>
         <p:nvSpPr>
-          <p:cNvPr id="60" name="PlaceHolder 1"/>
+          <p:cNvPr id="57" name="PlaceHolder 1"/>
           <p:cNvSpPr>
             <a:spLocks noGrp="1"/>
           </p:cNvSpPr>
@@ -6204,8 +7291,8 @@
         </p:nvSpPr>
         <p:spPr>
           <a:xfrm>
-            <a:off x="3240000" y="360000"/>
-            <a:ext cx="6840000" cy="540000"/>
+            <a:off x="5580000" y="360000"/>
+            <a:ext cx="4500000" cy="2700000"/>
           </a:xfrm>
           <a:prstGeom prst="rect">
             <a:avLst/>
@@ -6216,176 +7303,10 @@
           </a:ln>
         </p:spPr>
         <p:txBody>
-          <a:bodyPr lIns="0" rIns="0" tIns="0" bIns="0" anchor="t">
+          <a:bodyPr lIns="0" tIns="0" rIns="0" bIns="0" anchor="t">
             <a:normAutofit/>
           </a:bodyPr>
-          <a:p>
-            <a:pPr indent="0">
-              <a:lnSpc>
-                <a:spcPct val="80000"/>
-              </a:lnSpc>
-              <a:spcBef>
-                <a:spcPts val="1414"/>
-              </a:spcBef>
-            </a:pPr>
-            <a:r>
-              <a:rPr b="0" lang="en-US" sz="1400" strike="noStrike" u="none">
-                <a:solidFill>
-                  <a:srgbClr val="ffff00"/>
-                </a:solidFill>
-                <a:effectLst/>
-                <a:uFillTx/>
-                <a:latin typeface="맑은 고딕"/>
-                <a:ea typeface="맑은 고딕"/>
-              </a:rPr>
-              <a:t>GENERATOR: </a:t>
-            </a:r>
-            <a:r>
-              <a:rPr b="0" lang="ko-KR" sz="1400" strike="noStrike" u="none">
-                <a:solidFill>
-                  <a:srgbClr val="ffff00"/>
-                </a:solidFill>
-                <a:effectLst/>
-                <a:uFillTx/>
-                <a:latin typeface="맑은 고딕"/>
-                <a:ea typeface="맑은 고딕"/>
-              </a:rPr>
-              <a:t>시뮬레이션 값을 만들어서 </a:t>
-            </a:r>
-            <a:r>
-              <a:rPr b="0" lang="en-US" sz="1400" strike="noStrike" u="none">
-                <a:solidFill>
-                  <a:srgbClr val="ffff00"/>
-                </a:solidFill>
-                <a:effectLst/>
-                <a:uFillTx/>
-                <a:latin typeface="맑은 고딕"/>
-                <a:ea typeface="맑은 고딕"/>
-              </a:rPr>
-              <a:t>TR</a:t>
-            </a:r>
-            <a:r>
-              <a:rPr b="0" lang="ko-KR" sz="1400" strike="noStrike" u="none">
-                <a:solidFill>
-                  <a:srgbClr val="ffff00"/>
-                </a:solidFill>
-                <a:effectLst/>
-                <a:uFillTx/>
-                <a:latin typeface="맑은 고딕"/>
-                <a:ea typeface="맑은 고딕"/>
-              </a:rPr>
-              <a:t>형태로 저장</a:t>
-            </a:r>
-            <a:r>
-              <a:rPr b="0" lang="en-US" sz="1400" strike="noStrike" u="none">
-                <a:solidFill>
-                  <a:srgbClr val="ffff00"/>
-                </a:solidFill>
-                <a:effectLst/>
-                <a:uFillTx/>
-                <a:latin typeface="맑은 고딕"/>
-                <a:ea typeface="맑은 고딕"/>
-              </a:rPr>
-              <a:t>,</a:t>
-            </a:r>
-            <a:endParaRPr b="0" lang="en-US" sz="1400" strike="noStrike" u="none">
-              <a:solidFill>
-                <a:srgbClr val="000000"/>
-              </a:solidFill>
-              <a:effectLst/>
-              <a:uFillTx/>
-              <a:latin typeface="맑은 고딕"/>
-            </a:endParaRPr>
-          </a:p>
-          <a:p>
-            <a:pPr>
-              <a:lnSpc>
-                <a:spcPct val="80000"/>
-              </a:lnSpc>
-              <a:spcBef>
-                <a:spcPts val="1414"/>
-              </a:spcBef>
-              <a:buClr>
-                <a:srgbClr val="000000"/>
-              </a:buClr>
-              <a:buSzPct val="45000"/>
-              <a:buFont typeface="Wingdings" charset="2"/>
-              <a:buChar char=""/>
-            </a:pPr>
-            <a:r>
-              <a:rPr b="0" lang="en-US" sz="1400" strike="noStrike" u="none">
-                <a:solidFill>
-                  <a:srgbClr val="ffff00"/>
-                </a:solidFill>
-                <a:effectLst/>
-                <a:uFillTx/>
-                <a:latin typeface="맑은 고딕"/>
-                <a:ea typeface="맑은 고딕"/>
-              </a:rPr>
-              <a:t>g2d</a:t>
-            </a:r>
-            <a:r>
-              <a:rPr b="0" lang="ko-KR" sz="1400" strike="noStrike" u="none">
-                <a:solidFill>
-                  <a:srgbClr val="ffff00"/>
-                </a:solidFill>
-                <a:effectLst/>
-                <a:uFillTx/>
-                <a:latin typeface="맑은 고딕"/>
-                <a:ea typeface="맑은 고딕"/>
-              </a:rPr>
-              <a:t>메일박스로 던져주는 클래스</a:t>
-            </a:r>
-            <a:r>
-              <a:rPr b="0" lang="en-US" sz="1400" strike="noStrike" u="none">
-                <a:solidFill>
-                  <a:srgbClr val="ffff00"/>
-                </a:solidFill>
-                <a:effectLst/>
-                <a:uFillTx/>
-                <a:latin typeface="맑은 고딕"/>
-                <a:ea typeface="맑은 고딕"/>
-              </a:rPr>
-              <a:t>.</a:t>
-            </a:r>
-            <a:endParaRPr b="0" lang="en-US" sz="1400" strike="noStrike" u="none">
-              <a:solidFill>
-                <a:srgbClr val="000000"/>
-              </a:solidFill>
-              <a:effectLst/>
-              <a:uFillTx/>
-              <a:latin typeface="맑은 고딕"/>
-            </a:endParaRPr>
-          </a:p>
-        </p:txBody>
-      </p:sp>
-      <p:sp>
-        <p:nvSpPr>
-          <p:cNvPr id="61" name="PlaceHolder 2"/>
-          <p:cNvSpPr>
-            <a:spLocks noGrp="1"/>
-          </p:cNvSpPr>
-          <p:nvPr>
-            <p:ph/>
-          </p:nvPr>
-        </p:nvSpPr>
-        <p:spPr>
-          <a:xfrm>
-            <a:off x="5142600" y="3414600"/>
-            <a:ext cx="6840000" cy="540000"/>
-          </a:xfrm>
-          <a:prstGeom prst="rect">
-            <a:avLst/>
-          </a:prstGeom>
-          <a:noFill/>
-          <a:ln w="12600">
-            <a:noFill/>
-          </a:ln>
-        </p:spPr>
-        <p:txBody>
-          <a:bodyPr lIns="0" rIns="0" tIns="0" bIns="0" anchor="t">
-            <a:normAutofit/>
-          </a:bodyPr>
+          <a:lstStyle/>
           <a:p>
             <a:pPr indent="0">
               <a:lnSpc>
@@ -6396,21 +7317,93 @@
               </a:spcBef>
             </a:pPr>
             <a:r>
-              <a:rPr b="0" lang="ko-KR" sz="1600" strike="noStrike" u="none">
-                <a:solidFill>
-                  <a:srgbClr val="ffff00"/>
-                </a:solidFill>
-                <a:effectLst/>
-                <a:uFillTx/>
-                <a:latin typeface="맑은 고딕"/>
-                <a:ea typeface="맑은 고딕"/>
-              </a:rPr>
-              <a:t>랜덤한 값의 조합을 시뮬레이션한다</a:t>
-            </a:r>
-            <a:r>
-              <a:rPr b="0" lang="en-US" sz="1600" strike="noStrike" u="none">
-                <a:solidFill>
-                  <a:srgbClr val="ffff00"/>
+              <a:rPr lang="en-US" sz="1600" b="0" u="none" strike="noStrike">
+                <a:solidFill>
+                  <a:srgbClr val="FFFF00"/>
+                </a:solidFill>
+                <a:effectLst/>
+                <a:uFillTx/>
+                <a:latin typeface="맑은 고딕"/>
+                <a:ea typeface="맑은 고딕"/>
+              </a:rPr>
+              <a:t>INTERFACE:  </a:t>
+            </a:r>
+            <a:r>
+              <a:rPr lang="ko-KR" sz="1600" b="0" u="none" strike="noStrike">
+                <a:solidFill>
+                  <a:srgbClr val="FFFF00"/>
+                </a:solidFill>
+                <a:effectLst/>
+                <a:uFillTx/>
+                <a:latin typeface="맑은 고딕"/>
+                <a:ea typeface="맑은 고딕"/>
+              </a:rPr>
+              <a:t>시뮬레이션 영역과 물리 모듈 영역을 이어주는 클래스</a:t>
+            </a:r>
+            <a:endParaRPr lang="en-US" sz="1600" b="0" u="none" strike="noStrike">
+              <a:solidFill>
+                <a:srgbClr val="000000"/>
+              </a:solidFill>
+              <a:effectLst/>
+              <a:uFillTx/>
+              <a:latin typeface="맑은 고딕"/>
+            </a:endParaRPr>
+          </a:p>
+          <a:p>
+            <a:pPr>
+              <a:lnSpc>
+                <a:spcPct val="100000"/>
+              </a:lnSpc>
+              <a:spcBef>
+                <a:spcPts val="1414"/>
+              </a:spcBef>
+              <a:buClr>
+                <a:srgbClr val="000000"/>
+              </a:buClr>
+              <a:buSzPct val="45000"/>
+              <a:buFont typeface="Wingdings" charset="2"/>
+              <a:buChar char=""/>
+            </a:pPr>
+            <a:r>
+              <a:rPr lang="ko-KR" sz="1600" b="0" u="none" strike="noStrike">
+                <a:solidFill>
+                  <a:srgbClr val="FFFF00"/>
+                </a:solidFill>
+                <a:effectLst/>
+                <a:uFillTx/>
+                <a:latin typeface="맑은 고딕"/>
+                <a:ea typeface="맑은 고딕"/>
+              </a:rPr>
+              <a:t>각 클래스들을 실체로 이어주기 위해 </a:t>
+            </a:r>
+            <a:r>
+              <a:rPr lang="en-US" sz="1600" b="0" u="none" strike="noStrike">
+                <a:solidFill>
+                  <a:srgbClr val="FFFF00"/>
+                </a:solidFill>
+                <a:effectLst/>
+                <a:uFillTx/>
+                <a:latin typeface="맑은 고딕"/>
+                <a:ea typeface="맑은 고딕"/>
+              </a:rPr>
+              <a:t>VIRTUAL CLASS</a:t>
+            </a:r>
+            <a:r>
+              <a:rPr lang="ko-KR" sz="1600" b="0" u="none" strike="noStrike">
+                <a:solidFill>
+                  <a:srgbClr val="FFFF00"/>
+                </a:solidFill>
+                <a:effectLst/>
+                <a:uFillTx/>
+                <a:latin typeface="맑은 고딕"/>
+                <a:ea typeface="맑은 고딕"/>
+              </a:rPr>
+              <a:t>로 선언하여 사용한다</a:t>
+            </a:r>
+            <a:r>
+              <a:rPr lang="en-US" sz="1600" b="0" u="none" strike="noStrike">
+                <a:solidFill>
+                  <a:srgbClr val="FFFF00"/>
                 </a:solidFill>
                 <a:effectLst/>
                 <a:uFillTx/>
@@ -6419,7 +7412,67 @@
               </a:rPr>
               <a:t>.</a:t>
             </a:r>
-            <a:endParaRPr b="0" lang="en-US" sz="1600" strike="noStrike" u="none">
+            <a:endParaRPr lang="en-US" sz="1600" b="0" u="none" strike="noStrike">
+              <a:solidFill>
+                <a:srgbClr val="000000"/>
+              </a:solidFill>
+              <a:effectLst/>
+              <a:uFillTx/>
+              <a:latin typeface="맑은 고딕"/>
+            </a:endParaRPr>
+          </a:p>
+          <a:p>
+            <a:pPr>
+              <a:lnSpc>
+                <a:spcPct val="100000"/>
+              </a:lnSpc>
+              <a:spcBef>
+                <a:spcPts val="1414"/>
+              </a:spcBef>
+              <a:buClr>
+                <a:srgbClr val="000000"/>
+              </a:buClr>
+              <a:buSzPct val="45000"/>
+              <a:buFont typeface="Wingdings" charset="2"/>
+              <a:buChar char=""/>
+            </a:pPr>
+            <a:r>
+              <a:rPr lang="ko-KR" sz="1600" b="0" u="none" strike="noStrike">
+                <a:solidFill>
+                  <a:srgbClr val="FFFF00"/>
+                </a:solidFill>
+                <a:effectLst/>
+                <a:uFillTx/>
+                <a:latin typeface="맑은 고딕"/>
+                <a:ea typeface="맑은 고딕"/>
+              </a:rPr>
+              <a:t>인스턴스를 선언하며 인자를 넘겨줄 때 </a:t>
+            </a:r>
+            <a:r>
+              <a:rPr lang="en-US" sz="1600" b="0" u="none" strike="noStrike">
+                <a:solidFill>
+                  <a:srgbClr val="FFFF00"/>
+                </a:solidFill>
+                <a:effectLst/>
+                <a:uFillTx/>
+                <a:latin typeface="맑은 고딕"/>
+                <a:ea typeface="맑은 고딕"/>
+              </a:rPr>
+              <a:t>VIRTUAL</a:t>
+            </a:r>
+            <a:r>
+              <a:rPr lang="ko-KR" sz="1600" b="0" u="none" strike="noStrike">
+                <a:solidFill>
+                  <a:srgbClr val="FFFF00"/>
+                </a:solidFill>
+                <a:effectLst/>
+                <a:uFillTx/>
+                <a:latin typeface="맑은 고딕"/>
+                <a:ea typeface="맑은 고딕"/>
+              </a:rPr>
+              <a:t>을 사용 할 경우 클래스간 같은 객체를 사용하게 된다</a:t>
+            </a:r>
+            <a:endParaRPr lang="en-US" sz="1600" b="0" u="none" strike="noStrike">
               <a:solidFill>
                 <a:srgbClr val="000000"/>
               </a:solidFill>
@@ -6432,19 +7485,22 @@
       </p:sp>
     </p:spTree>
   </p:cSld>
-  <mc:AlternateContent>
+  <p:clrMapOvr>
+    <a:masterClrMapping/>
+  </p:clrMapOvr>
+  <mc:AlternateContent xmlns:mc="http://schemas.openxmlformats.org/markup-compatibility/2006" xmlns:p14="http://schemas.microsoft.com/office/powerpoint/2010/main">
     <mc:Choice Requires="p14">
       <p:transition spd="slow" p14:dur="3000"/>
     </mc:Choice>
-    <mc:Fallback>
+    <mc:Fallback xmlns:p15="http://schemas.microsoft.com/office/powerpoint/2012/main" xmlns="">
       <p:transition spd="slow"/>
     </mc:Fallback>
   </mc:AlternateContent>
 </p:sld>
 </file>
 
-<file path=ppt/slides/slide5.xml><?xml version="1.0" encoding="utf-8"?>
-<p:sld xmlns:a="http://schemas.openxmlformats.org/drawingml/2006/main" xmlns:p="http://schemas.openxmlformats.org/presentationml/2006/main" xmlns:r="http://schemas.openxmlformats.org/officeDocument/2006/relationships" xmlns:p14="http://schemas.microsoft.com/office/powerpoint/2010/main" xmlns:p15="http://schemas.microsoft.com/office/powerpoint/2012/main" xmlns:mc="http://schemas.openxmlformats.org/markup-compatibility/2006">
+<file path=ppt/slides/slide4.xml><?xml version="1.0" encoding="utf-8"?>
+<p:sld xmlns:a="http://schemas.openxmlformats.org/drawingml/2006/main" xmlns:r="http://schemas.openxmlformats.org/officeDocument/2006/relationships" xmlns:p="http://schemas.openxmlformats.org/presentationml/2006/main">
   <p:cSld>
     <p:spTree>
       <p:nvGrpSpPr>
@@ -6462,7 +7518,7 @@
       </p:grpSpPr>
       <p:sp>
         <p:nvSpPr>
-          <p:cNvPr id="62" name="자유형 1"/>
+          <p:cNvPr id="58" name="자유형 1"/>
           <p:cNvSpPr/>
           <p:nvPr/>
         </p:nvSpPr>
@@ -6508,24 +7564,31 @@
           </a:solidFill>
           <a:ln w="0">
             <a:solidFill>
-              <a:srgbClr val="3465a4"/>
+              <a:srgbClr val="3465A4"/>
             </a:solidFill>
           </a:ln>
         </p:spPr>
         <p:style>
-          <a:lnRef idx="0"/>
-          <a:fillRef idx="0"/>
-          <a:effectRef idx="0"/>
+          <a:lnRef idx="0">
+            <a:scrgbClr r="0" g="0" b="0"/>
+          </a:lnRef>
+          <a:fillRef idx="0">
+            <a:scrgbClr r="0" g="0" b="0"/>
+          </a:fillRef>
+          <a:effectRef idx="0">
+            <a:scrgbClr r="0" g="0" b="0"/>
+          </a:effectRef>
           <a:fontRef idx="minor"/>
         </p:style>
         <p:txBody>
-          <a:bodyPr lIns="90000" rIns="90000" tIns="45000" bIns="45000" anchor="ctr">
+          <a:bodyPr lIns="90000" tIns="45000" rIns="90000" bIns="45000" anchor="ctr">
             <a:noAutofit/>
           </a:bodyPr>
-          <a:p>
-            <a:endParaRPr b="0" lang="en-US" sz="1800" strike="noStrike" u="none">
-              <a:solidFill>
-                <a:srgbClr val="ffffff"/>
+          <a:lstStyle/>
+          <a:p>
+            <a:endParaRPr lang="en-US" sz="1800" b="0" u="none" strike="noStrike">
+              <a:solidFill>
+                <a:srgbClr val="FFFFFF"/>
               </a:solidFill>
               <a:effectLst/>
               <a:uFillTx/>
@@ -6536,18 +7599,18 @@
       </p:sp>
       <p:pic>
         <p:nvPicPr>
-          <p:cNvPr id="63" name="" descr=""/>
+          <p:cNvPr id="59" name="그림 58"/>
           <p:cNvPicPr/>
           <p:nvPr/>
         </p:nvPicPr>
         <p:blipFill>
-          <a:blip r:embed="rId1"/>
+          <a:blip r:embed="rId3"/>
           <a:stretch/>
         </p:blipFill>
         <p:spPr>
           <a:xfrm>
             <a:off x="0" y="-360"/>
-            <a:ext cx="4352040" cy="5669640"/>
+            <a:ext cx="8481600" cy="5669640"/>
           </a:xfrm>
           <a:prstGeom prst="rect">
             <a:avLst/>
@@ -6560,7 +7623,7 @@
       </p:pic>
       <p:sp>
         <p:nvSpPr>
-          <p:cNvPr id="64" name="PlaceHolder 1"/>
+          <p:cNvPr id="60" name="PlaceHolder 1"/>
           <p:cNvSpPr>
             <a:spLocks noGrp="1"/>
           </p:cNvSpPr>
@@ -6571,7 +7634,7 @@
         <p:spPr>
           <a:xfrm>
             <a:off x="3240000" y="360000"/>
-            <a:ext cx="6840000" cy="720000"/>
+            <a:ext cx="6840000" cy="540000"/>
           </a:xfrm>
           <a:prstGeom prst="rect">
             <a:avLst/>
@@ -6582,9 +7645,178 @@
           </a:ln>
         </p:spPr>
         <p:txBody>
-          <a:bodyPr lIns="0" rIns="0" tIns="0" bIns="0" anchor="t">
+          <a:bodyPr lIns="0" tIns="0" rIns="0" bIns="0" anchor="t">
             <a:normAutofit/>
           </a:bodyPr>
+          <a:lstStyle/>
+          <a:p>
+            <a:pPr indent="0">
+              <a:lnSpc>
+                <a:spcPct val="80000"/>
+              </a:lnSpc>
+              <a:spcBef>
+                <a:spcPts val="1414"/>
+              </a:spcBef>
+            </a:pPr>
+            <a:r>
+              <a:rPr lang="en-US" sz="1400" b="0" u="none" strike="noStrike">
+                <a:solidFill>
+                  <a:srgbClr val="FFFF00"/>
+                </a:solidFill>
+                <a:effectLst/>
+                <a:uFillTx/>
+                <a:latin typeface="맑은 고딕"/>
+                <a:ea typeface="맑은 고딕"/>
+              </a:rPr>
+              <a:t>GENERATOR: </a:t>
+            </a:r>
+            <a:r>
+              <a:rPr lang="ko-KR" sz="1400" b="0" u="none" strike="noStrike">
+                <a:solidFill>
+                  <a:srgbClr val="FFFF00"/>
+                </a:solidFill>
+                <a:effectLst/>
+                <a:uFillTx/>
+                <a:latin typeface="맑은 고딕"/>
+                <a:ea typeface="맑은 고딕"/>
+              </a:rPr>
+              <a:t>시뮬레이션 값을 만들어서 </a:t>
+            </a:r>
+            <a:r>
+              <a:rPr lang="en-US" sz="1400" b="0" u="none" strike="noStrike">
+                <a:solidFill>
+                  <a:srgbClr val="FFFF00"/>
+                </a:solidFill>
+                <a:effectLst/>
+                <a:uFillTx/>
+                <a:latin typeface="맑은 고딕"/>
+                <a:ea typeface="맑은 고딕"/>
+              </a:rPr>
+              <a:t>TR</a:t>
+            </a:r>
+            <a:r>
+              <a:rPr lang="ko-KR" sz="1400" b="0" u="none" strike="noStrike">
+                <a:solidFill>
+                  <a:srgbClr val="FFFF00"/>
+                </a:solidFill>
+                <a:effectLst/>
+                <a:uFillTx/>
+                <a:latin typeface="맑은 고딕"/>
+                <a:ea typeface="맑은 고딕"/>
+              </a:rPr>
+              <a:t>형태로 저장</a:t>
+            </a:r>
+            <a:r>
+              <a:rPr lang="en-US" sz="1400" b="0" u="none" strike="noStrike">
+                <a:solidFill>
+                  <a:srgbClr val="FFFF00"/>
+                </a:solidFill>
+                <a:effectLst/>
+                <a:uFillTx/>
+                <a:latin typeface="맑은 고딕"/>
+                <a:ea typeface="맑은 고딕"/>
+              </a:rPr>
+              <a:t>,</a:t>
+            </a:r>
+            <a:endParaRPr lang="en-US" sz="1400" b="0" u="none" strike="noStrike">
+              <a:solidFill>
+                <a:srgbClr val="000000"/>
+              </a:solidFill>
+              <a:effectLst/>
+              <a:uFillTx/>
+              <a:latin typeface="맑은 고딕"/>
+            </a:endParaRPr>
+          </a:p>
+          <a:p>
+            <a:pPr>
+              <a:lnSpc>
+                <a:spcPct val="80000"/>
+              </a:lnSpc>
+              <a:spcBef>
+                <a:spcPts val="1414"/>
+              </a:spcBef>
+              <a:buClr>
+                <a:srgbClr val="000000"/>
+              </a:buClr>
+              <a:buSzPct val="45000"/>
+              <a:buFont typeface="Wingdings" charset="2"/>
+              <a:buChar char=""/>
+            </a:pPr>
+            <a:r>
+              <a:rPr lang="en-US" sz="1400" b="0" u="none" strike="noStrike">
+                <a:solidFill>
+                  <a:srgbClr val="FFFF00"/>
+                </a:solidFill>
+                <a:effectLst/>
+                <a:uFillTx/>
+                <a:latin typeface="맑은 고딕"/>
+                <a:ea typeface="맑은 고딕"/>
+              </a:rPr>
+              <a:t>g2d</a:t>
+            </a:r>
+            <a:r>
+              <a:rPr lang="ko-KR" sz="1400" b="0" u="none" strike="noStrike">
+                <a:solidFill>
+                  <a:srgbClr val="FFFF00"/>
+                </a:solidFill>
+                <a:effectLst/>
+                <a:uFillTx/>
+                <a:latin typeface="맑은 고딕"/>
+                <a:ea typeface="맑은 고딕"/>
+              </a:rPr>
+              <a:t>메일박스로 던져주는 클래스</a:t>
+            </a:r>
+            <a:r>
+              <a:rPr lang="en-US" sz="1400" b="0" u="none" strike="noStrike">
+                <a:solidFill>
+                  <a:srgbClr val="FFFF00"/>
+                </a:solidFill>
+                <a:effectLst/>
+                <a:uFillTx/>
+                <a:latin typeface="맑은 고딕"/>
+                <a:ea typeface="맑은 고딕"/>
+              </a:rPr>
+              <a:t>.</a:t>
+            </a:r>
+            <a:endParaRPr lang="en-US" sz="1400" b="0" u="none" strike="noStrike">
+              <a:solidFill>
+                <a:srgbClr val="000000"/>
+              </a:solidFill>
+              <a:effectLst/>
+              <a:uFillTx/>
+              <a:latin typeface="맑은 고딕"/>
+            </a:endParaRPr>
+          </a:p>
+        </p:txBody>
+      </p:sp>
+      <p:sp>
+        <p:nvSpPr>
+          <p:cNvPr id="61" name="PlaceHolder 2"/>
+          <p:cNvSpPr>
+            <a:spLocks noGrp="1"/>
+          </p:cNvSpPr>
+          <p:nvPr>
+            <p:ph/>
+          </p:nvPr>
+        </p:nvSpPr>
+        <p:spPr>
+          <a:xfrm>
+            <a:off x="5142600" y="3414600"/>
+            <a:ext cx="6840000" cy="540000"/>
+          </a:xfrm>
+          <a:prstGeom prst="rect">
+            <a:avLst/>
+          </a:prstGeom>
+          <a:noFill/>
+          <a:ln w="12600">
+            <a:noFill/>
+          </a:ln>
+        </p:spPr>
+        <p:txBody>
+          <a:bodyPr lIns="0" tIns="0" rIns="0" bIns="0" anchor="t">
+            <a:normAutofit/>
+          </a:bodyPr>
+          <a:lstStyle/>
           <a:p>
             <a:pPr indent="0">
               <a:lnSpc>
@@ -6595,57 +7827,21 @@
               </a:spcBef>
             </a:pPr>
             <a:r>
-              <a:rPr b="0" lang="en-US" sz="1600" strike="noStrike" u="none">
-                <a:solidFill>
-                  <a:srgbClr val="ffff00"/>
-                </a:solidFill>
-                <a:effectLst/>
-                <a:uFillTx/>
-                <a:latin typeface="맑은 고딕"/>
-                <a:ea typeface="맑은 고딕"/>
-              </a:rPr>
-              <a:t>DRIVER: </a:t>
-            </a:r>
-            <a:r>
-              <a:rPr b="0" lang="ko-KR" sz="1600" strike="noStrike" u="none">
-                <a:solidFill>
-                  <a:srgbClr val="ffff00"/>
-                </a:solidFill>
-                <a:effectLst/>
-                <a:uFillTx/>
-                <a:latin typeface="맑은 고딕"/>
-                <a:ea typeface="맑은 고딕"/>
-              </a:rPr>
-              <a:t>인터페이스에 접근</a:t>
-            </a:r>
-            <a:r>
-              <a:rPr b="0" lang="en-US" sz="1600" strike="noStrike" u="none">
-                <a:solidFill>
-                  <a:srgbClr val="ffff00"/>
-                </a:solidFill>
-                <a:effectLst/>
-                <a:uFillTx/>
-                <a:latin typeface="맑은 고딕"/>
-                <a:ea typeface="맑은 고딕"/>
-              </a:rPr>
-              <a:t>, </a:t>
-            </a:r>
-            <a:r>
-              <a:rPr b="0" lang="ko-KR" sz="1600" strike="noStrike" u="none">
-                <a:solidFill>
-                  <a:srgbClr val="ffff00"/>
-                </a:solidFill>
-                <a:effectLst/>
-                <a:uFillTx/>
-                <a:latin typeface="맑은 고딕"/>
-                <a:ea typeface="맑은 고딕"/>
-              </a:rPr>
-              <a:t>물리 모듈을 동작시키는 클래스</a:t>
-            </a:r>
-            <a:r>
-              <a:rPr b="0" lang="en-US" sz="1600" strike="noStrike" u="none">
-                <a:solidFill>
-                  <a:srgbClr val="ffff00"/>
+              <a:rPr lang="ko-KR" sz="1600" b="0" u="none" strike="noStrike">
+                <a:solidFill>
+                  <a:srgbClr val="FFFF00"/>
+                </a:solidFill>
+                <a:effectLst/>
+                <a:uFillTx/>
+                <a:latin typeface="맑은 고딕"/>
+                <a:ea typeface="맑은 고딕"/>
+              </a:rPr>
+              <a:t>랜덤한 값의 조합을 시뮬레이션한다</a:t>
+            </a:r>
+            <a:r>
+              <a:rPr lang="en-US" sz="1600" b="0" u="none" strike="noStrike">
+                <a:solidFill>
+                  <a:srgbClr val="FFFF00"/>
                 </a:solidFill>
                 <a:effectLst/>
                 <a:uFillTx/>
@@ -6654,49 +7850,7 @@
               </a:rPr>
               <a:t>.</a:t>
             </a:r>
-            <a:endParaRPr b="0" lang="en-US" sz="1600" strike="noStrike" u="none">
-              <a:solidFill>
-                <a:srgbClr val="000000"/>
-              </a:solidFill>
-              <a:effectLst/>
-              <a:uFillTx/>
-              <a:latin typeface="맑은 고딕"/>
-            </a:endParaRPr>
-          </a:p>
-          <a:p>
-            <a:pPr indent="0">
-              <a:lnSpc>
-                <a:spcPct val="100000"/>
-              </a:lnSpc>
-              <a:spcBef>
-                <a:spcPts val="1414"/>
-              </a:spcBef>
-            </a:pPr>
-            <a:r>
-              <a:rPr b="0" lang="ko-KR" sz="1600" strike="noStrike" u="none">
-                <a:solidFill>
-                  <a:srgbClr val="ffff00"/>
-                </a:solidFill>
-                <a:effectLst/>
-                <a:uFillTx/>
-                <a:latin typeface="맑은 고딕"/>
-                <a:ea typeface="맑은 고딕"/>
-              </a:rPr>
-              <a:t>이 과정에서 인터페이스상 출력이 결정된다</a:t>
-            </a:r>
-            <a:r>
-              <a:rPr b="0" lang="en-US" sz="1600" strike="noStrike" u="none">
-                <a:solidFill>
-                  <a:srgbClr val="ffff00"/>
-                </a:solidFill>
-                <a:effectLst/>
-                <a:uFillTx/>
-                <a:latin typeface="맑은 고딕"/>
-                <a:ea typeface="맑은 고딕"/>
-              </a:rPr>
-              <a:t>.</a:t>
-            </a:r>
-            <a:endParaRPr b="0" lang="en-US" sz="1600" strike="noStrike" u="none">
+            <a:endParaRPr lang="en-US" sz="1600" b="0" u="none" strike="noStrike">
               <a:solidFill>
                 <a:srgbClr val="000000"/>
               </a:solidFill>
@@ -6707,224 +7861,24 @@
           </a:p>
         </p:txBody>
       </p:sp>
-      <p:sp>
-        <p:nvSpPr>
-          <p:cNvPr id="65" name="PlaceHolder 2"/>
-          <p:cNvSpPr>
-            <a:spLocks noGrp="1"/>
-          </p:cNvSpPr>
-          <p:nvPr>
-            <p:ph/>
-          </p:nvPr>
-        </p:nvSpPr>
-        <p:spPr>
-          <a:xfrm>
-            <a:off x="3240000" y="2340000"/>
-            <a:ext cx="6840000" cy="540000"/>
-          </a:xfrm>
-          <a:prstGeom prst="rect">
-            <a:avLst/>
-          </a:prstGeom>
-          <a:noFill/>
-          <a:ln w="12600">
-            <a:noFill/>
-          </a:ln>
-        </p:spPr>
-        <p:txBody>
-          <a:bodyPr lIns="0" rIns="0" tIns="0" bIns="0" anchor="t">
-            <a:normAutofit/>
-          </a:bodyPr>
-          <a:p>
-            <a:pPr indent="0">
-              <a:lnSpc>
-                <a:spcPct val="100000"/>
-              </a:lnSpc>
-              <a:spcBef>
-                <a:spcPts val="1414"/>
-              </a:spcBef>
-            </a:pPr>
-            <a:r>
-              <a:rPr b="0" lang="en-US" sz="1600" strike="noStrike" u="none">
-                <a:solidFill>
-                  <a:srgbClr val="ffff00"/>
-                </a:solidFill>
-                <a:effectLst/>
-                <a:uFillTx/>
-                <a:latin typeface="맑은 고딕"/>
-                <a:ea typeface="맑은 고딕"/>
-              </a:rPr>
-              <a:t>PEN</a:t>
-            </a:r>
-            <a:r>
-              <a:rPr b="0" lang="ko-KR" sz="1600" strike="noStrike" u="none">
-                <a:solidFill>
-                  <a:srgbClr val="ffff00"/>
-                </a:solidFill>
-                <a:effectLst/>
-                <a:uFillTx/>
-                <a:latin typeface="맑은 고딕"/>
-                <a:ea typeface="맑은 고딕"/>
-              </a:rPr>
-              <a:t>을 최초에 </a:t>
-            </a:r>
-            <a:r>
-              <a:rPr b="0" lang="en-US" sz="1600" strike="noStrike" u="none">
-                <a:solidFill>
-                  <a:srgbClr val="ffff00"/>
-                </a:solidFill>
-                <a:effectLst/>
-                <a:uFillTx/>
-                <a:latin typeface="맑은 고딕"/>
-                <a:ea typeface="맑은 고딕"/>
-              </a:rPr>
-              <a:t>0</a:t>
-            </a:r>
-            <a:r>
-              <a:rPr b="0" lang="ko-KR" sz="1600" strike="noStrike" u="none">
-                <a:solidFill>
-                  <a:srgbClr val="ffff00"/>
-                </a:solidFill>
-                <a:effectLst/>
-                <a:uFillTx/>
-                <a:latin typeface="맑은 고딕"/>
-                <a:ea typeface="맑은 고딕"/>
-              </a:rPr>
-              <a:t>을 주고 값을 설정한 뒤 다음상태</a:t>
-            </a:r>
-            <a:r>
-              <a:rPr b="0" lang="en-US" sz="1600" strike="noStrike" u="none">
-                <a:solidFill>
-                  <a:srgbClr val="ffff00"/>
-                </a:solidFill>
-                <a:effectLst/>
-                <a:uFillTx/>
-                <a:latin typeface="맑은 고딕"/>
-                <a:ea typeface="맑은 고딕"/>
-              </a:rPr>
-              <a:t>(Acces)</a:t>
-            </a:r>
-            <a:r>
-              <a:rPr b="0" lang="ko-KR" sz="1600" strike="noStrike" u="none">
-                <a:solidFill>
-                  <a:srgbClr val="ffff00"/>
-                </a:solidFill>
-                <a:effectLst/>
-                <a:uFillTx/>
-                <a:latin typeface="맑은 고딕"/>
-                <a:ea typeface="맑은 고딕"/>
-              </a:rPr>
-              <a:t>에 들어가면 </a:t>
-            </a:r>
-            <a:r>
-              <a:rPr b="0" lang="en-US" sz="1600" strike="noStrike" u="none">
-                <a:solidFill>
-                  <a:srgbClr val="ffff00"/>
-                </a:solidFill>
-                <a:effectLst/>
-                <a:uFillTx/>
-                <a:latin typeface="맑은 고딕"/>
-                <a:ea typeface="맑은 고딕"/>
-              </a:rPr>
-              <a:t>PEN</a:t>
-            </a:r>
-            <a:r>
-              <a:rPr b="0" lang="ko-KR" sz="1600" strike="noStrike" u="none">
-                <a:solidFill>
-                  <a:srgbClr val="ffff00"/>
-                </a:solidFill>
-                <a:effectLst/>
-                <a:uFillTx/>
-                <a:latin typeface="맑은 고딕"/>
-                <a:ea typeface="맑은 고딕"/>
-              </a:rPr>
-              <a:t>을 </a:t>
-            </a:r>
-            <a:r>
-              <a:rPr b="0" lang="en-US" sz="1600" strike="noStrike" u="none">
-                <a:solidFill>
-                  <a:srgbClr val="ffff00"/>
-                </a:solidFill>
-                <a:effectLst/>
-                <a:uFillTx/>
-                <a:latin typeface="맑은 고딕"/>
-                <a:ea typeface="맑은 고딕"/>
-              </a:rPr>
-              <a:t>1</a:t>
-            </a:r>
-            <a:r>
-              <a:rPr b="0" lang="ko-KR" sz="1600" strike="noStrike" u="none">
-                <a:solidFill>
-                  <a:srgbClr val="ffff00"/>
-                </a:solidFill>
-                <a:effectLst/>
-                <a:uFillTx/>
-                <a:latin typeface="맑은 고딕"/>
-                <a:ea typeface="맑은 고딕"/>
-              </a:rPr>
-              <a:t>을 줘서 값을 쓴다</a:t>
-            </a:r>
-            <a:r>
-              <a:rPr b="0" lang="en-US" sz="1600" strike="noStrike" u="none">
-                <a:solidFill>
-                  <a:srgbClr val="ffff00"/>
-                </a:solidFill>
-                <a:effectLst/>
-                <a:uFillTx/>
-                <a:latin typeface="맑은 고딕"/>
-                <a:ea typeface="맑은 고딕"/>
-              </a:rPr>
-              <a:t>.</a:t>
-            </a:r>
-            <a:endParaRPr b="0" lang="en-US" sz="1600" strike="noStrike" u="none">
-              <a:solidFill>
-                <a:srgbClr val="000000"/>
-              </a:solidFill>
-              <a:effectLst/>
-              <a:uFillTx/>
-              <a:latin typeface="맑은 고딕"/>
-            </a:endParaRPr>
-          </a:p>
-        </p:txBody>
-      </p:sp>
-      <p:pic>
-        <p:nvPicPr>
-          <p:cNvPr id="66" name="" descr=""/>
-          <p:cNvPicPr/>
-          <p:nvPr/>
-        </p:nvPicPr>
-        <p:blipFill>
-          <a:blip r:embed="rId2"/>
-          <a:stretch/>
-        </p:blipFill>
-        <p:spPr>
-          <a:xfrm>
-            <a:off x="6120000" y="3004560"/>
-            <a:ext cx="3915720" cy="2713680"/>
-          </a:xfrm>
-          <a:prstGeom prst="rect">
-            <a:avLst/>
-          </a:prstGeom>
-          <a:noFill/>
-          <a:ln w="12600">
-            <a:noFill/>
-          </a:ln>
-        </p:spPr>
-      </p:pic>
     </p:spTree>
   </p:cSld>
-  <mc:AlternateContent>
+  <p:clrMapOvr>
+    <a:masterClrMapping/>
+  </p:clrMapOvr>
+  <mc:AlternateContent xmlns:mc="http://schemas.openxmlformats.org/markup-compatibility/2006" xmlns:p14="http://schemas.microsoft.com/office/powerpoint/2010/main">
     <mc:Choice Requires="p14">
       <p:transition spd="slow" p14:dur="3000"/>
     </mc:Choice>
-    <mc:Fallback>
+    <mc:Fallback xmlns:p15="http://schemas.microsoft.com/office/powerpoint/2012/main" xmlns="">
       <p:transition spd="slow"/>
     </mc:Fallback>
   </mc:AlternateContent>
 </p:sld>
 </file>
 
-<file path=ppt/slides/slide6.xml><?xml version="1.0" encoding="utf-8"?>
-<p:sld xmlns:a="http://schemas.openxmlformats.org/drawingml/2006/main" xmlns:p="http://schemas.openxmlformats.org/presentationml/2006/main" xmlns:r="http://schemas.openxmlformats.org/officeDocument/2006/relationships" xmlns:p14="http://schemas.microsoft.com/office/powerpoint/2010/main" xmlns:p15="http://schemas.microsoft.com/office/powerpoint/2012/main" xmlns:mc="http://schemas.openxmlformats.org/markup-compatibility/2006">
+<file path=ppt/slides/slide5.xml><?xml version="1.0" encoding="utf-8"?>
+<p:sld xmlns:a="http://schemas.openxmlformats.org/drawingml/2006/main" xmlns:r="http://schemas.openxmlformats.org/officeDocument/2006/relationships" xmlns:p="http://schemas.openxmlformats.org/presentationml/2006/main">
   <p:cSld>
     <p:spTree>
       <p:nvGrpSpPr>
@@ -6942,7 +7896,7 @@
       </p:grpSpPr>
       <p:sp>
         <p:nvSpPr>
-          <p:cNvPr id="67" name="자유형 1"/>
+          <p:cNvPr id="62" name="자유형 1"/>
           <p:cNvSpPr/>
           <p:nvPr/>
         </p:nvSpPr>
@@ -6988,24 +7942,31 @@
           </a:solidFill>
           <a:ln w="0">
             <a:solidFill>
-              <a:srgbClr val="3465a4"/>
+              <a:srgbClr val="3465A4"/>
             </a:solidFill>
           </a:ln>
         </p:spPr>
         <p:style>
-          <a:lnRef idx="0"/>
-          <a:fillRef idx="0"/>
-          <a:effectRef idx="0"/>
+          <a:lnRef idx="0">
+            <a:scrgbClr r="0" g="0" b="0"/>
+          </a:lnRef>
+          <a:fillRef idx="0">
+            <a:scrgbClr r="0" g="0" b="0"/>
+          </a:fillRef>
+          <a:effectRef idx="0">
+            <a:scrgbClr r="0" g="0" b="0"/>
+          </a:effectRef>
           <a:fontRef idx="minor"/>
         </p:style>
         <p:txBody>
-          <a:bodyPr lIns="90000" rIns="90000" tIns="45000" bIns="45000" anchor="ctr">
+          <a:bodyPr lIns="90000" tIns="45000" rIns="90000" bIns="45000" anchor="ctr">
             <a:noAutofit/>
           </a:bodyPr>
-          <a:p>
-            <a:endParaRPr b="0" lang="en-US" sz="1800" strike="noStrike" u="none">
-              <a:solidFill>
-                <a:srgbClr val="ffffff"/>
+          <a:lstStyle/>
+          <a:p>
+            <a:endParaRPr lang="en-US" sz="1800" b="0" u="none" strike="noStrike">
+              <a:solidFill>
+                <a:srgbClr val="FFFFFF"/>
               </a:solidFill>
               <a:effectLst/>
               <a:uFillTx/>
@@ -7016,18 +7977,18 @@
       </p:sp>
       <p:pic>
         <p:nvPicPr>
-          <p:cNvPr id="68" name="" descr=""/>
+          <p:cNvPr id="63" name="그림 62"/>
           <p:cNvPicPr/>
           <p:nvPr/>
         </p:nvPicPr>
         <p:blipFill>
-          <a:blip r:embed="rId1"/>
+          <a:blip r:embed="rId3"/>
           <a:stretch/>
         </p:blipFill>
         <p:spPr>
           <a:xfrm>
-            <a:off x="12240" y="-360"/>
-            <a:ext cx="4127760" cy="5669640"/>
+            <a:off x="0" y="-360"/>
+            <a:ext cx="4352040" cy="5669640"/>
           </a:xfrm>
           <a:prstGeom prst="rect">
             <a:avLst/>
@@ -7040,7 +8001,7 @@
       </p:pic>
       <p:sp>
         <p:nvSpPr>
-          <p:cNvPr id="69" name="PlaceHolder 1"/>
+          <p:cNvPr id="64" name="PlaceHolder 1"/>
           <p:cNvSpPr>
             <a:spLocks noGrp="1"/>
           </p:cNvSpPr>
@@ -7062,9 +8023,10 @@
           </a:ln>
         </p:spPr>
         <p:txBody>
-          <a:bodyPr lIns="0" rIns="0" tIns="0" bIns="0" anchor="t">
+          <a:bodyPr lIns="0" tIns="0" rIns="0" bIns="0" anchor="t">
             <a:normAutofit/>
           </a:bodyPr>
+          <a:lstStyle/>
           <a:p>
             <a:pPr indent="0">
               <a:lnSpc>
@@ -7075,9 +8037,9 @@
               </a:spcBef>
             </a:pPr>
             <a:r>
-              <a:rPr b="0" lang="en-US" sz="1600" strike="noStrike" u="none">
-                <a:solidFill>
-                  <a:srgbClr val="ffff00"/>
+              <a:rPr lang="en-US" sz="1600" b="0" u="none" strike="noStrike">
+                <a:solidFill>
+                  <a:srgbClr val="FFFF00"/>
                 </a:solidFill>
                 <a:effectLst/>
                 <a:uFillTx/>
@@ -7087,79 +8049,62 @@
               <a:t>DRIVER: </a:t>
             </a:r>
             <a:r>
-              <a:rPr b="0" lang="ko-KR" sz="1600" strike="noStrike" u="none">
-                <a:solidFill>
-                  <a:srgbClr val="ffff00"/>
-                </a:solidFill>
-                <a:effectLst/>
-                <a:uFillTx/>
-                <a:latin typeface="맑은 고딕"/>
-                <a:ea typeface="맑은 고딕"/>
-              </a:rPr>
-              <a:t>물리 모듈 동작 이후의 인터페이스를 캡처하는 클래스</a:t>
-            </a:r>
-            <a:endParaRPr b="0" lang="en-US" sz="1600" strike="noStrike" u="none">
-              <a:solidFill>
-                <a:srgbClr val="000000"/>
-              </a:solidFill>
-              <a:effectLst/>
-              <a:uFillTx/>
-              <a:latin typeface="맑은 고딕"/>
-            </a:endParaRPr>
-          </a:p>
-        </p:txBody>
-      </p:sp>
-      <p:pic>
-        <p:nvPicPr>
-          <p:cNvPr id="70" name="" descr=""/>
-          <p:cNvPicPr/>
-          <p:nvPr/>
-        </p:nvPicPr>
-        <p:blipFill>
-          <a:blip r:embed="rId2"/>
-          <a:stretch/>
-        </p:blipFill>
-        <p:spPr>
-          <a:xfrm>
-            <a:off x="6120360" y="3004560"/>
-            <a:ext cx="3915720" cy="2713680"/>
-          </a:xfrm>
-          <a:prstGeom prst="rect">
-            <a:avLst/>
-          </a:prstGeom>
-          <a:noFill/>
-          <a:ln w="12600">
-            <a:noFill/>
-          </a:ln>
-        </p:spPr>
-      </p:pic>
-      <p:sp>
-        <p:nvSpPr>
-          <p:cNvPr id="71" name="PlaceHolder 2"/>
-          <p:cNvSpPr>
-            <a:spLocks noGrp="1"/>
-          </p:cNvSpPr>
-          <p:nvPr>
-            <p:ph/>
-          </p:nvPr>
-        </p:nvSpPr>
-        <p:spPr>
-          <a:xfrm>
-            <a:off x="3240000" y="2520000"/>
-            <a:ext cx="6840000" cy="720000"/>
-          </a:xfrm>
-          <a:prstGeom prst="rect">
-            <a:avLst/>
-          </a:prstGeom>
-          <a:noFill/>
-          <a:ln w="12600">
-            <a:noFill/>
-          </a:ln>
-        </p:spPr>
-        <p:txBody>
-          <a:bodyPr lIns="0" rIns="0" tIns="0" bIns="0" anchor="t">
-            <a:normAutofit/>
-          </a:bodyPr>
+              <a:rPr lang="ko-KR" sz="1600" b="0" u="none" strike="noStrike">
+                <a:solidFill>
+                  <a:srgbClr val="FFFF00"/>
+                </a:solidFill>
+                <a:effectLst/>
+                <a:uFillTx/>
+                <a:latin typeface="맑은 고딕"/>
+                <a:ea typeface="맑은 고딕"/>
+              </a:rPr>
+              <a:t>인터페이스에 접근</a:t>
+            </a:r>
+            <a:r>
+              <a:rPr lang="en-US" sz="1600" b="0" u="none" strike="noStrike">
+                <a:solidFill>
+                  <a:srgbClr val="FFFF00"/>
+                </a:solidFill>
+                <a:effectLst/>
+                <a:uFillTx/>
+                <a:latin typeface="맑은 고딕"/>
+                <a:ea typeface="맑은 고딕"/>
+              </a:rPr>
+              <a:t>, </a:t>
+            </a:r>
+            <a:r>
+              <a:rPr lang="ko-KR" sz="1600" b="0" u="none" strike="noStrike">
+                <a:solidFill>
+                  <a:srgbClr val="FFFF00"/>
+                </a:solidFill>
+                <a:effectLst/>
+                <a:uFillTx/>
+                <a:latin typeface="맑은 고딕"/>
+                <a:ea typeface="맑은 고딕"/>
+              </a:rPr>
+              <a:t>물리 모듈을 동작시키는 클래스</a:t>
+            </a:r>
+            <a:r>
+              <a:rPr lang="en-US" sz="1600" b="0" u="none" strike="noStrike">
+                <a:solidFill>
+                  <a:srgbClr val="FFFF00"/>
+                </a:solidFill>
+                <a:effectLst/>
+                <a:uFillTx/>
+                <a:latin typeface="맑은 고딕"/>
+                <a:ea typeface="맑은 고딕"/>
+              </a:rPr>
+              <a:t>.</a:t>
+            </a:r>
+            <a:endParaRPr lang="en-US" sz="1600" b="0" u="none" strike="noStrike">
+              <a:solidFill>
+                <a:srgbClr val="000000"/>
+              </a:solidFill>
+              <a:effectLst/>
+              <a:uFillTx/>
+              <a:latin typeface="맑은 고딕"/>
+            </a:endParaRPr>
+          </a:p>
           <a:p>
             <a:pPr indent="0">
               <a:lnSpc>
@@ -7170,81 +8115,21 @@
               </a:spcBef>
             </a:pPr>
             <a:r>
-              <a:rPr b="0" lang="en-US" sz="1600" strike="noStrike" u="none">
-                <a:solidFill>
-                  <a:srgbClr val="ffff00"/>
-                </a:solidFill>
-                <a:effectLst/>
-                <a:uFillTx/>
-                <a:latin typeface="맑은 고딕"/>
-                <a:ea typeface="맑은 고딕"/>
-              </a:rPr>
-              <a:t>PPREADY </a:t>
-            </a:r>
-            <a:r>
-              <a:rPr b="0" lang="ko-KR" sz="1600" strike="noStrike" u="none">
-                <a:solidFill>
-                  <a:srgbClr val="ffff00"/>
-                </a:solidFill>
-                <a:effectLst/>
-                <a:uFillTx/>
-                <a:latin typeface="맑은 고딕"/>
-                <a:ea typeface="맑은 고딕"/>
-              </a:rPr>
-              <a:t>이후</a:t>
-            </a:r>
-            <a:r>
-              <a:rPr b="0" lang="en-US" sz="1600" strike="noStrike" u="none">
-                <a:solidFill>
-                  <a:srgbClr val="ffff00"/>
-                </a:solidFill>
-                <a:effectLst/>
-                <a:uFillTx/>
-                <a:latin typeface="맑은 고딕"/>
-                <a:ea typeface="맑은 고딕"/>
-              </a:rPr>
-              <a:t>(PP</a:t>
-            </a:r>
-            <a:r>
-              <a:rPr b="0" lang="ko-KR" sz="1600" strike="noStrike" u="none">
-                <a:solidFill>
-                  <a:srgbClr val="ffff00"/>
-                </a:solidFill>
-                <a:effectLst/>
-                <a:uFillTx/>
-                <a:latin typeface="맑은 고딕"/>
-                <a:ea typeface="맑은 고딕"/>
-              </a:rPr>
-              <a:t>동작 이후</a:t>
-            </a:r>
-            <a:r>
-              <a:rPr b="0" lang="en-US" sz="1600" strike="noStrike" u="none">
-                <a:solidFill>
-                  <a:srgbClr val="ffff00"/>
-                </a:solidFill>
-                <a:effectLst/>
-                <a:uFillTx/>
-                <a:latin typeface="맑은 고딕"/>
-                <a:ea typeface="맑은 고딕"/>
-              </a:rPr>
-              <a:t>) </a:t>
-            </a:r>
-            <a:r>
-              <a:rPr b="0" lang="ko-KR" sz="1600" strike="noStrike" u="none">
-                <a:solidFill>
-                  <a:srgbClr val="ffff00"/>
-                </a:solidFill>
-                <a:effectLst/>
-                <a:uFillTx/>
-                <a:latin typeface="맑은 고딕"/>
-                <a:ea typeface="맑은 고딕"/>
-              </a:rPr>
-              <a:t>값을 캡쳐한다</a:t>
-            </a:r>
-            <a:r>
-              <a:rPr b="0" lang="en-US" sz="1600" strike="noStrike" u="none">
-                <a:solidFill>
-                  <a:srgbClr val="ffff00"/>
+              <a:rPr lang="ko-KR" sz="1600" b="0" u="none" strike="noStrike">
+                <a:solidFill>
+                  <a:srgbClr val="FFFF00"/>
+                </a:solidFill>
+                <a:effectLst/>
+                <a:uFillTx/>
+                <a:latin typeface="맑은 고딕"/>
+                <a:ea typeface="맑은 고딕"/>
+              </a:rPr>
+              <a:t>이 과정에서 인터페이스상 출력이 결정된다</a:t>
+            </a:r>
+            <a:r>
+              <a:rPr lang="en-US" sz="1600" b="0" u="none" strike="noStrike">
+                <a:solidFill>
+                  <a:srgbClr val="FFFF00"/>
                 </a:solidFill>
                 <a:effectLst/>
                 <a:uFillTx/>
@@ -7253,7 +8138,7 @@
               </a:rPr>
               <a:t>.</a:t>
             </a:r>
-            <a:endParaRPr b="0" lang="en-US" sz="1600" strike="noStrike" u="none">
+            <a:endParaRPr lang="en-US" sz="1600" b="0" u="none" strike="noStrike">
               <a:solidFill>
                 <a:srgbClr val="000000"/>
               </a:solidFill>
@@ -7264,21 +8149,228 @@
           </a:p>
         </p:txBody>
       </p:sp>
+      <p:sp>
+        <p:nvSpPr>
+          <p:cNvPr id="65" name="PlaceHolder 2"/>
+          <p:cNvSpPr>
+            <a:spLocks noGrp="1"/>
+          </p:cNvSpPr>
+          <p:nvPr>
+            <p:ph/>
+          </p:nvPr>
+        </p:nvSpPr>
+        <p:spPr>
+          <a:xfrm>
+            <a:off x="3240000" y="2340000"/>
+            <a:ext cx="6840000" cy="540000"/>
+          </a:xfrm>
+          <a:prstGeom prst="rect">
+            <a:avLst/>
+          </a:prstGeom>
+          <a:noFill/>
+          <a:ln w="12600">
+            <a:noFill/>
+          </a:ln>
+        </p:spPr>
+        <p:txBody>
+          <a:bodyPr lIns="0" tIns="0" rIns="0" bIns="0" anchor="t">
+            <a:normAutofit/>
+          </a:bodyPr>
+          <a:lstStyle/>
+          <a:p>
+            <a:pPr indent="0">
+              <a:lnSpc>
+                <a:spcPct val="100000"/>
+              </a:lnSpc>
+              <a:spcBef>
+                <a:spcPts val="1414"/>
+              </a:spcBef>
+            </a:pPr>
+            <a:r>
+              <a:rPr lang="en-US" sz="1600" b="0" u="none" strike="noStrike">
+                <a:solidFill>
+                  <a:srgbClr val="FFFF00"/>
+                </a:solidFill>
+                <a:effectLst/>
+                <a:uFillTx/>
+                <a:latin typeface="맑은 고딕"/>
+                <a:ea typeface="맑은 고딕"/>
+              </a:rPr>
+              <a:t>PEN</a:t>
+            </a:r>
+            <a:r>
+              <a:rPr lang="ko-KR" sz="1600" b="0" u="none" strike="noStrike">
+                <a:solidFill>
+                  <a:srgbClr val="FFFF00"/>
+                </a:solidFill>
+                <a:effectLst/>
+                <a:uFillTx/>
+                <a:latin typeface="맑은 고딕"/>
+                <a:ea typeface="맑은 고딕"/>
+              </a:rPr>
+              <a:t>을 최초에 </a:t>
+            </a:r>
+            <a:r>
+              <a:rPr lang="en-US" sz="1600" b="0" u="none" strike="noStrike">
+                <a:solidFill>
+                  <a:srgbClr val="FFFF00"/>
+                </a:solidFill>
+                <a:effectLst/>
+                <a:uFillTx/>
+                <a:latin typeface="맑은 고딕"/>
+                <a:ea typeface="맑은 고딕"/>
+              </a:rPr>
+              <a:t>0</a:t>
+            </a:r>
+            <a:r>
+              <a:rPr lang="ko-KR" sz="1600" b="0" u="none" strike="noStrike">
+                <a:solidFill>
+                  <a:srgbClr val="FFFF00"/>
+                </a:solidFill>
+                <a:effectLst/>
+                <a:uFillTx/>
+                <a:latin typeface="맑은 고딕"/>
+                <a:ea typeface="맑은 고딕"/>
+              </a:rPr>
+              <a:t>을 주고 값을 설정한 뒤 다음상태</a:t>
+            </a:r>
+            <a:r>
+              <a:rPr lang="en-US" sz="1600" b="0" u="none" strike="noStrike">
+                <a:solidFill>
+                  <a:srgbClr val="FFFF00"/>
+                </a:solidFill>
+                <a:effectLst/>
+                <a:uFillTx/>
+                <a:latin typeface="맑은 고딕"/>
+                <a:ea typeface="맑은 고딕"/>
+              </a:rPr>
+              <a:t>(Acces)</a:t>
+            </a:r>
+            <a:r>
+              <a:rPr lang="ko-KR" sz="1600" b="0" u="none" strike="noStrike">
+                <a:solidFill>
+                  <a:srgbClr val="FFFF00"/>
+                </a:solidFill>
+                <a:effectLst/>
+                <a:uFillTx/>
+                <a:latin typeface="맑은 고딕"/>
+                <a:ea typeface="맑은 고딕"/>
+              </a:rPr>
+              <a:t>에 들어가면 </a:t>
+            </a:r>
+            <a:r>
+              <a:rPr lang="en-US" sz="1600" b="0" u="none" strike="noStrike">
+                <a:solidFill>
+                  <a:srgbClr val="FFFF00"/>
+                </a:solidFill>
+                <a:effectLst/>
+                <a:uFillTx/>
+                <a:latin typeface="맑은 고딕"/>
+                <a:ea typeface="맑은 고딕"/>
+              </a:rPr>
+              <a:t>PEN</a:t>
+            </a:r>
+            <a:r>
+              <a:rPr lang="ko-KR" sz="1600" b="0" u="none" strike="noStrike">
+                <a:solidFill>
+                  <a:srgbClr val="FFFF00"/>
+                </a:solidFill>
+                <a:effectLst/>
+                <a:uFillTx/>
+                <a:latin typeface="맑은 고딕"/>
+                <a:ea typeface="맑은 고딕"/>
+              </a:rPr>
+              <a:t>을 </a:t>
+            </a:r>
+            <a:r>
+              <a:rPr lang="en-US" sz="1600" b="0" u="none" strike="noStrike">
+                <a:solidFill>
+                  <a:srgbClr val="FFFF00"/>
+                </a:solidFill>
+                <a:effectLst/>
+                <a:uFillTx/>
+                <a:latin typeface="맑은 고딕"/>
+                <a:ea typeface="맑은 고딕"/>
+              </a:rPr>
+              <a:t>1</a:t>
+            </a:r>
+            <a:r>
+              <a:rPr lang="ko-KR" sz="1600" b="0" u="none" strike="noStrike">
+                <a:solidFill>
+                  <a:srgbClr val="FFFF00"/>
+                </a:solidFill>
+                <a:effectLst/>
+                <a:uFillTx/>
+                <a:latin typeface="맑은 고딕"/>
+                <a:ea typeface="맑은 고딕"/>
+              </a:rPr>
+              <a:t>을 줘서 값을 쓴다</a:t>
+            </a:r>
+            <a:r>
+              <a:rPr lang="en-US" sz="1600" b="0" u="none" strike="noStrike">
+                <a:solidFill>
+                  <a:srgbClr val="FFFF00"/>
+                </a:solidFill>
+                <a:effectLst/>
+                <a:uFillTx/>
+                <a:latin typeface="맑은 고딕"/>
+                <a:ea typeface="맑은 고딕"/>
+              </a:rPr>
+              <a:t>.</a:t>
+            </a:r>
+            <a:endParaRPr lang="en-US" sz="1600" b="0" u="none" strike="noStrike">
+              <a:solidFill>
+                <a:srgbClr val="000000"/>
+              </a:solidFill>
+              <a:effectLst/>
+              <a:uFillTx/>
+              <a:latin typeface="맑은 고딕"/>
+            </a:endParaRPr>
+          </a:p>
+        </p:txBody>
+      </p:sp>
+      <p:pic>
+        <p:nvPicPr>
+          <p:cNvPr id="66" name="그림 65"/>
+          <p:cNvPicPr/>
+          <p:nvPr/>
+        </p:nvPicPr>
+        <p:blipFill>
+          <a:blip r:embed="rId4"/>
+          <a:stretch/>
+        </p:blipFill>
+        <p:spPr>
+          <a:xfrm>
+            <a:off x="6120000" y="3004560"/>
+            <a:ext cx="3915720" cy="2713680"/>
+          </a:xfrm>
+          <a:prstGeom prst="rect">
+            <a:avLst/>
+          </a:prstGeom>
+          <a:noFill/>
+          <a:ln w="12600">
+            <a:noFill/>
+          </a:ln>
+        </p:spPr>
+      </p:pic>
     </p:spTree>
   </p:cSld>
-  <mc:AlternateContent>
+  <p:clrMapOvr>
+    <a:masterClrMapping/>
+  </p:clrMapOvr>
+  <mc:AlternateContent xmlns:mc="http://schemas.openxmlformats.org/markup-compatibility/2006" xmlns:p14="http://schemas.microsoft.com/office/powerpoint/2010/main">
     <mc:Choice Requires="p14">
       <p:transition spd="slow" p14:dur="3000"/>
     </mc:Choice>
-    <mc:Fallback>
+    <mc:Fallback xmlns:p15="http://schemas.microsoft.com/office/powerpoint/2012/main" xmlns="">
       <p:transition spd="slow"/>
     </mc:Fallback>
   </mc:AlternateContent>
 </p:sld>
 </file>
 
-<file path=ppt/slides/slide7.xml><?xml version="1.0" encoding="utf-8"?>
-<p:sld xmlns:a="http://schemas.openxmlformats.org/drawingml/2006/main" xmlns:p="http://schemas.openxmlformats.org/presentationml/2006/main" xmlns:r="http://schemas.openxmlformats.org/officeDocument/2006/relationships" xmlns:p14="http://schemas.microsoft.com/office/powerpoint/2010/main" xmlns:p15="http://schemas.microsoft.com/office/powerpoint/2012/main" xmlns:mc="http://schemas.openxmlformats.org/markup-compatibility/2006">
+<file path=ppt/slides/slide6.xml><?xml version="1.0" encoding="utf-8"?>
+<p:sld xmlns:a="http://schemas.openxmlformats.org/drawingml/2006/main" xmlns:r="http://schemas.openxmlformats.org/officeDocument/2006/relationships" xmlns:p="http://schemas.openxmlformats.org/presentationml/2006/main">
   <p:cSld>
     <p:spTree>
       <p:nvGrpSpPr>
@@ -7296,7 +8388,7 @@
       </p:grpSpPr>
       <p:sp>
         <p:nvSpPr>
-          <p:cNvPr id="72" name="자유형 1"/>
+          <p:cNvPr id="67" name="자유형 1"/>
           <p:cNvSpPr/>
           <p:nvPr/>
         </p:nvSpPr>
@@ -7342,24 +8434,31 @@
           </a:solidFill>
           <a:ln w="0">
             <a:solidFill>
-              <a:srgbClr val="3465a4"/>
+              <a:srgbClr val="3465A4"/>
             </a:solidFill>
           </a:ln>
         </p:spPr>
         <p:style>
-          <a:lnRef idx="0"/>
-          <a:fillRef idx="0"/>
-          <a:effectRef idx="0"/>
+          <a:lnRef idx="0">
+            <a:scrgbClr r="0" g="0" b="0"/>
+          </a:lnRef>
+          <a:fillRef idx="0">
+            <a:scrgbClr r="0" g="0" b="0"/>
+          </a:fillRef>
+          <a:effectRef idx="0">
+            <a:scrgbClr r="0" g="0" b="0"/>
+          </a:effectRef>
           <a:fontRef idx="minor"/>
         </p:style>
         <p:txBody>
-          <a:bodyPr lIns="90000" rIns="90000" tIns="45000" bIns="45000" anchor="ctr">
+          <a:bodyPr lIns="90000" tIns="45000" rIns="90000" bIns="45000" anchor="ctr">
             <a:noAutofit/>
           </a:bodyPr>
-          <a:p>
-            <a:endParaRPr b="0" lang="en-US" sz="1800" strike="noStrike" u="none">
-              <a:solidFill>
-                <a:srgbClr val="ffffff"/>
+          <a:lstStyle/>
+          <a:p>
+            <a:endParaRPr lang="en-US" sz="1800" b="0" u="none" strike="noStrike">
+              <a:solidFill>
+                <a:srgbClr val="FFFFFF"/>
               </a:solidFill>
               <a:effectLst/>
               <a:uFillTx/>
@@ -7370,19 +8469,18 @@
       </p:sp>
       <p:pic>
         <p:nvPicPr>
-          <p:cNvPr id="73" name="" descr=""/>
+          <p:cNvPr id="68" name="그림 67"/>
           <p:cNvPicPr/>
           <p:nvPr/>
         </p:nvPicPr>
         <p:blipFill>
-          <a:blip r:embed="rId1"/>
-          <a:srcRect l="0" t="0" r="0" b="39283"/>
+          <a:blip r:embed="rId3"/>
           <a:stretch/>
         </p:blipFill>
         <p:spPr>
           <a:xfrm>
-            <a:off x="6120" y="-360"/>
-            <a:ext cx="5028120" cy="5400360"/>
+            <a:off x="12240" y="-360"/>
+            <a:ext cx="4127760" cy="5669640"/>
           </a:xfrm>
           <a:prstGeom prst="rect">
             <a:avLst/>
@@ -7395,7 +8493,7 @@
       </p:pic>
       <p:sp>
         <p:nvSpPr>
-          <p:cNvPr id="74" name="PlaceHolder 1"/>
+          <p:cNvPr id="69" name="PlaceHolder 1"/>
           <p:cNvSpPr>
             <a:spLocks noGrp="1"/>
           </p:cNvSpPr>
@@ -7405,7 +8503,7 @@
         </p:nvSpPr>
         <p:spPr>
           <a:xfrm>
-            <a:off x="2340000" y="360000"/>
+            <a:off x="3240000" y="360000"/>
             <a:ext cx="6840000" cy="720000"/>
           </a:xfrm>
           <a:prstGeom prst="rect">
@@ -7417,9 +8515,10 @@
           </a:ln>
         </p:spPr>
         <p:txBody>
-          <a:bodyPr lIns="0" rIns="0" tIns="0" bIns="0" anchor="t">
+          <a:bodyPr lIns="0" tIns="0" rIns="0" bIns="0" anchor="t">
             <a:normAutofit/>
           </a:bodyPr>
+          <a:lstStyle/>
           <a:p>
             <a:pPr indent="0">
               <a:lnSpc>
@@ -7430,126 +8529,30 @@
               </a:spcBef>
             </a:pPr>
             <a:r>
-              <a:rPr b="0" lang="en-US" sz="1600" strike="noStrike" u="none">
-                <a:solidFill>
-                  <a:srgbClr val="ffff00"/>
-                </a:solidFill>
-                <a:effectLst/>
-                <a:uFillTx/>
-                <a:latin typeface="맑은 고딕"/>
-                <a:ea typeface="맑은 고딕"/>
-              </a:rPr>
-              <a:t>SCOREBOARD: M2S</a:t>
-            </a:r>
-            <a:r>
-              <a:rPr b="0" lang="ko-KR" sz="1600" strike="noStrike" u="none">
-                <a:solidFill>
-                  <a:srgbClr val="ffff00"/>
-                </a:solidFill>
-                <a:effectLst/>
-                <a:uFillTx/>
-                <a:latin typeface="맑은 고딕"/>
-                <a:ea typeface="맑은 고딕"/>
-              </a:rPr>
-              <a:t>메일박스속의 </a:t>
-            </a:r>
-            <a:r>
-              <a:rPr b="0" lang="en-US" sz="1600" strike="noStrike" u="none">
-                <a:solidFill>
-                  <a:srgbClr val="ffff00"/>
-                </a:solidFill>
-                <a:effectLst/>
-                <a:uFillTx/>
-                <a:latin typeface="맑은 고딕"/>
-                <a:ea typeface="맑은 고딕"/>
-              </a:rPr>
-              <a:t>MONITOR</a:t>
-            </a:r>
-            <a:r>
-              <a:rPr b="0" lang="ko-KR" sz="1600" strike="noStrike" u="none">
-                <a:solidFill>
-                  <a:srgbClr val="ffff00"/>
-                </a:solidFill>
-                <a:effectLst/>
-                <a:uFillTx/>
-                <a:latin typeface="맑은 고딕"/>
-                <a:ea typeface="맑은 고딕"/>
-              </a:rPr>
-              <a:t>에서 던진 값을 </a:t>
-            </a:r>
-            <a:r>
-              <a:rPr b="0" lang="en-US" sz="1600" strike="noStrike" u="none">
-                <a:solidFill>
-                  <a:srgbClr val="ffff00"/>
-                </a:solidFill>
-                <a:effectLst/>
-                <a:uFillTx/>
-                <a:latin typeface="맑은 고딕"/>
-                <a:ea typeface="맑은 고딕"/>
-              </a:rPr>
-              <a:t>REF</a:t>
-            </a:r>
-            <a:r>
-              <a:rPr b="0" lang="ko-KR" sz="1600" strike="noStrike" u="none">
-                <a:solidFill>
-                  <a:srgbClr val="ffff00"/>
-                </a:solidFill>
-                <a:effectLst/>
-                <a:uFillTx/>
-                <a:latin typeface="맑은 고딕"/>
-                <a:ea typeface="맑은 고딕"/>
-              </a:rPr>
-              <a:t>값</a:t>
-            </a:r>
-            <a:r>
-              <a:rPr b="0" lang="en-US" sz="1600" strike="noStrike" u="none">
-                <a:solidFill>
-                  <a:srgbClr val="ffff00"/>
-                </a:solidFill>
-                <a:effectLst/>
-                <a:uFillTx/>
-                <a:latin typeface="맑은 고딕"/>
-                <a:ea typeface="맑은 고딕"/>
-              </a:rPr>
-              <a:t>(</a:t>
-            </a:r>
-            <a:r>
-              <a:rPr b="0" lang="ko-KR" sz="1600" strike="noStrike" u="none">
-                <a:solidFill>
-                  <a:srgbClr val="ffff00"/>
-                </a:solidFill>
-                <a:effectLst/>
-                <a:uFillTx/>
-                <a:latin typeface="맑은 고딕"/>
-                <a:ea typeface="맑은 고딕"/>
-              </a:rPr>
-              <a:t>예상출력</a:t>
-            </a:r>
-            <a:r>
-              <a:rPr b="0" lang="en-US" sz="1600" strike="noStrike" u="none">
-                <a:solidFill>
-                  <a:srgbClr val="ffff00"/>
-                </a:solidFill>
-                <a:effectLst/>
-                <a:uFillTx/>
-                <a:latin typeface="맑은 고딕"/>
-                <a:ea typeface="맑은 고딕"/>
-              </a:rPr>
-              <a:t>)</a:t>
-            </a:r>
-            <a:r>
-              <a:rPr b="0" lang="ko-KR" sz="1600" strike="noStrike" u="none">
-                <a:solidFill>
-                  <a:srgbClr val="ffff00"/>
-                </a:solidFill>
-                <a:effectLst/>
-                <a:uFillTx/>
-                <a:latin typeface="맑은 고딕"/>
-                <a:ea typeface="맑은 고딕"/>
-              </a:rPr>
-              <a:t>과 비교해서 시뮬레이션 결과를 콘솔에 출력하는 클래스</a:t>
-            </a:r>
-            <a:endParaRPr b="0" lang="en-US" sz="1600" strike="noStrike" u="none">
+              <a:rPr lang="en-US" sz="1600" b="0" u="none" strike="noStrike">
+                <a:solidFill>
+                  <a:srgbClr val="FFFF00"/>
+                </a:solidFill>
+                <a:effectLst/>
+                <a:uFillTx/>
+                <a:latin typeface="맑은 고딕"/>
+                <a:ea typeface="맑은 고딕"/>
+              </a:rPr>
+              <a:t>DRIVER: </a:t>
+            </a:r>
+            <a:r>
+              <a:rPr lang="ko-KR" sz="1600" b="0" u="none" strike="noStrike">
+                <a:solidFill>
+                  <a:srgbClr val="FFFF00"/>
+                </a:solidFill>
+                <a:effectLst/>
+                <a:uFillTx/>
+                <a:latin typeface="맑은 고딕"/>
+                <a:ea typeface="맑은 고딕"/>
+              </a:rPr>
+              <a:t>물리 모듈 동작 이후의 인터페이스를 캡처하는 클래스</a:t>
+            </a:r>
+            <a:endParaRPr lang="en-US" sz="1600" b="0" u="none" strike="noStrike">
               <a:solidFill>
                 <a:srgbClr val="000000"/>
               </a:solidFill>
@@ -7560,9 +8563,33 @@
           </a:p>
         </p:txBody>
       </p:sp>
-      <p:sp>
-        <p:nvSpPr>
-          <p:cNvPr id="75" name="PlaceHolder 2"/>
+      <p:pic>
+        <p:nvPicPr>
+          <p:cNvPr id="70" name="그림 69"/>
+          <p:cNvPicPr/>
+          <p:nvPr/>
+        </p:nvPicPr>
+        <p:blipFill>
+          <a:blip r:embed="rId4"/>
+          <a:stretch/>
+        </p:blipFill>
+        <p:spPr>
+          <a:xfrm>
+            <a:off x="6120360" y="3004560"/>
+            <a:ext cx="3915720" cy="2713680"/>
+          </a:xfrm>
+          <a:prstGeom prst="rect">
+            <a:avLst/>
+          </a:prstGeom>
+          <a:noFill/>
+          <a:ln w="12600">
+            <a:noFill/>
+          </a:ln>
+        </p:spPr>
+      </p:pic>
+      <p:sp>
+        <p:nvSpPr>
+          <p:cNvPr id="71" name="PlaceHolder 2"/>
           <p:cNvSpPr>
             <a:spLocks noGrp="1"/>
           </p:cNvSpPr>
@@ -7572,8 +8599,8 @@
         </p:nvSpPr>
         <p:spPr>
           <a:xfrm>
-            <a:off x="1260000" y="1980000"/>
-            <a:ext cx="4501080" cy="720000"/>
+            <a:off x="3240000" y="2520000"/>
+            <a:ext cx="6840000" cy="720000"/>
           </a:xfrm>
           <a:prstGeom prst="rect">
             <a:avLst/>
@@ -7584,9 +8611,10 @@
           </a:ln>
         </p:spPr>
         <p:txBody>
-          <a:bodyPr lIns="0" rIns="0" tIns="0" bIns="0" anchor="t">
+          <a:bodyPr lIns="0" tIns="0" rIns="0" bIns="0" anchor="t">
             <a:normAutofit/>
           </a:bodyPr>
+          <a:lstStyle/>
           <a:p>
             <a:pPr indent="0">
               <a:lnSpc>
@@ -7597,104 +8625,81 @@
               </a:spcBef>
             </a:pPr>
             <a:r>
-              <a:rPr b="0" lang="ko-KR" sz="1600" strike="noStrike" u="none">
-                <a:solidFill>
-                  <a:srgbClr val="ffff00"/>
-                </a:solidFill>
-                <a:effectLst/>
-                <a:uFillTx/>
-                <a:latin typeface="맑은 고딕"/>
-                <a:ea typeface="맑은 고딕"/>
-              </a:rPr>
-              <a:t>시뮬레이션 통과 개수 체크를 위한 카운트 선언</a:t>
-            </a:r>
-            <a:endParaRPr b="0" lang="en-US" sz="1600" strike="noStrike" u="none">
-              <a:solidFill>
-                <a:srgbClr val="000000"/>
-              </a:solidFill>
-              <a:effectLst/>
-              <a:uFillTx/>
-              <a:latin typeface="맑은 고딕"/>
-            </a:endParaRPr>
-          </a:p>
-        </p:txBody>
-      </p:sp>
-      <p:sp>
-        <p:nvSpPr>
-          <p:cNvPr id="76" name="PlaceHolder 3"/>
-          <p:cNvSpPr>
-            <a:spLocks noGrp="1"/>
-          </p:cNvSpPr>
-          <p:nvPr>
-            <p:ph/>
-          </p:nvPr>
-        </p:nvSpPr>
-        <p:spPr>
-          <a:xfrm>
-            <a:off x="3780000" y="1080000"/>
-            <a:ext cx="6300000" cy="720000"/>
-          </a:xfrm>
-          <a:prstGeom prst="rect">
-            <a:avLst/>
-          </a:prstGeom>
-          <a:noFill/>
-          <a:ln w="12600">
-            <a:noFill/>
-          </a:ln>
-        </p:spPr>
-        <p:txBody>
-          <a:bodyPr lIns="0" rIns="0" tIns="0" bIns="0" anchor="t">
-            <a:normAutofit/>
-          </a:bodyPr>
-          <a:p>
-            <a:pPr indent="0">
-              <a:lnSpc>
-                <a:spcPct val="100000"/>
-              </a:lnSpc>
-              <a:spcBef>
-                <a:spcPts val="1414"/>
-              </a:spcBef>
-            </a:pPr>
-            <a:r>
-              <a:rPr b="0" lang="ko-KR" sz="1600" strike="noStrike" u="none">
-                <a:solidFill>
-                  <a:srgbClr val="ffff00"/>
-                </a:solidFill>
-                <a:effectLst/>
-                <a:uFillTx/>
-                <a:latin typeface="맑은 고딕"/>
-                <a:ea typeface="맑은 고딕"/>
-              </a:rPr>
-              <a:t>레퍼런스 레지스트 설정</a:t>
-            </a:r>
-            <a:r>
-              <a:rPr b="0" lang="en-US" sz="1600" strike="noStrike" u="none">
-                <a:solidFill>
-                  <a:srgbClr val="ffff00"/>
-                </a:solidFill>
-                <a:effectLst/>
-                <a:uFillTx/>
-                <a:latin typeface="맑은 고딕"/>
-                <a:ea typeface="맑은 고딕"/>
-              </a:rPr>
-              <a:t>: SLV_REG</a:t>
-            </a:r>
-            <a:r>
-              <a:rPr b="0" lang="ko-KR" sz="1600" strike="noStrike" u="none">
-                <a:solidFill>
-                  <a:srgbClr val="ffff00"/>
-                </a:solidFill>
-                <a:effectLst/>
-                <a:uFillTx/>
-                <a:latin typeface="맑은 고딕"/>
-                <a:ea typeface="맑은 고딕"/>
-              </a:rPr>
-              <a:t>형태와 비슷하게 사용한다</a:t>
-            </a:r>
-            <a:r>
-              <a:rPr b="0" lang="en-US" sz="1600" strike="noStrike" u="none">
-                <a:solidFill>
-                  <a:srgbClr val="ffff00"/>
+              <a:rPr lang="en-US" sz="1600" b="0" u="none" strike="noStrike">
+                <a:solidFill>
+                  <a:srgbClr val="FFFF00"/>
+                </a:solidFill>
+                <a:effectLst/>
+                <a:uFillTx/>
+                <a:latin typeface="맑은 고딕"/>
+                <a:ea typeface="맑은 고딕"/>
+              </a:rPr>
+              <a:t>PPREADY </a:t>
+            </a:r>
+            <a:r>
+              <a:rPr lang="ko-KR" sz="1600" b="0" u="none" strike="noStrike">
+                <a:solidFill>
+                  <a:srgbClr val="FFFF00"/>
+                </a:solidFill>
+                <a:effectLst/>
+                <a:uFillTx/>
+                <a:latin typeface="맑은 고딕"/>
+                <a:ea typeface="맑은 고딕"/>
+              </a:rPr>
+              <a:t>이후</a:t>
+            </a:r>
+            <a:r>
+              <a:rPr lang="en-US" sz="1600" b="0" u="none" strike="noStrike">
+                <a:solidFill>
+                  <a:srgbClr val="FFFF00"/>
+                </a:solidFill>
+                <a:effectLst/>
+                <a:uFillTx/>
+                <a:latin typeface="맑은 고딕"/>
+                <a:ea typeface="맑은 고딕"/>
+              </a:rPr>
+              <a:t>(PP</a:t>
+            </a:r>
+            <a:r>
+              <a:rPr lang="ko-KR" sz="1600" b="0" u="none" strike="noStrike">
+                <a:solidFill>
+                  <a:srgbClr val="FFFF00"/>
+                </a:solidFill>
+                <a:effectLst/>
+                <a:uFillTx/>
+                <a:latin typeface="맑은 고딕"/>
+                <a:ea typeface="맑은 고딕"/>
+              </a:rPr>
+              <a:t>동작 이후</a:t>
+            </a:r>
+            <a:r>
+              <a:rPr lang="en-US" sz="1600" b="0" u="none" strike="noStrike">
+                <a:solidFill>
+                  <a:srgbClr val="FFFF00"/>
+                </a:solidFill>
+                <a:effectLst/>
+                <a:uFillTx/>
+                <a:latin typeface="맑은 고딕"/>
+                <a:ea typeface="맑은 고딕"/>
+              </a:rPr>
+              <a:t>) </a:t>
+            </a:r>
+            <a:r>
+              <a:rPr lang="ko-KR" sz="1600" b="0" u="none" strike="noStrike">
+                <a:solidFill>
+                  <a:srgbClr val="FFFF00"/>
+                </a:solidFill>
+                <a:effectLst/>
+                <a:uFillTx/>
+                <a:latin typeface="맑은 고딕"/>
+                <a:ea typeface="맑은 고딕"/>
+              </a:rPr>
+              <a:t>값을 캡쳐한다</a:t>
+            </a:r>
+            <a:r>
+              <a:rPr lang="en-US" sz="1600" b="0" u="none" strike="noStrike">
+                <a:solidFill>
+                  <a:srgbClr val="FFFF00"/>
                 </a:solidFill>
                 <a:effectLst/>
                 <a:uFillTx/>
@@ -7703,79 +8708,7 @@
               </a:rPr>
               <a:t>.</a:t>
             </a:r>
-            <a:endParaRPr b="0" lang="en-US" sz="1600" strike="noStrike" u="none">
-              <a:solidFill>
-                <a:srgbClr val="000000"/>
-              </a:solidFill>
-              <a:effectLst/>
-              <a:uFillTx/>
-              <a:latin typeface="맑은 고딕"/>
-            </a:endParaRPr>
-          </a:p>
-          <a:p>
-            <a:pPr>
-              <a:lnSpc>
-                <a:spcPct val="100000"/>
-              </a:lnSpc>
-              <a:spcBef>
-                <a:spcPts val="1414"/>
-              </a:spcBef>
-              <a:buClr>
-                <a:srgbClr val="000000"/>
-              </a:buClr>
-              <a:buSzPct val="45000"/>
-              <a:buFont typeface="Wingdings" charset="2"/>
-              <a:buChar char=""/>
-            </a:pPr>
-            <a:r>
-              <a:rPr b="0" lang="ko-KR" sz="1600" strike="noStrike" u="none">
-                <a:solidFill>
-                  <a:srgbClr val="ffff00"/>
-                </a:solidFill>
-                <a:effectLst/>
-                <a:uFillTx/>
-                <a:latin typeface="맑은 고딕"/>
-                <a:ea typeface="맑은 고딕"/>
-              </a:rPr>
-              <a:t>가져오는 값은 </a:t>
-            </a:r>
-            <a:r>
-              <a:rPr b="0" lang="en-US" sz="1600" strike="noStrike" u="none">
-                <a:solidFill>
-                  <a:srgbClr val="ffff00"/>
-                </a:solidFill>
-                <a:effectLst/>
-                <a:uFillTx/>
-                <a:latin typeface="맑은 고딕"/>
-                <a:ea typeface="맑은 고딕"/>
-              </a:rPr>
-              <a:t>FCR,FDR,DP</a:t>
-            </a:r>
-            <a:r>
-              <a:rPr b="0" lang="ko-KR" sz="1600" strike="noStrike" u="none">
-                <a:solidFill>
-                  <a:srgbClr val="ffff00"/>
-                </a:solidFill>
-                <a:effectLst/>
-                <a:uFillTx/>
-                <a:latin typeface="맑은 고딕"/>
-                <a:ea typeface="맑은 고딕"/>
-              </a:rPr>
-              <a:t>이다</a:t>
-            </a:r>
-            <a:r>
-              <a:rPr b="0" lang="en-US" sz="1600" strike="noStrike" u="none">
-                <a:solidFill>
-                  <a:srgbClr val="ffff00"/>
-                </a:solidFill>
-                <a:effectLst/>
-                <a:uFillTx/>
-                <a:latin typeface="맑은 고딕"/>
-                <a:ea typeface="맑은 고딕"/>
-              </a:rPr>
-              <a:t>.</a:t>
-            </a:r>
-            <a:endParaRPr b="0" lang="en-US" sz="1600" strike="noStrike" u="none">
+            <a:endParaRPr lang="en-US" sz="1600" b="0" u="none" strike="noStrike">
               <a:solidFill>
                 <a:srgbClr val="000000"/>
               </a:solidFill>
@@ -7788,19 +8721,22 @@
       </p:sp>
     </p:spTree>
   </p:cSld>
-  <mc:AlternateContent>
+  <p:clrMapOvr>
+    <a:masterClrMapping/>
+  </p:clrMapOvr>
+  <mc:AlternateContent xmlns:mc="http://schemas.openxmlformats.org/markup-compatibility/2006" xmlns:p14="http://schemas.microsoft.com/office/powerpoint/2010/main">
     <mc:Choice Requires="p14">
       <p:transition spd="slow" p14:dur="3000"/>
     </mc:Choice>
-    <mc:Fallback>
+    <mc:Fallback xmlns:p15="http://schemas.microsoft.com/office/powerpoint/2012/main" xmlns="">
       <p:transition spd="slow"/>
     </mc:Fallback>
   </mc:AlternateContent>
 </p:sld>
 </file>
 
-<file path=ppt/slides/slide8.xml><?xml version="1.0" encoding="utf-8"?>
-<p:sld xmlns:a="http://schemas.openxmlformats.org/drawingml/2006/main" xmlns:p="http://schemas.openxmlformats.org/presentationml/2006/main" xmlns:r="http://schemas.openxmlformats.org/officeDocument/2006/relationships" xmlns:p14="http://schemas.microsoft.com/office/powerpoint/2010/main" xmlns:p15="http://schemas.microsoft.com/office/powerpoint/2012/main" xmlns:mc="http://schemas.openxmlformats.org/markup-compatibility/2006">
+<file path=ppt/slides/slide7.xml><?xml version="1.0" encoding="utf-8"?>
+<p:sld xmlns:a="http://schemas.openxmlformats.org/drawingml/2006/main" xmlns:r="http://schemas.openxmlformats.org/officeDocument/2006/relationships" xmlns:p="http://schemas.openxmlformats.org/presentationml/2006/main">
   <p:cSld>
     <p:spTree>
       <p:nvGrpSpPr>
@@ -7818,7 +8754,7 @@
       </p:grpSpPr>
       <p:sp>
         <p:nvSpPr>
-          <p:cNvPr id="77" name="자유형 1"/>
+          <p:cNvPr id="72" name="자유형 1"/>
           <p:cNvSpPr/>
           <p:nvPr/>
         </p:nvSpPr>
@@ -7864,24 +8800,31 @@
           </a:solidFill>
           <a:ln w="0">
             <a:solidFill>
-              <a:srgbClr val="3465a4"/>
+              <a:srgbClr val="3465A4"/>
             </a:solidFill>
           </a:ln>
         </p:spPr>
         <p:style>
-          <a:lnRef idx="0"/>
-          <a:fillRef idx="0"/>
-          <a:effectRef idx="0"/>
+          <a:lnRef idx="0">
+            <a:scrgbClr r="0" g="0" b="0"/>
+          </a:lnRef>
+          <a:fillRef idx="0">
+            <a:scrgbClr r="0" g="0" b="0"/>
+          </a:fillRef>
+          <a:effectRef idx="0">
+            <a:scrgbClr r="0" g="0" b="0"/>
+          </a:effectRef>
           <a:fontRef idx="minor"/>
         </p:style>
         <p:txBody>
-          <a:bodyPr lIns="90000" rIns="90000" tIns="45000" bIns="45000" anchor="ctr">
+          <a:bodyPr lIns="90000" tIns="45000" rIns="90000" bIns="45000" anchor="ctr">
             <a:noAutofit/>
           </a:bodyPr>
-          <a:p>
-            <a:endParaRPr b="0" lang="en-US" sz="1800" strike="noStrike" u="none">
-              <a:solidFill>
-                <a:srgbClr val="ffffff"/>
+          <a:lstStyle/>
+          <a:p>
+            <a:endParaRPr lang="en-US" sz="1800" b="0" u="none" strike="noStrike">
+              <a:solidFill>
+                <a:srgbClr val="FFFFFF"/>
               </a:solidFill>
               <a:effectLst/>
               <a:uFillTx/>
@@ -7892,13 +8835,548 @@
       </p:sp>
       <p:pic>
         <p:nvPicPr>
-          <p:cNvPr id="78" name="" descr=""/>
+          <p:cNvPr id="73" name="그림 72"/>
           <p:cNvPicPr/>
           <p:nvPr/>
         </p:nvPicPr>
         <p:blipFill>
-          <a:blip r:embed="rId1"/>
-          <a:srcRect l="0" t="35711" r="0" b="0"/>
+          <a:blip r:embed="rId3"/>
+          <a:srcRect b="39283"/>
+          <a:stretch/>
+        </p:blipFill>
+        <p:spPr>
+          <a:xfrm>
+            <a:off x="6120" y="-360"/>
+            <a:ext cx="5028120" cy="5400360"/>
+          </a:xfrm>
+          <a:prstGeom prst="rect">
+            <a:avLst/>
+          </a:prstGeom>
+          <a:noFill/>
+          <a:ln w="12600">
+            <a:noFill/>
+          </a:ln>
+        </p:spPr>
+      </p:pic>
+      <p:sp>
+        <p:nvSpPr>
+          <p:cNvPr id="74" name="PlaceHolder 1"/>
+          <p:cNvSpPr>
+            <a:spLocks noGrp="1"/>
+          </p:cNvSpPr>
+          <p:nvPr>
+            <p:ph/>
+          </p:nvPr>
+        </p:nvSpPr>
+        <p:spPr>
+          <a:xfrm>
+            <a:off x="2340000" y="360000"/>
+            <a:ext cx="6840000" cy="720000"/>
+          </a:xfrm>
+          <a:prstGeom prst="rect">
+            <a:avLst/>
+          </a:prstGeom>
+          <a:noFill/>
+          <a:ln w="12600">
+            <a:noFill/>
+          </a:ln>
+        </p:spPr>
+        <p:txBody>
+          <a:bodyPr lIns="0" tIns="0" rIns="0" bIns="0" anchor="t">
+            <a:normAutofit/>
+          </a:bodyPr>
+          <a:lstStyle/>
+          <a:p>
+            <a:pPr indent="0">
+              <a:lnSpc>
+                <a:spcPct val="100000"/>
+              </a:lnSpc>
+              <a:spcBef>
+                <a:spcPts val="1414"/>
+              </a:spcBef>
+            </a:pPr>
+            <a:r>
+              <a:rPr lang="en-US" sz="1600" b="0" u="none" strike="noStrike">
+                <a:solidFill>
+                  <a:srgbClr val="FFFF00"/>
+                </a:solidFill>
+                <a:effectLst/>
+                <a:uFillTx/>
+                <a:latin typeface="맑은 고딕"/>
+                <a:ea typeface="맑은 고딕"/>
+              </a:rPr>
+              <a:t>SCOREBOARD: M2S</a:t>
+            </a:r>
+            <a:r>
+              <a:rPr lang="ko-KR" sz="1600" b="0" u="none" strike="noStrike">
+                <a:solidFill>
+                  <a:srgbClr val="FFFF00"/>
+                </a:solidFill>
+                <a:effectLst/>
+                <a:uFillTx/>
+                <a:latin typeface="맑은 고딕"/>
+                <a:ea typeface="맑은 고딕"/>
+              </a:rPr>
+              <a:t>메일박스속의 </a:t>
+            </a:r>
+            <a:r>
+              <a:rPr lang="en-US" sz="1600" b="0" u="none" strike="noStrike">
+                <a:solidFill>
+                  <a:srgbClr val="FFFF00"/>
+                </a:solidFill>
+                <a:effectLst/>
+                <a:uFillTx/>
+                <a:latin typeface="맑은 고딕"/>
+                <a:ea typeface="맑은 고딕"/>
+              </a:rPr>
+              <a:t>MONITOR</a:t>
+            </a:r>
+            <a:r>
+              <a:rPr lang="ko-KR" sz="1600" b="0" u="none" strike="noStrike">
+                <a:solidFill>
+                  <a:srgbClr val="FFFF00"/>
+                </a:solidFill>
+                <a:effectLst/>
+                <a:uFillTx/>
+                <a:latin typeface="맑은 고딕"/>
+                <a:ea typeface="맑은 고딕"/>
+              </a:rPr>
+              <a:t>에서 던진 값을 </a:t>
+            </a:r>
+            <a:r>
+              <a:rPr lang="en-US" sz="1600" b="0" u="none" strike="noStrike">
+                <a:solidFill>
+                  <a:srgbClr val="FFFF00"/>
+                </a:solidFill>
+                <a:effectLst/>
+                <a:uFillTx/>
+                <a:latin typeface="맑은 고딕"/>
+                <a:ea typeface="맑은 고딕"/>
+              </a:rPr>
+              <a:t>REF</a:t>
+            </a:r>
+            <a:r>
+              <a:rPr lang="ko-KR" sz="1600" b="0" u="none" strike="noStrike">
+                <a:solidFill>
+                  <a:srgbClr val="FFFF00"/>
+                </a:solidFill>
+                <a:effectLst/>
+                <a:uFillTx/>
+                <a:latin typeface="맑은 고딕"/>
+                <a:ea typeface="맑은 고딕"/>
+              </a:rPr>
+              <a:t>값</a:t>
+            </a:r>
+            <a:r>
+              <a:rPr lang="en-US" sz="1600" b="0" u="none" strike="noStrike">
+                <a:solidFill>
+                  <a:srgbClr val="FFFF00"/>
+                </a:solidFill>
+                <a:effectLst/>
+                <a:uFillTx/>
+                <a:latin typeface="맑은 고딕"/>
+                <a:ea typeface="맑은 고딕"/>
+              </a:rPr>
+              <a:t>(</a:t>
+            </a:r>
+            <a:r>
+              <a:rPr lang="ko-KR" sz="1600" b="0" u="none" strike="noStrike">
+                <a:solidFill>
+                  <a:srgbClr val="FFFF00"/>
+                </a:solidFill>
+                <a:effectLst/>
+                <a:uFillTx/>
+                <a:latin typeface="맑은 고딕"/>
+                <a:ea typeface="맑은 고딕"/>
+              </a:rPr>
+              <a:t>예상출력</a:t>
+            </a:r>
+            <a:r>
+              <a:rPr lang="en-US" sz="1600" b="0" u="none" strike="noStrike">
+                <a:solidFill>
+                  <a:srgbClr val="FFFF00"/>
+                </a:solidFill>
+                <a:effectLst/>
+                <a:uFillTx/>
+                <a:latin typeface="맑은 고딕"/>
+                <a:ea typeface="맑은 고딕"/>
+              </a:rPr>
+              <a:t>)</a:t>
+            </a:r>
+            <a:r>
+              <a:rPr lang="ko-KR" sz="1600" b="0" u="none" strike="noStrike">
+                <a:solidFill>
+                  <a:srgbClr val="FFFF00"/>
+                </a:solidFill>
+                <a:effectLst/>
+                <a:uFillTx/>
+                <a:latin typeface="맑은 고딕"/>
+                <a:ea typeface="맑은 고딕"/>
+              </a:rPr>
+              <a:t>과 비교해서 시뮬레이션 결과를 콘솔에 출력하는 클래스</a:t>
+            </a:r>
+            <a:endParaRPr lang="en-US" sz="1600" b="0" u="none" strike="noStrike">
+              <a:solidFill>
+                <a:srgbClr val="000000"/>
+              </a:solidFill>
+              <a:effectLst/>
+              <a:uFillTx/>
+              <a:latin typeface="맑은 고딕"/>
+            </a:endParaRPr>
+          </a:p>
+        </p:txBody>
+      </p:sp>
+      <p:sp>
+        <p:nvSpPr>
+          <p:cNvPr id="75" name="PlaceHolder 2"/>
+          <p:cNvSpPr>
+            <a:spLocks noGrp="1"/>
+          </p:cNvSpPr>
+          <p:nvPr>
+            <p:ph/>
+          </p:nvPr>
+        </p:nvSpPr>
+        <p:spPr>
+          <a:xfrm>
+            <a:off x="1260000" y="1980000"/>
+            <a:ext cx="4501080" cy="720000"/>
+          </a:xfrm>
+          <a:prstGeom prst="rect">
+            <a:avLst/>
+          </a:prstGeom>
+          <a:noFill/>
+          <a:ln w="12600">
+            <a:noFill/>
+          </a:ln>
+        </p:spPr>
+        <p:txBody>
+          <a:bodyPr lIns="0" tIns="0" rIns="0" bIns="0" anchor="t">
+            <a:normAutofit/>
+          </a:bodyPr>
+          <a:lstStyle/>
+          <a:p>
+            <a:pPr indent="0">
+              <a:lnSpc>
+                <a:spcPct val="100000"/>
+              </a:lnSpc>
+              <a:spcBef>
+                <a:spcPts val="1414"/>
+              </a:spcBef>
+            </a:pPr>
+            <a:r>
+              <a:rPr lang="ko-KR" sz="1600" b="0" u="none" strike="noStrike">
+                <a:solidFill>
+                  <a:srgbClr val="FFFF00"/>
+                </a:solidFill>
+                <a:effectLst/>
+                <a:uFillTx/>
+                <a:latin typeface="맑은 고딕"/>
+                <a:ea typeface="맑은 고딕"/>
+              </a:rPr>
+              <a:t>시뮬레이션 통과 개수 체크를 위한 카운트 선언</a:t>
+            </a:r>
+            <a:endParaRPr lang="en-US" sz="1600" b="0" u="none" strike="noStrike">
+              <a:solidFill>
+                <a:srgbClr val="000000"/>
+              </a:solidFill>
+              <a:effectLst/>
+              <a:uFillTx/>
+              <a:latin typeface="맑은 고딕"/>
+            </a:endParaRPr>
+          </a:p>
+        </p:txBody>
+      </p:sp>
+      <p:sp>
+        <p:nvSpPr>
+          <p:cNvPr id="76" name="PlaceHolder 3"/>
+          <p:cNvSpPr>
+            <a:spLocks noGrp="1"/>
+          </p:cNvSpPr>
+          <p:nvPr>
+            <p:ph/>
+          </p:nvPr>
+        </p:nvSpPr>
+        <p:spPr>
+          <a:xfrm>
+            <a:off x="3780000" y="1080000"/>
+            <a:ext cx="6300000" cy="720000"/>
+          </a:xfrm>
+          <a:prstGeom prst="rect">
+            <a:avLst/>
+          </a:prstGeom>
+          <a:noFill/>
+          <a:ln w="12600">
+            <a:noFill/>
+          </a:ln>
+        </p:spPr>
+        <p:txBody>
+          <a:bodyPr lIns="0" tIns="0" rIns="0" bIns="0" anchor="t">
+            <a:normAutofit/>
+          </a:bodyPr>
+          <a:lstStyle/>
+          <a:p>
+            <a:pPr indent="0">
+              <a:lnSpc>
+                <a:spcPct val="100000"/>
+              </a:lnSpc>
+              <a:spcBef>
+                <a:spcPts val="1414"/>
+              </a:spcBef>
+            </a:pPr>
+            <a:r>
+              <a:rPr lang="ko-KR" sz="1600" b="0" u="none" strike="noStrike">
+                <a:solidFill>
+                  <a:srgbClr val="FFFF00"/>
+                </a:solidFill>
+                <a:effectLst/>
+                <a:uFillTx/>
+                <a:latin typeface="맑은 고딕"/>
+                <a:ea typeface="맑은 고딕"/>
+              </a:rPr>
+              <a:t>레퍼런스 레지스트 설정</a:t>
+            </a:r>
+            <a:r>
+              <a:rPr lang="en-US" sz="1600" b="0" u="none" strike="noStrike">
+                <a:solidFill>
+                  <a:srgbClr val="FFFF00"/>
+                </a:solidFill>
+                <a:effectLst/>
+                <a:uFillTx/>
+                <a:latin typeface="맑은 고딕"/>
+                <a:ea typeface="맑은 고딕"/>
+              </a:rPr>
+              <a:t>: SLV_REG</a:t>
+            </a:r>
+            <a:r>
+              <a:rPr lang="ko-KR" sz="1600" b="0" u="none" strike="noStrike">
+                <a:solidFill>
+                  <a:srgbClr val="FFFF00"/>
+                </a:solidFill>
+                <a:effectLst/>
+                <a:uFillTx/>
+                <a:latin typeface="맑은 고딕"/>
+                <a:ea typeface="맑은 고딕"/>
+              </a:rPr>
+              <a:t>형태와 비슷하게 사용한다</a:t>
+            </a:r>
+            <a:r>
+              <a:rPr lang="en-US" sz="1600" b="0" u="none" strike="noStrike">
+                <a:solidFill>
+                  <a:srgbClr val="FFFF00"/>
+                </a:solidFill>
+                <a:effectLst/>
+                <a:uFillTx/>
+                <a:latin typeface="맑은 고딕"/>
+                <a:ea typeface="맑은 고딕"/>
+              </a:rPr>
+              <a:t>.</a:t>
+            </a:r>
+            <a:endParaRPr lang="en-US" sz="1600" b="0" u="none" strike="noStrike">
+              <a:solidFill>
+                <a:srgbClr val="000000"/>
+              </a:solidFill>
+              <a:effectLst/>
+              <a:uFillTx/>
+              <a:latin typeface="맑은 고딕"/>
+            </a:endParaRPr>
+          </a:p>
+          <a:p>
+            <a:pPr>
+              <a:lnSpc>
+                <a:spcPct val="100000"/>
+              </a:lnSpc>
+              <a:spcBef>
+                <a:spcPts val="1414"/>
+              </a:spcBef>
+              <a:buClr>
+                <a:srgbClr val="000000"/>
+              </a:buClr>
+              <a:buSzPct val="45000"/>
+              <a:buFont typeface="Wingdings" charset="2"/>
+              <a:buChar char=""/>
+            </a:pPr>
+            <a:r>
+              <a:rPr lang="ko-KR" sz="1600" b="0" u="none" strike="noStrike">
+                <a:solidFill>
+                  <a:srgbClr val="FFFF00"/>
+                </a:solidFill>
+                <a:effectLst/>
+                <a:uFillTx/>
+                <a:latin typeface="맑은 고딕"/>
+                <a:ea typeface="맑은 고딕"/>
+              </a:rPr>
+              <a:t>가져오는 값은 </a:t>
+            </a:r>
+            <a:r>
+              <a:rPr lang="en-US" sz="1600" b="0" u="none" strike="noStrike">
+                <a:solidFill>
+                  <a:srgbClr val="FFFF00"/>
+                </a:solidFill>
+                <a:effectLst/>
+                <a:uFillTx/>
+                <a:latin typeface="맑은 고딕"/>
+                <a:ea typeface="맑은 고딕"/>
+              </a:rPr>
+              <a:t>FCR,FDR,DP</a:t>
+            </a:r>
+            <a:r>
+              <a:rPr lang="ko-KR" sz="1600" b="0" u="none" strike="noStrike">
+                <a:solidFill>
+                  <a:srgbClr val="FFFF00"/>
+                </a:solidFill>
+                <a:effectLst/>
+                <a:uFillTx/>
+                <a:latin typeface="맑은 고딕"/>
+                <a:ea typeface="맑은 고딕"/>
+              </a:rPr>
+              <a:t>이다</a:t>
+            </a:r>
+            <a:r>
+              <a:rPr lang="en-US" sz="1600" b="0" u="none" strike="noStrike">
+                <a:solidFill>
+                  <a:srgbClr val="FFFF00"/>
+                </a:solidFill>
+                <a:effectLst/>
+                <a:uFillTx/>
+                <a:latin typeface="맑은 고딕"/>
+                <a:ea typeface="맑은 고딕"/>
+              </a:rPr>
+              <a:t>.</a:t>
+            </a:r>
+            <a:endParaRPr lang="en-US" sz="1600" b="0" u="none" strike="noStrike">
+              <a:solidFill>
+                <a:srgbClr val="000000"/>
+              </a:solidFill>
+              <a:effectLst/>
+              <a:uFillTx/>
+              <a:latin typeface="맑은 고딕"/>
+            </a:endParaRPr>
+          </a:p>
+        </p:txBody>
+      </p:sp>
+    </p:spTree>
+  </p:cSld>
+  <p:clrMapOvr>
+    <a:masterClrMapping/>
+  </p:clrMapOvr>
+  <mc:AlternateContent xmlns:mc="http://schemas.openxmlformats.org/markup-compatibility/2006" xmlns:p14="http://schemas.microsoft.com/office/powerpoint/2010/main">
+    <mc:Choice Requires="p14">
+      <p:transition spd="slow" p14:dur="3000"/>
+    </mc:Choice>
+    <mc:Fallback xmlns:p15="http://schemas.microsoft.com/office/powerpoint/2012/main" xmlns="">
+      <p:transition spd="slow"/>
+    </mc:Fallback>
+  </mc:AlternateContent>
+</p:sld>
+</file>
+
+<file path=ppt/slides/slide8.xml><?xml version="1.0" encoding="utf-8"?>
+<p:sld xmlns:a="http://schemas.openxmlformats.org/drawingml/2006/main" xmlns:r="http://schemas.openxmlformats.org/officeDocument/2006/relationships" xmlns:p="http://schemas.openxmlformats.org/presentationml/2006/main">
+  <p:cSld>
+    <p:spTree>
+      <p:nvGrpSpPr>
+        <p:cNvPr id="1" name=""/>
+        <p:cNvGrpSpPr/>
+        <p:nvPr/>
+      </p:nvGrpSpPr>
+      <p:grpSpPr>
+        <a:xfrm>
+          <a:off x="0" y="0"/>
+          <a:ext cx="0" cy="0"/>
+          <a:chOff x="0" y="0"/>
+          <a:chExt cx="0" cy="0"/>
+        </a:xfrm>
+      </p:grpSpPr>
+      <p:sp>
+        <p:nvSpPr>
+          <p:cNvPr id="77" name="자유형 1"/>
+          <p:cNvSpPr/>
+          <p:nvPr/>
+        </p:nvSpPr>
+        <p:spPr>
+          <a:xfrm>
+            <a:off x="0" y="0"/>
+            <a:ext cx="10080000" cy="5760000"/>
+          </a:xfrm>
+          <a:custGeom>
+            <a:avLst/>
+            <a:gdLst>
+              <a:gd name="textAreaLeft" fmla="*/ 0 w 10080000"/>
+              <a:gd name="textAreaRight" fmla="*/ 10080360 w 10080000"/>
+              <a:gd name="textAreaTop" fmla="*/ 0 h 5760000"/>
+              <a:gd name="textAreaBottom" fmla="*/ 5760360 h 5760000"/>
+            </a:gdLst>
+            <a:ahLst/>
+            <a:cxnLst/>
+            <a:rect l="textAreaLeft" t="textAreaTop" r="textAreaRight" b="textAreaBottom"/>
+            <a:pathLst>
+              <a:path w="21600" h="21600">
+                <a:moveTo>
+                  <a:pt x="0" y="0"/>
+                </a:moveTo>
+                <a:lnTo>
+                  <a:pt x="21600" y="0"/>
+                </a:lnTo>
+                <a:lnTo>
+                  <a:pt x="21600" y="21600"/>
+                </a:lnTo>
+                <a:lnTo>
+                  <a:pt x="0" y="21600"/>
+                </a:lnTo>
+                <a:lnTo>
+                  <a:pt x="0" y="0"/>
+                </a:lnTo>
+                <a:close/>
+              </a:path>
+            </a:pathLst>
+          </a:custGeom>
+          <a:solidFill>
+            <a:srgbClr val="000000"/>
+          </a:solidFill>
+          <a:ln w="0">
+            <a:solidFill>
+              <a:srgbClr val="3465A4"/>
+            </a:solidFill>
+          </a:ln>
+        </p:spPr>
+        <p:style>
+          <a:lnRef idx="0">
+            <a:scrgbClr r="0" g="0" b="0"/>
+          </a:lnRef>
+          <a:fillRef idx="0">
+            <a:scrgbClr r="0" g="0" b="0"/>
+          </a:fillRef>
+          <a:effectRef idx="0">
+            <a:scrgbClr r="0" g="0" b="0"/>
+          </a:effectRef>
+          <a:fontRef idx="minor"/>
+        </p:style>
+        <p:txBody>
+          <a:bodyPr lIns="90000" tIns="45000" rIns="90000" bIns="45000" anchor="ctr">
+            <a:noAutofit/>
+          </a:bodyPr>
+          <a:lstStyle/>
+          <a:p>
+            <a:endParaRPr lang="en-US" sz="1800" b="0" u="none" strike="noStrike">
+              <a:solidFill>
+                <a:srgbClr val="FFFFFF"/>
+              </a:solidFill>
+              <a:effectLst/>
+              <a:uFillTx/>
+              <a:latin typeface="맑은 고딕"/>
+            </a:endParaRPr>
+          </a:p>
+        </p:txBody>
+      </p:sp>
+      <p:pic>
+        <p:nvPicPr>
+          <p:cNvPr id="78" name="그림 77"/>
+          <p:cNvPicPr/>
+          <p:nvPr/>
+        </p:nvPicPr>
+        <p:blipFill>
+          <a:blip r:embed="rId3"/>
+          <a:srcRect t="35711"/>
           <a:stretch/>
         </p:blipFill>
         <p:spPr>
@@ -7939,9 +9417,10 @@
           </a:ln>
         </p:spPr>
         <p:txBody>
-          <a:bodyPr lIns="0" rIns="0" tIns="0" bIns="0" anchor="t">
+          <a:bodyPr lIns="0" tIns="0" rIns="0" bIns="0" anchor="t">
             <a:normAutofit/>
           </a:bodyPr>
+          <a:lstStyle/>
           <a:p>
             <a:pPr indent="0">
               <a:lnSpc>
@@ -7952,18 +9431,66 @@
               </a:spcBef>
             </a:pPr>
             <a:r>
-              <a:rPr b="0" lang="ko-KR" sz="1600" strike="noStrike" u="none">
-                <a:solidFill>
-                  <a:srgbClr val="ffff00"/>
-                </a:solidFill>
-                <a:effectLst/>
-                <a:uFillTx/>
-                <a:latin typeface="맑은 고딕"/>
-                <a:ea typeface="맑은 고딕"/>
-              </a:rPr>
-              <a:t>결과값 예상값 비교해서 출력 및 카운트</a:t>
-            </a:r>
-            <a:endParaRPr b="0" lang="en-US" sz="1600" strike="noStrike" u="none">
+              <a:rPr lang="ko-KR" sz="1600" b="0" u="none" strike="noStrike" dirty="0" smtClean="0">
+                <a:solidFill>
+                  <a:srgbClr val="FFFF00"/>
+                </a:solidFill>
+                <a:effectLst/>
+                <a:uFillTx/>
+                <a:latin typeface="맑은 고딕"/>
+                <a:ea typeface="맑은 고딕"/>
+              </a:rPr>
+              <a:t>결과값</a:t>
+            </a:r>
+            <a:r>
+              <a:rPr lang="en-US" altLang="ko-KR" sz="1600" b="0" u="none" strike="noStrike" dirty="0" smtClean="0">
+                <a:solidFill>
+                  <a:srgbClr val="FFFF00"/>
+                </a:solidFill>
+                <a:effectLst/>
+                <a:uFillTx/>
+                <a:latin typeface="맑은 고딕"/>
+                <a:ea typeface="맑은 고딕"/>
+              </a:rPr>
+              <a:t>/</a:t>
+            </a:r>
+            <a:r>
+              <a:rPr lang="ko-KR" sz="1600" b="0" u="none" strike="noStrike" dirty="0" err="1" smtClean="0">
+                <a:solidFill>
+                  <a:srgbClr val="FFFF00"/>
+                </a:solidFill>
+                <a:effectLst/>
+                <a:uFillTx/>
+                <a:latin typeface="맑은 고딕"/>
+                <a:ea typeface="맑은 고딕"/>
+              </a:rPr>
+              <a:t>예상값</a:t>
+            </a:r>
+            <a:r>
+              <a:rPr lang="ko-KR" sz="1600" b="0" u="none" strike="noStrike" dirty="0" smtClean="0">
+                <a:solidFill>
+                  <a:srgbClr val="FFFF00"/>
+                </a:solidFill>
+                <a:effectLst/>
+                <a:uFillTx/>
+                <a:latin typeface="맑은 고딕"/>
+                <a:ea typeface="맑은 고딕"/>
+              </a:rPr>
+              <a:t> </a:t>
+            </a:r>
+            <a:r>
+              <a:rPr lang="ko-KR" sz="1600" b="0" u="none" strike="noStrike" dirty="0">
+                <a:solidFill>
+                  <a:srgbClr val="FFFF00"/>
+                </a:solidFill>
+                <a:effectLst/>
+                <a:uFillTx/>
+                <a:latin typeface="맑은 고딕"/>
+                <a:ea typeface="맑은 고딕"/>
+              </a:rPr>
+              <a:t>비교해서 출력 및 카운트</a:t>
+            </a:r>
+            <a:endParaRPr lang="en-US" sz="1600" b="0" u="none" strike="noStrike" dirty="0">
               <a:solidFill>
                 <a:srgbClr val="000000"/>
               </a:solidFill>
@@ -7976,11 +9503,564 @@
       </p:sp>
     </p:spTree>
   </p:cSld>
-  <mc:AlternateContent>
+  <p:clrMapOvr>
+    <a:masterClrMapping/>
+  </p:clrMapOvr>
+  <mc:AlternateContent xmlns:mc="http://schemas.openxmlformats.org/markup-compatibility/2006" xmlns:p14="http://schemas.microsoft.com/office/powerpoint/2010/main">
     <mc:Choice Requires="p14">
       <p:transition spd="slow" p14:dur="3000"/>
     </mc:Choice>
-    <mc:Fallback>
+    <mc:Fallback xmlns:p15="http://schemas.microsoft.com/office/powerpoint/2012/main" xmlns="">
+      <p:transition spd="slow"/>
+    </mc:Fallback>
+  </mc:AlternateContent>
+</p:sld>
+</file>
+
+<file path=ppt/slides/slide9.xml><?xml version="1.0" encoding="utf-8"?>
+<p:sld xmlns:a="http://schemas.openxmlformats.org/drawingml/2006/main" xmlns:r="http://schemas.openxmlformats.org/officeDocument/2006/relationships" xmlns:p="http://schemas.openxmlformats.org/presentationml/2006/main">
+  <p:cSld>
+    <p:spTree>
+      <p:nvGrpSpPr>
+        <p:cNvPr id="1" name=""/>
+        <p:cNvGrpSpPr/>
+        <p:nvPr/>
+      </p:nvGrpSpPr>
+      <p:grpSpPr>
+        <a:xfrm>
+          <a:off x="0" y="0"/>
+          <a:ext cx="0" cy="0"/>
+          <a:chOff x="0" y="0"/>
+          <a:chExt cx="0" cy="0"/>
+        </a:xfrm>
+      </p:grpSpPr>
+      <p:sp>
+        <p:nvSpPr>
+          <p:cNvPr id="77" name="자유형 1"/>
+          <p:cNvSpPr/>
+          <p:nvPr/>
+        </p:nvSpPr>
+        <p:spPr>
+          <a:xfrm>
+            <a:off x="0" y="0"/>
+            <a:ext cx="10080000" cy="5760000"/>
+          </a:xfrm>
+          <a:custGeom>
+            <a:avLst/>
+            <a:gdLst>
+              <a:gd name="textAreaLeft" fmla="*/ 0 w 10080000"/>
+              <a:gd name="textAreaRight" fmla="*/ 10080360 w 10080000"/>
+              <a:gd name="textAreaTop" fmla="*/ 0 h 5760000"/>
+              <a:gd name="textAreaBottom" fmla="*/ 5760360 h 5760000"/>
+            </a:gdLst>
+            <a:ahLst/>
+            <a:cxnLst/>
+            <a:rect l="textAreaLeft" t="textAreaTop" r="textAreaRight" b="textAreaBottom"/>
+            <a:pathLst>
+              <a:path w="21600" h="21600">
+                <a:moveTo>
+                  <a:pt x="0" y="0"/>
+                </a:moveTo>
+                <a:lnTo>
+                  <a:pt x="21600" y="0"/>
+                </a:lnTo>
+                <a:lnTo>
+                  <a:pt x="21600" y="21600"/>
+                </a:lnTo>
+                <a:lnTo>
+                  <a:pt x="0" y="21600"/>
+                </a:lnTo>
+                <a:lnTo>
+                  <a:pt x="0" y="0"/>
+                </a:lnTo>
+                <a:close/>
+              </a:path>
+            </a:pathLst>
+          </a:custGeom>
+          <a:solidFill>
+            <a:srgbClr val="000000"/>
+          </a:solidFill>
+          <a:ln w="0">
+            <a:solidFill>
+              <a:srgbClr val="3465A4"/>
+            </a:solidFill>
+          </a:ln>
+        </p:spPr>
+        <p:style>
+          <a:lnRef idx="0">
+            <a:scrgbClr r="0" g="0" b="0"/>
+          </a:lnRef>
+          <a:fillRef idx="0">
+            <a:scrgbClr r="0" g="0" b="0"/>
+          </a:fillRef>
+          <a:effectRef idx="0">
+            <a:scrgbClr r="0" g="0" b="0"/>
+          </a:effectRef>
+          <a:fontRef idx="minor"/>
+        </p:style>
+        <p:txBody>
+          <a:bodyPr lIns="90000" tIns="45000" rIns="90000" bIns="45000" anchor="ctr">
+            <a:noAutofit/>
+          </a:bodyPr>
+          <a:lstStyle/>
+          <a:p>
+            <a:endParaRPr lang="en-US" sz="1800" b="0" u="none" strike="noStrike">
+              <a:solidFill>
+                <a:srgbClr val="FFFFFF"/>
+              </a:solidFill>
+              <a:effectLst/>
+              <a:uFillTx/>
+              <a:latin typeface="맑은 고딕"/>
+            </a:endParaRPr>
+          </a:p>
+        </p:txBody>
+      </p:sp>
+      <p:pic>
+        <p:nvPicPr>
+          <p:cNvPr id="3" name="그림 2"/>
+          <p:cNvPicPr>
+            <a:picLocks noChangeAspect="1"/>
+          </p:cNvPicPr>
+          <p:nvPr/>
+        </p:nvPicPr>
+        <p:blipFill>
+          <a:blip r:embed="rId3"/>
+          <a:stretch>
+            <a:fillRect/>
+          </a:stretch>
+        </p:blipFill>
+        <p:spPr>
+          <a:xfrm>
+            <a:off x="0" y="0"/>
+            <a:ext cx="3663758" cy="5760000"/>
+          </a:xfrm>
+          <a:prstGeom prst="rect">
+            <a:avLst/>
+          </a:prstGeom>
+        </p:spPr>
+      </p:pic>
+      <p:sp>
+        <p:nvSpPr>
+          <p:cNvPr id="79" name="PlaceHolder 1"/>
+          <p:cNvSpPr>
+            <a:spLocks noGrp="1"/>
+          </p:cNvSpPr>
+          <p:nvPr>
+            <p:ph/>
+          </p:nvPr>
+        </p:nvSpPr>
+        <p:spPr>
+          <a:xfrm>
+            <a:off x="3663758" y="79900"/>
+            <a:ext cx="5302080" cy="720000"/>
+          </a:xfrm>
+          <a:prstGeom prst="rect">
+            <a:avLst/>
+          </a:prstGeom>
+          <a:noFill/>
+          <a:ln w="12600">
+            <a:noFill/>
+          </a:ln>
+        </p:spPr>
+        <p:txBody>
+          <a:bodyPr lIns="0" tIns="0" rIns="0" bIns="0" anchor="t">
+            <a:normAutofit/>
+          </a:bodyPr>
+          <a:lstStyle/>
+          <a:p>
+            <a:pPr indent="0">
+              <a:lnSpc>
+                <a:spcPct val="100000"/>
+              </a:lnSpc>
+              <a:spcBef>
+                <a:spcPts val="1414"/>
+              </a:spcBef>
+            </a:pPr>
+            <a:r>
+              <a:rPr lang="en-US" sz="1600" dirty="0" smtClean="0">
+                <a:solidFill>
+                  <a:srgbClr val="FFFF00"/>
+                </a:solidFill>
+                <a:latin typeface="맑은 고딕"/>
+              </a:rPr>
+              <a:t>ENVIRONMENT: </a:t>
+            </a:r>
+            <a:r>
+              <a:rPr lang="ko-KR" altLang="en-US" sz="1600" dirty="0" smtClean="0">
+                <a:solidFill>
+                  <a:srgbClr val="FFFF00"/>
+                </a:solidFill>
+                <a:latin typeface="맑은 고딕"/>
+              </a:rPr>
+              <a:t>시뮬레이션 공간</a:t>
+            </a:r>
+            <a:r>
+              <a:rPr lang="en-US" altLang="ko-KR" sz="1600" dirty="0" smtClean="0">
+                <a:solidFill>
+                  <a:srgbClr val="FFFF00"/>
+                </a:solidFill>
+                <a:latin typeface="맑은 고딕"/>
+              </a:rPr>
+              <a:t>. </a:t>
+            </a:r>
+            <a:r>
+              <a:rPr lang="ko-KR" altLang="en-US" sz="1600" dirty="0" smtClean="0">
+                <a:solidFill>
+                  <a:srgbClr val="FFFF00"/>
+                </a:solidFill>
+                <a:latin typeface="맑은 고딕"/>
+              </a:rPr>
+              <a:t>다른 클래스들을 선언하고 </a:t>
+            </a:r>
+            <a:r>
+              <a:rPr lang="ko-KR" altLang="en-US" sz="1600" dirty="0" err="1" smtClean="0">
+                <a:solidFill>
+                  <a:srgbClr val="FFFF00"/>
+                </a:solidFill>
+                <a:latin typeface="맑은 고딕"/>
+              </a:rPr>
+              <a:t>인스턴스화</a:t>
+            </a:r>
+            <a:r>
+              <a:rPr lang="ko-KR" altLang="en-US" sz="1600" dirty="0" smtClean="0">
+                <a:solidFill>
+                  <a:srgbClr val="FFFF00"/>
+                </a:solidFill>
+                <a:latin typeface="맑은 고딕"/>
+              </a:rPr>
+              <a:t> 해서 </a:t>
+            </a:r>
+            <a:r>
+              <a:rPr lang="en-US" altLang="ko-KR" sz="1600" dirty="0" smtClean="0">
+                <a:solidFill>
+                  <a:srgbClr val="FFFF00"/>
+                </a:solidFill>
+                <a:latin typeface="맑은 고딕"/>
+              </a:rPr>
+              <a:t>RUN</a:t>
+            </a:r>
+            <a:r>
+              <a:rPr lang="ko-KR" altLang="en-US" sz="1600" dirty="0" smtClean="0">
+                <a:solidFill>
+                  <a:srgbClr val="FFFF00"/>
+                </a:solidFill>
+                <a:latin typeface="맑은 고딕"/>
+              </a:rPr>
+              <a:t>한다</a:t>
+            </a:r>
+            <a:r>
+              <a:rPr lang="en-US" altLang="ko-KR" sz="1600" dirty="0" smtClean="0">
+                <a:solidFill>
+                  <a:srgbClr val="FFFF00"/>
+                </a:solidFill>
+                <a:latin typeface="맑은 고딕"/>
+              </a:rPr>
+              <a:t>. </a:t>
+            </a:r>
+            <a:r>
+              <a:rPr lang="en-US" sz="1600" dirty="0" smtClean="0">
+                <a:solidFill>
+                  <a:srgbClr val="FFFF00"/>
+                </a:solidFill>
+                <a:latin typeface="맑은 고딕"/>
+              </a:rPr>
+              <a:t> </a:t>
+            </a:r>
+            <a:endParaRPr lang="en-US" sz="1600" b="0" u="none" strike="noStrike" dirty="0">
+              <a:solidFill>
+                <a:srgbClr val="FFFF00"/>
+              </a:solidFill>
+              <a:effectLst/>
+              <a:uFillTx/>
+              <a:latin typeface="맑은 고딕"/>
+            </a:endParaRPr>
+          </a:p>
+        </p:txBody>
+      </p:sp>
+      <p:sp>
+        <p:nvSpPr>
+          <p:cNvPr id="7" name="PlaceHolder 1"/>
+          <p:cNvSpPr txBox="1">
+            <a:spLocks/>
+          </p:cNvSpPr>
+          <p:nvPr/>
+        </p:nvSpPr>
+        <p:spPr>
+          <a:xfrm>
+            <a:off x="3663758" y="1262982"/>
+            <a:ext cx="5302080" cy="720000"/>
+          </a:xfrm>
+          <a:prstGeom prst="rect">
+            <a:avLst/>
+          </a:prstGeom>
+          <a:noFill/>
+          <a:ln w="12600">
+            <a:noFill/>
+          </a:ln>
+        </p:spPr>
+        <p:txBody>
+          <a:bodyPr lIns="0" tIns="0" rIns="0" bIns="0" anchor="t">
+            <a:normAutofit/>
+          </a:bodyPr>
+          <a:lstStyle>
+            <a:lvl1pPr algn="l" defTabSz="914400" rtl="0" eaLnBrk="1" latinLnBrk="1" hangingPunct="1">
+              <a:lnSpc>
+                <a:spcPct val="90000"/>
+              </a:lnSpc>
+              <a:spcBef>
+                <a:spcPct val="0"/>
+              </a:spcBef>
+              <a:buNone/>
+              <a:defRPr sz="4400" kern="1200">
+                <a:solidFill>
+                  <a:schemeClr val="tx1"/>
+                </a:solidFill>
+                <a:latin typeface="+mj-lt"/>
+                <a:ea typeface="+mj-ea"/>
+                <a:cs typeface="+mj-cs"/>
+              </a:defRPr>
+            </a:lvl1pPr>
+          </a:lstStyle>
+          <a:p>
+            <a:pPr>
+              <a:lnSpc>
+                <a:spcPct val="100000"/>
+              </a:lnSpc>
+              <a:spcBef>
+                <a:spcPts val="1414"/>
+              </a:spcBef>
+            </a:pPr>
+            <a:r>
+              <a:rPr lang="ko-KR" altLang="en-US" sz="1600" dirty="0" smtClean="0">
+                <a:solidFill>
+                  <a:srgbClr val="FFFF00"/>
+                </a:solidFill>
+                <a:latin typeface="맑은 고딕"/>
+              </a:rPr>
+              <a:t>스코어보드의 결과 카운트들을 출력하는 태스크</a:t>
+            </a:r>
+            <a:endParaRPr lang="en-US" altLang="ko-KR" sz="1600" dirty="0" smtClean="0">
+              <a:solidFill>
+                <a:srgbClr val="FFFF00"/>
+              </a:solidFill>
+              <a:latin typeface="맑은 고딕"/>
+            </a:endParaRPr>
+          </a:p>
+          <a:p>
+            <a:pPr>
+              <a:lnSpc>
+                <a:spcPct val="100000"/>
+              </a:lnSpc>
+              <a:spcBef>
+                <a:spcPts val="1414"/>
+              </a:spcBef>
+            </a:pPr>
+            <a:r>
+              <a:rPr lang="ko-KR" altLang="en-US" sz="1600" dirty="0" smtClean="0">
+                <a:solidFill>
+                  <a:srgbClr val="FFFF00"/>
+                </a:solidFill>
+                <a:latin typeface="맑은 고딕"/>
+              </a:rPr>
+              <a:t>주의</a:t>
+            </a:r>
+            <a:r>
+              <a:rPr lang="en-US" altLang="ko-KR" sz="1600" dirty="0" smtClean="0">
+                <a:solidFill>
+                  <a:srgbClr val="FFFF00"/>
+                </a:solidFill>
+                <a:latin typeface="맑은 고딕"/>
+              </a:rPr>
+              <a:t>: </a:t>
+            </a:r>
+            <a:r>
+              <a:rPr lang="en-US" altLang="ko-KR" sz="1600" dirty="0" err="1" smtClean="0">
+                <a:solidFill>
+                  <a:srgbClr val="FFFF00"/>
+                </a:solidFill>
+                <a:latin typeface="맑은 고딕"/>
+              </a:rPr>
+              <a:t>env</a:t>
+            </a:r>
+            <a:r>
+              <a:rPr lang="ko-KR" altLang="en-US" sz="1600" dirty="0" smtClean="0">
+                <a:solidFill>
+                  <a:srgbClr val="FFFF00"/>
+                </a:solidFill>
+                <a:latin typeface="맑은 고딕"/>
+              </a:rPr>
+              <a:t>의 모든 </a:t>
+            </a:r>
+            <a:r>
+              <a:rPr lang="en-US" altLang="ko-KR" sz="1600" dirty="0" smtClean="0">
+                <a:solidFill>
+                  <a:srgbClr val="FFFF00"/>
+                </a:solidFill>
+                <a:latin typeface="맑은 고딕"/>
+              </a:rPr>
+              <a:t>“</a:t>
+            </a:r>
+            <a:r>
+              <a:rPr lang="ko-KR" altLang="en-US" sz="1600" dirty="0" smtClean="0">
+                <a:solidFill>
+                  <a:srgbClr val="FFFF00"/>
+                </a:solidFill>
+                <a:latin typeface="맑은 고딕"/>
+              </a:rPr>
+              <a:t>프로세스</a:t>
+            </a:r>
+            <a:r>
+              <a:rPr lang="en-US" altLang="ko-KR" sz="1600" dirty="0" smtClean="0">
+                <a:solidFill>
+                  <a:srgbClr val="FFFF00"/>
+                </a:solidFill>
+                <a:latin typeface="맑은 고딕"/>
+              </a:rPr>
+              <a:t>”</a:t>
+            </a:r>
+            <a:r>
+              <a:rPr lang="ko-KR" altLang="en-US" sz="1600" dirty="0" smtClean="0">
+                <a:solidFill>
+                  <a:srgbClr val="FFFF00"/>
+                </a:solidFill>
+                <a:latin typeface="맑은 고딕"/>
+              </a:rPr>
+              <a:t>가 끝난 곳에 사용해야한다</a:t>
+            </a:r>
+            <a:r>
+              <a:rPr lang="en-US" altLang="ko-KR" sz="1600" dirty="0" smtClean="0">
+                <a:solidFill>
+                  <a:srgbClr val="FFFF00"/>
+                </a:solidFill>
+                <a:latin typeface="맑은 고딕"/>
+              </a:rPr>
+              <a:t>.</a:t>
+            </a:r>
+          </a:p>
+        </p:txBody>
+      </p:sp>
+      <p:sp>
+        <p:nvSpPr>
+          <p:cNvPr id="10" name="PlaceHolder 1"/>
+          <p:cNvSpPr txBox="1">
+            <a:spLocks/>
+          </p:cNvSpPr>
+          <p:nvPr/>
+        </p:nvSpPr>
+        <p:spPr>
+          <a:xfrm>
+            <a:off x="3663758" y="4512714"/>
+            <a:ext cx="5302080" cy="720000"/>
+          </a:xfrm>
+          <a:prstGeom prst="rect">
+            <a:avLst/>
+          </a:prstGeom>
+          <a:noFill/>
+          <a:ln w="12600">
+            <a:noFill/>
+          </a:ln>
+        </p:spPr>
+        <p:txBody>
+          <a:bodyPr lIns="0" tIns="0" rIns="0" bIns="0" anchor="t">
+            <a:normAutofit/>
+          </a:bodyPr>
+          <a:lstStyle>
+            <a:lvl1pPr algn="l" defTabSz="914400" rtl="0" eaLnBrk="1" latinLnBrk="1" hangingPunct="1">
+              <a:lnSpc>
+                <a:spcPct val="90000"/>
+              </a:lnSpc>
+              <a:spcBef>
+                <a:spcPct val="0"/>
+              </a:spcBef>
+              <a:buNone/>
+              <a:defRPr sz="4400" kern="1200">
+                <a:solidFill>
+                  <a:schemeClr val="tx1"/>
+                </a:solidFill>
+                <a:latin typeface="+mj-lt"/>
+                <a:ea typeface="+mj-ea"/>
+                <a:cs typeface="+mj-cs"/>
+              </a:defRPr>
+            </a:lvl1pPr>
+          </a:lstStyle>
+          <a:p>
+            <a:pPr>
+              <a:lnSpc>
+                <a:spcPct val="100000"/>
+              </a:lnSpc>
+              <a:spcBef>
+                <a:spcPts val="1414"/>
+              </a:spcBef>
+            </a:pPr>
+            <a:r>
+              <a:rPr lang="en-US" altLang="ko-KR" sz="1600" dirty="0" err="1" smtClean="0">
+                <a:solidFill>
+                  <a:srgbClr val="FFFF00"/>
+                </a:solidFill>
+                <a:latin typeface="맑은 고딕"/>
+              </a:rPr>
+              <a:t>Env</a:t>
+            </a:r>
+            <a:r>
+              <a:rPr lang="en-US" altLang="ko-KR" sz="1600" dirty="0" smtClean="0">
+                <a:solidFill>
+                  <a:srgbClr val="FFFF00"/>
+                </a:solidFill>
+                <a:latin typeface="맑은 고딕"/>
+              </a:rPr>
+              <a:t> Run: </a:t>
+            </a:r>
+            <a:r>
+              <a:rPr lang="ko-KR" altLang="en-US" sz="1600" dirty="0" smtClean="0">
+                <a:solidFill>
+                  <a:srgbClr val="FFFF00"/>
+                </a:solidFill>
+                <a:latin typeface="맑은 고딕"/>
+              </a:rPr>
+              <a:t>스레드를 열고 다른 네 클래스의 </a:t>
+            </a:r>
+            <a:r>
+              <a:rPr lang="en-US" altLang="ko-KR" sz="1600" dirty="0" smtClean="0">
+                <a:solidFill>
+                  <a:srgbClr val="FFFF00"/>
+                </a:solidFill>
+                <a:latin typeface="맑은 고딕"/>
+              </a:rPr>
+              <a:t>run</a:t>
+            </a:r>
+            <a:r>
+              <a:rPr lang="ko-KR" altLang="en-US" sz="1600" dirty="0" smtClean="0">
+                <a:solidFill>
+                  <a:srgbClr val="FFFF00"/>
+                </a:solidFill>
+                <a:latin typeface="맑은 고딕"/>
+              </a:rPr>
+              <a:t>을 각각의 스레드로서 동작시킨다</a:t>
+            </a:r>
+            <a:endParaRPr lang="en-US" altLang="ko-KR" sz="1600" dirty="0" smtClean="0">
+              <a:solidFill>
+                <a:srgbClr val="FFFF00"/>
+              </a:solidFill>
+              <a:latin typeface="맑은 고딕"/>
+            </a:endParaRPr>
+          </a:p>
+        </p:txBody>
+      </p:sp>
+    </p:spTree>
+    <p:extLst>
+      <p:ext uri="{BB962C8B-B14F-4D97-AF65-F5344CB8AC3E}">
+        <p14:creationId xmlns:p14="http://schemas.microsoft.com/office/powerpoint/2010/main" val="1834418689"/>
+      </p:ext>
+    </p:extLst>
+  </p:cSld>
+  <p:clrMapOvr>
+    <a:masterClrMapping/>
+  </p:clrMapOvr>
+  <mc:AlternateContent xmlns:mc="http://schemas.openxmlformats.org/markup-compatibility/2006" xmlns:p14="http://schemas.microsoft.com/office/powerpoint/2010/main">
+    <mc:Choice Requires="p14">
+      <p:transition spd="slow" p14:dur="3000"/>
+    </mc:Choice>
+    <mc:Fallback xmlns:p15="http://schemas.microsoft.com/office/powerpoint/2012/main" xmlns="">
       <p:transition spd="slow"/>
     </mc:Fallback>
   </mc:AlternateContent>
@@ -7988,56 +10068,56 @@
 </file>
 
 <file path=ppt/theme/theme1.xml><?xml version="1.0" encoding="utf-8"?>
-<a:theme xmlns:a="http://schemas.openxmlformats.org/drawingml/2006/main" xmlns:r="http://schemas.openxmlformats.org/officeDocument/2006/relationships" name="Office">
+<a:theme xmlns:a="http://schemas.openxmlformats.org/drawingml/2006/main" name="Office">
   <a:themeElements>
     <a:clrScheme name="LibreOffice">
       <a:dk1>
         <a:srgbClr val="000000"/>
       </a:dk1>
       <a:lt1>
-        <a:srgbClr val="ffffff"/>
+        <a:srgbClr val="FFFFFF"/>
       </a:lt1>
       <a:dk2>
         <a:srgbClr val="000000"/>
       </a:dk2>
       <a:lt2>
-        <a:srgbClr val="ffffff"/>
+        <a:srgbClr val="FFFFFF"/>
       </a:lt2>
       <a:accent1>
-        <a:srgbClr val="18a303"/>
+        <a:srgbClr val="18A303"/>
       </a:accent1>
       <a:accent2>
-        <a:srgbClr val="0369a3"/>
+        <a:srgbClr val="0369A3"/>
       </a:accent2>
       <a:accent3>
-        <a:srgbClr val="a33e03"/>
+        <a:srgbClr val="A33E03"/>
       </a:accent3>
       <a:accent4>
-        <a:srgbClr val="8e03a3"/>
+        <a:srgbClr val="8E03A3"/>
       </a:accent4>
       <a:accent5>
-        <a:srgbClr val="c99c00"/>
+        <a:srgbClr val="C99C00"/>
       </a:accent5>
       <a:accent6>
-        <a:srgbClr val="c9211e"/>
+        <a:srgbClr val="C9211E"/>
       </a:accent6>
       <a:hlink>
-        <a:srgbClr val="0000ee"/>
+        <a:srgbClr val="0000EE"/>
       </a:hlink>
       <a:folHlink>
-        <a:srgbClr val="551a8b"/>
+        <a:srgbClr val="551A8B"/>
       </a:folHlink>
     </a:clrScheme>
     <a:fontScheme name="Office">
       <a:majorFont>
-        <a:latin typeface="Arial" pitchFamily="0" charset="1"/>
-        <a:ea typeface="DejaVu Sans" pitchFamily="0" charset="1"/>
-        <a:cs typeface="DejaVu Sans" pitchFamily="0" charset="1"/>
+        <a:latin typeface="Arial"/>
+        <a:ea typeface="DejaVu Sans"/>
+        <a:cs typeface="DejaVu Sans"/>
       </a:majorFont>
       <a:minorFont>
-        <a:latin typeface="Arial" pitchFamily="0" charset="1"/>
-        <a:ea typeface="DejaVu Sans" pitchFamily="0" charset="1"/>
-        <a:cs typeface="DejaVu Sans" pitchFamily="0" charset="1"/>
+        <a:latin typeface="Arial"/>
+        <a:ea typeface="DejaVu Sans"/>
+        <a:cs typeface="DejaVu Sans"/>
       </a:minorFont>
     </a:fontScheme>
     <a:fmtScheme>
@@ -8090,60 +10170,62 @@
       </a:bgFillStyleLst>
     </a:fmtScheme>
   </a:themeElements>
+  <a:objectDefaults/>
+  <a:extraClrSchemeLst/>
 </a:theme>
 </file>
 
-<file path=ppt/theme/theme13.xml><?xml version="1.0" encoding="utf-8"?>
-<a:theme xmlns:a="http://schemas.openxmlformats.org/drawingml/2006/main" xmlns:r="http://schemas.openxmlformats.org/officeDocument/2006/relationships" name="Office Theme">
+<file path=ppt/theme/theme2.xml><?xml version="1.0" encoding="utf-8"?>
+<a:theme xmlns:a="http://schemas.openxmlformats.org/drawingml/2006/main" name="Office Theme">
   <a:themeElements>
     <a:clrScheme name="LibreOffice">
       <a:dk1>
         <a:srgbClr val="000000"/>
       </a:dk1>
       <a:lt1>
-        <a:srgbClr val="ffffff"/>
+        <a:srgbClr val="FFFFFF"/>
       </a:lt1>
       <a:dk2>
         <a:srgbClr val="000000"/>
       </a:dk2>
       <a:lt2>
-        <a:srgbClr val="ffffff"/>
+        <a:srgbClr val="FFFFFF"/>
       </a:lt2>
       <a:accent1>
-        <a:srgbClr val="18a303"/>
+        <a:srgbClr val="18A303"/>
       </a:accent1>
       <a:accent2>
-        <a:srgbClr val="0369a3"/>
+        <a:srgbClr val="0369A3"/>
       </a:accent2>
       <a:accent3>
-        <a:srgbClr val="a33e03"/>
+        <a:srgbClr val="A33E03"/>
       </a:accent3>
       <a:accent4>
-        <a:srgbClr val="8e03a3"/>
+        <a:srgbClr val="8E03A3"/>
       </a:accent4>
       <a:accent5>
-        <a:srgbClr val="c99c00"/>
+        <a:srgbClr val="C99C00"/>
       </a:accent5>
       <a:accent6>
-        <a:srgbClr val="c9211e"/>
+        <a:srgbClr val="C9211E"/>
       </a:accent6>
       <a:hlink>
-        <a:srgbClr val="0000ee"/>
+        <a:srgbClr val="0000EE"/>
       </a:hlink>
       <a:folHlink>
-        <a:srgbClr val="551a8b"/>
+        <a:srgbClr val="551A8B"/>
       </a:folHlink>
     </a:clrScheme>
     <a:fontScheme name="Office">
       <a:majorFont>
-        <a:latin typeface="Arial" pitchFamily="0" charset="1"/>
-        <a:ea typeface="DejaVu Sans" pitchFamily="0" charset="1"/>
-        <a:cs typeface="DejaVu Sans" pitchFamily="0" charset="1"/>
+        <a:latin typeface="Arial"/>
+        <a:ea typeface="DejaVu Sans"/>
+        <a:cs typeface="DejaVu Sans"/>
       </a:majorFont>
       <a:minorFont>
-        <a:latin typeface="Arial" pitchFamily="0" charset="1"/>
-        <a:ea typeface="DejaVu Sans" pitchFamily="0" charset="1"/>
-        <a:cs typeface="DejaVu Sans" pitchFamily="0" charset="1"/>
+        <a:latin typeface="Arial"/>
+        <a:ea typeface="DejaVu Sans"/>
+        <a:cs typeface="DejaVu Sans"/>
       </a:minorFont>
     </a:fontScheme>
     <a:fmtScheme>
@@ -8196,5 +10278,7 @@
       </a:bgFillStyleLst>
     </a:fmtScheme>
   </a:themeElements>
+  <a:objectDefaults/>
+  <a:extraClrSchemeLst/>
 </a:theme>
 </file>